--- a/授業スライド/制御授業資料0_授業に当たって.pptx
+++ b/授業スライド/制御授業資料0_授業に当たって.pptx
@@ -5,7 +5,7 @@
     <p:sldMasterId id="2147483648" r:id="rId1"/>
   </p:sldMasterIdLst>
   <p:notesMasterIdLst>
-    <p:notesMasterId r:id="rId10"/>
+    <p:notesMasterId r:id="rId9"/>
   </p:notesMasterIdLst>
   <p:sldIdLst>
     <p:sldId id="259" r:id="rId2"/>
@@ -15,7 +15,6 @@
     <p:sldId id="258" r:id="rId6"/>
     <p:sldId id="265" r:id="rId7"/>
     <p:sldId id="261" r:id="rId8"/>
-    <p:sldId id="263" r:id="rId9"/>
   </p:sldIdLst>
   <p:sldSz cx="12192000" cy="6858000"/>
   <p:notesSz cx="6858000" cy="9144000"/>
@@ -1745,117 +1744,6 @@
           <a:bodyPr/>
           <a:lstStyle/>
           <a:p>
-            <a:r>
-              <a:rPr kumimoji="1" lang="ja-JP" altLang="en-US" dirty="0">
-                <a:latin typeface="ＭＳ Ｐゴシック" panose="020B0600070205080204" pitchFamily="50" charset="-128"/>
-                <a:ea typeface="ＭＳ Ｐゴシック" panose="020B0600070205080204" pitchFamily="50" charset="-128"/>
-              </a:rPr>
-              <a:t>ファイルというのは、ファイル名と拡張子が付いているデータのことです。</a:t>
-            </a:r>
-            <a:endParaRPr kumimoji="1" lang="en-US" altLang="ja-JP" dirty="0">
-              <a:latin typeface="ＭＳ Ｐゴシック" panose="020B0600070205080204" pitchFamily="50" charset="-128"/>
-              <a:ea typeface="ＭＳ Ｐゴシック" panose="020B0600070205080204" pitchFamily="50" charset="-128"/>
-            </a:endParaRPr>
-          </a:p>
-          <a:p>
-            <a:endParaRPr kumimoji="1" lang="en-US" altLang="ja-JP" dirty="0">
-              <a:latin typeface="ＭＳ Ｐゴシック" panose="020B0600070205080204" pitchFamily="50" charset="-128"/>
-              <a:ea typeface="ＭＳ Ｐゴシック" panose="020B0600070205080204" pitchFamily="50" charset="-128"/>
-            </a:endParaRPr>
-          </a:p>
-          <a:p>
-            <a:r>
-              <a:rPr kumimoji="1" lang="ja-JP" altLang="en-US" dirty="0">
-                <a:latin typeface="ＭＳ Ｐゴシック" panose="020B0600070205080204" pitchFamily="50" charset="-128"/>
-                <a:ea typeface="ＭＳ Ｐゴシック" panose="020B0600070205080204" pitchFamily="50" charset="-128"/>
-              </a:rPr>
-              <a:t>例として～があります。</a:t>
-            </a:r>
-            <a:endParaRPr kumimoji="1" lang="en-US" altLang="ja-JP" dirty="0">
-              <a:latin typeface="ＭＳ Ｐゴシック" panose="020B0600070205080204" pitchFamily="50" charset="-128"/>
-              <a:ea typeface="ＭＳ Ｐゴシック" panose="020B0600070205080204" pitchFamily="50" charset="-128"/>
-            </a:endParaRPr>
-          </a:p>
-          <a:p>
-            <a:r>
-              <a:rPr kumimoji="1" lang="ja-JP" altLang="en-US" dirty="0">
-                <a:latin typeface="ＭＳ Ｐゴシック" panose="020B0600070205080204" pitchFamily="50" charset="-128"/>
-                <a:ea typeface="ＭＳ Ｐゴシック" panose="020B0600070205080204" pitchFamily="50" charset="-128"/>
-              </a:rPr>
-              <a:t>なので、いろんなデータを詰め込んだ</a:t>
-            </a:r>
-            <a:r>
-              <a:rPr kumimoji="1" lang="en-US" altLang="ja-JP" dirty="0">
-                <a:latin typeface="ＭＳ Ｐゴシック" panose="020B0600070205080204" pitchFamily="50" charset="-128"/>
-                <a:ea typeface="ＭＳ Ｐゴシック" panose="020B0600070205080204" pitchFamily="50" charset="-128"/>
-              </a:rPr>
-              <a:t>Zip</a:t>
-            </a:r>
-            <a:r>
-              <a:rPr kumimoji="1" lang="ja-JP" altLang="en-US" dirty="0">
-                <a:latin typeface="ＭＳ Ｐゴシック" panose="020B0600070205080204" pitchFamily="50" charset="-128"/>
-                <a:ea typeface="ＭＳ Ｐゴシック" panose="020B0600070205080204" pitchFamily="50" charset="-128"/>
-              </a:rPr>
-              <a:t>もファイルの一部に当たります。</a:t>
-            </a:r>
-            <a:endParaRPr kumimoji="1" lang="en-US" altLang="ja-JP" dirty="0">
-              <a:latin typeface="ＭＳ Ｐゴシック" panose="020B0600070205080204" pitchFamily="50" charset="-128"/>
-              <a:ea typeface="ＭＳ Ｐゴシック" panose="020B0600070205080204" pitchFamily="50" charset="-128"/>
-            </a:endParaRPr>
-          </a:p>
-          <a:p>
-            <a:endParaRPr kumimoji="1" lang="en-US" altLang="ja-JP" dirty="0">
-              <a:latin typeface="ＭＳ Ｐゴシック" panose="020B0600070205080204" pitchFamily="50" charset="-128"/>
-              <a:ea typeface="ＭＳ Ｐゴシック" panose="020B0600070205080204" pitchFamily="50" charset="-128"/>
-            </a:endParaRPr>
-          </a:p>
-          <a:p>
-            <a:r>
-              <a:rPr kumimoji="1" lang="ja-JP" altLang="en-US" dirty="0">
-                <a:latin typeface="ＭＳ Ｐゴシック" panose="020B0600070205080204" pitchFamily="50" charset="-128"/>
-                <a:ea typeface="ＭＳ Ｐゴシック" panose="020B0600070205080204" pitchFamily="50" charset="-128"/>
-              </a:rPr>
-              <a:t>フォルダはディレクトリと呼ぶことがあります。</a:t>
-            </a:r>
-            <a:endParaRPr kumimoji="1" lang="en-US" altLang="ja-JP" dirty="0">
-              <a:latin typeface="ＭＳ Ｐゴシック" panose="020B0600070205080204" pitchFamily="50" charset="-128"/>
-              <a:ea typeface="ＭＳ Ｐゴシック" panose="020B0600070205080204" pitchFamily="50" charset="-128"/>
-            </a:endParaRPr>
-          </a:p>
-          <a:p>
-            <a:r>
-              <a:rPr kumimoji="1" lang="ja-JP" altLang="en-US" dirty="0">
-                <a:latin typeface="ＭＳ Ｐゴシック" panose="020B0600070205080204" pitchFamily="50" charset="-128"/>
-                <a:ea typeface="ＭＳ Ｐゴシック" panose="020B0600070205080204" pitchFamily="50" charset="-128"/>
-              </a:rPr>
-              <a:t>フォルダの中にはファイルを入れることができます。</a:t>
-            </a:r>
-            <a:endParaRPr kumimoji="1" lang="en-US" altLang="ja-JP" dirty="0">
-              <a:latin typeface="ＭＳ Ｐゴシック" panose="020B0600070205080204" pitchFamily="50" charset="-128"/>
-              <a:ea typeface="ＭＳ Ｐゴシック" panose="020B0600070205080204" pitchFamily="50" charset="-128"/>
-            </a:endParaRPr>
-          </a:p>
-          <a:p>
-            <a:r>
-              <a:rPr kumimoji="1" lang="ja-JP" altLang="en-US" dirty="0">
-                <a:latin typeface="ＭＳ Ｐゴシック" panose="020B0600070205080204" pitchFamily="50" charset="-128"/>
-                <a:ea typeface="ＭＳ Ｐゴシック" panose="020B0600070205080204" pitchFamily="50" charset="-128"/>
-              </a:rPr>
-              <a:t>フォルダ名が付き、拡張子はありません。</a:t>
-            </a:r>
-            <a:endParaRPr kumimoji="1" lang="en-US" altLang="ja-JP" dirty="0">
-              <a:latin typeface="ＭＳ Ｐゴシック" panose="020B0600070205080204" pitchFamily="50" charset="-128"/>
-              <a:ea typeface="ＭＳ Ｐゴシック" panose="020B0600070205080204" pitchFamily="50" charset="-128"/>
-            </a:endParaRPr>
-          </a:p>
-          <a:p>
-            <a:r>
-              <a:rPr kumimoji="1" lang="ja-JP" altLang="en-US" dirty="0">
-                <a:latin typeface="ＭＳ Ｐゴシック" panose="020B0600070205080204" pitchFamily="50" charset="-128"/>
-                <a:ea typeface="ＭＳ Ｐゴシック" panose="020B0600070205080204" pitchFamily="50" charset="-128"/>
-              </a:rPr>
-              <a:t>また、そのディレクトリの層一帯を階層と呼ぶことが多いです。</a:t>
-            </a:r>
             <a:endParaRPr kumimoji="1" lang="en-US" altLang="ja-JP" dirty="0">
               <a:latin typeface="ＭＳ Ｐゴシック" panose="020B0600070205080204" pitchFamily="50" charset="-128"/>
               <a:ea typeface="ＭＳ Ｐゴシック" panose="020B0600070205080204" pitchFamily="50" charset="-128"/>
@@ -1951,492 +1839,6 @@
                 <a:spcPts val="0"/>
               </a:spcAft>
             </a:pPr>
-            <a:r>
-              <a:rPr lang="ja-JP" altLang="en-US" dirty="0">
-                <a:effectLst/>
-              </a:rPr>
-              <a:t>ルートディレクトリというのは</a:t>
-            </a:r>
-            <a:endParaRPr lang="en-US" altLang="ja-JP" dirty="0">
-              <a:effectLst/>
-            </a:endParaRPr>
-          </a:p>
-          <a:p>
-            <a:pPr marL="0" algn="l" rtl="0" eaLnBrk="1" latinLnBrk="0" hangingPunct="1">
-              <a:spcBef>
-                <a:spcPts val="0"/>
-              </a:spcBef>
-              <a:spcAft>
-                <a:spcPts val="0"/>
-              </a:spcAft>
-            </a:pPr>
-            <a:r>
-              <a:rPr lang="ja-JP" altLang="en-US" dirty="0">
-                <a:effectLst/>
-              </a:rPr>
-              <a:t>一番上に位置しているディレクトリのことで、</a:t>
-            </a:r>
-            <a:endParaRPr lang="en-US" altLang="ja-JP" dirty="0">
-              <a:effectLst/>
-            </a:endParaRPr>
-          </a:p>
-          <a:p>
-            <a:pPr marL="0" algn="l" rtl="0" eaLnBrk="1" latinLnBrk="0" hangingPunct="1">
-              <a:spcBef>
-                <a:spcPts val="0"/>
-              </a:spcBef>
-              <a:spcAft>
-                <a:spcPts val="0"/>
-              </a:spcAft>
-            </a:pPr>
-            <a:r>
-              <a:rPr lang="ja-JP" altLang="en-US" dirty="0">
-                <a:effectLst/>
-              </a:rPr>
-              <a:t>すべてのファイルやディレクトリは</a:t>
-            </a:r>
-            <a:endParaRPr lang="en-US" altLang="ja-JP" dirty="0">
-              <a:effectLst/>
-            </a:endParaRPr>
-          </a:p>
-          <a:p>
-            <a:pPr marL="0" algn="l" rtl="0" eaLnBrk="1" latinLnBrk="0" hangingPunct="1">
-              <a:spcBef>
-                <a:spcPts val="0"/>
-              </a:spcBef>
-              <a:spcAft>
-                <a:spcPts val="0"/>
-              </a:spcAft>
-            </a:pPr>
-            <a:r>
-              <a:rPr lang="ja-JP" altLang="en-US" dirty="0">
-                <a:effectLst/>
-              </a:rPr>
-              <a:t>ルートディレクトリを根とした</a:t>
-            </a:r>
-            <a:endParaRPr lang="en-US" altLang="ja-JP" dirty="0">
-              <a:effectLst/>
-            </a:endParaRPr>
-          </a:p>
-          <a:p>
-            <a:pPr marL="0" algn="l" rtl="0" eaLnBrk="1" latinLnBrk="0" hangingPunct="1">
-              <a:spcBef>
-                <a:spcPts val="0"/>
-              </a:spcBef>
-              <a:spcAft>
-                <a:spcPts val="0"/>
-              </a:spcAft>
-            </a:pPr>
-            <a:r>
-              <a:rPr lang="ja-JP" altLang="en-US" dirty="0">
-                <a:effectLst/>
-              </a:rPr>
-              <a:t>木のような構造になっています。</a:t>
-            </a:r>
-            <a:endParaRPr lang="en-US" altLang="ja-JP" dirty="0">
-              <a:effectLst/>
-            </a:endParaRPr>
-          </a:p>
-          <a:p>
-            <a:pPr marL="0" algn="l" rtl="0" eaLnBrk="1" latinLnBrk="0" hangingPunct="1">
-              <a:spcBef>
-                <a:spcPts val="0"/>
-              </a:spcBef>
-              <a:spcAft>
-                <a:spcPts val="0"/>
-              </a:spcAft>
-            </a:pPr>
-            <a:r>
-              <a:rPr lang="ja-JP" altLang="en-US" dirty="0">
-                <a:effectLst/>
-              </a:rPr>
-              <a:t>この構造のことをツリー、または階層構造とも言ったりします。</a:t>
-            </a:r>
-            <a:endParaRPr lang="en-US" altLang="ja-JP" sz="1200" dirty="0">
-              <a:solidFill>
-                <a:schemeClr val="tx1"/>
-              </a:solidFill>
-              <a:effectLst/>
-              <a:latin typeface="+mn-lt"/>
-              <a:ea typeface="+mn-ea"/>
-            </a:endParaRPr>
-          </a:p>
-          <a:p>
-            <a:pPr marL="0" algn="l" rtl="0" eaLnBrk="1" latinLnBrk="0" hangingPunct="1">
-              <a:spcBef>
-                <a:spcPts val="0"/>
-              </a:spcBef>
-              <a:spcAft>
-                <a:spcPts val="0"/>
-              </a:spcAft>
-            </a:pPr>
-            <a:r>
-              <a:rPr lang="ja-JP" altLang="en-US" sz="1200" dirty="0">
-                <a:solidFill>
-                  <a:schemeClr val="tx1"/>
-                </a:solidFill>
-                <a:effectLst/>
-                <a:latin typeface="+mn-lt"/>
-                <a:ea typeface="+mn-ea"/>
-              </a:rPr>
-              <a:t>また、</a:t>
-            </a:r>
-            <a:r>
-              <a:rPr lang="ja-JP" altLang="en-US" sz="1200" dirty="0">
-                <a:solidFill>
-                  <a:srgbClr val="03BDBA"/>
-                </a:solidFill>
-                <a:latin typeface="コーポレート・ロゴ ver2 Medium" panose="02000600000000000000" pitchFamily="50" charset="-128"/>
-                <a:ea typeface="コーポレート・ロゴ ver2 Medium" panose="02000600000000000000" pitchFamily="50" charset="-128"/>
-              </a:rPr>
-              <a:t>絶対パス</a:t>
-            </a:r>
-            <a:r>
-              <a:rPr lang="ja-JP" altLang="en-US" sz="1200" dirty="0">
-                <a:latin typeface="コーポレート・ロゴ ver2 Medium" panose="02000600000000000000" pitchFamily="50" charset="-128"/>
-                <a:ea typeface="コーポレート・ロゴ ver2 Medium" panose="02000600000000000000" pitchFamily="50" charset="-128"/>
-              </a:rPr>
-              <a:t>でファイルやディレクトリ指定する際の</a:t>
-            </a:r>
-            <a:endParaRPr lang="en-US" altLang="ja-JP" sz="1200" dirty="0">
-              <a:latin typeface="コーポレート・ロゴ ver2 Medium" panose="02000600000000000000" pitchFamily="50" charset="-128"/>
-              <a:ea typeface="コーポレート・ロゴ ver2 Medium" panose="02000600000000000000" pitchFamily="50" charset="-128"/>
-            </a:endParaRPr>
-          </a:p>
-          <a:p>
-            <a:pPr marL="0" algn="l" rtl="0" eaLnBrk="1" latinLnBrk="0" hangingPunct="1">
-              <a:spcBef>
-                <a:spcPts val="0"/>
-              </a:spcBef>
-              <a:spcAft>
-                <a:spcPts val="0"/>
-              </a:spcAft>
-            </a:pPr>
-            <a:r>
-              <a:rPr lang="ja-JP" altLang="en-US" sz="1200" dirty="0">
-                <a:latin typeface="コーポレート・ロゴ ver2 Medium" panose="02000600000000000000" pitchFamily="50" charset="-128"/>
-                <a:ea typeface="コーポレート・ロゴ ver2 Medium" panose="02000600000000000000" pitchFamily="50" charset="-128"/>
-              </a:rPr>
-              <a:t>基準の位置になります。</a:t>
-            </a:r>
-            <a:endParaRPr lang="en-US" altLang="ja-JP" sz="1200" dirty="0">
-              <a:latin typeface="コーポレート・ロゴ ver2 Medium" panose="02000600000000000000" pitchFamily="50" charset="-128"/>
-              <a:ea typeface="コーポレート・ロゴ ver2 Medium" panose="02000600000000000000" pitchFamily="50" charset="-128"/>
-            </a:endParaRPr>
-          </a:p>
-          <a:p>
-            <a:pPr marL="0" algn="l" rtl="0" eaLnBrk="1" latinLnBrk="0" hangingPunct="1">
-              <a:spcBef>
-                <a:spcPts val="0"/>
-              </a:spcBef>
-              <a:spcAft>
-                <a:spcPts val="0"/>
-              </a:spcAft>
-            </a:pPr>
-            <a:endParaRPr lang="en-US" altLang="ja-JP" dirty="0">
-              <a:effectLst/>
-            </a:endParaRPr>
-          </a:p>
-          <a:p>
-            <a:pPr marL="0" algn="l" rtl="0" eaLnBrk="1" latinLnBrk="0" hangingPunct="1">
-              <a:spcBef>
-                <a:spcPts val="0"/>
-              </a:spcBef>
-              <a:spcAft>
-                <a:spcPts val="0"/>
-              </a:spcAft>
-            </a:pPr>
-            <a:endParaRPr lang="en-US" altLang="ja-JP" dirty="0">
-              <a:effectLst/>
-            </a:endParaRPr>
-          </a:p>
-          <a:p>
-            <a:pPr marL="0" algn="l" rtl="0" eaLnBrk="1" latinLnBrk="0" hangingPunct="1">
-              <a:spcBef>
-                <a:spcPts val="0"/>
-              </a:spcBef>
-              <a:spcAft>
-                <a:spcPts val="0"/>
-              </a:spcAft>
-            </a:pPr>
-            <a:r>
-              <a:rPr lang="ja-JP" altLang="en-US" dirty="0">
-                <a:effectLst/>
-              </a:rPr>
-              <a:t>カレントディレクトリというのは</a:t>
-            </a:r>
-            <a:endParaRPr lang="en-US" altLang="ja-JP" dirty="0">
-              <a:effectLst/>
-            </a:endParaRPr>
-          </a:p>
-          <a:p>
-            <a:pPr marL="0" algn="l" rtl="0" eaLnBrk="1" latinLnBrk="0" hangingPunct="1">
-              <a:spcBef>
-                <a:spcPts val="0"/>
-              </a:spcBef>
-              <a:spcAft>
-                <a:spcPts val="0"/>
-              </a:spcAft>
-            </a:pPr>
-            <a:r>
-              <a:rPr lang="ja-JP" altLang="en-US" dirty="0">
-                <a:effectLst/>
-              </a:rPr>
-              <a:t>現在いる階層、ディレクトリのことを指します。</a:t>
-            </a:r>
-            <a:endParaRPr lang="en-US" altLang="ja-JP" dirty="0">
-              <a:effectLst/>
-            </a:endParaRPr>
-          </a:p>
-          <a:p>
-            <a:pPr marL="0" algn="l" rtl="0" eaLnBrk="1" latinLnBrk="0" hangingPunct="1">
-              <a:spcBef>
-                <a:spcPts val="0"/>
-              </a:spcBef>
-              <a:spcAft>
-                <a:spcPts val="0"/>
-              </a:spcAft>
-            </a:pPr>
-            <a:r>
-              <a:rPr lang="ja-JP" altLang="en-US" dirty="0">
-                <a:effectLst/>
-              </a:rPr>
-              <a:t>相対パスでファイルやディレクトリを指定する際の</a:t>
-            </a:r>
-            <a:endParaRPr lang="en-US" altLang="ja-JP" dirty="0">
-              <a:effectLst/>
-            </a:endParaRPr>
-          </a:p>
-          <a:p>
-            <a:pPr marL="0" algn="l" rtl="0" eaLnBrk="1" latinLnBrk="0" hangingPunct="1">
-              <a:spcBef>
-                <a:spcPts val="0"/>
-              </a:spcBef>
-              <a:spcAft>
-                <a:spcPts val="0"/>
-              </a:spcAft>
-            </a:pPr>
-            <a:r>
-              <a:rPr lang="ja-JP" altLang="en-US" dirty="0">
-                <a:effectLst/>
-              </a:rPr>
-              <a:t>基準の位置になります。</a:t>
-            </a:r>
-            <a:endParaRPr lang="en-US" altLang="ja-JP" dirty="0">
-              <a:effectLst/>
-            </a:endParaRPr>
-          </a:p>
-          <a:p>
-            <a:pPr marL="0" algn="l" rtl="0" eaLnBrk="1" latinLnBrk="0" hangingPunct="1">
-              <a:spcBef>
-                <a:spcPts val="0"/>
-              </a:spcBef>
-              <a:spcAft>
-                <a:spcPts val="0"/>
-              </a:spcAft>
-            </a:pPr>
-            <a:endParaRPr lang="en-US" altLang="ja-JP" dirty="0">
-              <a:effectLst/>
-            </a:endParaRPr>
-          </a:p>
-          <a:p>
-            <a:pPr marL="0" algn="l" rtl="0" eaLnBrk="1" latinLnBrk="0" hangingPunct="1">
-              <a:spcBef>
-                <a:spcPts val="0"/>
-              </a:spcBef>
-              <a:spcAft>
-                <a:spcPts val="0"/>
-              </a:spcAft>
-            </a:pPr>
-            <a:r>
-              <a:rPr lang="ja-JP" altLang="en-US" dirty="0">
-                <a:effectLst/>
-              </a:rPr>
-              <a:t>絶対パス、相対パスについては後程説明しますが、</a:t>
-            </a:r>
-            <a:endParaRPr lang="en-US" altLang="ja-JP" dirty="0">
-              <a:effectLst/>
-            </a:endParaRPr>
-          </a:p>
-          <a:p>
-            <a:pPr marL="0" algn="l" rtl="0" eaLnBrk="1" latinLnBrk="0" hangingPunct="1">
-              <a:spcBef>
-                <a:spcPts val="0"/>
-              </a:spcBef>
-              <a:spcAft>
-                <a:spcPts val="0"/>
-              </a:spcAft>
-            </a:pPr>
-            <a:r>
-              <a:rPr lang="ja-JP" altLang="en-US" dirty="0">
-                <a:effectLst/>
-              </a:rPr>
-              <a:t>それぞれの特徴を覚えておいてください。</a:t>
-            </a:r>
-            <a:endParaRPr lang="en-US" altLang="ja-JP" dirty="0">
-              <a:effectLst/>
-            </a:endParaRPr>
-          </a:p>
-          <a:p>
-            <a:pPr marL="0" algn="l" rtl="0" eaLnBrk="1" latinLnBrk="0" hangingPunct="1">
-              <a:spcBef>
-                <a:spcPts val="0"/>
-              </a:spcBef>
-              <a:spcAft>
-                <a:spcPts val="0"/>
-              </a:spcAft>
-            </a:pPr>
-            <a:endParaRPr lang="ja-JP" altLang="ja-JP" dirty="0">
-              <a:effectLst/>
-            </a:endParaRPr>
-          </a:p>
-          <a:p>
-            <a:pPr marL="0" algn="l" rtl="0" eaLnBrk="1" latinLnBrk="0" hangingPunct="1">
-              <a:spcBef>
-                <a:spcPts val="0"/>
-              </a:spcBef>
-              <a:spcAft>
-                <a:spcPts val="0"/>
-              </a:spcAft>
-            </a:pPr>
-            <a:r>
-              <a:rPr kumimoji="1" lang="ja-JP" altLang="ja-JP" sz="1800" kern="1200" dirty="0">
-                <a:solidFill>
-                  <a:srgbClr val="000000"/>
-                </a:solidFill>
-                <a:effectLst/>
-                <a:latin typeface="ＭＳ Ｐゴシック" panose="020B0600070205080204" pitchFamily="50" charset="-128"/>
-                <a:ea typeface="ＭＳ Ｐゴシック" panose="020B0600070205080204" pitchFamily="50" charset="-128"/>
-                <a:cs typeface="+mn-cs"/>
-              </a:rPr>
-              <a:t>一つ上の階層のことを指すときに</a:t>
-            </a:r>
-            <a:endParaRPr lang="ja-JP" altLang="ja-JP" dirty="0">
-              <a:effectLst/>
-            </a:endParaRPr>
-          </a:p>
-          <a:p>
-            <a:pPr marL="0" algn="l" rtl="0" eaLnBrk="1" latinLnBrk="0" hangingPunct="1">
-              <a:spcBef>
-                <a:spcPts val="0"/>
-              </a:spcBef>
-              <a:spcAft>
-                <a:spcPts val="0"/>
-              </a:spcAft>
-            </a:pPr>
-            <a:r>
-              <a:rPr kumimoji="1" lang="ja-JP" altLang="ja-JP" sz="1800" kern="1200" dirty="0">
-                <a:solidFill>
-                  <a:srgbClr val="000000"/>
-                </a:solidFill>
-                <a:effectLst/>
-                <a:latin typeface="ＭＳ Ｐゴシック" panose="020B0600070205080204" pitchFamily="50" charset="-128"/>
-                <a:ea typeface="ＭＳ Ｐゴシック" panose="020B0600070205080204" pitchFamily="50" charset="-128"/>
-                <a:cs typeface="+mn-cs"/>
-              </a:rPr>
-              <a:t>親フォルダ、親ディレクトリという言い方をします。</a:t>
-            </a:r>
-            <a:endParaRPr kumimoji="1" lang="en-US" altLang="ja-JP" sz="1800" kern="1200" dirty="0">
-              <a:solidFill>
-                <a:srgbClr val="000000"/>
-              </a:solidFill>
-              <a:effectLst/>
-              <a:latin typeface="ＭＳ Ｐゴシック" panose="020B0600070205080204" pitchFamily="50" charset="-128"/>
-              <a:ea typeface="ＭＳ Ｐゴシック" panose="020B0600070205080204" pitchFamily="50" charset="-128"/>
-              <a:cs typeface="+mn-cs"/>
-            </a:endParaRPr>
-          </a:p>
-          <a:p>
-            <a:pPr marL="0" algn="l" rtl="0" eaLnBrk="1" latinLnBrk="0" hangingPunct="1">
-              <a:spcBef>
-                <a:spcPts val="0"/>
-              </a:spcBef>
-              <a:spcAft>
-                <a:spcPts val="0"/>
-              </a:spcAft>
-            </a:pPr>
-            <a:endParaRPr kumimoji="1" lang="en-US" altLang="ja-JP" sz="1800" kern="1200" dirty="0">
-              <a:solidFill>
-                <a:srgbClr val="000000"/>
-              </a:solidFill>
-              <a:effectLst/>
-              <a:latin typeface="ＭＳ Ｐゴシック" panose="020B0600070205080204" pitchFamily="50" charset="-128"/>
-              <a:ea typeface="ＭＳ Ｐゴシック" panose="020B0600070205080204" pitchFamily="50" charset="-128"/>
-              <a:cs typeface="+mn-cs"/>
-            </a:endParaRPr>
-          </a:p>
-          <a:p>
-            <a:pPr marL="0" algn="l" rtl="0" eaLnBrk="1" latinLnBrk="0" hangingPunct="1">
-              <a:spcBef>
-                <a:spcPts val="0"/>
-              </a:spcBef>
-              <a:spcAft>
-                <a:spcPts val="0"/>
-              </a:spcAft>
-            </a:pPr>
-            <a:r>
-              <a:rPr lang="ja-JP" altLang="en-US" dirty="0">
-                <a:effectLst/>
-              </a:rPr>
-              <a:t>カレントディレクトリ、親ディレクトリで示すものは同じですが、</a:t>
-            </a:r>
-            <a:endParaRPr lang="en-US" altLang="ja-JP" dirty="0">
-              <a:effectLst/>
-            </a:endParaRPr>
-          </a:p>
-          <a:p>
-            <a:pPr marL="0" algn="l" rtl="0" eaLnBrk="1" latinLnBrk="0" hangingPunct="1">
-              <a:spcBef>
-                <a:spcPts val="0"/>
-              </a:spcBef>
-              <a:spcAft>
-                <a:spcPts val="0"/>
-              </a:spcAft>
-            </a:pPr>
-            <a:r>
-              <a:rPr lang="ja-JP" altLang="en-US" dirty="0">
-                <a:effectLst/>
-              </a:rPr>
-              <a:t>現在の位置を言いたいときはカレントディレクトリ、</a:t>
-            </a:r>
-            <a:endParaRPr lang="en-US" altLang="ja-JP" dirty="0">
-              <a:effectLst/>
-            </a:endParaRPr>
-          </a:p>
-          <a:p>
-            <a:pPr marL="0" algn="l" rtl="0" eaLnBrk="1" latinLnBrk="0" hangingPunct="1">
-              <a:spcBef>
-                <a:spcPts val="0"/>
-              </a:spcBef>
-              <a:spcAft>
-                <a:spcPts val="0"/>
-              </a:spcAft>
-            </a:pPr>
-            <a:r>
-              <a:rPr lang="ja-JP" altLang="en-US" dirty="0">
-                <a:effectLst/>
-              </a:rPr>
-              <a:t>一つ上の階層だということを言いたいときは親ディレクトリと</a:t>
-            </a:r>
-            <a:endParaRPr lang="en-US" altLang="ja-JP" dirty="0">
-              <a:effectLst/>
-            </a:endParaRPr>
-          </a:p>
-          <a:p>
-            <a:pPr marL="0" algn="l" rtl="0" eaLnBrk="1" latinLnBrk="0" hangingPunct="1">
-              <a:spcBef>
-                <a:spcPts val="0"/>
-              </a:spcBef>
-              <a:spcAft>
-                <a:spcPts val="0"/>
-              </a:spcAft>
-            </a:pPr>
-            <a:r>
-              <a:rPr lang="ja-JP" altLang="en-US" dirty="0">
-                <a:effectLst/>
-              </a:rPr>
-              <a:t>使い分けるようにしましょう。</a:t>
-            </a:r>
             <a:endParaRPr lang="en-US" altLang="ja-JP" dirty="0">
               <a:effectLst/>
             </a:endParaRPr>
@@ -2722,93 +2124,6 @@
     <p:extLst>
       <p:ext uri="{BB962C8B-B14F-4D97-AF65-F5344CB8AC3E}">
         <p14:creationId xmlns:p14="http://schemas.microsoft.com/office/powerpoint/2010/main" val="1340738197"/>
-      </p:ext>
-    </p:extLst>
-  </p:cSld>
-  <p:clrMapOvr>
-    <a:masterClrMapping/>
-  </p:clrMapOvr>
-</p:notes>
-</file>
-
-<file path=ppt/notesSlides/notesSlide7.xml><?xml version="1.0" encoding="utf-8"?>
-<p:notes xmlns:a="http://schemas.openxmlformats.org/drawingml/2006/main" xmlns:r="http://schemas.openxmlformats.org/officeDocument/2006/relationships" xmlns:p="http://schemas.openxmlformats.org/presentationml/2006/main">
-  <p:cSld>
-    <p:spTree>
-      <p:nvGrpSpPr>
-        <p:cNvPr id="1" name=""/>
-        <p:cNvGrpSpPr/>
-        <p:nvPr/>
-      </p:nvGrpSpPr>
-      <p:grpSpPr>
-        <a:xfrm>
-          <a:off x="0" y="0"/>
-          <a:ext cx="0" cy="0"/>
-          <a:chOff x="0" y="0"/>
-          <a:chExt cx="0" cy="0"/>
-        </a:xfrm>
-      </p:grpSpPr>
-      <p:sp>
-        <p:nvSpPr>
-          <p:cNvPr id="2" name="スライド イメージ プレースホルダー 1"/>
-          <p:cNvSpPr>
-            <a:spLocks noGrp="1" noRot="1" noChangeAspect="1"/>
-          </p:cNvSpPr>
-          <p:nvPr>
-            <p:ph type="sldImg"/>
-          </p:nvPr>
-        </p:nvSpPr>
-        <p:spPr/>
-      </p:sp>
-      <p:sp>
-        <p:nvSpPr>
-          <p:cNvPr id="3" name="ノート プレースホルダー 2"/>
-          <p:cNvSpPr>
-            <a:spLocks noGrp="1"/>
-          </p:cNvSpPr>
-          <p:nvPr>
-            <p:ph type="body" idx="1"/>
-          </p:nvPr>
-        </p:nvSpPr>
-        <p:spPr/>
-        <p:txBody>
-          <a:bodyPr/>
-          <a:lstStyle/>
-          <a:p>
-            <a:endParaRPr kumimoji="1" lang="en-US" altLang="ja-JP" dirty="0">
-              <a:latin typeface="ＭＳ Ｐゴシック" panose="020B0600070205080204" pitchFamily="50" charset="-128"/>
-              <a:ea typeface="ＭＳ Ｐゴシック" panose="020B0600070205080204" pitchFamily="50" charset="-128"/>
-            </a:endParaRPr>
-          </a:p>
-        </p:txBody>
-      </p:sp>
-      <p:sp>
-        <p:nvSpPr>
-          <p:cNvPr id="4" name="スライド番号プレースホルダー 3"/>
-          <p:cNvSpPr>
-            <a:spLocks noGrp="1"/>
-          </p:cNvSpPr>
-          <p:nvPr>
-            <p:ph type="sldNum" sz="quarter" idx="5"/>
-          </p:nvPr>
-        </p:nvSpPr>
-        <p:spPr/>
-        <p:txBody>
-          <a:bodyPr/>
-          <a:lstStyle/>
-          <a:p>
-            <a:fld id="{DC81D9CA-6918-4D9A-8DD7-91F5B6CF0994}" type="slidenum">
-              <a:rPr kumimoji="1" lang="ja-JP" altLang="en-US" smtClean="0"/>
-              <a:t>8</a:t>
-            </a:fld>
-            <a:endParaRPr kumimoji="1" lang="ja-JP" altLang="en-US"/>
-          </a:p>
-        </p:txBody>
-      </p:sp>
-    </p:spTree>
-    <p:extLst>
-      <p:ext uri="{BB962C8B-B14F-4D97-AF65-F5344CB8AC3E}">
-        <p14:creationId xmlns:p14="http://schemas.microsoft.com/office/powerpoint/2010/main" val="2171702881"/>
       </p:ext>
     </p:extLst>
   </p:cSld>
@@ -7245,10 +6560,10 @@
       </p:sp>
       <p:sp>
         <p:nvSpPr>
-          <p:cNvPr id="38" name="テキスト ボックス 37">
-            <a:extLst>
-              <a:ext uri="{FF2B5EF4-FFF2-40B4-BE49-F238E27FC236}">
-                <a16:creationId xmlns:a16="http://schemas.microsoft.com/office/drawing/2014/main" id="{4BB4651C-BA1B-4E99-AFD3-E86EC456EF2A}"/>
+          <p:cNvPr id="14" name="テキスト ボックス 13">
+            <a:extLst>
+              <a:ext uri="{FF2B5EF4-FFF2-40B4-BE49-F238E27FC236}">
+                <a16:creationId xmlns:a16="http://schemas.microsoft.com/office/drawing/2014/main" id="{BBFCE95C-E234-054D-7CFD-8396828C1515}"/>
               </a:ext>
             </a:extLst>
           </p:cNvPr>
@@ -7257,113 +6572,8 @@
         </p:nvSpPr>
         <p:spPr>
           <a:xfrm>
-            <a:off x="6729232" y="438802"/>
-            <a:ext cx="3328244" cy="369332"/>
-          </a:xfrm>
-          <a:prstGeom prst="rect">
-            <a:avLst/>
-          </a:prstGeom>
-          <a:noFill/>
-        </p:spPr>
-        <p:txBody>
-          <a:bodyPr wrap="square" rtlCol="0">
-            <a:spAutoFit/>
-          </a:bodyPr>
-          <a:lstStyle/>
-          <a:p>
-            <a:r>
-              <a:rPr lang="ja-JP" altLang="en-US" dirty="0">
-                <a:latin typeface="コーポレート・ロゴ ver2 Bold" panose="02000600000000000000" pitchFamily="50" charset="-128"/>
-                <a:ea typeface="コーポレート・ロゴ ver2 Bold" panose="02000600000000000000" pitchFamily="50" charset="-128"/>
-              </a:rPr>
-              <a:t>ファイル</a:t>
-            </a:r>
-            <a:endParaRPr kumimoji="1" lang="ja-JP" altLang="en-US" dirty="0">
-              <a:latin typeface="コーポレート・ロゴ ver2 Bold" panose="02000600000000000000" pitchFamily="50" charset="-128"/>
-              <a:ea typeface="コーポレート・ロゴ ver2 Bold" panose="02000600000000000000" pitchFamily="50" charset="-128"/>
-            </a:endParaRPr>
-          </a:p>
-        </p:txBody>
-      </p:sp>
-      <p:sp>
-        <p:nvSpPr>
-          <p:cNvPr id="40" name="テキスト ボックス 39">
-            <a:extLst>
-              <a:ext uri="{FF2B5EF4-FFF2-40B4-BE49-F238E27FC236}">
-                <a16:creationId xmlns:a16="http://schemas.microsoft.com/office/drawing/2014/main" id="{9263B31D-EC55-495C-B71F-1DB1C577D0FA}"/>
-              </a:ext>
-            </a:extLst>
-          </p:cNvPr>
-          <p:cNvSpPr txBox="1"/>
-          <p:nvPr/>
-        </p:nvSpPr>
-        <p:spPr>
-          <a:xfrm>
-            <a:off x="6729232" y="3680067"/>
-            <a:ext cx="3328244" cy="369332"/>
-          </a:xfrm>
-          <a:prstGeom prst="rect">
-            <a:avLst/>
-          </a:prstGeom>
-          <a:noFill/>
-        </p:spPr>
-        <p:txBody>
-          <a:bodyPr wrap="square" rtlCol="0">
-            <a:spAutoFit/>
-          </a:bodyPr>
-          <a:lstStyle/>
-          <a:p>
-            <a:r>
-              <a:rPr lang="ja-JP" altLang="en-US" dirty="0">
-                <a:latin typeface="コーポレート・ロゴ ver2 Bold" panose="02000600000000000000" pitchFamily="50" charset="-128"/>
-                <a:ea typeface="コーポレート・ロゴ ver2 Bold" panose="02000600000000000000" pitchFamily="50" charset="-128"/>
-              </a:rPr>
-              <a:t>フォルダ</a:t>
-            </a:r>
-            <a:r>
-              <a:rPr lang="en-US" altLang="ja-JP" dirty="0">
-                <a:latin typeface="コーポレート・ロゴ ver2 Bold" panose="02000600000000000000" pitchFamily="50" charset="-128"/>
-                <a:ea typeface="コーポレート・ロゴ ver2 Bold" panose="02000600000000000000" pitchFamily="50" charset="-128"/>
-              </a:rPr>
-              <a:t>(</a:t>
-            </a:r>
-            <a:r>
-              <a:rPr lang="ja-JP" altLang="en-US" dirty="0">
-                <a:latin typeface="コーポレート・ロゴ ver2 Bold" panose="02000600000000000000" pitchFamily="50" charset="-128"/>
-                <a:ea typeface="コーポレート・ロゴ ver2 Bold" panose="02000600000000000000" pitchFamily="50" charset="-128"/>
-              </a:rPr>
-              <a:t>ディレクトリ</a:t>
-            </a:r>
-            <a:r>
-              <a:rPr lang="en-US" altLang="ja-JP" dirty="0">
-                <a:latin typeface="コーポレート・ロゴ ver2 Bold" panose="02000600000000000000" pitchFamily="50" charset="-128"/>
-                <a:ea typeface="コーポレート・ロゴ ver2 Bold" panose="02000600000000000000" pitchFamily="50" charset="-128"/>
-              </a:rPr>
-              <a:t>)</a:t>
-            </a:r>
-            <a:endParaRPr kumimoji="1" lang="ja-JP" altLang="en-US" dirty="0">
-              <a:latin typeface="コーポレート・ロゴ ver2 Bold" panose="02000600000000000000" pitchFamily="50" charset="-128"/>
-              <a:ea typeface="コーポレート・ロゴ ver2 Bold" panose="02000600000000000000" pitchFamily="50" charset="-128"/>
-            </a:endParaRPr>
-          </a:p>
-        </p:txBody>
-      </p:sp>
-      <p:sp>
-        <p:nvSpPr>
-          <p:cNvPr id="14" name="テキスト ボックス 13">
-            <a:extLst>
-              <a:ext uri="{FF2B5EF4-FFF2-40B4-BE49-F238E27FC236}">
-                <a16:creationId xmlns:a16="http://schemas.microsoft.com/office/drawing/2014/main" id="{BBFCE95C-E234-054D-7CFD-8396828C1515}"/>
-              </a:ext>
-            </a:extLst>
-          </p:cNvPr>
-          <p:cNvSpPr txBox="1"/>
-          <p:nvPr/>
-        </p:nvSpPr>
-        <p:spPr>
-          <a:xfrm>
             <a:off x="748845" y="1645049"/>
-            <a:ext cx="5959136" cy="707886"/>
+            <a:ext cx="5959136" cy="1631216"/>
           </a:xfrm>
           <a:prstGeom prst="rect">
             <a:avLst/>
@@ -7403,11 +6613,57 @@
               </a:rPr>
               <a:t>バックアップを取ることができる。</a:t>
             </a:r>
+            <a:endParaRPr lang="en-US" altLang="ja-JP" sz="2000" dirty="0">
+              <a:latin typeface="コーポレート・ロゴ ver2 Medium" panose="02000600000000000000" pitchFamily="50" charset="-128"/>
+              <a:ea typeface="コーポレート・ロゴ ver2 Medium" panose="02000600000000000000" pitchFamily="50" charset="-128"/>
+            </a:endParaRPr>
+          </a:p>
+          <a:p>
             <a:endParaRPr kumimoji="1" lang="en-US" altLang="ja-JP" sz="2000" dirty="0">
               <a:latin typeface="コーポレート・ロゴ ver2 Medium" panose="02000600000000000000" pitchFamily="50" charset="-128"/>
               <a:ea typeface="コーポレート・ロゴ ver2 Medium" panose="02000600000000000000" pitchFamily="50" charset="-128"/>
             </a:endParaRPr>
           </a:p>
+          <a:p>
+            <a:r>
+              <a:rPr kumimoji="1" lang="ja-JP" altLang="en-US" sz="2000" dirty="0">
+                <a:latin typeface="コーポレート・ロゴ ver2 Medium" panose="02000600000000000000" pitchFamily="50" charset="-128"/>
+                <a:ea typeface="コーポレート・ロゴ ver2 Medium" panose="02000600000000000000" pitchFamily="50" charset="-128"/>
+              </a:rPr>
+              <a:t>この</a:t>
+            </a:r>
+            <a:r>
+              <a:rPr kumimoji="1" lang="en-US" altLang="ja-JP" sz="2000" dirty="0">
+                <a:latin typeface="コーポレート・ロゴ ver2 Medium" panose="02000600000000000000" pitchFamily="50" charset="-128"/>
+                <a:ea typeface="コーポレート・ロゴ ver2 Medium" panose="02000600000000000000" pitchFamily="50" charset="-128"/>
+              </a:rPr>
+              <a:t>Git Hub</a:t>
+            </a:r>
+            <a:r>
+              <a:rPr kumimoji="1" lang="ja-JP" altLang="en-US" sz="2000" dirty="0">
+                <a:latin typeface="コーポレート・ロゴ ver2 Medium" panose="02000600000000000000" pitchFamily="50" charset="-128"/>
+                <a:ea typeface="コーポレート・ロゴ ver2 Medium" panose="02000600000000000000" pitchFamily="50" charset="-128"/>
+              </a:rPr>
+              <a:t>上のレポジトリという場所に</a:t>
+            </a:r>
+            <a:endParaRPr kumimoji="1" lang="en-US" altLang="ja-JP" sz="2000" dirty="0">
+              <a:latin typeface="コーポレート・ロゴ ver2 Medium" panose="02000600000000000000" pitchFamily="50" charset="-128"/>
+              <a:ea typeface="コーポレート・ロゴ ver2 Medium" panose="02000600000000000000" pitchFamily="50" charset="-128"/>
+            </a:endParaRPr>
+          </a:p>
+          <a:p>
+            <a:r>
+              <a:rPr lang="ja-JP" altLang="en-US" sz="2000" dirty="0">
+                <a:latin typeface="コーポレート・ロゴ ver2 Medium" panose="02000600000000000000" pitchFamily="50" charset="-128"/>
+                <a:ea typeface="コーポレート・ロゴ ver2 Medium" panose="02000600000000000000" pitchFamily="50" charset="-128"/>
+              </a:rPr>
+              <a:t>授業スライドや講義資料を共有しておく。</a:t>
+            </a:r>
+            <a:endParaRPr kumimoji="1" lang="en-US" altLang="ja-JP" sz="2000" dirty="0">
+              <a:latin typeface="コーポレート・ロゴ ver2 Medium" panose="02000600000000000000" pitchFamily="50" charset="-128"/>
+              <a:ea typeface="コーポレート・ロゴ ver2 Medium" panose="02000600000000000000" pitchFamily="50" charset="-128"/>
+            </a:endParaRPr>
+          </a:p>
         </p:txBody>
       </p:sp>
       <p:sp>
@@ -7425,7 +6681,7 @@
         <p:spPr>
           <a:xfrm>
             <a:off x="441665" y="1131500"/>
-            <a:ext cx="1356462" cy="461665"/>
+            <a:ext cx="1553630" cy="523220"/>
           </a:xfrm>
           <a:prstGeom prst="rect">
             <a:avLst/>
@@ -7449,27 +6705,27 @@
           <a:lstStyle/>
           <a:p>
             <a:r>
-              <a:rPr lang="en-US" altLang="ja-JP" sz="2400" b="1" dirty="0">
+              <a:rPr lang="en-US" altLang="ja-JP" sz="2800" b="1" dirty="0">
                 <a:latin typeface="マキナス 4 Flat" panose="02000600000000000000" pitchFamily="50" charset="-128"/>
                 <a:ea typeface="マキナス 4 Flat" panose="02000600000000000000" pitchFamily="50" charset="-128"/>
               </a:rPr>
               <a:t>Git</a:t>
             </a:r>
             <a:r>
-              <a:rPr lang="ja-JP" altLang="en-US" sz="2400" b="1" dirty="0">
+              <a:rPr lang="ja-JP" altLang="en-US" sz="2800" b="1" dirty="0">
                 <a:latin typeface="マキナス 4 Flat" panose="02000600000000000000" pitchFamily="50" charset="-128"/>
                 <a:ea typeface="マキナス 4 Flat" panose="02000600000000000000" pitchFamily="50" charset="-128"/>
               </a:rPr>
               <a:t> </a:t>
             </a:r>
             <a:r>
-              <a:rPr lang="en-US" altLang="ja-JP" sz="2400" b="1" dirty="0">
+              <a:rPr lang="en-US" altLang="ja-JP" sz="2800" b="1" dirty="0">
                 <a:latin typeface="マキナス 4 Flat" panose="02000600000000000000" pitchFamily="50" charset="-128"/>
                 <a:ea typeface="マキナス 4 Flat" panose="02000600000000000000" pitchFamily="50" charset="-128"/>
               </a:rPr>
               <a:t>Hub</a:t>
             </a:r>
-            <a:endParaRPr kumimoji="1" lang="en-US" altLang="ja-JP" sz="2400" b="1" dirty="0">
+            <a:endParaRPr kumimoji="1" lang="en-US" altLang="ja-JP" sz="2800" b="1" dirty="0">
               <a:latin typeface="マキナス 4 Flat" panose="02000600000000000000" pitchFamily="50" charset="-128"/>
               <a:ea typeface="マキナス 4 Flat" panose="02000600000000000000" pitchFamily="50" charset="-128"/>
             </a:endParaRPr>
@@ -7478,10 +6734,10 @@
       </p:sp>
       <p:pic>
         <p:nvPicPr>
-          <p:cNvPr id="6" name="図 5">
-            <a:extLst>
-              <a:ext uri="{FF2B5EF4-FFF2-40B4-BE49-F238E27FC236}">
-                <a16:creationId xmlns:a16="http://schemas.microsoft.com/office/drawing/2014/main" id="{D57754D3-C27E-BB43-98C0-6786DB9AA3E6}"/>
+          <p:cNvPr id="3" name="グラフィックス 2">
+            <a:extLst>
+              <a:ext uri="{FF2B5EF4-FFF2-40B4-BE49-F238E27FC236}">
+                <a16:creationId xmlns:a16="http://schemas.microsoft.com/office/drawing/2014/main" id="{F3C0ED9C-7F25-1356-7954-07E07EF9DCFD}"/>
               </a:ext>
             </a:extLst>
           </p:cNvPr>
@@ -7495,6 +6751,9 @@
             <a:extLst>
               <a:ext uri="{28A0092B-C50C-407E-A947-70E740481C1C}">
                 <a14:useLocalDpi xmlns:a14="http://schemas.microsoft.com/office/drawing/2010/main" val="0"/>
+              </a:ext>
+              <a:ext uri="{96DAC541-7B7A-43D3-8B79-37D633B846F1}">
+                <asvg:svgBlip xmlns:asvg="http://schemas.microsoft.com/office/drawing/2016/SVG/main" r:embed="rId6"/>
               </a:ext>
             </a:extLst>
           </a:blip>
@@ -7504,668 +6763,8 @@
         </p:blipFill>
         <p:spPr>
           <a:xfrm>
-            <a:off x="9388395" y="991522"/>
-            <a:ext cx="1219912" cy="1219912"/>
-          </a:xfrm>
-          <a:prstGeom prst="rect">
-            <a:avLst/>
-          </a:prstGeom>
-        </p:spPr>
-      </p:pic>
-      <p:sp>
-        <p:nvSpPr>
-          <p:cNvPr id="25" name="正方形/長方形 24">
-            <a:extLst>
-              <a:ext uri="{FF2B5EF4-FFF2-40B4-BE49-F238E27FC236}">
-                <a16:creationId xmlns:a16="http://schemas.microsoft.com/office/drawing/2014/main" id="{391E42A5-3219-F027-3412-727BBDAD1E20}"/>
-              </a:ext>
-            </a:extLst>
-          </p:cNvPr>
-          <p:cNvSpPr/>
-          <p:nvPr/>
-        </p:nvSpPr>
-        <p:spPr>
-          <a:xfrm>
-            <a:off x="7855682" y="4522181"/>
-            <a:ext cx="502445" cy="45719"/>
-          </a:xfrm>
-          <a:prstGeom prst="rect">
-            <a:avLst/>
-          </a:prstGeom>
-          <a:solidFill>
-            <a:schemeClr val="tx1"/>
-          </a:solidFill>
-          <a:ln>
-            <a:noFill/>
-          </a:ln>
-        </p:spPr>
-        <p:style>
-          <a:lnRef idx="2">
-            <a:schemeClr val="accent1">
-              <a:shade val="50000"/>
-            </a:schemeClr>
-          </a:lnRef>
-          <a:fillRef idx="1">
-            <a:schemeClr val="accent1"/>
-          </a:fillRef>
-          <a:effectRef idx="0">
-            <a:schemeClr val="accent1"/>
-          </a:effectRef>
-          <a:fontRef idx="minor">
-            <a:schemeClr val="lt1"/>
-          </a:fontRef>
-        </p:style>
-        <p:txBody>
-          <a:bodyPr rtlCol="0" anchor="ctr"/>
-          <a:lstStyle/>
-          <a:p>
-            <a:pPr algn="ctr"/>
-            <a:endParaRPr kumimoji="1" lang="ja-JP" altLang="en-US">
-              <a:solidFill>
-                <a:schemeClr val="tx1"/>
-              </a:solidFill>
-            </a:endParaRPr>
-          </a:p>
-        </p:txBody>
-      </p:sp>
-      <p:pic>
-        <p:nvPicPr>
-          <p:cNvPr id="9" name="図 8">
-            <a:extLst>
-              <a:ext uri="{FF2B5EF4-FFF2-40B4-BE49-F238E27FC236}">
-                <a16:creationId xmlns:a16="http://schemas.microsoft.com/office/drawing/2014/main" id="{D1B9098A-28AD-0EBE-FEBF-40ACD2949566}"/>
-              </a:ext>
-            </a:extLst>
-          </p:cNvPr>
-          <p:cNvPicPr>
-            <a:picLocks noChangeAspect="1"/>
-          </p:cNvPicPr>
-          <p:nvPr/>
-        </p:nvPicPr>
-        <p:blipFill>
-          <a:blip r:embed="rId6">
-            <a:extLst>
-              <a:ext uri="{28A0092B-C50C-407E-A947-70E740481C1C}">
-                <a14:useLocalDpi xmlns:a14="http://schemas.microsoft.com/office/drawing/2010/main" val="0"/>
-              </a:ext>
-            </a:extLst>
-          </a:blip>
-          <a:stretch>
-            <a:fillRect/>
-          </a:stretch>
-        </p:blipFill>
-        <p:spPr>
-          <a:xfrm>
-            <a:off x="8048188" y="970599"/>
-            <a:ext cx="1261758" cy="1261758"/>
-          </a:xfrm>
-          <a:prstGeom prst="rect">
-            <a:avLst/>
-          </a:prstGeom>
-        </p:spPr>
-      </p:pic>
-      <p:pic>
-        <p:nvPicPr>
-          <p:cNvPr id="11" name="図 10">
-            <a:extLst>
-              <a:ext uri="{FF2B5EF4-FFF2-40B4-BE49-F238E27FC236}">
-                <a16:creationId xmlns:a16="http://schemas.microsoft.com/office/drawing/2014/main" id="{9966210A-363C-1155-7254-C68F3CF9EA0D}"/>
-              </a:ext>
-            </a:extLst>
-          </p:cNvPr>
-          <p:cNvPicPr>
-            <a:picLocks noChangeAspect="1"/>
-          </p:cNvPicPr>
-          <p:nvPr/>
-        </p:nvPicPr>
-        <p:blipFill>
-          <a:blip r:embed="rId7">
-            <a:extLst>
-              <a:ext uri="{28A0092B-C50C-407E-A947-70E740481C1C}">
-                <a14:useLocalDpi xmlns:a14="http://schemas.microsoft.com/office/drawing/2010/main" val="0"/>
-              </a:ext>
-            </a:extLst>
-          </a:blip>
-          <a:stretch>
-            <a:fillRect/>
-          </a:stretch>
-        </p:blipFill>
-        <p:spPr>
-          <a:xfrm>
-            <a:off x="6862386" y="3986460"/>
-            <a:ext cx="1071442" cy="1071442"/>
-          </a:xfrm>
-          <a:prstGeom prst="rect">
-            <a:avLst/>
-          </a:prstGeom>
-        </p:spPr>
-      </p:pic>
-      <p:pic>
-        <p:nvPicPr>
-          <p:cNvPr id="19" name="図 18">
-            <a:extLst>
-              <a:ext uri="{FF2B5EF4-FFF2-40B4-BE49-F238E27FC236}">
-                <a16:creationId xmlns:a16="http://schemas.microsoft.com/office/drawing/2014/main" id="{6158D738-F75B-2D4C-1EAB-BBC4ED4CB75F}"/>
-              </a:ext>
-            </a:extLst>
-          </p:cNvPr>
-          <p:cNvPicPr>
-            <a:picLocks noChangeAspect="1"/>
-          </p:cNvPicPr>
-          <p:nvPr/>
-        </p:nvPicPr>
-        <p:blipFill>
-          <a:blip r:embed="rId8">
-            <a:extLst>
-              <a:ext uri="{28A0092B-C50C-407E-A947-70E740481C1C}">
-                <a14:useLocalDpi xmlns:a14="http://schemas.microsoft.com/office/drawing/2010/main" val="0"/>
-              </a:ext>
-            </a:extLst>
-          </a:blip>
-          <a:stretch>
-            <a:fillRect/>
-          </a:stretch>
-        </p:blipFill>
-        <p:spPr>
-          <a:xfrm>
-            <a:off x="6707981" y="970599"/>
-            <a:ext cx="1261758" cy="1261758"/>
-          </a:xfrm>
-          <a:prstGeom prst="rect">
-            <a:avLst/>
-          </a:prstGeom>
-        </p:spPr>
-      </p:pic>
-      <p:pic>
-        <p:nvPicPr>
-          <p:cNvPr id="21" name="図 20">
-            <a:extLst>
-              <a:ext uri="{FF2B5EF4-FFF2-40B4-BE49-F238E27FC236}">
-                <a16:creationId xmlns:a16="http://schemas.microsoft.com/office/drawing/2014/main" id="{06768582-D23D-95C9-B6AC-97A3AA788DC5}"/>
-              </a:ext>
-            </a:extLst>
-          </p:cNvPr>
-          <p:cNvPicPr>
-            <a:picLocks noChangeAspect="1"/>
-          </p:cNvPicPr>
-          <p:nvPr/>
-        </p:nvPicPr>
-        <p:blipFill>
-          <a:blip r:embed="rId9">
-            <a:extLst>
-              <a:ext uri="{28A0092B-C50C-407E-A947-70E740481C1C}">
-                <a14:useLocalDpi xmlns:a14="http://schemas.microsoft.com/office/drawing/2010/main" val="0"/>
-              </a:ext>
-            </a:extLst>
-          </a:blip>
-          <a:stretch>
-            <a:fillRect/>
-          </a:stretch>
-        </p:blipFill>
-        <p:spPr>
-          <a:xfrm>
-            <a:off x="9455774" y="2421074"/>
-            <a:ext cx="1190734" cy="1190734"/>
-          </a:xfrm>
-          <a:prstGeom prst="rect">
-            <a:avLst/>
-          </a:prstGeom>
-        </p:spPr>
-      </p:pic>
-      <p:pic>
-        <p:nvPicPr>
-          <p:cNvPr id="24" name="図 23">
-            <a:extLst>
-              <a:ext uri="{FF2B5EF4-FFF2-40B4-BE49-F238E27FC236}">
-                <a16:creationId xmlns:a16="http://schemas.microsoft.com/office/drawing/2014/main" id="{58886C62-8D82-8304-83A1-D12EDC51F482}"/>
-              </a:ext>
-            </a:extLst>
-          </p:cNvPr>
-          <p:cNvPicPr>
-            <a:picLocks noChangeAspect="1"/>
-          </p:cNvPicPr>
-          <p:nvPr/>
-        </p:nvPicPr>
-        <p:blipFill>
-          <a:blip r:embed="rId10">
-            <a:extLst>
-              <a:ext uri="{28A0092B-C50C-407E-A947-70E740481C1C}">
-                <a14:useLocalDpi xmlns:a14="http://schemas.microsoft.com/office/drawing/2010/main" val="0"/>
-              </a:ext>
-            </a:extLst>
-          </a:blip>
-          <a:stretch>
-            <a:fillRect/>
-          </a:stretch>
-        </p:blipFill>
-        <p:spPr>
-          <a:xfrm>
-            <a:off x="8126637" y="2394169"/>
-            <a:ext cx="1261758" cy="1261758"/>
-          </a:xfrm>
-          <a:prstGeom prst="rect">
-            <a:avLst/>
-          </a:prstGeom>
-        </p:spPr>
-      </p:pic>
-      <p:sp>
-        <p:nvSpPr>
-          <p:cNvPr id="41" name="正方形/長方形 40">
-            <a:extLst>
-              <a:ext uri="{FF2B5EF4-FFF2-40B4-BE49-F238E27FC236}">
-                <a16:creationId xmlns:a16="http://schemas.microsoft.com/office/drawing/2014/main" id="{4D3A4C99-7A35-6B36-2754-B169604647A8}"/>
-              </a:ext>
-            </a:extLst>
-          </p:cNvPr>
-          <p:cNvSpPr/>
-          <p:nvPr/>
-        </p:nvSpPr>
-        <p:spPr>
-          <a:xfrm>
-            <a:off x="9263229" y="4523650"/>
-            <a:ext cx="502445" cy="45719"/>
-          </a:xfrm>
-          <a:prstGeom prst="rect">
-            <a:avLst/>
-          </a:prstGeom>
-          <a:solidFill>
-            <a:schemeClr val="tx1"/>
-          </a:solidFill>
-          <a:ln>
-            <a:noFill/>
-          </a:ln>
-        </p:spPr>
-        <p:style>
-          <a:lnRef idx="2">
-            <a:schemeClr val="accent1">
-              <a:shade val="50000"/>
-            </a:schemeClr>
-          </a:lnRef>
-          <a:fillRef idx="1">
-            <a:schemeClr val="accent1"/>
-          </a:fillRef>
-          <a:effectRef idx="0">
-            <a:schemeClr val="accent1"/>
-          </a:effectRef>
-          <a:fontRef idx="minor">
-            <a:schemeClr val="lt1"/>
-          </a:fontRef>
-        </p:style>
-        <p:txBody>
-          <a:bodyPr rtlCol="0" anchor="ctr"/>
-          <a:lstStyle/>
-          <a:p>
-            <a:pPr algn="ctr"/>
-            <a:endParaRPr kumimoji="1" lang="ja-JP" altLang="en-US">
-              <a:solidFill>
-                <a:schemeClr val="tx1"/>
-              </a:solidFill>
-            </a:endParaRPr>
-          </a:p>
-        </p:txBody>
-      </p:sp>
-      <p:pic>
-        <p:nvPicPr>
-          <p:cNvPr id="32" name="図 31">
-            <a:extLst>
-              <a:ext uri="{FF2B5EF4-FFF2-40B4-BE49-F238E27FC236}">
-                <a16:creationId xmlns:a16="http://schemas.microsoft.com/office/drawing/2014/main" id="{464C7D22-800F-2A76-ABCD-2284E3F241A7}"/>
-              </a:ext>
-            </a:extLst>
-          </p:cNvPr>
-          <p:cNvPicPr>
-            <a:picLocks noChangeAspect="1"/>
-          </p:cNvPicPr>
-          <p:nvPr/>
-        </p:nvPicPr>
-        <p:blipFill>
-          <a:blip r:embed="rId7">
-            <a:extLst>
-              <a:ext uri="{28A0092B-C50C-407E-A947-70E740481C1C}">
-                <a14:useLocalDpi xmlns:a14="http://schemas.microsoft.com/office/drawing/2010/main" val="0"/>
-              </a:ext>
-            </a:extLst>
-          </a:blip>
-          <a:stretch>
-            <a:fillRect/>
-          </a:stretch>
-        </p:blipFill>
-        <p:spPr>
-          <a:xfrm>
-            <a:off x="8291135" y="4009319"/>
-            <a:ext cx="1071442" cy="1071442"/>
-          </a:xfrm>
-          <a:prstGeom prst="rect">
-            <a:avLst/>
-          </a:prstGeom>
-        </p:spPr>
-      </p:pic>
-      <p:sp>
-        <p:nvSpPr>
-          <p:cNvPr id="33" name="正方形/長方形 32">
-            <a:extLst>
-              <a:ext uri="{FF2B5EF4-FFF2-40B4-BE49-F238E27FC236}">
-                <a16:creationId xmlns:a16="http://schemas.microsoft.com/office/drawing/2014/main" id="{2C8E010F-A9F5-CF12-6FB5-A7198B9ED9DA}"/>
-              </a:ext>
-            </a:extLst>
-          </p:cNvPr>
-          <p:cNvSpPr/>
-          <p:nvPr/>
-        </p:nvSpPr>
-        <p:spPr>
-          <a:xfrm rot="5400000">
-            <a:off x="7576760" y="5047395"/>
-            <a:ext cx="1071441" cy="45719"/>
-          </a:xfrm>
-          <a:prstGeom prst="rect">
-            <a:avLst/>
-          </a:prstGeom>
-          <a:solidFill>
-            <a:schemeClr val="tx1"/>
-          </a:solidFill>
-          <a:ln>
-            <a:noFill/>
-          </a:ln>
-        </p:spPr>
-        <p:style>
-          <a:lnRef idx="2">
-            <a:schemeClr val="accent1">
-              <a:shade val="50000"/>
-            </a:schemeClr>
-          </a:lnRef>
-          <a:fillRef idx="1">
-            <a:schemeClr val="accent1"/>
-          </a:fillRef>
-          <a:effectRef idx="0">
-            <a:schemeClr val="accent1"/>
-          </a:effectRef>
-          <a:fontRef idx="minor">
-            <a:schemeClr val="lt1"/>
-          </a:fontRef>
-        </p:style>
-        <p:txBody>
-          <a:bodyPr rtlCol="0" anchor="ctr"/>
-          <a:lstStyle/>
-          <a:p>
-            <a:pPr algn="ctr"/>
-            <a:endParaRPr kumimoji="1" lang="ja-JP" altLang="en-US">
-              <a:solidFill>
-                <a:schemeClr val="tx1"/>
-              </a:solidFill>
-            </a:endParaRPr>
-          </a:p>
-        </p:txBody>
-      </p:sp>
-      <p:sp>
-        <p:nvSpPr>
-          <p:cNvPr id="34" name="正方形/長方形 33">
-            <a:extLst>
-              <a:ext uri="{FF2B5EF4-FFF2-40B4-BE49-F238E27FC236}">
-                <a16:creationId xmlns:a16="http://schemas.microsoft.com/office/drawing/2014/main" id="{67000BA1-9F18-BD9F-07C4-2D0A708F95A2}"/>
-              </a:ext>
-            </a:extLst>
-          </p:cNvPr>
-          <p:cNvSpPr/>
-          <p:nvPr/>
-        </p:nvSpPr>
-        <p:spPr>
-          <a:xfrm>
-            <a:off x="8118208" y="5560256"/>
-            <a:ext cx="502445" cy="45719"/>
-          </a:xfrm>
-          <a:prstGeom prst="rect">
-            <a:avLst/>
-          </a:prstGeom>
-          <a:solidFill>
-            <a:schemeClr val="tx1"/>
-          </a:solidFill>
-          <a:ln>
-            <a:noFill/>
-          </a:ln>
-        </p:spPr>
-        <p:style>
-          <a:lnRef idx="2">
-            <a:schemeClr val="accent1">
-              <a:shade val="50000"/>
-            </a:schemeClr>
-          </a:lnRef>
-          <a:fillRef idx="1">
-            <a:schemeClr val="accent1"/>
-          </a:fillRef>
-          <a:effectRef idx="0">
-            <a:schemeClr val="accent1"/>
-          </a:effectRef>
-          <a:fontRef idx="minor">
-            <a:schemeClr val="lt1"/>
-          </a:fontRef>
-        </p:style>
-        <p:txBody>
-          <a:bodyPr rtlCol="0" anchor="ctr"/>
-          <a:lstStyle/>
-          <a:p>
-            <a:pPr algn="ctr"/>
-            <a:endParaRPr kumimoji="1" lang="ja-JP" altLang="en-US">
-              <a:solidFill>
-                <a:schemeClr val="tx1"/>
-              </a:solidFill>
-            </a:endParaRPr>
-          </a:p>
-        </p:txBody>
-      </p:sp>
-      <p:pic>
-        <p:nvPicPr>
-          <p:cNvPr id="42" name="図 41">
-            <a:extLst>
-              <a:ext uri="{FF2B5EF4-FFF2-40B4-BE49-F238E27FC236}">
-                <a16:creationId xmlns:a16="http://schemas.microsoft.com/office/drawing/2014/main" id="{939407AF-5670-1A85-7BBF-6D8412F22B6D}"/>
-              </a:ext>
-            </a:extLst>
-          </p:cNvPr>
-          <p:cNvPicPr>
-            <a:picLocks noChangeAspect="1"/>
-          </p:cNvPicPr>
-          <p:nvPr/>
-        </p:nvPicPr>
-        <p:blipFill>
-          <a:blip r:embed="rId10">
-            <a:extLst>
-              <a:ext uri="{28A0092B-C50C-407E-A947-70E740481C1C}">
-                <a14:useLocalDpi xmlns:a14="http://schemas.microsoft.com/office/drawing/2010/main" val="0"/>
-              </a:ext>
-            </a:extLst>
-          </a:blip>
-          <a:stretch>
-            <a:fillRect/>
-          </a:stretch>
-        </p:blipFill>
-        <p:spPr>
-          <a:xfrm>
-            <a:off x="9482647" y="3963926"/>
-            <a:ext cx="1207948" cy="1207948"/>
-          </a:xfrm>
-          <a:prstGeom prst="rect">
-            <a:avLst/>
-          </a:prstGeom>
-        </p:spPr>
-      </p:pic>
-      <p:pic>
-        <p:nvPicPr>
-          <p:cNvPr id="27" name="図 26">
-            <a:extLst>
-              <a:ext uri="{FF2B5EF4-FFF2-40B4-BE49-F238E27FC236}">
-                <a16:creationId xmlns:a16="http://schemas.microsoft.com/office/drawing/2014/main" id="{F0E7E6B4-507E-323C-2AA4-14105A3B37C6}"/>
-              </a:ext>
-            </a:extLst>
-          </p:cNvPr>
-          <p:cNvPicPr>
-            <a:picLocks noChangeAspect="1"/>
-          </p:cNvPicPr>
-          <p:nvPr/>
-        </p:nvPicPr>
-        <p:blipFill>
-          <a:blip r:embed="rId11">
-            <a:extLst>
-              <a:ext uri="{28A0092B-C50C-407E-A947-70E740481C1C}">
-                <a14:useLocalDpi xmlns:a14="http://schemas.microsoft.com/office/drawing/2010/main" val="0"/>
-              </a:ext>
-            </a:extLst>
-          </a:blip>
-          <a:stretch>
-            <a:fillRect/>
-          </a:stretch>
-        </p:blipFill>
-        <p:spPr>
-          <a:xfrm>
-            <a:off x="8231818" y="5198779"/>
-            <a:ext cx="1190076" cy="1190076"/>
-          </a:xfrm>
-          <a:prstGeom prst="rect">
-            <a:avLst/>
-          </a:prstGeom>
-        </p:spPr>
-      </p:pic>
-      <p:sp>
-        <p:nvSpPr>
-          <p:cNvPr id="43" name="正方形/長方形 42">
-            <a:extLst>
-              <a:ext uri="{FF2B5EF4-FFF2-40B4-BE49-F238E27FC236}">
-                <a16:creationId xmlns:a16="http://schemas.microsoft.com/office/drawing/2014/main" id="{83321475-2E1F-3E90-97DB-BFB796F42018}"/>
-              </a:ext>
-            </a:extLst>
-          </p:cNvPr>
-          <p:cNvSpPr/>
-          <p:nvPr/>
-        </p:nvSpPr>
-        <p:spPr>
-          <a:xfrm rot="5400000">
-            <a:off x="8959792" y="5057901"/>
-            <a:ext cx="1071441" cy="45719"/>
-          </a:xfrm>
-          <a:prstGeom prst="rect">
-            <a:avLst/>
-          </a:prstGeom>
-          <a:solidFill>
-            <a:schemeClr val="tx1"/>
-          </a:solidFill>
-          <a:ln>
-            <a:noFill/>
-          </a:ln>
-        </p:spPr>
-        <p:style>
-          <a:lnRef idx="2">
-            <a:schemeClr val="accent1">
-              <a:shade val="50000"/>
-            </a:schemeClr>
-          </a:lnRef>
-          <a:fillRef idx="1">
-            <a:schemeClr val="accent1"/>
-          </a:fillRef>
-          <a:effectRef idx="0">
-            <a:schemeClr val="accent1"/>
-          </a:effectRef>
-          <a:fontRef idx="minor">
-            <a:schemeClr val="lt1"/>
-          </a:fontRef>
-        </p:style>
-        <p:txBody>
-          <a:bodyPr rtlCol="0" anchor="ctr"/>
-          <a:lstStyle/>
-          <a:p>
-            <a:pPr algn="ctr"/>
-            <a:endParaRPr kumimoji="1" lang="ja-JP" altLang="en-US">
-              <a:solidFill>
-                <a:schemeClr val="tx1"/>
-              </a:solidFill>
-            </a:endParaRPr>
-          </a:p>
-        </p:txBody>
-      </p:sp>
-      <p:sp>
-        <p:nvSpPr>
-          <p:cNvPr id="44" name="正方形/長方形 43">
-            <a:extLst>
-              <a:ext uri="{FF2B5EF4-FFF2-40B4-BE49-F238E27FC236}">
-                <a16:creationId xmlns:a16="http://schemas.microsoft.com/office/drawing/2014/main" id="{40F850DF-FA3A-AA08-D829-CB465CE5B211}"/>
-              </a:ext>
-            </a:extLst>
-          </p:cNvPr>
-          <p:cNvSpPr/>
-          <p:nvPr/>
-        </p:nvSpPr>
-        <p:spPr>
-          <a:xfrm>
-            <a:off x="9495512" y="5570762"/>
-            <a:ext cx="502445" cy="45719"/>
-          </a:xfrm>
-          <a:prstGeom prst="rect">
-            <a:avLst/>
-          </a:prstGeom>
-          <a:solidFill>
-            <a:schemeClr val="tx1"/>
-          </a:solidFill>
-          <a:ln>
-            <a:noFill/>
-          </a:ln>
-        </p:spPr>
-        <p:style>
-          <a:lnRef idx="2">
-            <a:schemeClr val="accent1">
-              <a:shade val="50000"/>
-            </a:schemeClr>
-          </a:lnRef>
-          <a:fillRef idx="1">
-            <a:schemeClr val="accent1"/>
-          </a:fillRef>
-          <a:effectRef idx="0">
-            <a:schemeClr val="accent1"/>
-          </a:effectRef>
-          <a:fontRef idx="minor">
-            <a:schemeClr val="lt1"/>
-          </a:fontRef>
-        </p:style>
-        <p:txBody>
-          <a:bodyPr rtlCol="0" anchor="ctr"/>
-          <a:lstStyle/>
-          <a:p>
-            <a:pPr algn="ctr"/>
-            <a:endParaRPr kumimoji="1" lang="ja-JP" altLang="en-US">
-              <a:solidFill>
-                <a:schemeClr val="tx1"/>
-              </a:solidFill>
-            </a:endParaRPr>
-          </a:p>
-        </p:txBody>
-      </p:sp>
-      <p:pic>
-        <p:nvPicPr>
-          <p:cNvPr id="48" name="図 47">
-            <a:extLst>
-              <a:ext uri="{FF2B5EF4-FFF2-40B4-BE49-F238E27FC236}">
-                <a16:creationId xmlns:a16="http://schemas.microsoft.com/office/drawing/2014/main" id="{7AC49C67-F981-08C0-F3FB-60193DA2C5D3}"/>
-              </a:ext>
-            </a:extLst>
-          </p:cNvPr>
-          <p:cNvPicPr>
-            <a:picLocks noChangeAspect="1"/>
-          </p:cNvPicPr>
-          <p:nvPr/>
-        </p:nvPicPr>
-        <p:blipFill>
-          <a:blip r:embed="rId5">
-            <a:extLst>
-              <a:ext uri="{28A0092B-C50C-407E-A947-70E740481C1C}">
-                <a14:useLocalDpi xmlns:a14="http://schemas.microsoft.com/office/drawing/2010/main" val="0"/>
-              </a:ext>
-            </a:extLst>
-          </a:blip>
-          <a:stretch>
-            <a:fillRect/>
-          </a:stretch>
-        </p:blipFill>
-        <p:spPr>
-          <a:xfrm>
-            <a:off x="9494528" y="5129172"/>
-            <a:ext cx="1219912" cy="1219912"/>
+            <a:off x="6684309" y="1131500"/>
+            <a:ext cx="4858932" cy="4858932"/>
           </a:xfrm>
           <a:prstGeom prst="rect">
             <a:avLst/>
@@ -8204,10 +6803,10 @@
       </p:grpSpPr>
       <p:pic>
         <p:nvPicPr>
-          <p:cNvPr id="13" name="グラフィックス 12">
-            <a:extLst>
-              <a:ext uri="{FF2B5EF4-FFF2-40B4-BE49-F238E27FC236}">
-                <a16:creationId xmlns:a16="http://schemas.microsoft.com/office/drawing/2014/main" id="{F3F44EAA-0C58-4A2B-B54D-465E7FE6AA8A}"/>
+          <p:cNvPr id="50" name="グラフィックス 49">
+            <a:extLst>
+              <a:ext uri="{FF2B5EF4-FFF2-40B4-BE49-F238E27FC236}">
+                <a16:creationId xmlns:a16="http://schemas.microsoft.com/office/drawing/2014/main" id="{02C43BC4-1E75-7287-65C5-17D5CF202199}"/>
               </a:ext>
             </a:extLst>
           </p:cNvPr>
@@ -8275,18 +6874,18 @@
               </a:lnSpc>
             </a:pPr>
             <a:r>
+              <a:rPr kumimoji="1" lang="en-US" altLang="ja-JP" sz="3600" dirty="0">
+                <a:latin typeface="コーポレート・ロゴ ver2 Bold" panose="02000600000000000000" pitchFamily="50" charset="-128"/>
+                <a:ea typeface="コーポレート・ロゴ ver2 Bold" panose="02000600000000000000" pitchFamily="50" charset="-128"/>
+              </a:rPr>
+              <a:t>Git Hub</a:t>
+            </a:r>
+            <a:r>
               <a:rPr kumimoji="1" lang="ja-JP" altLang="en-US" sz="3600" dirty="0">
                 <a:latin typeface="コーポレート・ロゴ ver2 Bold" panose="02000600000000000000" pitchFamily="50" charset="-128"/>
                 <a:ea typeface="コーポレート・ロゴ ver2 Bold" panose="02000600000000000000" pitchFamily="50" charset="-128"/>
               </a:rPr>
-              <a:t>ディレクトリ</a:t>
-            </a:r>
-            <a:r>
-              <a:rPr lang="ja-JP" altLang="en-US" sz="2800" dirty="0">
-                <a:latin typeface="コーポレート・ロゴ ver2 Medium" panose="02000600000000000000" pitchFamily="50" charset="-128"/>
-                <a:ea typeface="コーポレート・ロゴ ver2 Medium" panose="02000600000000000000" pitchFamily="50" charset="-128"/>
-              </a:rPr>
-              <a:t>の種類</a:t>
+              <a:t>アカウント作成</a:t>
             </a:r>
             <a:endParaRPr kumimoji="1" lang="en-US" altLang="ja-JP" sz="2800" dirty="0">
               <a:latin typeface="コーポレート・ロゴ ver2 Medium" panose="02000600000000000000" pitchFamily="50" charset="-128"/>
@@ -8377,8 +6976,8 @@
         </p:nvSpPr>
         <p:spPr>
           <a:xfrm>
-            <a:off x="748845" y="1447735"/>
-            <a:ext cx="5959136" cy="2246769"/>
+            <a:off x="748845" y="1478760"/>
+            <a:ext cx="5158492" cy="1323439"/>
           </a:xfrm>
           <a:prstGeom prst="rect">
             <a:avLst/>
@@ -8391,127 +6990,160 @@
           </a:bodyPr>
           <a:lstStyle/>
           <a:p>
-            <a:r>
-              <a:rPr kumimoji="1" lang="ja-JP" altLang="en-US" sz="2000" dirty="0">
+            <a:pPr algn="l"/>
+            <a:r>
+              <a:rPr lang="en-US" altLang="ja-JP" sz="2000" b="0" i="0" dirty="0">
                 <a:solidFill>
-                  <a:srgbClr val="03BDBA"/>
+                  <a:srgbClr val="333333"/>
+                </a:solidFill>
+                <a:effectLst/>
+                <a:latin typeface="コーポレート・ロゴ ver2 Medium" panose="02000600000000000000" pitchFamily="50" charset="-128"/>
+                <a:ea typeface="コーポレート・ロゴ ver2 Medium" panose="02000600000000000000" pitchFamily="50" charset="-128"/>
+              </a:rPr>
+              <a:t>GitHub</a:t>
+            </a:r>
+            <a:r>
+              <a:rPr lang="ja-JP" altLang="en-US" sz="2000" b="0" i="0" dirty="0">
+                <a:solidFill>
+                  <a:srgbClr val="333333"/>
+                </a:solidFill>
+                <a:effectLst/>
+                <a:latin typeface="コーポレート・ロゴ ver2 Medium" panose="02000600000000000000" pitchFamily="50" charset="-128"/>
+                <a:ea typeface="コーポレート・ロゴ ver2 Medium" panose="02000600000000000000" pitchFamily="50" charset="-128"/>
+              </a:rPr>
+              <a:t>サイト </a:t>
+            </a:r>
+            <a:r>
+              <a:rPr lang="en-US" altLang="ja-JP" sz="2000" b="0" i="0" dirty="0">
+                <a:solidFill>
+                  <a:srgbClr val="333333"/>
+                </a:solidFill>
+                <a:effectLst/>
+                <a:latin typeface="コーポレート・ロゴ ver2 Medium" panose="02000600000000000000" pitchFamily="50" charset="-128"/>
+                <a:ea typeface="コーポレート・ロゴ ver2 Medium" panose="02000600000000000000" pitchFamily="50" charset="-128"/>
+              </a:rPr>
+              <a:t>(https://github.com/) </a:t>
+            </a:r>
+            <a:r>
+              <a:rPr lang="ja-JP" altLang="en-US" sz="2000" b="0" i="0" dirty="0">
+                <a:solidFill>
+                  <a:srgbClr val="333333"/>
+                </a:solidFill>
+                <a:effectLst/>
+                <a:latin typeface="コーポレート・ロゴ ver2 Medium" panose="02000600000000000000" pitchFamily="50" charset="-128"/>
+                <a:ea typeface="コーポレート・ロゴ ver2 Medium" panose="02000600000000000000" pitchFamily="50" charset="-128"/>
+              </a:rPr>
+              <a:t>へ</a:t>
+            </a:r>
+          </a:p>
+          <a:p>
+            <a:pPr algn="l"/>
+            <a:r>
+              <a:rPr lang="ja-JP" altLang="en-US" sz="2000" b="0" i="0" dirty="0">
+                <a:solidFill>
+                  <a:srgbClr val="333333"/>
+                </a:solidFill>
+                <a:effectLst/>
+                <a:latin typeface="コーポレート・ロゴ ver2 Medium" panose="02000600000000000000" pitchFamily="50" charset="-128"/>
+                <a:ea typeface="コーポレート・ロゴ ver2 Medium" panose="02000600000000000000" pitchFamily="50" charset="-128"/>
+              </a:rPr>
+              <a:t>アクセスする</a:t>
+            </a:r>
+            <a:r>
+              <a:rPr lang="ja-JP" altLang="en-US" sz="2000" dirty="0">
+                <a:solidFill>
+                  <a:srgbClr val="333333"/>
                 </a:solidFill>
                 <a:latin typeface="コーポレート・ロゴ ver2 Medium" panose="02000600000000000000" pitchFamily="50" charset="-128"/>
                 <a:ea typeface="コーポレート・ロゴ ver2 Medium" panose="02000600000000000000" pitchFamily="50" charset="-128"/>
               </a:rPr>
-              <a:t>最上位のディレクトリ</a:t>
-            </a:r>
-            <a:r>
-              <a:rPr kumimoji="1" lang="ja-JP" altLang="en-US" sz="2000" dirty="0">
+              <a:t>。</a:t>
+            </a:r>
+            <a:endParaRPr lang="ja-JP" altLang="en-US" sz="2000" b="0" i="0" dirty="0">
+              <a:solidFill>
+                <a:srgbClr val="333333"/>
+              </a:solidFill>
+              <a:effectLst/>
+              <a:latin typeface="コーポレート・ロゴ ver2 Medium" panose="02000600000000000000" pitchFamily="50" charset="-128"/>
+              <a:ea typeface="コーポレート・ロゴ ver2 Medium" panose="02000600000000000000" pitchFamily="50" charset="-128"/>
+            </a:endParaRPr>
+          </a:p>
+          <a:p>
+            <a:pPr algn="l"/>
+            <a:r>
+              <a:rPr lang="ja-JP" altLang="en-US" sz="2000" b="0" i="0" dirty="0">
+                <a:solidFill>
+                  <a:srgbClr val="333333"/>
+                </a:solidFill>
+                <a:effectLst/>
                 <a:latin typeface="コーポレート・ロゴ ver2 Medium" panose="02000600000000000000" pitchFamily="50" charset="-128"/>
                 <a:ea typeface="コーポレート・ロゴ ver2 Medium" panose="02000600000000000000" pitchFamily="50" charset="-128"/>
               </a:rPr>
-              <a:t>のこと。</a:t>
-            </a:r>
+              <a:t>ボックスに登録用のメールアドレスを入力、</a:t>
+            </a:r>
+          </a:p>
+          <a:p>
+            <a:pPr algn="l"/>
+            <a:r>
+              <a:rPr lang="en-US" altLang="ja-JP" sz="2000" b="0" i="0" dirty="0">
+                <a:solidFill>
+                  <a:srgbClr val="333333"/>
+                </a:solidFill>
+                <a:effectLst/>
+                <a:latin typeface="コーポレート・ロゴ ver2 Medium" panose="02000600000000000000" pitchFamily="50" charset="-128"/>
+                <a:ea typeface="コーポレート・ロゴ ver2 Medium" panose="02000600000000000000" pitchFamily="50" charset="-128"/>
+              </a:rPr>
+              <a:t>[Sign up for GitHub] </a:t>
+            </a:r>
+            <a:r>
+              <a:rPr lang="ja-JP" altLang="en-US" sz="2000" b="0" i="0" dirty="0">
+                <a:solidFill>
+                  <a:srgbClr val="333333"/>
+                </a:solidFill>
+                <a:effectLst/>
+                <a:latin typeface="コーポレート・ロゴ ver2 Medium" panose="02000600000000000000" pitchFamily="50" charset="-128"/>
+                <a:ea typeface="コーポレート・ロゴ ver2 Medium" panose="02000600000000000000" pitchFamily="50" charset="-128"/>
+              </a:rPr>
+              <a:t>ボタンをクリック。</a:t>
+            </a:r>
+          </a:p>
+        </p:txBody>
+      </p:sp>
+      <p:sp>
+        <p:nvSpPr>
+          <p:cNvPr id="16" name="テキスト ボックス 15">
+            <a:extLst>
+              <a:ext uri="{FF2B5EF4-FFF2-40B4-BE49-F238E27FC236}">
+                <a16:creationId xmlns:a16="http://schemas.microsoft.com/office/drawing/2014/main" id="{B9D76797-568E-9424-506B-7BDFDE1CF269}"/>
+              </a:ext>
+            </a:extLst>
+          </p:cNvPr>
+          <p:cNvSpPr txBox="1"/>
+          <p:nvPr/>
+        </p:nvSpPr>
+        <p:spPr>
+          <a:xfrm>
+            <a:off x="748845" y="3709916"/>
+            <a:ext cx="8426686" cy="2246769"/>
+          </a:xfrm>
+          <a:prstGeom prst="rect">
+            <a:avLst/>
+          </a:prstGeom>
+          <a:noFill/>
+        </p:spPr>
+        <p:txBody>
+          <a:bodyPr wrap="square" rtlCol="0">
+            <a:spAutoFit/>
+          </a:bodyPr>
+          <a:lstStyle/>
+          <a:p>
             <a:r>
               <a:rPr lang="en-US" altLang="ja-JP" sz="2000" dirty="0">
                 <a:latin typeface="コーポレート・ロゴ ver2 Medium" panose="02000600000000000000" pitchFamily="50" charset="-128"/>
                 <a:ea typeface="コーポレート・ロゴ ver2 Medium" panose="02000600000000000000" pitchFamily="50" charset="-128"/>
               </a:rPr>
-              <a:t>(= C: )</a:t>
-            </a:r>
-            <a:endParaRPr kumimoji="1" lang="en-US" altLang="ja-JP" sz="2000" dirty="0">
-              <a:latin typeface="コーポレート・ロゴ ver2 Medium" panose="02000600000000000000" pitchFamily="50" charset="-128"/>
-              <a:ea typeface="コーポレート・ロゴ ver2 Medium" panose="02000600000000000000" pitchFamily="50" charset="-128"/>
-            </a:endParaRPr>
-          </a:p>
-          <a:p>
-            <a:r>
-              <a:rPr kumimoji="1" lang="ja-JP" altLang="en-US" sz="2000" dirty="0">
-                <a:solidFill>
-                  <a:srgbClr val="03BDBA"/>
-                </a:solidFill>
-                <a:latin typeface="コーポレート・ロゴ ver2 Medium" panose="02000600000000000000" pitchFamily="50" charset="-128"/>
-                <a:ea typeface="コーポレート・ロゴ ver2 Medium" panose="02000600000000000000" pitchFamily="50" charset="-128"/>
-              </a:rPr>
-              <a:t>すべて</a:t>
-            </a:r>
-            <a:r>
-              <a:rPr kumimoji="1" lang="ja-JP" altLang="en-US" sz="2000" dirty="0">
-                <a:latin typeface="コーポレート・ロゴ ver2 Medium" panose="02000600000000000000" pitchFamily="50" charset="-128"/>
-                <a:ea typeface="コーポレート・ロゴ ver2 Medium" panose="02000600000000000000" pitchFamily="50" charset="-128"/>
-              </a:rPr>
-              <a:t>のファイルやディレクトリは</a:t>
-            </a:r>
-            <a:endParaRPr kumimoji="1" lang="en-US" altLang="ja-JP" sz="2000" dirty="0">
-              <a:latin typeface="コーポレート・ロゴ ver2 Medium" panose="02000600000000000000" pitchFamily="50" charset="-128"/>
-              <a:ea typeface="コーポレート・ロゴ ver2 Medium" panose="02000600000000000000" pitchFamily="50" charset="-128"/>
-            </a:endParaRPr>
-          </a:p>
-          <a:p>
-            <a:r>
-              <a:rPr kumimoji="1" lang="ja-JP" altLang="en-US" sz="2000" dirty="0">
-                <a:latin typeface="コーポレート・ロゴ ver2 Medium" panose="02000600000000000000" pitchFamily="50" charset="-128"/>
-                <a:ea typeface="コーポレート・ロゴ ver2 Medium" panose="02000600000000000000" pitchFamily="50" charset="-128"/>
-              </a:rPr>
-              <a:t>ルートディレクトリを</a:t>
-            </a:r>
-            <a:r>
-              <a:rPr kumimoji="1" lang="ja-JP" altLang="en-US" sz="2000" dirty="0">
-                <a:solidFill>
-                  <a:srgbClr val="03BDBA"/>
-                </a:solidFill>
-                <a:latin typeface="コーポレート・ロゴ ver2 Medium" panose="02000600000000000000" pitchFamily="50" charset="-128"/>
-                <a:ea typeface="コーポレート・ロゴ ver2 Medium" panose="02000600000000000000" pitchFamily="50" charset="-128"/>
-              </a:rPr>
-              <a:t>根</a:t>
-            </a:r>
-            <a:r>
-              <a:rPr kumimoji="1" lang="ja-JP" altLang="en-US" sz="2000" dirty="0">
-                <a:latin typeface="コーポレート・ロゴ ver2 Medium" panose="02000600000000000000" pitchFamily="50" charset="-128"/>
-                <a:ea typeface="コーポレート・ロゴ ver2 Medium" panose="02000600000000000000" pitchFamily="50" charset="-128"/>
-              </a:rPr>
-              <a:t>（</a:t>
-            </a:r>
-            <a:r>
-              <a:rPr kumimoji="1" lang="en-US" altLang="ja-JP" sz="2000" dirty="0">
-                <a:solidFill>
-                  <a:srgbClr val="03BDBA"/>
-                </a:solidFill>
-                <a:latin typeface="コーポレート・ロゴ ver2 Medium" panose="02000600000000000000" pitchFamily="50" charset="-128"/>
-                <a:ea typeface="コーポレート・ロゴ ver2 Medium" panose="02000600000000000000" pitchFamily="50" charset="-128"/>
-              </a:rPr>
-              <a:t>root</a:t>
-            </a:r>
-            <a:r>
-              <a:rPr kumimoji="1" lang="ja-JP" altLang="en-US" sz="2000" dirty="0">
-                <a:latin typeface="コーポレート・ロゴ ver2 Medium" panose="02000600000000000000" pitchFamily="50" charset="-128"/>
-                <a:ea typeface="コーポレート・ロゴ ver2 Medium" panose="02000600000000000000" pitchFamily="50" charset="-128"/>
-              </a:rPr>
-              <a:t>）とする</a:t>
-            </a:r>
-            <a:endParaRPr kumimoji="1" lang="en-US" altLang="ja-JP" sz="2000" dirty="0">
-              <a:latin typeface="コーポレート・ロゴ ver2 Medium" panose="02000600000000000000" pitchFamily="50" charset="-128"/>
-              <a:ea typeface="コーポレート・ロゴ ver2 Medium" panose="02000600000000000000" pitchFamily="50" charset="-128"/>
-            </a:endParaRPr>
-          </a:p>
-          <a:p>
-            <a:r>
-              <a:rPr kumimoji="1" lang="ja-JP" altLang="en-US" sz="2000" dirty="0">
-                <a:solidFill>
-                  <a:srgbClr val="03BDBA"/>
-                </a:solidFill>
-                <a:latin typeface="コーポレート・ロゴ ver2 Medium" panose="02000600000000000000" pitchFamily="50" charset="-128"/>
-                <a:ea typeface="コーポレート・ロゴ ver2 Medium" panose="02000600000000000000" pitchFamily="50" charset="-128"/>
-              </a:rPr>
-              <a:t>木構造</a:t>
-            </a:r>
-            <a:r>
-              <a:rPr kumimoji="1" lang="ja-JP" altLang="en-US" sz="2000" dirty="0">
-                <a:latin typeface="コーポレート・ロゴ ver2 Medium" panose="02000600000000000000" pitchFamily="50" charset="-128"/>
-                <a:ea typeface="コーポレート・ロゴ ver2 Medium" panose="02000600000000000000" pitchFamily="50" charset="-128"/>
-              </a:rPr>
-              <a:t>のディレクトリ階層のいずれかに収まっている。</a:t>
-            </a:r>
-            <a:endParaRPr kumimoji="1" lang="en-US" altLang="ja-JP" sz="2000" dirty="0">
-              <a:latin typeface="コーポレート・ロゴ ver2 Medium" panose="02000600000000000000" pitchFamily="50" charset="-128"/>
-              <a:ea typeface="コーポレート・ロゴ ver2 Medium" panose="02000600000000000000" pitchFamily="50" charset="-128"/>
-            </a:endParaRPr>
+              <a:t>[Create your account] </a:t>
+            </a:r>
           </a:p>
           <a:p>
             <a:r>
@@ -8519,65 +7151,55 @@
                 <a:latin typeface="コーポレート・ロゴ ver2 Medium" panose="02000600000000000000" pitchFamily="50" charset="-128"/>
                 <a:ea typeface="コーポレート・ロゴ ver2 Medium" panose="02000600000000000000" pitchFamily="50" charset="-128"/>
               </a:rPr>
-              <a:t>→この構造のことを</a:t>
-            </a:r>
-            <a:r>
-              <a:rPr lang="ja-JP" altLang="en-US" sz="2000" dirty="0">
-                <a:solidFill>
-                  <a:srgbClr val="03BDBA"/>
-                </a:solidFill>
-                <a:latin typeface="コーポレート・ロゴ ver2 Medium" panose="02000600000000000000" pitchFamily="50" charset="-128"/>
-                <a:ea typeface="コーポレート・ロゴ ver2 Medium" panose="02000600000000000000" pitchFamily="50" charset="-128"/>
-              </a:rPr>
-              <a:t>ツリー</a:t>
-            </a:r>
+              <a:t>画面が表示されたら必要項目を入力する。*は必須項目</a:t>
+            </a:r>
+          </a:p>
+          <a:p>
             <a:r>
               <a:rPr lang="en-US" altLang="ja-JP" sz="2000" dirty="0">
                 <a:latin typeface="コーポレート・ロゴ ver2 Medium" panose="02000600000000000000" pitchFamily="50" charset="-128"/>
                 <a:ea typeface="コーポレート・ロゴ ver2 Medium" panose="02000600000000000000" pitchFamily="50" charset="-128"/>
               </a:rPr>
-              <a:t>(</a:t>
-            </a:r>
-            <a:r>
-              <a:rPr lang="en-US" altLang="ja-JP" sz="2000" dirty="0">
-                <a:solidFill>
-                  <a:srgbClr val="03BDBA"/>
-                </a:solidFill>
+              <a:t>Username * 	: 	</a:t>
+            </a:r>
+            <a:r>
+              <a:rPr lang="ja-JP" altLang="en-US" sz="2000" dirty="0">
                 <a:latin typeface="コーポレート・ロゴ ver2 Medium" panose="02000600000000000000" pitchFamily="50" charset="-128"/>
                 <a:ea typeface="コーポレート・ロゴ ver2 Medium" panose="02000600000000000000" pitchFamily="50" charset="-128"/>
               </a:rPr>
-              <a:t>Tree</a:t>
-            </a:r>
+              <a:t>任意のユーザー名</a:t>
+            </a:r>
+          </a:p>
+          <a:p>
             <a:r>
               <a:rPr lang="en-US" altLang="ja-JP" sz="2000" dirty="0">
                 <a:latin typeface="コーポレート・ロゴ ver2 Medium" panose="02000600000000000000" pitchFamily="50" charset="-128"/>
                 <a:ea typeface="コーポレート・ロゴ ver2 Medium" panose="02000600000000000000" pitchFamily="50" charset="-128"/>
               </a:rPr>
-              <a:t>)</a:t>
+              <a:t>Email address * : 	GitHub</a:t>
             </a:r>
             <a:r>
               <a:rPr lang="ja-JP" altLang="en-US" sz="2000" dirty="0">
                 <a:latin typeface="コーポレート・ロゴ ver2 Medium" panose="02000600000000000000" pitchFamily="50" charset="-128"/>
                 <a:ea typeface="コーポレート・ロゴ ver2 Medium" panose="02000600000000000000" pitchFamily="50" charset="-128"/>
               </a:rPr>
-              <a:t>または</a:t>
-            </a:r>
-            <a:r>
-              <a:rPr lang="ja-JP" altLang="en-US" sz="2000" dirty="0">
-                <a:solidFill>
-                  <a:srgbClr val="03BDBA"/>
-                </a:solidFill>
+              <a:t>登録用メールアドレス</a:t>
+            </a:r>
+          </a:p>
+          <a:p>
+            <a:r>
+              <a:rPr lang="en-US" altLang="ja-JP" sz="2000" dirty="0">
                 <a:latin typeface="コーポレート・ロゴ ver2 Medium" panose="02000600000000000000" pitchFamily="50" charset="-128"/>
                 <a:ea typeface="コーポレート・ロゴ ver2 Medium" panose="02000600000000000000" pitchFamily="50" charset="-128"/>
               </a:rPr>
-              <a:t>階層構造</a:t>
+              <a:t>Password * 	: 	</a:t>
             </a:r>
             <a:r>
               <a:rPr lang="ja-JP" altLang="en-US" sz="2000" dirty="0">
                 <a:latin typeface="コーポレート・ロゴ ver2 Medium" panose="02000600000000000000" pitchFamily="50" charset="-128"/>
                 <a:ea typeface="コーポレート・ロゴ ver2 Medium" panose="02000600000000000000" pitchFamily="50" charset="-128"/>
               </a:rPr>
-              <a:t>と呼ぶ。</a:t>
+              <a:t>パスワード</a:t>
             </a:r>
             <a:endParaRPr lang="en-US" altLang="ja-JP" sz="2000" dirty="0">
               <a:latin typeface="コーポレート・ロゴ ver2 Medium" panose="02000600000000000000" pitchFamily="50" charset="-128"/>
@@ -8586,21 +7208,18 @@
           </a:p>
           <a:p>
             <a:r>
-              <a:rPr lang="ja-JP" altLang="en-US" sz="2000" dirty="0">
-                <a:solidFill>
-                  <a:srgbClr val="03BDBA"/>
-                </a:solidFill>
+              <a:rPr lang="en-US" altLang="ja-JP" sz="2000" dirty="0">
                 <a:latin typeface="コーポレート・ロゴ ver2 Medium" panose="02000600000000000000" pitchFamily="50" charset="-128"/>
                 <a:ea typeface="コーポレート・ロゴ ver2 Medium" panose="02000600000000000000" pitchFamily="50" charset="-128"/>
               </a:rPr>
-              <a:t>絶対パス</a:t>
+              <a:t>Email preferences :	</a:t>
             </a:r>
             <a:r>
               <a:rPr lang="ja-JP" altLang="en-US" sz="2000" dirty="0">
                 <a:latin typeface="コーポレート・ロゴ ver2 Medium" panose="02000600000000000000" pitchFamily="50" charset="-128"/>
                 <a:ea typeface="コーポレート・ロゴ ver2 Medium" panose="02000600000000000000" pitchFamily="50" charset="-128"/>
               </a:rPr>
-              <a:t>でファイルやディレクトリ指定する際の</a:t>
+              <a:t>メールを受け取るかどうか</a:t>
             </a:r>
             <a:endParaRPr lang="en-US" altLang="ja-JP" sz="2000" dirty="0">
               <a:latin typeface="コーポレート・ロゴ ver2 Medium" panose="02000600000000000000" pitchFamily="50" charset="-128"/>
@@ -8609,11 +7228,32 @@
           </a:p>
           <a:p>
             <a:r>
+              <a:rPr lang="en-US" altLang="ja-JP" sz="2000" dirty="0">
+                <a:latin typeface="コーポレート・ロゴ ver2 Medium" panose="02000600000000000000" pitchFamily="50" charset="-128"/>
+                <a:ea typeface="コーポレート・ロゴ ver2 Medium" panose="02000600000000000000" pitchFamily="50" charset="-128"/>
+              </a:rPr>
+              <a:t>Verify your account * : [</a:t>
+            </a:r>
+            <a:r>
               <a:rPr lang="ja-JP" altLang="en-US" sz="2000" dirty="0">
                 <a:latin typeface="コーポレート・ロゴ ver2 Medium" panose="02000600000000000000" pitchFamily="50" charset="-128"/>
                 <a:ea typeface="コーポレート・ロゴ ver2 Medium" panose="02000600000000000000" pitchFamily="50" charset="-128"/>
               </a:rPr>
-              <a:t>基準の位置。</a:t>
+              <a:t>検証する</a:t>
+            </a:r>
+            <a:r>
+              <a:rPr lang="en-US" altLang="ja-JP" sz="2000" dirty="0">
+                <a:latin typeface="コーポレート・ロゴ ver2 Medium" panose="02000600000000000000" pitchFamily="50" charset="-128"/>
+                <a:ea typeface="コーポレート・ロゴ ver2 Medium" panose="02000600000000000000" pitchFamily="50" charset="-128"/>
+              </a:rPr>
+              <a:t>] </a:t>
+            </a:r>
+            <a:r>
+              <a:rPr lang="ja-JP" altLang="en-US" sz="2000" dirty="0">
+                <a:latin typeface="コーポレート・ロゴ ver2 Medium" panose="02000600000000000000" pitchFamily="50" charset="-128"/>
+                <a:ea typeface="コーポレート・ロゴ ver2 Medium" panose="02000600000000000000" pitchFamily="50" charset="-128"/>
+              </a:rPr>
+              <a:t>ボタンをクリック</a:t>
             </a:r>
             <a:endParaRPr lang="en-US" altLang="ja-JP" sz="2000" dirty="0">
               <a:latin typeface="コーポレート・ロゴ ver2 Medium" panose="02000600000000000000" pitchFamily="50" charset="-128"/>
@@ -8624,10 +7264,10 @@
       </p:sp>
       <p:sp>
         <p:nvSpPr>
-          <p:cNvPr id="15" name="テキスト ボックス 14">
-            <a:extLst>
-              <a:ext uri="{FF2B5EF4-FFF2-40B4-BE49-F238E27FC236}">
-                <a16:creationId xmlns:a16="http://schemas.microsoft.com/office/drawing/2014/main" id="{A166E60B-C964-D876-3491-7200820CA065}"/>
+          <p:cNvPr id="17" name="テキスト ボックス 16">
+            <a:extLst>
+              <a:ext uri="{FF2B5EF4-FFF2-40B4-BE49-F238E27FC236}">
+                <a16:creationId xmlns:a16="http://schemas.microsoft.com/office/drawing/2014/main" id="{8E7F5285-6DE8-2644-B0C5-08483CFF5E5F}"/>
               </a:ext>
             </a:extLst>
           </p:cNvPr>
@@ -8636,8 +7276,8 @@
         </p:nvSpPr>
         <p:spPr>
           <a:xfrm>
-            <a:off x="441665" y="3608562"/>
-            <a:ext cx="2459328" cy="461665"/>
+            <a:off x="441665" y="1021528"/>
+            <a:ext cx="1398140" cy="523220"/>
           </a:xfrm>
           <a:prstGeom prst="rect">
             <a:avLst/>
@@ -8661,25 +7301,70 @@
           <a:lstStyle/>
           <a:p>
             <a:r>
-              <a:rPr lang="ja-JP" altLang="en-US" sz="2400" dirty="0">
-                <a:latin typeface="コーポレート・ロゴ ver2 Medium" panose="02000600000000000000" pitchFamily="50" charset="-128"/>
-                <a:ea typeface="コーポレート・ロゴ ver2 Medium" panose="02000600000000000000" pitchFamily="50" charset="-128"/>
-              </a:rPr>
-              <a:t>カレントディレクトリ</a:t>
-            </a:r>
-            <a:endParaRPr kumimoji="1" lang="ja-JP" altLang="en-US" sz="2400" dirty="0">
-              <a:latin typeface="コーポレート・ロゴ ver2 Medium" panose="02000600000000000000" pitchFamily="50" charset="-128"/>
-              <a:ea typeface="コーポレート・ロゴ ver2 Medium" panose="02000600000000000000" pitchFamily="50" charset="-128"/>
+              <a:rPr lang="en-US" altLang="ja-JP" sz="2800" dirty="0">
+                <a:latin typeface="マキナス 4 Flat" panose="02000600000000000000" pitchFamily="50" charset="-128"/>
+                <a:ea typeface="マキナス 4 Flat" panose="02000600000000000000" pitchFamily="50" charset="-128"/>
+              </a:rPr>
+              <a:t>Access</a:t>
+            </a:r>
+            <a:endParaRPr kumimoji="1" lang="en-US" altLang="ja-JP" sz="2800" dirty="0">
+              <a:latin typeface="マキナス 4 Flat" panose="02000600000000000000" pitchFamily="50" charset="-128"/>
+              <a:ea typeface="マキナス 4 Flat" panose="02000600000000000000" pitchFamily="50" charset="-128"/>
             </a:endParaRPr>
           </a:p>
         </p:txBody>
       </p:sp>
-      <p:sp>
-        <p:nvSpPr>
-          <p:cNvPr id="16" name="テキスト ボックス 15">
-            <a:extLst>
-              <a:ext uri="{FF2B5EF4-FFF2-40B4-BE49-F238E27FC236}">
-                <a16:creationId xmlns:a16="http://schemas.microsoft.com/office/drawing/2014/main" id="{B9D76797-568E-9424-506B-7BDFDE1CF269}"/>
+      <p:pic>
+        <p:nvPicPr>
+          <p:cNvPr id="1026" name="Picture 2">
+            <a:extLst>
+              <a:ext uri="{FF2B5EF4-FFF2-40B4-BE49-F238E27FC236}">
+                <a16:creationId xmlns:a16="http://schemas.microsoft.com/office/drawing/2014/main" id="{3236D633-C1CB-F46B-2D85-3BD03BA7B17D}"/>
+              </a:ext>
+            </a:extLst>
+          </p:cNvPr>
+          <p:cNvPicPr>
+            <a:picLocks noChangeAspect="1" noChangeArrowheads="1"/>
+          </p:cNvPicPr>
+          <p:nvPr/>
+        </p:nvPicPr>
+        <p:blipFill rotWithShape="1">
+          <a:blip r:embed="rId5">
+            <a:extLst>
+              <a:ext uri="{28A0092B-C50C-407E-A947-70E740481C1C}">
+                <a14:useLocalDpi xmlns:a14="http://schemas.microsoft.com/office/drawing/2010/main" val="0"/>
+              </a:ext>
+            </a:extLst>
+          </a:blip>
+          <a:srcRect l="1029" t="1029" r="1029" b="5790"/>
+          <a:stretch/>
+        </p:blipFill>
+        <p:spPr bwMode="auto">
+          <a:xfrm>
+            <a:off x="6284665" y="924792"/>
+            <a:ext cx="4734890" cy="2650203"/>
+          </a:xfrm>
+          <a:prstGeom prst="rect">
+            <a:avLst/>
+          </a:prstGeom>
+          <a:noFill/>
+          <a:extLst>
+            <a:ext uri="{909E8E84-426E-40DD-AFC4-6F175D3DCCD1}">
+              <a14:hiddenFill xmlns:a14="http://schemas.microsoft.com/office/drawing/2010/main">
+                <a:solidFill>
+                  <a:srgbClr val="FFFFFF"/>
+                </a:solidFill>
+              </a14:hiddenFill>
+            </a:ext>
+          </a:extLst>
+        </p:spPr>
+      </p:pic>
+      <p:sp>
+        <p:nvSpPr>
+          <p:cNvPr id="51" name="テキスト ボックス 50">
+            <a:extLst>
+              <a:ext uri="{FF2B5EF4-FFF2-40B4-BE49-F238E27FC236}">
+                <a16:creationId xmlns:a16="http://schemas.microsoft.com/office/drawing/2014/main" id="{EFE2AB77-1F71-767D-4FC0-C113005506EB}"/>
               </a:ext>
             </a:extLst>
           </p:cNvPr>
@@ -8688,113 +7373,8 @@
         </p:nvSpPr>
         <p:spPr>
           <a:xfrm>
-            <a:off x="748845" y="4061360"/>
-            <a:ext cx="5959136" cy="1015663"/>
-          </a:xfrm>
-          <a:prstGeom prst="rect">
-            <a:avLst/>
-          </a:prstGeom>
-          <a:noFill/>
-        </p:spPr>
-        <p:txBody>
-          <a:bodyPr wrap="square" rtlCol="0">
-            <a:spAutoFit/>
-          </a:bodyPr>
-          <a:lstStyle/>
-          <a:p>
-            <a:r>
-              <a:rPr lang="ja-JP" altLang="en-US" sz="2000" dirty="0">
-                <a:solidFill>
-                  <a:srgbClr val="03BDBA"/>
-                </a:solidFill>
-                <a:latin typeface="コーポレート・ロゴ ver2 Medium" panose="02000600000000000000" pitchFamily="50" charset="-128"/>
-                <a:ea typeface="コーポレート・ロゴ ver2 Medium" panose="02000600000000000000" pitchFamily="50" charset="-128"/>
-              </a:rPr>
-              <a:t>現在位置</a:t>
-            </a:r>
-            <a:r>
-              <a:rPr lang="ja-JP" altLang="en-US" sz="2000" dirty="0">
-                <a:latin typeface="コーポレート・ロゴ ver2 Medium" panose="02000600000000000000" pitchFamily="50" charset="-128"/>
-                <a:ea typeface="コーポレート・ロゴ ver2 Medium" panose="02000600000000000000" pitchFamily="50" charset="-128"/>
-              </a:rPr>
-              <a:t>として示している</a:t>
-            </a:r>
-            <a:r>
-              <a:rPr lang="ja-JP" altLang="en-US" sz="2000" dirty="0">
-                <a:solidFill>
-                  <a:srgbClr val="03BDBA"/>
-                </a:solidFill>
-                <a:latin typeface="コーポレート・ロゴ ver2 Medium" panose="02000600000000000000" pitchFamily="50" charset="-128"/>
-                <a:ea typeface="コーポレート・ロゴ ver2 Medium" panose="02000600000000000000" pitchFamily="50" charset="-128"/>
-              </a:rPr>
-              <a:t>ディレクトリ</a:t>
-            </a:r>
-            <a:r>
-              <a:rPr lang="ja-JP" altLang="en-US" sz="2000" dirty="0">
-                <a:latin typeface="コーポレート・ロゴ ver2 Medium" panose="02000600000000000000" pitchFamily="50" charset="-128"/>
-                <a:ea typeface="コーポレート・ロゴ ver2 Medium" panose="02000600000000000000" pitchFamily="50" charset="-128"/>
-              </a:rPr>
-              <a:t>のこと。</a:t>
-            </a:r>
-            <a:endParaRPr lang="en-US" altLang="ja-JP" sz="2000" dirty="0">
-              <a:latin typeface="コーポレート・ロゴ ver2 Medium" panose="02000600000000000000" pitchFamily="50" charset="-128"/>
-              <a:ea typeface="コーポレート・ロゴ ver2 Medium" panose="02000600000000000000" pitchFamily="50" charset="-128"/>
-            </a:endParaRPr>
-          </a:p>
-          <a:p>
-            <a:r>
-              <a:rPr lang="ja-JP" altLang="en-US" sz="2000" dirty="0">
-                <a:solidFill>
-                  <a:srgbClr val="03BDBA"/>
-                </a:solidFill>
-                <a:latin typeface="コーポレート・ロゴ ver2 Medium" panose="02000600000000000000" pitchFamily="50" charset="-128"/>
-                <a:ea typeface="コーポレート・ロゴ ver2 Medium" panose="02000600000000000000" pitchFamily="50" charset="-128"/>
-              </a:rPr>
-              <a:t>相対パス</a:t>
-            </a:r>
-            <a:r>
-              <a:rPr lang="ja-JP" altLang="en-US" sz="2000" dirty="0">
-                <a:latin typeface="コーポレート・ロゴ ver2 Medium" panose="02000600000000000000" pitchFamily="50" charset="-128"/>
-                <a:ea typeface="コーポレート・ロゴ ver2 Medium" panose="02000600000000000000" pitchFamily="50" charset="-128"/>
-              </a:rPr>
-              <a:t>でファイルやディレクトリ指定する際の</a:t>
-            </a:r>
-            <a:endParaRPr lang="en-US" altLang="ja-JP" sz="2000" dirty="0">
-              <a:latin typeface="コーポレート・ロゴ ver2 Medium" panose="02000600000000000000" pitchFamily="50" charset="-128"/>
-              <a:ea typeface="コーポレート・ロゴ ver2 Medium" panose="02000600000000000000" pitchFamily="50" charset="-128"/>
-            </a:endParaRPr>
-          </a:p>
-          <a:p>
-            <a:r>
-              <a:rPr lang="ja-JP" altLang="en-US" sz="2000" dirty="0">
-                <a:latin typeface="コーポレート・ロゴ ver2 Medium" panose="02000600000000000000" pitchFamily="50" charset="-128"/>
-                <a:ea typeface="コーポレート・ロゴ ver2 Medium" panose="02000600000000000000" pitchFamily="50" charset="-128"/>
-              </a:rPr>
-              <a:t>基準の位置。</a:t>
-            </a:r>
-            <a:endParaRPr lang="en-US" altLang="ja-JP" sz="2000" dirty="0">
-              <a:latin typeface="コーポレート・ロゴ ver2 Medium" panose="02000600000000000000" pitchFamily="50" charset="-128"/>
-              <a:ea typeface="コーポレート・ロゴ ver2 Medium" panose="02000600000000000000" pitchFamily="50" charset="-128"/>
-            </a:endParaRPr>
-          </a:p>
-        </p:txBody>
-      </p:sp>
-      <p:sp>
-        <p:nvSpPr>
-          <p:cNvPr id="17" name="テキスト ボックス 16">
-            <a:extLst>
-              <a:ext uri="{FF2B5EF4-FFF2-40B4-BE49-F238E27FC236}">
-                <a16:creationId xmlns:a16="http://schemas.microsoft.com/office/drawing/2014/main" id="{8E7F5285-6DE8-2644-B0C5-08483CFF5E5F}"/>
-              </a:ext>
-            </a:extLst>
-          </p:cNvPr>
-          <p:cNvSpPr txBox="1"/>
-          <p:nvPr/>
-        </p:nvSpPr>
-        <p:spPr>
-          <a:xfrm>
-            <a:off x="441665" y="1021528"/>
-            <a:ext cx="2169184" cy="461665"/>
+            <a:off x="441665" y="3160045"/>
+            <a:ext cx="1548822" cy="523220"/>
           </a:xfrm>
           <a:prstGeom prst="rect">
             <a:avLst/>
@@ -8818,1963 +7398,19 @@
           <a:lstStyle/>
           <a:p>
             <a:r>
-              <a:rPr lang="ja-JP" altLang="en-US" sz="2400" dirty="0">
-                <a:latin typeface="コーポレート・ロゴ ver2 Medium" panose="02000600000000000000" pitchFamily="50" charset="-128"/>
-                <a:ea typeface="コーポレート・ロゴ ver2 Medium" panose="02000600000000000000" pitchFamily="50" charset="-128"/>
-              </a:rPr>
-              <a:t>ルート</a:t>
-            </a:r>
-            <a:r>
-              <a:rPr kumimoji="1" lang="ja-JP" altLang="en-US" sz="2400" dirty="0">
-                <a:latin typeface="コーポレート・ロゴ ver2 Medium" panose="02000600000000000000" pitchFamily="50" charset="-128"/>
-                <a:ea typeface="コーポレート・ロゴ ver2 Medium" panose="02000600000000000000" pitchFamily="50" charset="-128"/>
-              </a:rPr>
-              <a:t>ディレクトリ</a:t>
-            </a:r>
-            <a:endParaRPr kumimoji="1" lang="en-US" altLang="ja-JP" sz="2400" dirty="0">
-              <a:latin typeface="コーポレート・ロゴ ver2 Medium" panose="02000600000000000000" pitchFamily="50" charset="-128"/>
-              <a:ea typeface="コーポレート・ロゴ ver2 Medium" panose="02000600000000000000" pitchFamily="50" charset="-128"/>
-            </a:endParaRPr>
-          </a:p>
-        </p:txBody>
-      </p:sp>
-      <p:sp>
-        <p:nvSpPr>
-          <p:cNvPr id="103" name="テキスト ボックス 102">
-            <a:extLst>
-              <a:ext uri="{FF2B5EF4-FFF2-40B4-BE49-F238E27FC236}">
-                <a16:creationId xmlns:a16="http://schemas.microsoft.com/office/drawing/2014/main" id="{03538719-A08D-99D2-10E5-366291F5CA0B}"/>
-              </a:ext>
-            </a:extLst>
-          </p:cNvPr>
-          <p:cNvSpPr txBox="1"/>
-          <p:nvPr/>
-        </p:nvSpPr>
-        <p:spPr>
-          <a:xfrm>
-            <a:off x="441665" y="4964722"/>
-            <a:ext cx="1877437" cy="461665"/>
-          </a:xfrm>
-          <a:prstGeom prst="rect">
-            <a:avLst/>
-          </a:prstGeom>
-          <a:solidFill>
-            <a:srgbClr val="04E6E1"/>
-          </a:solidFill>
-          <a:scene3d>
-            <a:camera prst="orthographicFront">
-              <a:rot lat="4800000" lon="0" rev="0"/>
-            </a:camera>
-            <a:lightRig rig="flat" dir="t"/>
-          </a:scene3d>
-          <a:sp3d z="127000" prstMaterial="matte"/>
-        </p:spPr>
-        <p:txBody>
-          <a:bodyPr wrap="none" rtlCol="0">
-            <a:spAutoFit/>
-            <a:flatTx/>
-          </a:bodyPr>
-          <a:lstStyle/>
-          <a:p>
-            <a:r>
-              <a:rPr kumimoji="1" lang="ja-JP" altLang="en-US" sz="2400" dirty="0">
-                <a:latin typeface="コーポレート・ロゴ ver2 Medium" panose="02000600000000000000" pitchFamily="50" charset="-128"/>
-                <a:ea typeface="コーポレート・ロゴ ver2 Medium" panose="02000600000000000000" pitchFamily="50" charset="-128"/>
-              </a:rPr>
-              <a:t>親ディレクトリ</a:t>
-            </a:r>
-          </a:p>
-        </p:txBody>
-      </p:sp>
-      <p:sp>
-        <p:nvSpPr>
-          <p:cNvPr id="104" name="テキスト ボックス 103">
-            <a:extLst>
-              <a:ext uri="{FF2B5EF4-FFF2-40B4-BE49-F238E27FC236}">
-                <a16:creationId xmlns:a16="http://schemas.microsoft.com/office/drawing/2014/main" id="{B6592B8E-86C8-E75A-B30E-70911B4440BE}"/>
-              </a:ext>
-            </a:extLst>
-          </p:cNvPr>
-          <p:cNvSpPr txBox="1"/>
-          <p:nvPr/>
-        </p:nvSpPr>
-        <p:spPr>
-          <a:xfrm>
-            <a:off x="748845" y="5397278"/>
-            <a:ext cx="5959136" cy="1015663"/>
-          </a:xfrm>
-          <a:prstGeom prst="rect">
-            <a:avLst/>
-          </a:prstGeom>
-          <a:noFill/>
-        </p:spPr>
-        <p:txBody>
-          <a:bodyPr wrap="square" rtlCol="0">
-            <a:spAutoFit/>
-          </a:bodyPr>
-          <a:lstStyle/>
-          <a:p>
-            <a:r>
-              <a:rPr lang="ja-JP" altLang="en-US" sz="2000" dirty="0">
-                <a:latin typeface="コーポレート・ロゴ ver2 Medium" panose="02000600000000000000" pitchFamily="50" charset="-128"/>
-                <a:ea typeface="コーポレート・ロゴ ver2 Medium" panose="02000600000000000000" pitchFamily="50" charset="-128"/>
-              </a:rPr>
-              <a:t>階層構造で表現すると</a:t>
-            </a:r>
-            <a:r>
-              <a:rPr lang="ja-JP" altLang="en-US" sz="2000" dirty="0">
-                <a:solidFill>
-                  <a:srgbClr val="03BDBA"/>
-                </a:solidFill>
-                <a:latin typeface="コーポレート・ロゴ ver2 Medium" panose="02000600000000000000" pitchFamily="50" charset="-128"/>
-                <a:ea typeface="コーポレート・ロゴ ver2 Medium" panose="02000600000000000000" pitchFamily="50" charset="-128"/>
-              </a:rPr>
-              <a:t>１つ上</a:t>
-            </a:r>
-            <a:r>
-              <a:rPr lang="ja-JP" altLang="en-US" sz="2000" dirty="0">
-                <a:latin typeface="コーポレート・ロゴ ver2 Medium" panose="02000600000000000000" pitchFamily="50" charset="-128"/>
-                <a:ea typeface="コーポレート・ロゴ ver2 Medium" panose="02000600000000000000" pitchFamily="50" charset="-128"/>
-              </a:rPr>
-              <a:t>の</a:t>
-            </a:r>
-            <a:endParaRPr lang="en-US" altLang="ja-JP" sz="2000" dirty="0">
-              <a:latin typeface="コーポレート・ロゴ ver2 Medium" panose="02000600000000000000" pitchFamily="50" charset="-128"/>
-              <a:ea typeface="コーポレート・ロゴ ver2 Medium" panose="02000600000000000000" pitchFamily="50" charset="-128"/>
-            </a:endParaRPr>
-          </a:p>
-          <a:p>
-            <a:r>
-              <a:rPr lang="ja-JP" altLang="en-US" sz="2000" dirty="0">
-                <a:solidFill>
-                  <a:srgbClr val="03BDBA"/>
-                </a:solidFill>
-                <a:latin typeface="コーポレート・ロゴ ver2 Medium" panose="02000600000000000000" pitchFamily="50" charset="-128"/>
-                <a:ea typeface="コーポレート・ロゴ ver2 Medium" panose="02000600000000000000" pitchFamily="50" charset="-128"/>
-              </a:rPr>
-              <a:t>ディレクトリ</a:t>
-            </a:r>
-            <a:r>
-              <a:rPr lang="ja-JP" altLang="en-US" sz="2000" dirty="0">
-                <a:latin typeface="コーポレート・ロゴ ver2 Medium" panose="02000600000000000000" pitchFamily="50" charset="-128"/>
-                <a:ea typeface="コーポレート・ロゴ ver2 Medium" panose="02000600000000000000" pitchFamily="50" charset="-128"/>
-              </a:rPr>
-              <a:t>のことを指す。</a:t>
-            </a:r>
-            <a:endParaRPr lang="en-US" altLang="ja-JP" sz="2000" dirty="0">
-              <a:latin typeface="コーポレート・ロゴ ver2 Medium" panose="02000600000000000000" pitchFamily="50" charset="-128"/>
-              <a:ea typeface="コーポレート・ロゴ ver2 Medium" panose="02000600000000000000" pitchFamily="50" charset="-128"/>
-            </a:endParaRPr>
-          </a:p>
-          <a:p>
-            <a:r>
-              <a:rPr lang="ja-JP" altLang="en-US" sz="2000" dirty="0">
-                <a:solidFill>
-                  <a:srgbClr val="03BDBA"/>
-                </a:solidFill>
-                <a:latin typeface="コーポレート・ロゴ ver2 Medium" panose="02000600000000000000" pitchFamily="50" charset="-128"/>
-                <a:ea typeface="コーポレート・ロゴ ver2 Medium" panose="02000600000000000000" pitchFamily="50" charset="-128"/>
-              </a:rPr>
-              <a:t>カレントディレクトリ </a:t>
-            </a:r>
-            <a:r>
-              <a:rPr lang="ja-JP" altLang="en-US" sz="2000" dirty="0">
-                <a:latin typeface="コーポレート・ロゴ ver2 Medium" panose="02000600000000000000" pitchFamily="50" charset="-128"/>
-                <a:ea typeface="コーポレート・ロゴ ver2 Medium" panose="02000600000000000000" pitchFamily="50" charset="-128"/>
-              </a:rPr>
-              <a:t>≒ </a:t>
-            </a:r>
-            <a:r>
-              <a:rPr lang="ja-JP" altLang="en-US" sz="2000" dirty="0">
-                <a:solidFill>
-                  <a:srgbClr val="03BDBA"/>
-                </a:solidFill>
-                <a:latin typeface="コーポレート・ロゴ ver2 Medium" panose="02000600000000000000" pitchFamily="50" charset="-128"/>
-                <a:ea typeface="コーポレート・ロゴ ver2 Medium" panose="02000600000000000000" pitchFamily="50" charset="-128"/>
-              </a:rPr>
-              <a:t>親ディレクトリ</a:t>
-            </a:r>
-            <a:endParaRPr lang="en-US" altLang="ja-JP" sz="2000" dirty="0">
-              <a:latin typeface="コーポレート・ロゴ ver2 Medium" panose="02000600000000000000" pitchFamily="50" charset="-128"/>
-              <a:ea typeface="コーポレート・ロゴ ver2 Medium" panose="02000600000000000000" pitchFamily="50" charset="-128"/>
-            </a:endParaRPr>
-          </a:p>
-        </p:txBody>
-      </p:sp>
-      <p:sp>
-        <p:nvSpPr>
-          <p:cNvPr id="143" name="正方形/長方形 142">
-            <a:extLst>
-              <a:ext uri="{FF2B5EF4-FFF2-40B4-BE49-F238E27FC236}">
-                <a16:creationId xmlns:a16="http://schemas.microsoft.com/office/drawing/2014/main" id="{2FCD6EE7-059D-8875-833F-2FA9404695C9}"/>
-              </a:ext>
-            </a:extLst>
-          </p:cNvPr>
-          <p:cNvSpPr/>
-          <p:nvPr/>
-        </p:nvSpPr>
-        <p:spPr>
-          <a:xfrm>
-            <a:off x="6331751" y="1513988"/>
-            <a:ext cx="502445" cy="45719"/>
-          </a:xfrm>
-          <a:prstGeom prst="rect">
-            <a:avLst/>
-          </a:prstGeom>
-          <a:solidFill>
-            <a:schemeClr val="tx1"/>
-          </a:solidFill>
-          <a:ln>
-            <a:noFill/>
-          </a:ln>
-        </p:spPr>
-        <p:style>
-          <a:lnRef idx="2">
-            <a:schemeClr val="accent1">
-              <a:shade val="50000"/>
-            </a:schemeClr>
-          </a:lnRef>
-          <a:fillRef idx="1">
-            <a:schemeClr val="accent1"/>
-          </a:fillRef>
-          <a:effectRef idx="0">
-            <a:schemeClr val="accent1"/>
-          </a:effectRef>
-          <a:fontRef idx="minor">
-            <a:schemeClr val="lt1"/>
-          </a:fontRef>
-        </p:style>
-        <p:txBody>
-          <a:bodyPr rtlCol="0" anchor="ctr"/>
-          <a:lstStyle/>
-          <a:p>
-            <a:pPr algn="ctr"/>
-            <a:endParaRPr kumimoji="1" lang="ja-JP" altLang="en-US">
-              <a:solidFill>
-                <a:schemeClr val="tx1"/>
-              </a:solidFill>
-            </a:endParaRPr>
-          </a:p>
-        </p:txBody>
-      </p:sp>
-      <p:sp>
-        <p:nvSpPr>
-          <p:cNvPr id="144" name="正方形/長方形 143">
-            <a:extLst>
-              <a:ext uri="{FF2B5EF4-FFF2-40B4-BE49-F238E27FC236}">
-                <a16:creationId xmlns:a16="http://schemas.microsoft.com/office/drawing/2014/main" id="{91A116B4-F10A-CFE8-BBF8-13664AC5DAB7}"/>
-              </a:ext>
-            </a:extLst>
-          </p:cNvPr>
-          <p:cNvSpPr/>
-          <p:nvPr/>
-        </p:nvSpPr>
-        <p:spPr>
-          <a:xfrm>
-            <a:off x="7641678" y="1512464"/>
-            <a:ext cx="502445" cy="45719"/>
-          </a:xfrm>
-          <a:prstGeom prst="rect">
-            <a:avLst/>
-          </a:prstGeom>
-          <a:solidFill>
-            <a:schemeClr val="tx1"/>
-          </a:solidFill>
-          <a:ln>
-            <a:noFill/>
-          </a:ln>
-        </p:spPr>
-        <p:style>
-          <a:lnRef idx="2">
-            <a:schemeClr val="accent1">
-              <a:shade val="50000"/>
-            </a:schemeClr>
-          </a:lnRef>
-          <a:fillRef idx="1">
-            <a:schemeClr val="accent1"/>
-          </a:fillRef>
-          <a:effectRef idx="0">
-            <a:schemeClr val="accent1"/>
-          </a:effectRef>
-          <a:fontRef idx="minor">
-            <a:schemeClr val="lt1"/>
-          </a:fontRef>
-        </p:style>
-        <p:txBody>
-          <a:bodyPr rtlCol="0" anchor="ctr"/>
-          <a:lstStyle/>
-          <a:p>
-            <a:pPr algn="ctr"/>
-            <a:endParaRPr kumimoji="1" lang="ja-JP" altLang="en-US">
-              <a:solidFill>
-                <a:schemeClr val="tx1"/>
-              </a:solidFill>
-            </a:endParaRPr>
-          </a:p>
-        </p:txBody>
-      </p:sp>
-      <p:pic>
-        <p:nvPicPr>
-          <p:cNvPr id="145" name="図 144">
-            <a:extLst>
-              <a:ext uri="{FF2B5EF4-FFF2-40B4-BE49-F238E27FC236}">
-                <a16:creationId xmlns:a16="http://schemas.microsoft.com/office/drawing/2014/main" id="{9EC9068C-0877-C523-C18C-03F00F6B0DAD}"/>
-              </a:ext>
-            </a:extLst>
-          </p:cNvPr>
-          <p:cNvPicPr>
-            <a:picLocks noChangeAspect="1"/>
-          </p:cNvPicPr>
-          <p:nvPr/>
-        </p:nvPicPr>
-        <p:blipFill>
-          <a:blip r:embed="rId5">
-            <a:extLst>
-              <a:ext uri="{28A0092B-C50C-407E-A947-70E740481C1C}">
-                <a14:useLocalDpi xmlns:a14="http://schemas.microsoft.com/office/drawing/2010/main" val="0"/>
-              </a:ext>
-            </a:extLst>
-          </a:blip>
-          <a:stretch>
-            <a:fillRect/>
-          </a:stretch>
-        </p:blipFill>
-        <p:spPr>
-          <a:xfrm>
-            <a:off x="6713646" y="967279"/>
-            <a:ext cx="1071442" cy="1071442"/>
-          </a:xfrm>
-          <a:prstGeom prst="rect">
-            <a:avLst/>
-          </a:prstGeom>
-        </p:spPr>
-      </p:pic>
-      <p:sp>
-        <p:nvSpPr>
-          <p:cNvPr id="146" name="正方形/長方形 145">
-            <a:extLst>
-              <a:ext uri="{FF2B5EF4-FFF2-40B4-BE49-F238E27FC236}">
-                <a16:creationId xmlns:a16="http://schemas.microsoft.com/office/drawing/2014/main" id="{68079421-D0CE-E269-8E2D-D234432F842E}"/>
-              </a:ext>
-            </a:extLst>
-          </p:cNvPr>
-          <p:cNvSpPr/>
-          <p:nvPr/>
-        </p:nvSpPr>
-        <p:spPr>
-          <a:xfrm>
-            <a:off x="6582973" y="5472595"/>
-            <a:ext cx="502445" cy="45719"/>
-          </a:xfrm>
-          <a:prstGeom prst="rect">
-            <a:avLst/>
-          </a:prstGeom>
-          <a:solidFill>
-            <a:schemeClr val="tx1"/>
-          </a:solidFill>
-          <a:ln>
-            <a:noFill/>
-          </a:ln>
-        </p:spPr>
-        <p:style>
-          <a:lnRef idx="2">
-            <a:schemeClr val="accent1">
-              <a:shade val="50000"/>
-            </a:schemeClr>
-          </a:lnRef>
-          <a:fillRef idx="1">
-            <a:schemeClr val="accent1"/>
-          </a:fillRef>
-          <a:effectRef idx="0">
-            <a:schemeClr val="accent1"/>
-          </a:effectRef>
-          <a:fontRef idx="minor">
-            <a:schemeClr val="lt1"/>
-          </a:fontRef>
-        </p:style>
-        <p:txBody>
-          <a:bodyPr rtlCol="0" anchor="ctr"/>
-          <a:lstStyle/>
-          <a:p>
-            <a:pPr algn="ctr"/>
-            <a:endParaRPr kumimoji="1" lang="ja-JP" altLang="en-US">
-              <a:solidFill>
-                <a:schemeClr val="tx1"/>
-              </a:solidFill>
-            </a:endParaRPr>
-          </a:p>
-        </p:txBody>
-      </p:sp>
-      <p:sp>
-        <p:nvSpPr>
-          <p:cNvPr id="147" name="正方形/長方形 146">
-            <a:extLst>
-              <a:ext uri="{FF2B5EF4-FFF2-40B4-BE49-F238E27FC236}">
-                <a16:creationId xmlns:a16="http://schemas.microsoft.com/office/drawing/2014/main" id="{28FD7C41-A2E2-4780-2367-EC8A47CC4CAA}"/>
-              </a:ext>
-            </a:extLst>
-          </p:cNvPr>
-          <p:cNvSpPr/>
-          <p:nvPr/>
-        </p:nvSpPr>
-        <p:spPr>
-          <a:xfrm>
-            <a:off x="7641678" y="5464333"/>
-            <a:ext cx="698482" cy="45720"/>
-          </a:xfrm>
-          <a:prstGeom prst="rect">
-            <a:avLst/>
-          </a:prstGeom>
-          <a:solidFill>
-            <a:schemeClr val="tx1"/>
-          </a:solidFill>
-          <a:ln>
-            <a:noFill/>
-          </a:ln>
-        </p:spPr>
-        <p:style>
-          <a:lnRef idx="2">
-            <a:schemeClr val="accent1">
-              <a:shade val="50000"/>
-            </a:schemeClr>
-          </a:lnRef>
-          <a:fillRef idx="1">
-            <a:schemeClr val="accent1"/>
-          </a:fillRef>
-          <a:effectRef idx="0">
-            <a:schemeClr val="accent1"/>
-          </a:effectRef>
-          <a:fontRef idx="minor">
-            <a:schemeClr val="lt1"/>
-          </a:fontRef>
-        </p:style>
-        <p:txBody>
-          <a:bodyPr rtlCol="0" anchor="ctr"/>
-          <a:lstStyle/>
-          <a:p>
-            <a:pPr algn="ctr"/>
-            <a:endParaRPr kumimoji="1" lang="ja-JP" altLang="en-US">
-              <a:solidFill>
-                <a:schemeClr val="tx1"/>
-              </a:solidFill>
-            </a:endParaRPr>
-          </a:p>
-        </p:txBody>
-      </p:sp>
-      <p:pic>
-        <p:nvPicPr>
-          <p:cNvPr id="148" name="図 147">
-            <a:extLst>
-              <a:ext uri="{FF2B5EF4-FFF2-40B4-BE49-F238E27FC236}">
-                <a16:creationId xmlns:a16="http://schemas.microsoft.com/office/drawing/2014/main" id="{B4825BDF-2913-EE8C-0C5D-AA694C23CE09}"/>
-              </a:ext>
-            </a:extLst>
-          </p:cNvPr>
-          <p:cNvPicPr>
-            <a:picLocks noChangeAspect="1"/>
-          </p:cNvPicPr>
-          <p:nvPr/>
-        </p:nvPicPr>
-        <p:blipFill>
-          <a:blip r:embed="rId5">
-            <a:extLst>
-              <a:ext uri="{28A0092B-C50C-407E-A947-70E740481C1C}">
-                <a14:useLocalDpi xmlns:a14="http://schemas.microsoft.com/office/drawing/2010/main" val="0"/>
-              </a:ext>
-            </a:extLst>
-          </a:blip>
-          <a:stretch>
-            <a:fillRect/>
-          </a:stretch>
-        </p:blipFill>
-        <p:spPr>
-          <a:xfrm>
-            <a:off x="6713646" y="4925886"/>
-            <a:ext cx="1071442" cy="1071442"/>
-          </a:xfrm>
-          <a:prstGeom prst="rect">
-            <a:avLst/>
-          </a:prstGeom>
-        </p:spPr>
-      </p:pic>
-      <p:sp>
-        <p:nvSpPr>
-          <p:cNvPr id="149" name="正方形/長方形 148">
-            <a:extLst>
-              <a:ext uri="{FF2B5EF4-FFF2-40B4-BE49-F238E27FC236}">
-                <a16:creationId xmlns:a16="http://schemas.microsoft.com/office/drawing/2014/main" id="{3309583B-40D9-E560-AACB-9023D83758A7}"/>
-              </a:ext>
-            </a:extLst>
-          </p:cNvPr>
-          <p:cNvSpPr/>
-          <p:nvPr/>
-        </p:nvSpPr>
-        <p:spPr>
-          <a:xfrm rot="16200000">
-            <a:off x="4183295" y="3916046"/>
-            <a:ext cx="4799361" cy="45719"/>
-          </a:xfrm>
-          <a:prstGeom prst="rect">
-            <a:avLst/>
-          </a:prstGeom>
-          <a:solidFill>
-            <a:schemeClr val="tx1"/>
-          </a:solidFill>
-          <a:ln>
-            <a:noFill/>
-          </a:ln>
-        </p:spPr>
-        <p:style>
-          <a:lnRef idx="2">
-            <a:schemeClr val="accent1">
-              <a:shade val="50000"/>
-            </a:schemeClr>
-          </a:lnRef>
-          <a:fillRef idx="1">
-            <a:schemeClr val="accent1"/>
-          </a:fillRef>
-          <a:effectRef idx="0">
-            <a:schemeClr val="accent1"/>
-          </a:effectRef>
-          <a:fontRef idx="minor">
-            <a:schemeClr val="lt1"/>
-          </a:fontRef>
-        </p:style>
-        <p:txBody>
-          <a:bodyPr rtlCol="0" anchor="ctr"/>
-          <a:lstStyle/>
-          <a:p>
-            <a:pPr algn="ctr"/>
-            <a:endParaRPr kumimoji="1" lang="ja-JP" altLang="en-US">
-              <a:solidFill>
-                <a:schemeClr val="tx1"/>
-              </a:solidFill>
-            </a:endParaRPr>
-          </a:p>
-        </p:txBody>
-      </p:sp>
-      <p:sp>
-        <p:nvSpPr>
-          <p:cNvPr id="150" name="正方形/長方形 149">
-            <a:extLst>
-              <a:ext uri="{FF2B5EF4-FFF2-40B4-BE49-F238E27FC236}">
-                <a16:creationId xmlns:a16="http://schemas.microsoft.com/office/drawing/2014/main" id="{313FB7F0-4397-55BC-67E2-1A82EB145F1F}"/>
-              </a:ext>
-            </a:extLst>
-          </p:cNvPr>
-          <p:cNvSpPr/>
-          <p:nvPr/>
-        </p:nvSpPr>
-        <p:spPr>
-          <a:xfrm>
-            <a:off x="7908794" y="2652592"/>
-            <a:ext cx="502445" cy="45719"/>
-          </a:xfrm>
-          <a:prstGeom prst="rect">
-            <a:avLst/>
-          </a:prstGeom>
-          <a:solidFill>
-            <a:schemeClr val="tx1"/>
-          </a:solidFill>
-          <a:ln>
-            <a:noFill/>
-          </a:ln>
-        </p:spPr>
-        <p:style>
-          <a:lnRef idx="2">
-            <a:schemeClr val="accent1">
-              <a:shade val="50000"/>
-            </a:schemeClr>
-          </a:lnRef>
-          <a:fillRef idx="1">
-            <a:schemeClr val="accent1"/>
-          </a:fillRef>
-          <a:effectRef idx="0">
-            <a:schemeClr val="accent1"/>
-          </a:effectRef>
-          <a:fontRef idx="minor">
-            <a:schemeClr val="lt1"/>
-          </a:fontRef>
-        </p:style>
-        <p:txBody>
-          <a:bodyPr rtlCol="0" anchor="ctr"/>
-          <a:lstStyle/>
-          <a:p>
-            <a:pPr algn="ctr"/>
-            <a:endParaRPr kumimoji="1" lang="ja-JP" altLang="en-US">
-              <a:solidFill>
-                <a:schemeClr val="tx1"/>
-              </a:solidFill>
-            </a:endParaRPr>
-          </a:p>
-        </p:txBody>
-      </p:sp>
-      <p:sp>
-        <p:nvSpPr>
-          <p:cNvPr id="151" name="正方形/長方形 150">
-            <a:extLst>
-              <a:ext uri="{FF2B5EF4-FFF2-40B4-BE49-F238E27FC236}">
-                <a16:creationId xmlns:a16="http://schemas.microsoft.com/office/drawing/2014/main" id="{B94FB1B7-70A7-9C18-CD2C-C523385CE01B}"/>
-              </a:ext>
-            </a:extLst>
-          </p:cNvPr>
-          <p:cNvSpPr/>
-          <p:nvPr/>
-        </p:nvSpPr>
-        <p:spPr>
-          <a:xfrm rot="16200000">
-            <a:off x="6283498" y="3116720"/>
-            <a:ext cx="3250600" cy="45719"/>
-          </a:xfrm>
-          <a:prstGeom prst="rect">
-            <a:avLst/>
-          </a:prstGeom>
-          <a:solidFill>
-            <a:schemeClr val="tx1"/>
-          </a:solidFill>
-          <a:ln>
-            <a:noFill/>
-          </a:ln>
-        </p:spPr>
-        <p:style>
-          <a:lnRef idx="2">
-            <a:schemeClr val="accent1">
-              <a:shade val="50000"/>
-            </a:schemeClr>
-          </a:lnRef>
-          <a:fillRef idx="1">
-            <a:schemeClr val="accent1"/>
-          </a:fillRef>
-          <a:effectRef idx="0">
-            <a:schemeClr val="accent1"/>
-          </a:effectRef>
-          <a:fontRef idx="minor">
-            <a:schemeClr val="lt1"/>
-          </a:fontRef>
-        </p:style>
-        <p:txBody>
-          <a:bodyPr rtlCol="0" anchor="ctr"/>
-          <a:lstStyle/>
-          <a:p>
-            <a:pPr algn="ctr"/>
-            <a:endParaRPr kumimoji="1" lang="ja-JP" altLang="en-US">
-              <a:solidFill>
-                <a:schemeClr val="tx1"/>
-              </a:solidFill>
-            </a:endParaRPr>
-          </a:p>
-        </p:txBody>
-      </p:sp>
-      <p:sp>
-        <p:nvSpPr>
-          <p:cNvPr id="152" name="正方形/長方形 151">
-            <a:extLst>
-              <a:ext uri="{FF2B5EF4-FFF2-40B4-BE49-F238E27FC236}">
-                <a16:creationId xmlns:a16="http://schemas.microsoft.com/office/drawing/2014/main" id="{10668BAF-97AB-96C7-DD1B-32B1DE555217}"/>
-              </a:ext>
-            </a:extLst>
-          </p:cNvPr>
-          <p:cNvSpPr/>
-          <p:nvPr/>
-        </p:nvSpPr>
-        <p:spPr>
-          <a:xfrm>
-            <a:off x="7908794" y="4020104"/>
-            <a:ext cx="502445" cy="45719"/>
-          </a:xfrm>
-          <a:prstGeom prst="rect">
-            <a:avLst/>
-          </a:prstGeom>
-          <a:solidFill>
-            <a:schemeClr val="tx1"/>
-          </a:solidFill>
-          <a:ln>
-            <a:noFill/>
-          </a:ln>
-        </p:spPr>
-        <p:style>
-          <a:lnRef idx="2">
-            <a:schemeClr val="accent1">
-              <a:shade val="50000"/>
-            </a:schemeClr>
-          </a:lnRef>
-          <a:fillRef idx="1">
-            <a:schemeClr val="accent1"/>
-          </a:fillRef>
-          <a:effectRef idx="0">
-            <a:schemeClr val="accent1"/>
-          </a:effectRef>
-          <a:fontRef idx="minor">
-            <a:schemeClr val="lt1"/>
-          </a:fontRef>
-        </p:style>
-        <p:txBody>
-          <a:bodyPr rtlCol="0" anchor="ctr"/>
-          <a:lstStyle/>
-          <a:p>
-            <a:pPr algn="ctr"/>
-            <a:endParaRPr kumimoji="1" lang="ja-JP" altLang="en-US">
-              <a:solidFill>
-                <a:schemeClr val="tx1"/>
-              </a:solidFill>
-            </a:endParaRPr>
-          </a:p>
-        </p:txBody>
-      </p:sp>
-      <p:sp>
-        <p:nvSpPr>
-          <p:cNvPr id="153" name="正方形/長方形 152">
-            <a:extLst>
-              <a:ext uri="{FF2B5EF4-FFF2-40B4-BE49-F238E27FC236}">
-                <a16:creationId xmlns:a16="http://schemas.microsoft.com/office/drawing/2014/main" id="{6CBF4098-7D0F-16F1-DD13-9CCE3A2FA6F9}"/>
-              </a:ext>
-            </a:extLst>
-          </p:cNvPr>
-          <p:cNvSpPr/>
-          <p:nvPr/>
-        </p:nvSpPr>
-        <p:spPr>
-          <a:xfrm>
-            <a:off x="8952050" y="1512464"/>
-            <a:ext cx="697954" cy="45719"/>
-          </a:xfrm>
-          <a:prstGeom prst="rect">
-            <a:avLst/>
-          </a:prstGeom>
-          <a:solidFill>
-            <a:schemeClr val="tx1"/>
-          </a:solidFill>
-          <a:ln>
-            <a:noFill/>
-          </a:ln>
-        </p:spPr>
-        <p:style>
-          <a:lnRef idx="2">
-            <a:schemeClr val="accent1">
-              <a:shade val="50000"/>
-            </a:schemeClr>
-          </a:lnRef>
-          <a:fillRef idx="1">
-            <a:schemeClr val="accent1"/>
-          </a:fillRef>
-          <a:effectRef idx="0">
-            <a:schemeClr val="accent1"/>
-          </a:effectRef>
-          <a:fontRef idx="minor">
-            <a:schemeClr val="lt1"/>
-          </a:fontRef>
-        </p:style>
-        <p:txBody>
-          <a:bodyPr rtlCol="0" anchor="ctr"/>
-          <a:lstStyle/>
-          <a:p>
-            <a:pPr algn="ctr"/>
-            <a:endParaRPr kumimoji="1" lang="ja-JP" altLang="en-US">
-              <a:solidFill>
-                <a:schemeClr val="tx1"/>
-              </a:solidFill>
-            </a:endParaRPr>
-          </a:p>
-        </p:txBody>
-      </p:sp>
-      <p:sp>
-        <p:nvSpPr>
-          <p:cNvPr id="154" name="正方形/長方形 153">
-            <a:extLst>
-              <a:ext uri="{FF2B5EF4-FFF2-40B4-BE49-F238E27FC236}">
-                <a16:creationId xmlns:a16="http://schemas.microsoft.com/office/drawing/2014/main" id="{E81F5493-ED8E-0118-AB32-774454BB1B6E}"/>
-              </a:ext>
-            </a:extLst>
-          </p:cNvPr>
-          <p:cNvSpPr/>
-          <p:nvPr/>
-        </p:nvSpPr>
-        <p:spPr>
-          <a:xfrm>
-            <a:off x="9258403" y="2725932"/>
-            <a:ext cx="502445" cy="45719"/>
-          </a:xfrm>
-          <a:prstGeom prst="rect">
-            <a:avLst/>
-          </a:prstGeom>
-          <a:solidFill>
-            <a:schemeClr val="tx1"/>
-          </a:solidFill>
-          <a:ln>
-            <a:noFill/>
-          </a:ln>
-        </p:spPr>
-        <p:style>
-          <a:lnRef idx="2">
-            <a:schemeClr val="accent1">
-              <a:shade val="50000"/>
-            </a:schemeClr>
-          </a:lnRef>
-          <a:fillRef idx="1">
-            <a:schemeClr val="accent1"/>
-          </a:fillRef>
-          <a:effectRef idx="0">
-            <a:schemeClr val="accent1"/>
-          </a:effectRef>
-          <a:fontRef idx="minor">
-            <a:schemeClr val="lt1"/>
-          </a:fontRef>
-        </p:style>
-        <p:txBody>
-          <a:bodyPr rtlCol="0" anchor="ctr"/>
-          <a:lstStyle/>
-          <a:p>
-            <a:pPr algn="ctr"/>
-            <a:endParaRPr kumimoji="1" lang="ja-JP" altLang="en-US">
-              <a:solidFill>
-                <a:schemeClr val="tx1"/>
-              </a:solidFill>
-            </a:endParaRPr>
-          </a:p>
-        </p:txBody>
-      </p:sp>
-      <p:pic>
-        <p:nvPicPr>
-          <p:cNvPr id="155" name="図 154">
-            <a:extLst>
-              <a:ext uri="{FF2B5EF4-FFF2-40B4-BE49-F238E27FC236}">
-                <a16:creationId xmlns:a16="http://schemas.microsoft.com/office/drawing/2014/main" id="{E687E676-5C13-A2D4-1372-1321C0B224F1}"/>
-              </a:ext>
-            </a:extLst>
-          </p:cNvPr>
-          <p:cNvPicPr>
-            <a:picLocks noChangeAspect="1"/>
-          </p:cNvPicPr>
-          <p:nvPr/>
-        </p:nvPicPr>
-        <p:blipFill>
-          <a:blip r:embed="rId5">
-            <a:extLst>
-              <a:ext uri="{28A0092B-C50C-407E-A947-70E740481C1C}">
-                <a14:useLocalDpi xmlns:a14="http://schemas.microsoft.com/office/drawing/2010/main" val="0"/>
-              </a:ext>
-            </a:extLst>
-          </a:blip>
-          <a:stretch>
-            <a:fillRect/>
-          </a:stretch>
-        </p:blipFill>
-        <p:spPr>
-          <a:xfrm>
-            <a:off x="8005236" y="967279"/>
-            <a:ext cx="1071442" cy="1071442"/>
-          </a:xfrm>
-          <a:prstGeom prst="rect">
-            <a:avLst/>
-          </a:prstGeom>
-        </p:spPr>
-      </p:pic>
-      <p:sp>
-        <p:nvSpPr>
-          <p:cNvPr id="156" name="正方形/長方形 155">
-            <a:extLst>
-              <a:ext uri="{FF2B5EF4-FFF2-40B4-BE49-F238E27FC236}">
-                <a16:creationId xmlns:a16="http://schemas.microsoft.com/office/drawing/2014/main" id="{7C52901D-6A4A-9B5C-35CD-E542C224A1D3}"/>
-              </a:ext>
-            </a:extLst>
-          </p:cNvPr>
-          <p:cNvSpPr/>
-          <p:nvPr/>
-        </p:nvSpPr>
-        <p:spPr>
-          <a:xfrm rot="16200000">
-            <a:off x="7633108" y="3116720"/>
-            <a:ext cx="3250600" cy="45719"/>
-          </a:xfrm>
-          <a:prstGeom prst="rect">
-            <a:avLst/>
-          </a:prstGeom>
-          <a:solidFill>
-            <a:schemeClr val="tx1"/>
-          </a:solidFill>
-          <a:ln>
-            <a:noFill/>
-          </a:ln>
-        </p:spPr>
-        <p:style>
-          <a:lnRef idx="2">
-            <a:schemeClr val="accent1">
-              <a:shade val="50000"/>
-            </a:schemeClr>
-          </a:lnRef>
-          <a:fillRef idx="1">
-            <a:schemeClr val="accent1"/>
-          </a:fillRef>
-          <a:effectRef idx="0">
-            <a:schemeClr val="accent1"/>
-          </a:effectRef>
-          <a:fontRef idx="minor">
-            <a:schemeClr val="lt1"/>
-          </a:fontRef>
-        </p:style>
-        <p:txBody>
-          <a:bodyPr rtlCol="0" anchor="ctr"/>
-          <a:lstStyle/>
-          <a:p>
-            <a:pPr algn="ctr"/>
-            <a:endParaRPr kumimoji="1" lang="ja-JP" altLang="en-US">
-              <a:solidFill>
-                <a:schemeClr val="tx1"/>
-              </a:solidFill>
-            </a:endParaRPr>
-          </a:p>
-        </p:txBody>
-      </p:sp>
-      <p:sp>
-        <p:nvSpPr>
-          <p:cNvPr id="157" name="正方形/長方形 156">
-            <a:extLst>
-              <a:ext uri="{FF2B5EF4-FFF2-40B4-BE49-F238E27FC236}">
-                <a16:creationId xmlns:a16="http://schemas.microsoft.com/office/drawing/2014/main" id="{BCCCDD8E-11B1-EB25-9C1D-0B34AA4EB295}"/>
-              </a:ext>
-            </a:extLst>
-          </p:cNvPr>
-          <p:cNvSpPr/>
-          <p:nvPr/>
-        </p:nvSpPr>
-        <p:spPr>
-          <a:xfrm>
-            <a:off x="9258403" y="4093444"/>
-            <a:ext cx="502445" cy="45719"/>
-          </a:xfrm>
-          <a:prstGeom prst="rect">
-            <a:avLst/>
-          </a:prstGeom>
-          <a:solidFill>
-            <a:schemeClr val="tx1"/>
-          </a:solidFill>
-          <a:ln>
-            <a:noFill/>
-          </a:ln>
-        </p:spPr>
-        <p:style>
-          <a:lnRef idx="2">
-            <a:schemeClr val="accent1">
-              <a:shade val="50000"/>
-            </a:schemeClr>
-          </a:lnRef>
-          <a:fillRef idx="1">
-            <a:schemeClr val="accent1"/>
-          </a:fillRef>
-          <a:effectRef idx="0">
-            <a:schemeClr val="accent1"/>
-          </a:effectRef>
-          <a:fontRef idx="minor">
-            <a:schemeClr val="lt1"/>
-          </a:fontRef>
-        </p:style>
-        <p:txBody>
-          <a:bodyPr rtlCol="0" anchor="ctr"/>
-          <a:lstStyle/>
-          <a:p>
-            <a:pPr algn="ctr"/>
-            <a:endParaRPr kumimoji="1" lang="ja-JP" altLang="en-US">
-              <a:solidFill>
-                <a:schemeClr val="tx1"/>
-              </a:solidFill>
-            </a:endParaRPr>
-          </a:p>
-        </p:txBody>
-      </p:sp>
-      <p:sp>
-        <p:nvSpPr>
-          <p:cNvPr id="158" name="テキスト ボックス 157">
-            <a:extLst>
-              <a:ext uri="{FF2B5EF4-FFF2-40B4-BE49-F238E27FC236}">
-                <a16:creationId xmlns:a16="http://schemas.microsoft.com/office/drawing/2014/main" id="{9D09BCDB-E734-59D8-E31A-D63CD0567D6D}"/>
-              </a:ext>
-            </a:extLst>
-          </p:cNvPr>
-          <p:cNvSpPr txBox="1"/>
-          <p:nvPr/>
-        </p:nvSpPr>
-        <p:spPr>
-          <a:xfrm>
-            <a:off x="5551841" y="1273713"/>
-            <a:ext cx="966524" cy="523220"/>
-          </a:xfrm>
-          <a:prstGeom prst="rect">
-            <a:avLst/>
-          </a:prstGeom>
-          <a:noFill/>
-        </p:spPr>
-        <p:txBody>
-          <a:bodyPr wrap="square" rtlCol="0">
-            <a:spAutoFit/>
-          </a:bodyPr>
-          <a:lstStyle/>
-          <a:p>
-            <a:pPr algn="ctr"/>
-            <a:r>
-              <a:rPr kumimoji="1" lang="en-US" altLang="ja-JP" sz="2800" dirty="0">
+              <a:rPr lang="en-US" altLang="ja-JP" sz="2800" dirty="0">
                 <a:latin typeface="マキナス 4 Flat" panose="02000600000000000000" pitchFamily="50" charset="-128"/>
                 <a:ea typeface="マキナス 4 Flat" panose="02000600000000000000" pitchFamily="50" charset="-128"/>
               </a:rPr>
-              <a:t>C:</a:t>
-            </a:r>
-            <a:endParaRPr kumimoji="1" lang="ja-JP" altLang="en-US" sz="2800" dirty="0">
+              <a:t>Register</a:t>
+            </a:r>
+            <a:endParaRPr kumimoji="1" lang="en-US" altLang="ja-JP" sz="2800" dirty="0">
               <a:latin typeface="マキナス 4 Flat" panose="02000600000000000000" pitchFamily="50" charset="-128"/>
               <a:ea typeface="マキナス 4 Flat" panose="02000600000000000000" pitchFamily="50" charset="-128"/>
             </a:endParaRPr>
           </a:p>
         </p:txBody>
       </p:sp>
-      <p:sp>
-        <p:nvSpPr>
-          <p:cNvPr id="159" name="テキスト ボックス 158">
-            <a:extLst>
-              <a:ext uri="{FF2B5EF4-FFF2-40B4-BE49-F238E27FC236}">
-                <a16:creationId xmlns:a16="http://schemas.microsoft.com/office/drawing/2014/main" id="{11B2D367-7205-F772-E9DD-69D4DCB9F8B3}"/>
-              </a:ext>
-            </a:extLst>
-          </p:cNvPr>
-          <p:cNvSpPr txBox="1"/>
-          <p:nvPr/>
-        </p:nvSpPr>
-        <p:spPr>
-          <a:xfrm>
-            <a:off x="6655962" y="1893509"/>
-            <a:ext cx="1202706" cy="338554"/>
-          </a:xfrm>
-          <a:prstGeom prst="rect">
-            <a:avLst/>
-          </a:prstGeom>
-          <a:noFill/>
-        </p:spPr>
-        <p:txBody>
-          <a:bodyPr wrap="square" rtlCol="0">
-            <a:spAutoFit/>
-          </a:bodyPr>
-          <a:lstStyle/>
-          <a:p>
-            <a:pPr algn="ctr"/>
-            <a:r>
-              <a:rPr lang="en-US" altLang="ja-JP" sz="1600" dirty="0">
-                <a:latin typeface="マキナス 4 Flat" panose="02000600000000000000" pitchFamily="50" charset="-128"/>
-                <a:ea typeface="マキナス 4 Flat" panose="02000600000000000000" pitchFamily="50" charset="-128"/>
-              </a:rPr>
-              <a:t>Users</a:t>
-            </a:r>
-            <a:endParaRPr kumimoji="1" lang="ja-JP" altLang="en-US" sz="1600" dirty="0">
-              <a:latin typeface="マキナス 4 Flat" panose="02000600000000000000" pitchFamily="50" charset="-128"/>
-              <a:ea typeface="マキナス 4 Flat" panose="02000600000000000000" pitchFamily="50" charset="-128"/>
-            </a:endParaRPr>
-          </a:p>
-        </p:txBody>
-      </p:sp>
-      <p:sp>
-        <p:nvSpPr>
-          <p:cNvPr id="160" name="テキスト ボックス 159">
-            <a:extLst>
-              <a:ext uri="{FF2B5EF4-FFF2-40B4-BE49-F238E27FC236}">
-                <a16:creationId xmlns:a16="http://schemas.microsoft.com/office/drawing/2014/main" id="{4218C7ED-783B-7419-A463-D191FC47D424}"/>
-              </a:ext>
-            </a:extLst>
-          </p:cNvPr>
-          <p:cNvSpPr txBox="1"/>
-          <p:nvPr/>
-        </p:nvSpPr>
-        <p:spPr>
-          <a:xfrm>
-            <a:off x="6655962" y="5853546"/>
-            <a:ext cx="1202706" cy="584775"/>
-          </a:xfrm>
-          <a:prstGeom prst="rect">
-            <a:avLst/>
-          </a:prstGeom>
-          <a:noFill/>
-        </p:spPr>
-        <p:txBody>
-          <a:bodyPr wrap="square" rtlCol="0">
-            <a:spAutoFit/>
-          </a:bodyPr>
-          <a:lstStyle/>
-          <a:p>
-            <a:pPr algn="ctr"/>
-            <a:r>
-              <a:rPr lang="en-US" altLang="ja-JP" sz="1600" dirty="0">
-                <a:latin typeface="マキナス 4 Flat" panose="02000600000000000000" pitchFamily="50" charset="-128"/>
-                <a:ea typeface="マキナス 4 Flat" panose="02000600000000000000" pitchFamily="50" charset="-128"/>
-              </a:rPr>
-              <a:t>Program</a:t>
-            </a:r>
-          </a:p>
-          <a:p>
-            <a:pPr algn="ctr"/>
-            <a:r>
-              <a:rPr kumimoji="1" lang="en-US" altLang="ja-JP" sz="1600" dirty="0">
-                <a:latin typeface="マキナス 4 Flat" panose="02000600000000000000" pitchFamily="50" charset="-128"/>
-                <a:ea typeface="マキナス 4 Flat" panose="02000600000000000000" pitchFamily="50" charset="-128"/>
-              </a:rPr>
-              <a:t>Files(x8</a:t>
-            </a:r>
-            <a:r>
-              <a:rPr lang="en-US" altLang="ja-JP" sz="1600" dirty="0">
-                <a:latin typeface="マキナス 4 Flat" panose="02000600000000000000" pitchFamily="50" charset="-128"/>
-                <a:ea typeface="マキナス 4 Flat" panose="02000600000000000000" pitchFamily="50" charset="-128"/>
-              </a:rPr>
-              <a:t>6)</a:t>
-            </a:r>
-            <a:endParaRPr kumimoji="1" lang="ja-JP" altLang="en-US" sz="1600" dirty="0">
-              <a:latin typeface="マキナス 4 Flat" panose="02000600000000000000" pitchFamily="50" charset="-128"/>
-              <a:ea typeface="マキナス 4 Flat" panose="02000600000000000000" pitchFamily="50" charset="-128"/>
-            </a:endParaRPr>
-          </a:p>
-        </p:txBody>
-      </p:sp>
-      <p:sp>
-        <p:nvSpPr>
-          <p:cNvPr id="161" name="テキスト ボックス 160">
-            <a:extLst>
-              <a:ext uri="{FF2B5EF4-FFF2-40B4-BE49-F238E27FC236}">
-                <a16:creationId xmlns:a16="http://schemas.microsoft.com/office/drawing/2014/main" id="{AF6D6BB3-5411-55C8-C171-1656077445F3}"/>
-              </a:ext>
-            </a:extLst>
-          </p:cNvPr>
-          <p:cNvSpPr txBox="1"/>
-          <p:nvPr/>
-        </p:nvSpPr>
-        <p:spPr>
-          <a:xfrm>
-            <a:off x="7912837" y="5853546"/>
-            <a:ext cx="1442710" cy="338554"/>
-          </a:xfrm>
-          <a:prstGeom prst="rect">
-            <a:avLst/>
-          </a:prstGeom>
-          <a:noFill/>
-        </p:spPr>
-        <p:txBody>
-          <a:bodyPr wrap="square" rtlCol="0">
-            <a:spAutoFit/>
-          </a:bodyPr>
-          <a:lstStyle/>
-          <a:p>
-            <a:pPr algn="ctr"/>
-            <a:r>
-              <a:rPr lang="en-US" altLang="ja-JP" sz="1600" dirty="0">
-                <a:latin typeface="マキナス 4 Flat" panose="02000600000000000000" pitchFamily="50" charset="-128"/>
-                <a:ea typeface="マキナス 4 Flat" panose="02000600000000000000" pitchFamily="50" charset="-128"/>
-              </a:rPr>
-              <a:t>Application</a:t>
-            </a:r>
-            <a:endParaRPr kumimoji="1" lang="ja-JP" altLang="en-US" sz="1600" dirty="0">
-              <a:latin typeface="マキナス 4 Flat" panose="02000600000000000000" pitchFamily="50" charset="-128"/>
-              <a:ea typeface="マキナス 4 Flat" panose="02000600000000000000" pitchFamily="50" charset="-128"/>
-            </a:endParaRPr>
-          </a:p>
-        </p:txBody>
-      </p:sp>
-      <p:sp>
-        <p:nvSpPr>
-          <p:cNvPr id="162" name="テキスト ボックス 161">
-            <a:extLst>
-              <a:ext uri="{FF2B5EF4-FFF2-40B4-BE49-F238E27FC236}">
-                <a16:creationId xmlns:a16="http://schemas.microsoft.com/office/drawing/2014/main" id="{7A44AC97-48C3-5755-C077-CCA3C5B81193}"/>
-              </a:ext>
-            </a:extLst>
-          </p:cNvPr>
-          <p:cNvSpPr txBox="1"/>
-          <p:nvPr/>
-        </p:nvSpPr>
-        <p:spPr>
-          <a:xfrm>
-            <a:off x="7812065" y="4514969"/>
-            <a:ext cx="1496514" cy="338554"/>
-          </a:xfrm>
-          <a:prstGeom prst="rect">
-            <a:avLst/>
-          </a:prstGeom>
-          <a:noFill/>
-        </p:spPr>
-        <p:txBody>
-          <a:bodyPr wrap="square" rtlCol="0">
-            <a:spAutoFit/>
-          </a:bodyPr>
-          <a:lstStyle/>
-          <a:p>
-            <a:pPr algn="ctr"/>
-            <a:r>
-              <a:rPr lang="en-US" altLang="ja-JP" sz="1600" dirty="0">
-                <a:latin typeface="マキナス 4 Flat" panose="02000600000000000000" pitchFamily="50" charset="-128"/>
-                <a:ea typeface="マキナス 4 Flat" panose="02000600000000000000" pitchFamily="50" charset="-128"/>
-              </a:rPr>
-              <a:t>Default</a:t>
-            </a:r>
-            <a:endParaRPr kumimoji="1" lang="ja-JP" altLang="en-US" sz="1600" dirty="0">
-              <a:latin typeface="マキナス 4 Flat" panose="02000600000000000000" pitchFamily="50" charset="-128"/>
-              <a:ea typeface="マキナス 4 Flat" panose="02000600000000000000" pitchFamily="50" charset="-128"/>
-            </a:endParaRPr>
-          </a:p>
-        </p:txBody>
-      </p:sp>
-      <p:sp>
-        <p:nvSpPr>
-          <p:cNvPr id="163" name="テキスト ボックス 162">
-            <a:extLst>
-              <a:ext uri="{FF2B5EF4-FFF2-40B4-BE49-F238E27FC236}">
-                <a16:creationId xmlns:a16="http://schemas.microsoft.com/office/drawing/2014/main" id="{66A38ECD-1EA8-2EC5-EB4C-4C5791D9D462}"/>
-              </a:ext>
-            </a:extLst>
-          </p:cNvPr>
-          <p:cNvSpPr txBox="1"/>
-          <p:nvPr/>
-        </p:nvSpPr>
-        <p:spPr>
-          <a:xfrm>
-            <a:off x="7958969" y="3143711"/>
-            <a:ext cx="1202706" cy="369332"/>
-          </a:xfrm>
-          <a:prstGeom prst="rect">
-            <a:avLst/>
-          </a:prstGeom>
-          <a:noFill/>
-        </p:spPr>
-        <p:txBody>
-          <a:bodyPr wrap="square" rtlCol="0">
-            <a:spAutoFit/>
-          </a:bodyPr>
-          <a:lstStyle/>
-          <a:p>
-            <a:pPr algn="ctr"/>
-            <a:r>
-              <a:rPr lang="en-US" altLang="ja-JP" dirty="0">
-                <a:latin typeface="マキナス 4 Flat" panose="02000600000000000000" pitchFamily="50" charset="-128"/>
-                <a:ea typeface="マキナス 4 Flat" panose="02000600000000000000" pitchFamily="50" charset="-128"/>
-              </a:rPr>
-              <a:t>Public</a:t>
-            </a:r>
-            <a:endParaRPr kumimoji="1" lang="ja-JP" altLang="en-US" dirty="0">
-              <a:latin typeface="マキナス 4 Flat" panose="02000600000000000000" pitchFamily="50" charset="-128"/>
-              <a:ea typeface="マキナス 4 Flat" panose="02000600000000000000" pitchFamily="50" charset="-128"/>
-            </a:endParaRPr>
-          </a:p>
-        </p:txBody>
-      </p:sp>
-      <p:sp>
-        <p:nvSpPr>
-          <p:cNvPr id="164" name="テキスト ボックス 163">
-            <a:extLst>
-              <a:ext uri="{FF2B5EF4-FFF2-40B4-BE49-F238E27FC236}">
-                <a16:creationId xmlns:a16="http://schemas.microsoft.com/office/drawing/2014/main" id="{585F9BD6-FCBF-9C2C-DDF0-84389A73B280}"/>
-              </a:ext>
-            </a:extLst>
-          </p:cNvPr>
-          <p:cNvSpPr txBox="1"/>
-          <p:nvPr/>
-        </p:nvSpPr>
-        <p:spPr>
-          <a:xfrm>
-            <a:off x="7844821" y="1888378"/>
-            <a:ext cx="1355414" cy="338554"/>
-          </a:xfrm>
-          <a:prstGeom prst="rect">
-            <a:avLst/>
-          </a:prstGeom>
-          <a:noFill/>
-        </p:spPr>
-        <p:txBody>
-          <a:bodyPr wrap="square" rtlCol="0">
-            <a:spAutoFit/>
-          </a:bodyPr>
-          <a:lstStyle/>
-          <a:p>
-            <a:pPr algn="ctr"/>
-            <a:r>
-              <a:rPr lang="en-US" altLang="ja-JP" sz="1600" dirty="0">
-                <a:latin typeface="マキナス 4 Flat" panose="02000600000000000000" pitchFamily="50" charset="-128"/>
-                <a:ea typeface="マキナス 4 Flat" panose="02000600000000000000" pitchFamily="50" charset="-128"/>
-              </a:rPr>
-              <a:t>User</a:t>
-            </a:r>
-            <a:endParaRPr kumimoji="1" lang="ja-JP" altLang="en-US" sz="1600" dirty="0">
-              <a:latin typeface="マキナス 4 Flat" panose="02000600000000000000" pitchFamily="50" charset="-128"/>
-              <a:ea typeface="マキナス 4 Flat" panose="02000600000000000000" pitchFamily="50" charset="-128"/>
-            </a:endParaRPr>
-          </a:p>
-        </p:txBody>
-      </p:sp>
-      <p:sp>
-        <p:nvSpPr>
-          <p:cNvPr id="165" name="テキスト ボックス 164">
-            <a:extLst>
-              <a:ext uri="{FF2B5EF4-FFF2-40B4-BE49-F238E27FC236}">
-                <a16:creationId xmlns:a16="http://schemas.microsoft.com/office/drawing/2014/main" id="{A8C0D560-E80C-6DC2-EE36-1CE1530BED51}"/>
-              </a:ext>
-            </a:extLst>
-          </p:cNvPr>
-          <p:cNvSpPr txBox="1"/>
-          <p:nvPr/>
-        </p:nvSpPr>
-        <p:spPr>
-          <a:xfrm>
-            <a:off x="9234616" y="4514969"/>
-            <a:ext cx="1496514" cy="338554"/>
-          </a:xfrm>
-          <a:prstGeom prst="rect">
-            <a:avLst/>
-          </a:prstGeom>
-          <a:noFill/>
-        </p:spPr>
-        <p:txBody>
-          <a:bodyPr wrap="square" rtlCol="0">
-            <a:spAutoFit/>
-          </a:bodyPr>
-          <a:lstStyle/>
-          <a:p>
-            <a:pPr algn="ctr"/>
-            <a:r>
-              <a:rPr lang="en-US" altLang="ja-JP" sz="1600" dirty="0">
-                <a:latin typeface="マキナス 4 Flat" panose="02000600000000000000" pitchFamily="50" charset="-128"/>
-                <a:ea typeface="マキナス 4 Flat" panose="02000600000000000000" pitchFamily="50" charset="-128"/>
-              </a:rPr>
-              <a:t>Documents</a:t>
-            </a:r>
-            <a:endParaRPr kumimoji="1" lang="ja-JP" altLang="en-US" sz="1600" dirty="0">
-              <a:latin typeface="マキナス 4 Flat" panose="02000600000000000000" pitchFamily="50" charset="-128"/>
-              <a:ea typeface="マキナス 4 Flat" panose="02000600000000000000" pitchFamily="50" charset="-128"/>
-            </a:endParaRPr>
-          </a:p>
-        </p:txBody>
-      </p:sp>
-      <p:sp>
-        <p:nvSpPr>
-          <p:cNvPr id="166" name="テキスト ボックス 165">
-            <a:extLst>
-              <a:ext uri="{FF2B5EF4-FFF2-40B4-BE49-F238E27FC236}">
-                <a16:creationId xmlns:a16="http://schemas.microsoft.com/office/drawing/2014/main" id="{454B1D3F-7260-640E-1BB1-20CA392FC239}"/>
-              </a:ext>
-            </a:extLst>
-          </p:cNvPr>
-          <p:cNvSpPr txBox="1"/>
-          <p:nvPr/>
-        </p:nvSpPr>
-        <p:spPr>
-          <a:xfrm>
-            <a:off x="6039947" y="488406"/>
-            <a:ext cx="5744588" cy="461665"/>
-          </a:xfrm>
-          <a:prstGeom prst="rect">
-            <a:avLst/>
-          </a:prstGeom>
-          <a:noFill/>
-        </p:spPr>
-        <p:txBody>
-          <a:bodyPr wrap="square" rtlCol="0">
-            <a:spAutoFit/>
-          </a:bodyPr>
-          <a:lstStyle/>
-          <a:p>
-            <a:pPr algn="ctr"/>
-            <a:r>
-              <a:rPr lang="en-US" altLang="ja-JP" sz="2400" dirty="0">
-                <a:latin typeface="コーポレート・ロゴ ver2 Bold" panose="02000600000000000000" pitchFamily="50" charset="-128"/>
-                <a:ea typeface="コーポレート・ロゴ ver2 Bold" panose="02000600000000000000" pitchFamily="50" charset="-128"/>
-              </a:rPr>
-              <a:t>Tree</a:t>
-            </a:r>
-          </a:p>
-        </p:txBody>
-      </p:sp>
-      <p:sp>
-        <p:nvSpPr>
-          <p:cNvPr id="167" name="テキスト ボックス 166">
-            <a:extLst>
-              <a:ext uri="{FF2B5EF4-FFF2-40B4-BE49-F238E27FC236}">
-                <a16:creationId xmlns:a16="http://schemas.microsoft.com/office/drawing/2014/main" id="{53427C6F-339D-6640-3CE9-F194BEBCF81F}"/>
-              </a:ext>
-            </a:extLst>
-          </p:cNvPr>
-          <p:cNvSpPr txBox="1"/>
-          <p:nvPr/>
-        </p:nvSpPr>
-        <p:spPr>
-          <a:xfrm>
-            <a:off x="9234616" y="3156380"/>
-            <a:ext cx="1496514" cy="338554"/>
-          </a:xfrm>
-          <a:prstGeom prst="rect">
-            <a:avLst/>
-          </a:prstGeom>
-          <a:noFill/>
-        </p:spPr>
-        <p:txBody>
-          <a:bodyPr wrap="square" rtlCol="0">
-            <a:spAutoFit/>
-          </a:bodyPr>
-          <a:lstStyle/>
-          <a:p>
-            <a:pPr algn="ctr"/>
-            <a:r>
-              <a:rPr lang="en-US" altLang="ja-JP" sz="1600" dirty="0">
-                <a:latin typeface="マキナス 4 Flat" panose="02000600000000000000" pitchFamily="50" charset="-128"/>
-                <a:ea typeface="マキナス 4 Flat" panose="02000600000000000000" pitchFamily="50" charset="-128"/>
-              </a:rPr>
-              <a:t>Downloads</a:t>
-            </a:r>
-          </a:p>
-        </p:txBody>
-      </p:sp>
-      <p:sp>
-        <p:nvSpPr>
-          <p:cNvPr id="168" name="テキスト ボックス 167">
-            <a:extLst>
-              <a:ext uri="{FF2B5EF4-FFF2-40B4-BE49-F238E27FC236}">
-                <a16:creationId xmlns:a16="http://schemas.microsoft.com/office/drawing/2014/main" id="{1FB95CB6-3EBF-E22F-D294-35008BD9D23C}"/>
-              </a:ext>
-            </a:extLst>
-          </p:cNvPr>
-          <p:cNvSpPr txBox="1"/>
-          <p:nvPr/>
-        </p:nvSpPr>
-        <p:spPr>
-          <a:xfrm>
-            <a:off x="9234616" y="1961801"/>
-            <a:ext cx="1496514" cy="338554"/>
-          </a:xfrm>
-          <a:prstGeom prst="rect">
-            <a:avLst/>
-          </a:prstGeom>
-          <a:noFill/>
-        </p:spPr>
-        <p:txBody>
-          <a:bodyPr wrap="square" rtlCol="0">
-            <a:spAutoFit/>
-          </a:bodyPr>
-          <a:lstStyle/>
-          <a:p>
-            <a:pPr algn="ctr"/>
-            <a:r>
-              <a:rPr kumimoji="1" lang="en-US" altLang="ja-JP" sz="1600" dirty="0">
-                <a:latin typeface="マキナス 4 Flat" panose="02000600000000000000" pitchFamily="50" charset="-128"/>
-                <a:ea typeface="マキナス 4 Flat" panose="02000600000000000000" pitchFamily="50" charset="-128"/>
-              </a:rPr>
-              <a:t>Desktop</a:t>
-            </a:r>
-            <a:endParaRPr kumimoji="1" lang="ja-JP" altLang="en-US" sz="1600" dirty="0">
-              <a:latin typeface="マキナス 4 Flat" panose="02000600000000000000" pitchFamily="50" charset="-128"/>
-              <a:ea typeface="マキナス 4 Flat" panose="02000600000000000000" pitchFamily="50" charset="-128"/>
-            </a:endParaRPr>
-          </a:p>
-        </p:txBody>
-      </p:sp>
-      <p:sp>
-        <p:nvSpPr>
-          <p:cNvPr id="169" name="正方形/長方形 168">
-            <a:extLst>
-              <a:ext uri="{FF2B5EF4-FFF2-40B4-BE49-F238E27FC236}">
-                <a16:creationId xmlns:a16="http://schemas.microsoft.com/office/drawing/2014/main" id="{C8CC7366-E41D-FF55-4BAB-158AF4BEDCF0}"/>
-              </a:ext>
-            </a:extLst>
-          </p:cNvPr>
-          <p:cNvSpPr/>
-          <p:nvPr/>
-        </p:nvSpPr>
-        <p:spPr>
-          <a:xfrm rot="16200000">
-            <a:off x="7475324" y="5882251"/>
-            <a:ext cx="866950" cy="45719"/>
-          </a:xfrm>
-          <a:prstGeom prst="rect">
-            <a:avLst/>
-          </a:prstGeom>
-          <a:solidFill>
-            <a:schemeClr val="tx1"/>
-          </a:solidFill>
-          <a:ln>
-            <a:noFill/>
-          </a:ln>
-        </p:spPr>
-        <p:style>
-          <a:lnRef idx="2">
-            <a:schemeClr val="accent1">
-              <a:shade val="50000"/>
-            </a:schemeClr>
-          </a:lnRef>
-          <a:fillRef idx="1">
-            <a:schemeClr val="accent1"/>
-          </a:fillRef>
-          <a:effectRef idx="0">
-            <a:schemeClr val="accent1"/>
-          </a:effectRef>
-          <a:fontRef idx="minor">
-            <a:schemeClr val="lt1"/>
-          </a:fontRef>
-        </p:style>
-        <p:txBody>
-          <a:bodyPr rtlCol="0" anchor="ctr"/>
-          <a:lstStyle/>
-          <a:p>
-            <a:pPr algn="ctr"/>
-            <a:endParaRPr kumimoji="1" lang="ja-JP" altLang="en-US">
-              <a:solidFill>
-                <a:schemeClr val="tx1"/>
-              </a:solidFill>
-            </a:endParaRPr>
-          </a:p>
-        </p:txBody>
-      </p:sp>
-      <p:pic>
-        <p:nvPicPr>
-          <p:cNvPr id="170" name="図 169">
-            <a:extLst>
-              <a:ext uri="{FF2B5EF4-FFF2-40B4-BE49-F238E27FC236}">
-                <a16:creationId xmlns:a16="http://schemas.microsoft.com/office/drawing/2014/main" id="{63348D69-2D3F-D518-2EF6-50FB2C946821}"/>
-              </a:ext>
-            </a:extLst>
-          </p:cNvPr>
-          <p:cNvPicPr>
-            <a:picLocks noChangeAspect="1"/>
-          </p:cNvPicPr>
-          <p:nvPr/>
-        </p:nvPicPr>
-        <p:blipFill>
-          <a:blip r:embed="rId5">
-            <a:extLst>
-              <a:ext uri="{28A0092B-C50C-407E-A947-70E740481C1C}">
-                <a14:useLocalDpi xmlns:a14="http://schemas.microsoft.com/office/drawing/2010/main" val="0"/>
-              </a:ext>
-            </a:extLst>
-          </a:blip>
-          <a:stretch>
-            <a:fillRect/>
-          </a:stretch>
-        </p:blipFill>
-        <p:spPr>
-          <a:xfrm>
-            <a:off x="8005236" y="2205336"/>
-            <a:ext cx="1071442" cy="1071442"/>
-          </a:xfrm>
-          <a:prstGeom prst="rect">
-            <a:avLst/>
-          </a:prstGeom>
-        </p:spPr>
-      </p:pic>
-      <p:pic>
-        <p:nvPicPr>
-          <p:cNvPr id="171" name="図 170">
-            <a:extLst>
-              <a:ext uri="{FF2B5EF4-FFF2-40B4-BE49-F238E27FC236}">
-                <a16:creationId xmlns:a16="http://schemas.microsoft.com/office/drawing/2014/main" id="{B55A76CB-DF41-99B3-3F40-3A4691D98171}"/>
-              </a:ext>
-            </a:extLst>
-          </p:cNvPr>
-          <p:cNvPicPr>
-            <a:picLocks noChangeAspect="1"/>
-          </p:cNvPicPr>
-          <p:nvPr/>
-        </p:nvPicPr>
-        <p:blipFill>
-          <a:blip r:embed="rId5">
-            <a:extLst>
-              <a:ext uri="{28A0092B-C50C-407E-A947-70E740481C1C}">
-                <a14:useLocalDpi xmlns:a14="http://schemas.microsoft.com/office/drawing/2010/main" val="0"/>
-              </a:ext>
-            </a:extLst>
-          </a:blip>
-          <a:stretch>
-            <a:fillRect/>
-          </a:stretch>
-        </p:blipFill>
-        <p:spPr>
-          <a:xfrm>
-            <a:off x="8005236" y="3580582"/>
-            <a:ext cx="1071442" cy="1071442"/>
-          </a:xfrm>
-          <a:prstGeom prst="rect">
-            <a:avLst/>
-          </a:prstGeom>
-        </p:spPr>
-      </p:pic>
-      <p:pic>
-        <p:nvPicPr>
-          <p:cNvPr id="172" name="図 171">
-            <a:extLst>
-              <a:ext uri="{FF2B5EF4-FFF2-40B4-BE49-F238E27FC236}">
-                <a16:creationId xmlns:a16="http://schemas.microsoft.com/office/drawing/2014/main" id="{8B081AC2-EC3F-828E-5099-566C786C8B0C}"/>
-              </a:ext>
-            </a:extLst>
-          </p:cNvPr>
-          <p:cNvPicPr>
-            <a:picLocks noChangeAspect="1"/>
-          </p:cNvPicPr>
-          <p:nvPr/>
-        </p:nvPicPr>
-        <p:blipFill>
-          <a:blip r:embed="rId5">
-            <a:extLst>
-              <a:ext uri="{28A0092B-C50C-407E-A947-70E740481C1C}">
-                <a14:useLocalDpi xmlns:a14="http://schemas.microsoft.com/office/drawing/2010/main" val="0"/>
-              </a:ext>
-            </a:extLst>
-          </a:blip>
-          <a:stretch>
-            <a:fillRect/>
-          </a:stretch>
-        </p:blipFill>
-        <p:spPr>
-          <a:xfrm>
-            <a:off x="9440136" y="967279"/>
-            <a:ext cx="1071442" cy="1071442"/>
-          </a:xfrm>
-          <a:prstGeom prst="rect">
-            <a:avLst/>
-          </a:prstGeom>
-        </p:spPr>
-      </p:pic>
-      <p:pic>
-        <p:nvPicPr>
-          <p:cNvPr id="173" name="図 172">
-            <a:extLst>
-              <a:ext uri="{FF2B5EF4-FFF2-40B4-BE49-F238E27FC236}">
-                <a16:creationId xmlns:a16="http://schemas.microsoft.com/office/drawing/2014/main" id="{27234019-F15A-E86E-1DD4-CB259952C615}"/>
-              </a:ext>
-            </a:extLst>
-          </p:cNvPr>
-          <p:cNvPicPr>
-            <a:picLocks noChangeAspect="1"/>
-          </p:cNvPicPr>
-          <p:nvPr/>
-        </p:nvPicPr>
-        <p:blipFill>
-          <a:blip r:embed="rId5">
-            <a:extLst>
-              <a:ext uri="{28A0092B-C50C-407E-A947-70E740481C1C}">
-                <a14:useLocalDpi xmlns:a14="http://schemas.microsoft.com/office/drawing/2010/main" val="0"/>
-              </a:ext>
-            </a:extLst>
-          </a:blip>
-          <a:stretch>
-            <a:fillRect/>
-          </a:stretch>
-        </p:blipFill>
-        <p:spPr>
-          <a:xfrm>
-            <a:off x="9440136" y="2205336"/>
-            <a:ext cx="1071442" cy="1071442"/>
-          </a:xfrm>
-          <a:prstGeom prst="rect">
-            <a:avLst/>
-          </a:prstGeom>
-        </p:spPr>
-      </p:pic>
-      <p:sp>
-        <p:nvSpPr>
-          <p:cNvPr id="174" name="正方形/長方形 173">
-            <a:extLst>
-              <a:ext uri="{FF2B5EF4-FFF2-40B4-BE49-F238E27FC236}">
-                <a16:creationId xmlns:a16="http://schemas.microsoft.com/office/drawing/2014/main" id="{E35E3EC9-B58A-18BF-DED8-588C47EE87F2}"/>
-              </a:ext>
-            </a:extLst>
-          </p:cNvPr>
-          <p:cNvSpPr/>
-          <p:nvPr/>
-        </p:nvSpPr>
-        <p:spPr>
-          <a:xfrm>
-            <a:off x="10359638" y="4127889"/>
-            <a:ext cx="697954" cy="45719"/>
-          </a:xfrm>
-          <a:prstGeom prst="rect">
-            <a:avLst/>
-          </a:prstGeom>
-          <a:solidFill>
-            <a:schemeClr val="tx1"/>
-          </a:solidFill>
-          <a:ln>
-            <a:noFill/>
-          </a:ln>
-        </p:spPr>
-        <p:style>
-          <a:lnRef idx="2">
-            <a:schemeClr val="accent1">
-              <a:shade val="50000"/>
-            </a:schemeClr>
-          </a:lnRef>
-          <a:fillRef idx="1">
-            <a:schemeClr val="accent1"/>
-          </a:fillRef>
-          <a:effectRef idx="0">
-            <a:schemeClr val="accent1"/>
-          </a:effectRef>
-          <a:fontRef idx="minor">
-            <a:schemeClr val="lt1"/>
-          </a:fontRef>
-        </p:style>
-        <p:txBody>
-          <a:bodyPr rtlCol="0" anchor="ctr"/>
-          <a:lstStyle/>
-          <a:p>
-            <a:pPr algn="ctr"/>
-            <a:endParaRPr kumimoji="1" lang="ja-JP" altLang="en-US">
-              <a:solidFill>
-                <a:schemeClr val="tx1"/>
-              </a:solidFill>
-            </a:endParaRPr>
-          </a:p>
-        </p:txBody>
-      </p:sp>
-      <p:sp>
-        <p:nvSpPr>
-          <p:cNvPr id="175" name="正方形/長方形 174">
-            <a:extLst>
-              <a:ext uri="{FF2B5EF4-FFF2-40B4-BE49-F238E27FC236}">
-                <a16:creationId xmlns:a16="http://schemas.microsoft.com/office/drawing/2014/main" id="{40579917-3CC9-54CC-C5A1-2A4E2F60D408}"/>
-              </a:ext>
-            </a:extLst>
-          </p:cNvPr>
-          <p:cNvSpPr/>
-          <p:nvPr/>
-        </p:nvSpPr>
-        <p:spPr>
-          <a:xfrm>
-            <a:off x="10665992" y="5463551"/>
-            <a:ext cx="446040" cy="54451"/>
-          </a:xfrm>
-          <a:prstGeom prst="rect">
-            <a:avLst/>
-          </a:prstGeom>
-          <a:solidFill>
-            <a:schemeClr val="tx1"/>
-          </a:solidFill>
-          <a:ln>
-            <a:noFill/>
-          </a:ln>
-        </p:spPr>
-        <p:style>
-          <a:lnRef idx="2">
-            <a:schemeClr val="accent1">
-              <a:shade val="50000"/>
-            </a:schemeClr>
-          </a:lnRef>
-          <a:fillRef idx="1">
-            <a:schemeClr val="accent1"/>
-          </a:fillRef>
-          <a:effectRef idx="0">
-            <a:schemeClr val="accent1"/>
-          </a:effectRef>
-          <a:fontRef idx="minor">
-            <a:schemeClr val="lt1"/>
-          </a:fontRef>
-        </p:style>
-        <p:txBody>
-          <a:bodyPr rtlCol="0" anchor="ctr"/>
-          <a:lstStyle/>
-          <a:p>
-            <a:pPr algn="ctr"/>
-            <a:endParaRPr kumimoji="1" lang="ja-JP" altLang="en-US">
-              <a:solidFill>
-                <a:schemeClr val="tx1"/>
-              </a:solidFill>
-            </a:endParaRPr>
-          </a:p>
-        </p:txBody>
-      </p:sp>
-      <p:sp>
-        <p:nvSpPr>
-          <p:cNvPr id="176" name="正方形/長方形 175">
-            <a:extLst>
-              <a:ext uri="{FF2B5EF4-FFF2-40B4-BE49-F238E27FC236}">
-                <a16:creationId xmlns:a16="http://schemas.microsoft.com/office/drawing/2014/main" id="{39CDFCE9-744E-3DBC-1ABC-752EA92A19BC}"/>
-              </a:ext>
-            </a:extLst>
-          </p:cNvPr>
-          <p:cNvSpPr/>
-          <p:nvPr/>
-        </p:nvSpPr>
-        <p:spPr>
-          <a:xfrm rot="16200000">
-            <a:off x="9561555" y="5211284"/>
-            <a:ext cx="2208882" cy="45719"/>
-          </a:xfrm>
-          <a:prstGeom prst="rect">
-            <a:avLst/>
-          </a:prstGeom>
-          <a:solidFill>
-            <a:schemeClr val="tx1"/>
-          </a:solidFill>
-          <a:ln>
-            <a:noFill/>
-          </a:ln>
-        </p:spPr>
-        <p:style>
-          <a:lnRef idx="2">
-            <a:schemeClr val="accent1">
-              <a:shade val="50000"/>
-            </a:schemeClr>
-          </a:lnRef>
-          <a:fillRef idx="1">
-            <a:schemeClr val="accent1"/>
-          </a:fillRef>
-          <a:effectRef idx="0">
-            <a:schemeClr val="accent1"/>
-          </a:effectRef>
-          <a:fontRef idx="minor">
-            <a:schemeClr val="lt1"/>
-          </a:fontRef>
-        </p:style>
-        <p:txBody>
-          <a:bodyPr rtlCol="0" anchor="ctr"/>
-          <a:lstStyle/>
-          <a:p>
-            <a:pPr algn="ctr"/>
-            <a:endParaRPr kumimoji="1" lang="ja-JP" altLang="en-US">
-              <a:solidFill>
-                <a:schemeClr val="tx1"/>
-              </a:solidFill>
-            </a:endParaRPr>
-          </a:p>
-        </p:txBody>
-      </p:sp>
-      <p:pic>
-        <p:nvPicPr>
-          <p:cNvPr id="177" name="図 176">
-            <a:extLst>
-              <a:ext uri="{FF2B5EF4-FFF2-40B4-BE49-F238E27FC236}">
-                <a16:creationId xmlns:a16="http://schemas.microsoft.com/office/drawing/2014/main" id="{033A0C9A-64B7-70D2-5B52-DE255EE0475E}"/>
-              </a:ext>
-            </a:extLst>
-          </p:cNvPr>
-          <p:cNvPicPr>
-            <a:picLocks noChangeAspect="1"/>
-          </p:cNvPicPr>
-          <p:nvPr/>
-        </p:nvPicPr>
-        <p:blipFill>
-          <a:blip r:embed="rId5">
-            <a:extLst>
-              <a:ext uri="{28A0092B-C50C-407E-A947-70E740481C1C}">
-                <a14:useLocalDpi xmlns:a14="http://schemas.microsoft.com/office/drawing/2010/main" val="0"/>
-              </a:ext>
-            </a:extLst>
-          </a:blip>
-          <a:stretch>
-            <a:fillRect/>
-          </a:stretch>
-        </p:blipFill>
-        <p:spPr>
-          <a:xfrm>
-            <a:off x="9440136" y="3580582"/>
-            <a:ext cx="1071442" cy="1071442"/>
-          </a:xfrm>
-          <a:prstGeom prst="rect">
-            <a:avLst/>
-          </a:prstGeom>
-        </p:spPr>
-      </p:pic>
-      <p:pic>
-        <p:nvPicPr>
-          <p:cNvPr id="178" name="図 177">
-            <a:extLst>
-              <a:ext uri="{FF2B5EF4-FFF2-40B4-BE49-F238E27FC236}">
-                <a16:creationId xmlns:a16="http://schemas.microsoft.com/office/drawing/2014/main" id="{4F99EF06-F1E3-7646-3F64-E7F3A7522B31}"/>
-              </a:ext>
-            </a:extLst>
-          </p:cNvPr>
-          <p:cNvPicPr>
-            <a:picLocks noChangeAspect="1"/>
-          </p:cNvPicPr>
-          <p:nvPr/>
-        </p:nvPicPr>
-        <p:blipFill>
-          <a:blip r:embed="rId5">
-            <a:extLst>
-              <a:ext uri="{28A0092B-C50C-407E-A947-70E740481C1C}">
-                <a14:useLocalDpi xmlns:a14="http://schemas.microsoft.com/office/drawing/2010/main" val="0"/>
-              </a:ext>
-            </a:extLst>
-          </a:blip>
-          <a:stretch>
-            <a:fillRect/>
-          </a:stretch>
-        </p:blipFill>
-        <p:spPr>
-          <a:xfrm>
-            <a:off x="8024601" y="4925886"/>
-            <a:ext cx="1071442" cy="1071442"/>
-          </a:xfrm>
-          <a:prstGeom prst="rect">
-            <a:avLst/>
-          </a:prstGeom>
-        </p:spPr>
-      </p:pic>
-      <p:pic>
-        <p:nvPicPr>
-          <p:cNvPr id="179" name="図 178">
-            <a:extLst>
-              <a:ext uri="{FF2B5EF4-FFF2-40B4-BE49-F238E27FC236}">
-                <a16:creationId xmlns:a16="http://schemas.microsoft.com/office/drawing/2014/main" id="{EFFB6128-4739-8293-C085-7DF81E126560}"/>
-              </a:ext>
-            </a:extLst>
-          </p:cNvPr>
-          <p:cNvPicPr>
-            <a:picLocks noChangeAspect="1"/>
-          </p:cNvPicPr>
-          <p:nvPr/>
-        </p:nvPicPr>
-        <p:blipFill>
-          <a:blip r:embed="rId6">
-            <a:extLst>
-              <a:ext uri="{28A0092B-C50C-407E-A947-70E740481C1C}">
-                <a14:useLocalDpi xmlns:a14="http://schemas.microsoft.com/office/drawing/2010/main" val="0"/>
-              </a:ext>
-            </a:extLst>
-          </a:blip>
-          <a:stretch>
-            <a:fillRect/>
-          </a:stretch>
-        </p:blipFill>
-        <p:spPr>
-          <a:xfrm>
-            <a:off x="10862687" y="3664721"/>
-            <a:ext cx="1017774" cy="1017774"/>
-          </a:xfrm>
-          <a:prstGeom prst="rect">
-            <a:avLst/>
-          </a:prstGeom>
-        </p:spPr>
-      </p:pic>
-      <p:pic>
-        <p:nvPicPr>
-          <p:cNvPr id="180" name="図 179">
-            <a:extLst>
-              <a:ext uri="{FF2B5EF4-FFF2-40B4-BE49-F238E27FC236}">
-                <a16:creationId xmlns:a16="http://schemas.microsoft.com/office/drawing/2014/main" id="{D10E8BE3-9721-139E-B0E6-1786A0B025AF}"/>
-              </a:ext>
-            </a:extLst>
-          </p:cNvPr>
-          <p:cNvPicPr>
-            <a:picLocks noChangeAspect="1"/>
-          </p:cNvPicPr>
-          <p:nvPr/>
-        </p:nvPicPr>
-        <p:blipFill>
-          <a:blip r:embed="rId7">
-            <a:extLst>
-              <a:ext uri="{28A0092B-C50C-407E-A947-70E740481C1C}">
-                <a14:useLocalDpi xmlns:a14="http://schemas.microsoft.com/office/drawing/2010/main" val="0"/>
-              </a:ext>
-            </a:extLst>
-          </a:blip>
-          <a:stretch>
-            <a:fillRect/>
-          </a:stretch>
-        </p:blipFill>
-        <p:spPr>
-          <a:xfrm>
-            <a:off x="10862687" y="4984224"/>
-            <a:ext cx="1013104" cy="1013104"/>
-          </a:xfrm>
-          <a:prstGeom prst="rect">
-            <a:avLst/>
-          </a:prstGeom>
-        </p:spPr>
-      </p:pic>
     </p:spTree>
     <p:extLst>
       <p:ext uri="{BB962C8B-B14F-4D97-AF65-F5344CB8AC3E}">
@@ -17683,4265 +14319,6 @@
   <p:clrMapOvr>
     <a:masterClrMapping/>
   </p:clrMapOvr>
-</p:sld>
-</file>
-
-<file path=ppt/slides/slide8.xml><?xml version="1.0" encoding="utf-8"?>
-<p:sld xmlns:a="http://schemas.openxmlformats.org/drawingml/2006/main" xmlns:r="http://schemas.openxmlformats.org/officeDocument/2006/relationships" xmlns:p="http://schemas.openxmlformats.org/presentationml/2006/main">
-  <p:cSld>
-    <p:spTree>
-      <p:nvGrpSpPr>
-        <p:cNvPr id="1" name=""/>
-        <p:cNvGrpSpPr/>
-        <p:nvPr/>
-      </p:nvGrpSpPr>
-      <p:grpSpPr>
-        <a:xfrm>
-          <a:off x="0" y="0"/>
-          <a:ext cx="0" cy="0"/>
-          <a:chOff x="0" y="0"/>
-          <a:chExt cx="0" cy="0"/>
-        </a:xfrm>
-      </p:grpSpPr>
-      <p:pic>
-        <p:nvPicPr>
-          <p:cNvPr id="23" name="グラフィックス 22">
-            <a:extLst>
-              <a:ext uri="{FF2B5EF4-FFF2-40B4-BE49-F238E27FC236}">
-                <a16:creationId xmlns:a16="http://schemas.microsoft.com/office/drawing/2014/main" id="{1B9847D3-3F8F-4EAB-A119-545B7D085FE0}"/>
-              </a:ext>
-            </a:extLst>
-          </p:cNvPr>
-          <p:cNvPicPr>
-            <a:picLocks noChangeAspect="1"/>
-          </p:cNvPicPr>
-          <p:nvPr/>
-        </p:nvPicPr>
-        <p:blipFill>
-          <a:blip r:embed="rId3">
-            <a:extLst>
-              <a:ext uri="{28A0092B-C50C-407E-A947-70E740481C1C}">
-                <a14:useLocalDpi xmlns:a14="http://schemas.microsoft.com/office/drawing/2010/main" val="0"/>
-              </a:ext>
-              <a:ext uri="{96DAC541-7B7A-43D3-8B79-37D633B846F1}">
-                <asvg:svgBlip xmlns:asvg="http://schemas.microsoft.com/office/drawing/2016/SVG/main" r:embed="rId4"/>
-              </a:ext>
-            </a:extLst>
-          </a:blip>
-          <a:stretch>
-            <a:fillRect/>
-          </a:stretch>
-        </p:blipFill>
-        <p:spPr>
-          <a:xfrm>
-            <a:off x="0" y="0"/>
-            <a:ext cx="12192000" cy="6858000"/>
-          </a:xfrm>
-          <a:prstGeom prst="rect">
-            <a:avLst/>
-          </a:prstGeom>
-        </p:spPr>
-      </p:pic>
-      <p:sp>
-        <p:nvSpPr>
-          <p:cNvPr id="8" name="テキスト ボックス 7">
-            <a:extLst>
-              <a:ext uri="{FF2B5EF4-FFF2-40B4-BE49-F238E27FC236}">
-                <a16:creationId xmlns:a16="http://schemas.microsoft.com/office/drawing/2014/main" id="{C6C7D6F7-477C-4A08-AC01-34696D74ECBB}"/>
-              </a:ext>
-            </a:extLst>
-          </p:cNvPr>
-          <p:cNvSpPr txBox="1"/>
-          <p:nvPr/>
-        </p:nvSpPr>
-        <p:spPr>
-          <a:xfrm>
-            <a:off x="460229" y="320948"/>
-            <a:ext cx="5087131" cy="646331"/>
-          </a:xfrm>
-          <a:prstGeom prst="rect">
-            <a:avLst/>
-          </a:prstGeom>
-          <a:noFill/>
-        </p:spPr>
-        <p:txBody>
-          <a:bodyPr wrap="square" rtlCol="0">
-            <a:spAutoFit/>
-          </a:bodyPr>
-          <a:lstStyle/>
-          <a:p>
-            <a:r>
-              <a:rPr kumimoji="1" lang="ja-JP" altLang="en-US" sz="3600" dirty="0">
-                <a:latin typeface="コーポレート・ロゴ ver2 Bold" panose="02000600000000000000" pitchFamily="50" charset="-128"/>
-                <a:ea typeface="コーポレート・ロゴ ver2 Bold" panose="02000600000000000000" pitchFamily="50" charset="-128"/>
-              </a:rPr>
-              <a:t>パスの指定まとめ</a:t>
-            </a:r>
-          </a:p>
-        </p:txBody>
-      </p:sp>
-      <p:sp>
-        <p:nvSpPr>
-          <p:cNvPr id="22" name="テキスト ボックス 21">
-            <a:extLst>
-              <a:ext uri="{FF2B5EF4-FFF2-40B4-BE49-F238E27FC236}">
-                <a16:creationId xmlns:a16="http://schemas.microsoft.com/office/drawing/2014/main" id="{CB3C35DB-7659-4B84-BCAA-39D736773355}"/>
-              </a:ext>
-            </a:extLst>
-          </p:cNvPr>
-          <p:cNvSpPr txBox="1"/>
-          <p:nvPr/>
-        </p:nvSpPr>
-        <p:spPr>
-          <a:xfrm>
-            <a:off x="11132820" y="6537959"/>
-            <a:ext cx="1059180" cy="276999"/>
-          </a:xfrm>
-          <a:prstGeom prst="rect">
-            <a:avLst/>
-          </a:prstGeom>
-          <a:noFill/>
-        </p:spPr>
-        <p:txBody>
-          <a:bodyPr wrap="square" rtlCol="0">
-            <a:spAutoFit/>
-          </a:bodyPr>
-          <a:lstStyle/>
-          <a:p>
-            <a:r>
-              <a:rPr lang="en-US" altLang="ja-JP" sz="1200" dirty="0">
-                <a:solidFill>
-                  <a:srgbClr val="03BDBA"/>
-                </a:solidFill>
-                <a:latin typeface="マキナス 4 Flat" panose="02000600000000000000" pitchFamily="50" charset="-128"/>
-                <a:ea typeface="マキナス 4 Flat" panose="02000600000000000000" pitchFamily="50" charset="-128"/>
-              </a:rPr>
-              <a:t>Pages</a:t>
-            </a:r>
-            <a:r>
-              <a:rPr lang="ja-JP" altLang="en-US" sz="1200" dirty="0">
-                <a:solidFill>
-                  <a:srgbClr val="03BDBA"/>
-                </a:solidFill>
-                <a:latin typeface="マキナス 4 Flat" panose="02000600000000000000" pitchFamily="50" charset="-128"/>
-                <a:ea typeface="マキナス 4 Flat" panose="02000600000000000000" pitchFamily="50" charset="-128"/>
-              </a:rPr>
-              <a:t>：</a:t>
-            </a:r>
-            <a:r>
-              <a:rPr lang="en-US" altLang="ja-JP" sz="1200" dirty="0">
-                <a:solidFill>
-                  <a:srgbClr val="03BDBA"/>
-                </a:solidFill>
-                <a:latin typeface="マキナス 4 Flat" panose="02000600000000000000" pitchFamily="50" charset="-128"/>
-                <a:ea typeface="マキナス 4 Flat" panose="02000600000000000000" pitchFamily="50" charset="-128"/>
-              </a:rPr>
-              <a:t>8</a:t>
-            </a:r>
-            <a:endParaRPr kumimoji="1" lang="ja-JP" altLang="en-US" sz="1200" dirty="0">
-              <a:solidFill>
-                <a:srgbClr val="03BDBA"/>
-              </a:solidFill>
-              <a:latin typeface="マキナス 4 Flat" panose="02000600000000000000" pitchFamily="50" charset="-128"/>
-              <a:ea typeface="マキナス 4 Flat" panose="02000600000000000000" pitchFamily="50" charset="-128"/>
-            </a:endParaRPr>
-          </a:p>
-        </p:txBody>
-      </p:sp>
-      <p:sp>
-        <p:nvSpPr>
-          <p:cNvPr id="29" name="テキスト ボックス 28">
-            <a:extLst>
-              <a:ext uri="{FF2B5EF4-FFF2-40B4-BE49-F238E27FC236}">
-                <a16:creationId xmlns:a16="http://schemas.microsoft.com/office/drawing/2014/main" id="{BD1BF5D0-6380-18ED-7617-B3EC7EB4880C}"/>
-              </a:ext>
-            </a:extLst>
-          </p:cNvPr>
-          <p:cNvSpPr txBox="1"/>
-          <p:nvPr/>
-        </p:nvSpPr>
-        <p:spPr>
-          <a:xfrm>
-            <a:off x="691001" y="1634480"/>
-            <a:ext cx="5752391" cy="1938992"/>
-          </a:xfrm>
-          <a:prstGeom prst="rect">
-            <a:avLst/>
-          </a:prstGeom>
-          <a:noFill/>
-        </p:spPr>
-        <p:txBody>
-          <a:bodyPr wrap="square" rtlCol="0">
-            <a:spAutoFit/>
-          </a:bodyPr>
-          <a:lstStyle/>
-          <a:p>
-            <a:r>
-              <a:rPr lang="ja-JP" altLang="en-US" sz="2000" dirty="0">
-                <a:solidFill>
-                  <a:srgbClr val="03BDBA"/>
-                </a:solidFill>
-                <a:latin typeface="コーポレート・ロゴ ver2 Medium" panose="02000600000000000000" pitchFamily="50" charset="-128"/>
-                <a:ea typeface="コーポレート・ロゴ ver2 Medium" panose="02000600000000000000" pitchFamily="50" charset="-128"/>
-              </a:rPr>
-              <a:t>現在の階層</a:t>
-            </a:r>
-            <a:r>
-              <a:rPr lang="en-US" altLang="ja-JP" sz="2000" dirty="0">
-                <a:latin typeface="コーポレート・ロゴ ver2 Medium" panose="02000600000000000000" pitchFamily="50" charset="-128"/>
-                <a:ea typeface="コーポレート・ロゴ ver2 Medium" panose="02000600000000000000" pitchFamily="50" charset="-128"/>
-              </a:rPr>
-              <a:t>(</a:t>
-            </a:r>
-            <a:r>
-              <a:rPr lang="ja-JP" altLang="en-US" sz="2000" dirty="0">
-                <a:solidFill>
-                  <a:srgbClr val="03BDBA"/>
-                </a:solidFill>
-                <a:latin typeface="コーポレート・ロゴ ver2 Medium" panose="02000600000000000000" pitchFamily="50" charset="-128"/>
-                <a:ea typeface="コーポレート・ロゴ ver2 Medium" panose="02000600000000000000" pitchFamily="50" charset="-128"/>
-              </a:rPr>
-              <a:t>カレントディレクトリ</a:t>
-            </a:r>
-            <a:r>
-              <a:rPr lang="en-US" altLang="ja-JP" sz="2000" dirty="0">
-                <a:latin typeface="コーポレート・ロゴ ver2 Medium" panose="02000600000000000000" pitchFamily="50" charset="-128"/>
-                <a:ea typeface="コーポレート・ロゴ ver2 Medium" panose="02000600000000000000" pitchFamily="50" charset="-128"/>
-              </a:rPr>
-              <a:t>)</a:t>
-            </a:r>
-            <a:r>
-              <a:rPr lang="ja-JP" altLang="en-US" sz="2000" dirty="0">
-                <a:latin typeface="コーポレート・ロゴ ver2 Medium" panose="02000600000000000000" pitchFamily="50" charset="-128"/>
-                <a:ea typeface="コーポレート・ロゴ ver2 Medium" panose="02000600000000000000" pitchFamily="50" charset="-128"/>
-              </a:rPr>
-              <a:t>から見た</a:t>
-            </a:r>
-            <a:endParaRPr lang="en-US" altLang="ja-JP" sz="2000" dirty="0">
-              <a:latin typeface="コーポレート・ロゴ ver2 Medium" panose="02000600000000000000" pitchFamily="50" charset="-128"/>
-              <a:ea typeface="コーポレート・ロゴ ver2 Medium" panose="02000600000000000000" pitchFamily="50" charset="-128"/>
-            </a:endParaRPr>
-          </a:p>
-          <a:p>
-            <a:r>
-              <a:rPr lang="ja-JP" altLang="en-US" sz="2000" dirty="0">
-                <a:latin typeface="コーポレート・ロゴ ver2 Medium" panose="02000600000000000000" pitchFamily="50" charset="-128"/>
-                <a:ea typeface="コーポレート・ロゴ ver2 Medium" panose="02000600000000000000" pitchFamily="50" charset="-128"/>
-              </a:rPr>
-              <a:t>目的のファイルを記述する方法。</a:t>
-            </a:r>
-            <a:endParaRPr lang="en-US" altLang="ja-JP" sz="2000" dirty="0">
-              <a:latin typeface="コーポレート・ロゴ ver2 Medium" panose="02000600000000000000" pitchFamily="50" charset="-128"/>
-              <a:ea typeface="コーポレート・ロゴ ver2 Medium" panose="02000600000000000000" pitchFamily="50" charset="-128"/>
-            </a:endParaRPr>
-          </a:p>
-          <a:p>
-            <a:endParaRPr lang="en-US" altLang="ja-JP" sz="2000" dirty="0">
-              <a:latin typeface="コーポレート・ロゴ ver2 Medium" panose="02000600000000000000" pitchFamily="50" charset="-128"/>
-              <a:ea typeface="コーポレート・ロゴ ver2 Medium" panose="02000600000000000000" pitchFamily="50" charset="-128"/>
-            </a:endParaRPr>
-          </a:p>
-          <a:p>
-            <a:r>
-              <a:rPr lang="ja-JP" altLang="en-US" sz="2000" dirty="0">
-                <a:latin typeface="コーポレート・ロゴ ver2 Medium" panose="02000600000000000000" pitchFamily="50" charset="-128"/>
-                <a:ea typeface="コーポレート・ロゴ ver2 Medium" panose="02000600000000000000" pitchFamily="50" charset="-128"/>
-              </a:rPr>
-              <a:t> メリット： </a:t>
-            </a:r>
-            <a:r>
-              <a:rPr lang="ja-JP" altLang="en-US" sz="2000" dirty="0">
-                <a:solidFill>
-                  <a:srgbClr val="03BDBA"/>
-                </a:solidFill>
-                <a:latin typeface="コーポレート・ロゴ ver2 Medium" panose="02000600000000000000" pitchFamily="50" charset="-128"/>
-                <a:ea typeface="コーポレート・ロゴ ver2 Medium" panose="02000600000000000000" pitchFamily="50" charset="-128"/>
-              </a:rPr>
-              <a:t>相手にファイルを渡すとき</a:t>
-            </a:r>
-            <a:r>
-              <a:rPr lang="ja-JP" altLang="en-US" sz="2000" dirty="0">
-                <a:latin typeface="コーポレート・ロゴ ver2 Medium" panose="02000600000000000000" pitchFamily="50" charset="-128"/>
-                <a:ea typeface="コーポレート・ロゴ ver2 Medium" panose="02000600000000000000" pitchFamily="50" charset="-128"/>
-              </a:rPr>
-              <a:t>に有効である</a:t>
-            </a:r>
-            <a:endParaRPr lang="en-US" altLang="ja-JP" sz="2000" dirty="0">
-              <a:latin typeface="コーポレート・ロゴ ver2 Medium" panose="02000600000000000000" pitchFamily="50" charset="-128"/>
-              <a:ea typeface="コーポレート・ロゴ ver2 Medium" panose="02000600000000000000" pitchFamily="50" charset="-128"/>
-            </a:endParaRPr>
-          </a:p>
-          <a:p>
-            <a:r>
-              <a:rPr lang="ja-JP" altLang="en-US" sz="2000" dirty="0">
-                <a:latin typeface="コーポレート・ロゴ ver2 Medium" panose="02000600000000000000" pitchFamily="50" charset="-128"/>
-                <a:ea typeface="コーポレート・ロゴ ver2 Medium" panose="02000600000000000000" pitchFamily="50" charset="-128"/>
-              </a:rPr>
-              <a:t>デメリット</a:t>
-            </a:r>
-            <a:r>
-              <a:rPr lang="ja-JP" altLang="en-US" sz="2000" spc="300" dirty="0">
-                <a:latin typeface="コーポレート・ロゴ ver2 Medium" panose="02000600000000000000" pitchFamily="50" charset="-128"/>
-                <a:ea typeface="コーポレート・ロゴ ver2 Medium" panose="02000600000000000000" pitchFamily="50" charset="-128"/>
-              </a:rPr>
-              <a:t>：</a:t>
-            </a:r>
-            <a:r>
-              <a:rPr lang="ja-JP" altLang="en-US" sz="2000" dirty="0">
-                <a:latin typeface="コーポレート・ロゴ ver2 Medium" panose="02000600000000000000" pitchFamily="50" charset="-128"/>
-                <a:ea typeface="コーポレート・ロゴ ver2 Medium" panose="02000600000000000000" pitchFamily="50" charset="-128"/>
-              </a:rPr>
-              <a:t>カウントディレクトリが</a:t>
-            </a:r>
-            <a:r>
-              <a:rPr lang="ja-JP" altLang="en-US" sz="2000" dirty="0">
-                <a:solidFill>
-                  <a:srgbClr val="03BDBA"/>
-                </a:solidFill>
-                <a:latin typeface="コーポレート・ロゴ ver2 Medium" panose="02000600000000000000" pitchFamily="50" charset="-128"/>
-                <a:ea typeface="コーポレート・ロゴ ver2 Medium" panose="02000600000000000000" pitchFamily="50" charset="-128"/>
-              </a:rPr>
-              <a:t>変わる</a:t>
-            </a:r>
-            <a:r>
-              <a:rPr lang="ja-JP" altLang="en-US" sz="2000" dirty="0">
-                <a:latin typeface="コーポレート・ロゴ ver2 Medium" panose="02000600000000000000" pitchFamily="50" charset="-128"/>
-                <a:ea typeface="コーポレート・ロゴ ver2 Medium" panose="02000600000000000000" pitchFamily="50" charset="-128"/>
-              </a:rPr>
-              <a:t>と</a:t>
-            </a:r>
-            <a:r>
-              <a:rPr lang="ja-JP" altLang="en-US" sz="2000" dirty="0">
-                <a:solidFill>
-                  <a:srgbClr val="03BDBA"/>
-                </a:solidFill>
-                <a:latin typeface="コーポレート・ロゴ ver2 Medium" panose="02000600000000000000" pitchFamily="50" charset="-128"/>
-                <a:ea typeface="コーポレート・ロゴ ver2 Medium" panose="02000600000000000000" pitchFamily="50" charset="-128"/>
-              </a:rPr>
-              <a:t>効かない</a:t>
-            </a:r>
-            <a:endParaRPr lang="en-US" altLang="ja-JP" sz="2000" dirty="0">
-              <a:solidFill>
-                <a:srgbClr val="03BDBA"/>
-              </a:solidFill>
-              <a:latin typeface="コーポレート・ロゴ ver2 Medium" panose="02000600000000000000" pitchFamily="50" charset="-128"/>
-              <a:ea typeface="コーポレート・ロゴ ver2 Medium" panose="02000600000000000000" pitchFamily="50" charset="-128"/>
-            </a:endParaRPr>
-          </a:p>
-          <a:p>
-            <a:r>
-              <a:rPr lang="en-US" altLang="ja-JP" sz="2000" dirty="0">
-                <a:latin typeface="コーポレート・ロゴ ver2 Medium" panose="02000600000000000000" pitchFamily="50" charset="-128"/>
-                <a:ea typeface="コーポレート・ロゴ ver2 Medium" panose="02000600000000000000" pitchFamily="50" charset="-128"/>
-              </a:rPr>
-              <a:t>         </a:t>
-            </a:r>
-            <a:r>
-              <a:rPr lang="ja-JP" altLang="en-US" sz="2000" dirty="0">
-                <a:latin typeface="コーポレート・ロゴ ver2 Medium" panose="02000600000000000000" pitchFamily="50" charset="-128"/>
-                <a:ea typeface="コーポレート・ロゴ ver2 Medium" panose="02000600000000000000" pitchFamily="50" charset="-128"/>
-              </a:rPr>
-              <a:t>⇒どの階層からでも</a:t>
-            </a:r>
-            <a:r>
-              <a:rPr lang="ja-JP" altLang="en-US" sz="2000" dirty="0">
-                <a:solidFill>
-                  <a:srgbClr val="03BDBA"/>
-                </a:solidFill>
-                <a:latin typeface="コーポレート・ロゴ ver2 Medium" panose="02000600000000000000" pitchFamily="50" charset="-128"/>
-                <a:ea typeface="コーポレート・ロゴ ver2 Medium" panose="02000600000000000000" pitchFamily="50" charset="-128"/>
-              </a:rPr>
-              <a:t>アクセスできない</a:t>
-            </a:r>
-            <a:endParaRPr lang="en-US" altLang="ja-JP" sz="2000" dirty="0">
-              <a:solidFill>
-                <a:srgbClr val="03BDBA"/>
-              </a:solidFill>
-              <a:latin typeface="コーポレート・ロゴ ver2 Medium" panose="02000600000000000000" pitchFamily="50" charset="-128"/>
-              <a:ea typeface="コーポレート・ロゴ ver2 Medium" panose="02000600000000000000" pitchFamily="50" charset="-128"/>
-            </a:endParaRPr>
-          </a:p>
-        </p:txBody>
-      </p:sp>
-      <p:sp>
-        <p:nvSpPr>
-          <p:cNvPr id="30" name="テキスト ボックス 29">
-            <a:extLst>
-              <a:ext uri="{FF2B5EF4-FFF2-40B4-BE49-F238E27FC236}">
-                <a16:creationId xmlns:a16="http://schemas.microsoft.com/office/drawing/2014/main" id="{9A7B1A33-7288-CF49-46F5-0BC6589C81F6}"/>
-              </a:ext>
-            </a:extLst>
-          </p:cNvPr>
-          <p:cNvSpPr txBox="1"/>
-          <p:nvPr/>
-        </p:nvSpPr>
-        <p:spPr>
-          <a:xfrm>
-            <a:off x="441665" y="1147871"/>
-            <a:ext cx="1265090" cy="461665"/>
-          </a:xfrm>
-          <a:prstGeom prst="rect">
-            <a:avLst/>
-          </a:prstGeom>
-          <a:solidFill>
-            <a:srgbClr val="04E6E1"/>
-          </a:solidFill>
-          <a:scene3d>
-            <a:camera prst="orthographicFront">
-              <a:rot lat="4800000" lon="0" rev="0"/>
-            </a:camera>
-            <a:lightRig rig="flat" dir="t"/>
-          </a:scene3d>
-          <a:sp3d z="127000" prstMaterial="matte"/>
-        </p:spPr>
-        <p:txBody>
-          <a:bodyPr wrap="none" rtlCol="0">
-            <a:spAutoFit/>
-            <a:flatTx/>
-          </a:bodyPr>
-          <a:lstStyle/>
-          <a:p>
-            <a:r>
-              <a:rPr lang="ja-JP" altLang="en-US" sz="2400" dirty="0">
-                <a:latin typeface="コーポレート・ロゴ ver2 Medium" panose="02000600000000000000" pitchFamily="50" charset="-128"/>
-                <a:ea typeface="コーポレート・ロゴ ver2 Medium" panose="02000600000000000000" pitchFamily="50" charset="-128"/>
-              </a:rPr>
-              <a:t>相対</a:t>
-            </a:r>
-            <a:r>
-              <a:rPr kumimoji="1" lang="ja-JP" altLang="en-US" sz="2400" dirty="0">
-                <a:latin typeface="コーポレート・ロゴ ver2 Medium" panose="02000600000000000000" pitchFamily="50" charset="-128"/>
-                <a:ea typeface="コーポレート・ロゴ ver2 Medium" panose="02000600000000000000" pitchFamily="50" charset="-128"/>
-              </a:rPr>
-              <a:t>パス</a:t>
-            </a:r>
-            <a:endParaRPr kumimoji="1" lang="en-US" altLang="ja-JP" sz="2400" dirty="0">
-              <a:latin typeface="コーポレート・ロゴ ver2 Medium" panose="02000600000000000000" pitchFamily="50" charset="-128"/>
-              <a:ea typeface="コーポレート・ロゴ ver2 Medium" panose="02000600000000000000" pitchFamily="50" charset="-128"/>
-            </a:endParaRPr>
-          </a:p>
-        </p:txBody>
-      </p:sp>
-      <p:sp>
-        <p:nvSpPr>
-          <p:cNvPr id="31" name="テキスト ボックス 30">
-            <a:extLst>
-              <a:ext uri="{FF2B5EF4-FFF2-40B4-BE49-F238E27FC236}">
-                <a16:creationId xmlns:a16="http://schemas.microsoft.com/office/drawing/2014/main" id="{9ED7A978-8D15-8578-C020-B934CF9B3B8C}"/>
-              </a:ext>
-            </a:extLst>
-          </p:cNvPr>
-          <p:cNvSpPr txBox="1"/>
-          <p:nvPr/>
-        </p:nvSpPr>
-        <p:spPr>
-          <a:xfrm>
-            <a:off x="691001" y="4238456"/>
-            <a:ext cx="5752391" cy="1938992"/>
-          </a:xfrm>
-          <a:prstGeom prst="rect">
-            <a:avLst/>
-          </a:prstGeom>
-          <a:noFill/>
-        </p:spPr>
-        <p:txBody>
-          <a:bodyPr wrap="square" rtlCol="0">
-            <a:spAutoFit/>
-          </a:bodyPr>
-          <a:lstStyle/>
-          <a:p>
-            <a:r>
-              <a:rPr lang="ja-JP" altLang="en-US" sz="2000" dirty="0">
-                <a:latin typeface="コーポレート・ロゴ ver2 Medium" panose="02000600000000000000" pitchFamily="50" charset="-128"/>
-                <a:ea typeface="コーポレート・ロゴ ver2 Medium" panose="02000600000000000000" pitchFamily="50" charset="-128"/>
-              </a:rPr>
-              <a:t>パスの書き方のうち、</a:t>
-            </a:r>
-            <a:endParaRPr lang="en-US" altLang="ja-JP" sz="2000" dirty="0">
-              <a:latin typeface="コーポレート・ロゴ ver2 Medium" panose="02000600000000000000" pitchFamily="50" charset="-128"/>
-              <a:ea typeface="コーポレート・ロゴ ver2 Medium" panose="02000600000000000000" pitchFamily="50" charset="-128"/>
-            </a:endParaRPr>
-          </a:p>
-          <a:p>
-            <a:r>
-              <a:rPr lang="ja-JP" altLang="en-US" sz="2000" dirty="0">
-                <a:solidFill>
-                  <a:srgbClr val="03BDBA"/>
-                </a:solidFill>
-                <a:latin typeface="コーポレート・ロゴ ver2 Medium" panose="02000600000000000000" pitchFamily="50" charset="-128"/>
-                <a:ea typeface="コーポレート・ロゴ ver2 Medium" panose="02000600000000000000" pitchFamily="50" charset="-128"/>
-              </a:rPr>
-              <a:t>最も上の階層</a:t>
-            </a:r>
-            <a:r>
-              <a:rPr lang="en-US" altLang="ja-JP" sz="2000" dirty="0">
-                <a:latin typeface="コーポレート・ロゴ ver2 Medium" panose="02000600000000000000" pitchFamily="50" charset="-128"/>
-                <a:ea typeface="コーポレート・ロゴ ver2 Medium" panose="02000600000000000000" pitchFamily="50" charset="-128"/>
-              </a:rPr>
-              <a:t>(</a:t>
-            </a:r>
-            <a:r>
-              <a:rPr lang="ja-JP" altLang="en-US" sz="2000" dirty="0">
-                <a:solidFill>
-                  <a:srgbClr val="03BDBA"/>
-                </a:solidFill>
-                <a:latin typeface="コーポレート・ロゴ ver2 Medium" panose="02000600000000000000" pitchFamily="50" charset="-128"/>
-                <a:ea typeface="コーポレート・ロゴ ver2 Medium" panose="02000600000000000000" pitchFamily="50" charset="-128"/>
-              </a:rPr>
-              <a:t>ルートディレクトリ</a:t>
-            </a:r>
-            <a:r>
-              <a:rPr lang="en-US" altLang="ja-JP" sz="2000" dirty="0">
-                <a:latin typeface="コーポレート・ロゴ ver2 Medium" panose="02000600000000000000" pitchFamily="50" charset="-128"/>
-                <a:ea typeface="コーポレート・ロゴ ver2 Medium" panose="02000600000000000000" pitchFamily="50" charset="-128"/>
-              </a:rPr>
-              <a:t>)</a:t>
-            </a:r>
-            <a:r>
-              <a:rPr lang="ja-JP" altLang="en-US" sz="2000" dirty="0">
-                <a:latin typeface="コーポレート・ロゴ ver2 Medium" panose="02000600000000000000" pitchFamily="50" charset="-128"/>
-                <a:ea typeface="コーポレート・ロゴ ver2 Medium" panose="02000600000000000000" pitchFamily="50" charset="-128"/>
-              </a:rPr>
-              <a:t>から記述する方法。</a:t>
-            </a:r>
-            <a:endParaRPr lang="en-US" altLang="ja-JP" sz="2000" dirty="0">
-              <a:latin typeface="コーポレート・ロゴ ver2 Medium" panose="02000600000000000000" pitchFamily="50" charset="-128"/>
-              <a:ea typeface="コーポレート・ロゴ ver2 Medium" panose="02000600000000000000" pitchFamily="50" charset="-128"/>
-            </a:endParaRPr>
-          </a:p>
-          <a:p>
-            <a:endParaRPr lang="en-US" altLang="ja-JP" sz="2000" dirty="0">
-              <a:latin typeface="コーポレート・ロゴ ver2 Medium" panose="02000600000000000000" pitchFamily="50" charset="-128"/>
-              <a:ea typeface="コーポレート・ロゴ ver2 Medium" panose="02000600000000000000" pitchFamily="50" charset="-128"/>
-            </a:endParaRPr>
-          </a:p>
-          <a:p>
-            <a:r>
-              <a:rPr lang="ja-JP" altLang="en-US" sz="2000" dirty="0">
-                <a:latin typeface="コーポレート・ロゴ ver2 Medium" panose="02000600000000000000" pitchFamily="50" charset="-128"/>
-                <a:ea typeface="コーポレート・ロゴ ver2 Medium" panose="02000600000000000000" pitchFamily="50" charset="-128"/>
-              </a:rPr>
-              <a:t> メリット： </a:t>
-            </a:r>
-            <a:r>
-              <a:rPr lang="ja-JP" altLang="en-US" sz="2000" dirty="0">
-                <a:solidFill>
-                  <a:srgbClr val="03BDBA"/>
-                </a:solidFill>
-                <a:latin typeface="コーポレート・ロゴ ver2 Medium" panose="02000600000000000000" pitchFamily="50" charset="-128"/>
-                <a:ea typeface="コーポレート・ロゴ ver2 Medium" panose="02000600000000000000" pitchFamily="50" charset="-128"/>
-              </a:rPr>
-              <a:t>どの階層からでも</a:t>
-            </a:r>
-            <a:r>
-              <a:rPr lang="ja-JP" altLang="en-US" sz="2000" dirty="0">
-                <a:latin typeface="コーポレート・ロゴ ver2 Medium" panose="02000600000000000000" pitchFamily="50" charset="-128"/>
-                <a:ea typeface="コーポレート・ロゴ ver2 Medium" panose="02000600000000000000" pitchFamily="50" charset="-128"/>
-              </a:rPr>
-              <a:t>アクセスできる</a:t>
-            </a:r>
-            <a:endParaRPr lang="en-US" altLang="ja-JP" sz="2000" dirty="0">
-              <a:latin typeface="コーポレート・ロゴ ver2 Medium" panose="02000600000000000000" pitchFamily="50" charset="-128"/>
-              <a:ea typeface="コーポレート・ロゴ ver2 Medium" panose="02000600000000000000" pitchFamily="50" charset="-128"/>
-            </a:endParaRPr>
-          </a:p>
-          <a:p>
-            <a:r>
-              <a:rPr lang="ja-JP" altLang="en-US" sz="2000" dirty="0">
-                <a:latin typeface="コーポレート・ロゴ ver2 Medium" panose="02000600000000000000" pitchFamily="50" charset="-128"/>
-                <a:ea typeface="コーポレート・ロゴ ver2 Medium" panose="02000600000000000000" pitchFamily="50" charset="-128"/>
-              </a:rPr>
-              <a:t>デメリット：</a:t>
-            </a:r>
-            <a:r>
-              <a:rPr lang="ja-JP" altLang="en-US" sz="2000" dirty="0">
-                <a:solidFill>
-                  <a:srgbClr val="03BDBA"/>
-                </a:solidFill>
-                <a:latin typeface="コーポレート・ロゴ ver2 Medium" panose="02000600000000000000" pitchFamily="50" charset="-128"/>
-                <a:ea typeface="コーポレート・ロゴ ver2 Medium" panose="02000600000000000000" pitchFamily="50" charset="-128"/>
-              </a:rPr>
-              <a:t>参照するディレクトリ</a:t>
-            </a:r>
-            <a:r>
-              <a:rPr lang="ja-JP" altLang="en-US" sz="2000" dirty="0">
-                <a:latin typeface="コーポレート・ロゴ ver2 Medium" panose="02000600000000000000" pitchFamily="50" charset="-128"/>
-                <a:ea typeface="コーポレート・ロゴ ver2 Medium" panose="02000600000000000000" pitchFamily="50" charset="-128"/>
-              </a:rPr>
-              <a:t>に変更があると</a:t>
-            </a:r>
-            <a:endParaRPr lang="en-US" altLang="ja-JP" sz="2000" dirty="0">
-              <a:latin typeface="コーポレート・ロゴ ver2 Medium" panose="02000600000000000000" pitchFamily="50" charset="-128"/>
-              <a:ea typeface="コーポレート・ロゴ ver2 Medium" panose="02000600000000000000" pitchFamily="50" charset="-128"/>
-            </a:endParaRPr>
-          </a:p>
-          <a:p>
-            <a:r>
-              <a:rPr lang="ja-JP" altLang="en-US" sz="2000" dirty="0">
-                <a:latin typeface="コーポレート・ロゴ ver2 Medium" panose="02000600000000000000" pitchFamily="50" charset="-128"/>
-                <a:ea typeface="コーポレート・ロゴ ver2 Medium" panose="02000600000000000000" pitchFamily="50" charset="-128"/>
-              </a:rPr>
-              <a:t>         効かなくなる</a:t>
-            </a:r>
-            <a:endParaRPr lang="en-US" altLang="ja-JP" sz="2000" dirty="0">
-              <a:latin typeface="コーポレート・ロゴ ver2 Medium" panose="02000600000000000000" pitchFamily="50" charset="-128"/>
-              <a:ea typeface="コーポレート・ロゴ ver2 Medium" panose="02000600000000000000" pitchFamily="50" charset="-128"/>
-            </a:endParaRPr>
-          </a:p>
-        </p:txBody>
-      </p:sp>
-      <p:sp>
-        <p:nvSpPr>
-          <p:cNvPr id="32" name="テキスト ボックス 31">
-            <a:extLst>
-              <a:ext uri="{FF2B5EF4-FFF2-40B4-BE49-F238E27FC236}">
-                <a16:creationId xmlns:a16="http://schemas.microsoft.com/office/drawing/2014/main" id="{DF44BBC9-39B4-A74A-BE27-C8A8EB35B779}"/>
-              </a:ext>
-            </a:extLst>
-          </p:cNvPr>
-          <p:cNvSpPr txBox="1"/>
-          <p:nvPr/>
-        </p:nvSpPr>
-        <p:spPr>
-          <a:xfrm>
-            <a:off x="441665" y="3675131"/>
-            <a:ext cx="1265090" cy="461665"/>
-          </a:xfrm>
-          <a:prstGeom prst="rect">
-            <a:avLst/>
-          </a:prstGeom>
-          <a:solidFill>
-            <a:srgbClr val="04E6E1"/>
-          </a:solidFill>
-          <a:scene3d>
-            <a:camera prst="orthographicFront">
-              <a:rot lat="4800000" lon="0" rev="0"/>
-            </a:camera>
-            <a:lightRig rig="flat" dir="t"/>
-          </a:scene3d>
-          <a:sp3d z="127000" prstMaterial="matte"/>
-        </p:spPr>
-        <p:txBody>
-          <a:bodyPr wrap="none" rtlCol="0">
-            <a:spAutoFit/>
-            <a:flatTx/>
-          </a:bodyPr>
-          <a:lstStyle/>
-          <a:p>
-            <a:r>
-              <a:rPr kumimoji="1" lang="ja-JP" altLang="en-US" sz="2400" dirty="0">
-                <a:latin typeface="コーポレート・ロゴ ver2 Medium" panose="02000600000000000000" pitchFamily="50" charset="-128"/>
-                <a:ea typeface="コーポレート・ロゴ ver2 Medium" panose="02000600000000000000" pitchFamily="50" charset="-128"/>
-              </a:rPr>
-              <a:t>絶対パス</a:t>
-            </a:r>
-            <a:endParaRPr kumimoji="1" lang="en-US" altLang="ja-JP" sz="2400" dirty="0">
-              <a:latin typeface="コーポレート・ロゴ ver2 Medium" panose="02000600000000000000" pitchFamily="50" charset="-128"/>
-              <a:ea typeface="コーポレート・ロゴ ver2 Medium" panose="02000600000000000000" pitchFamily="50" charset="-128"/>
-            </a:endParaRPr>
-          </a:p>
-        </p:txBody>
-      </p:sp>
-      <p:sp>
-        <p:nvSpPr>
-          <p:cNvPr id="33" name="正方形/長方形 32">
-            <a:extLst>
-              <a:ext uri="{FF2B5EF4-FFF2-40B4-BE49-F238E27FC236}">
-                <a16:creationId xmlns:a16="http://schemas.microsoft.com/office/drawing/2014/main" id="{21D7E0DD-A98E-E13E-ADF1-7A2B7123C471}"/>
-              </a:ext>
-            </a:extLst>
-          </p:cNvPr>
-          <p:cNvSpPr/>
-          <p:nvPr/>
-        </p:nvSpPr>
-        <p:spPr>
-          <a:xfrm>
-            <a:off x="6292199" y="1513988"/>
-            <a:ext cx="502445" cy="45719"/>
-          </a:xfrm>
-          <a:prstGeom prst="rect">
-            <a:avLst/>
-          </a:prstGeom>
-          <a:solidFill>
-            <a:schemeClr val="tx1"/>
-          </a:solidFill>
-          <a:ln>
-            <a:noFill/>
-          </a:ln>
-        </p:spPr>
-        <p:style>
-          <a:lnRef idx="2">
-            <a:schemeClr val="accent1">
-              <a:shade val="50000"/>
-            </a:schemeClr>
-          </a:lnRef>
-          <a:fillRef idx="1">
-            <a:schemeClr val="accent1"/>
-          </a:fillRef>
-          <a:effectRef idx="0">
-            <a:schemeClr val="accent1"/>
-          </a:effectRef>
-          <a:fontRef idx="minor">
-            <a:schemeClr val="lt1"/>
-          </a:fontRef>
-        </p:style>
-        <p:txBody>
-          <a:bodyPr rtlCol="0" anchor="ctr"/>
-          <a:lstStyle/>
-          <a:p>
-            <a:pPr algn="ctr"/>
-            <a:endParaRPr kumimoji="1" lang="ja-JP" altLang="en-US">
-              <a:solidFill>
-                <a:schemeClr val="tx1"/>
-              </a:solidFill>
-            </a:endParaRPr>
-          </a:p>
-        </p:txBody>
-      </p:sp>
-      <p:sp>
-        <p:nvSpPr>
-          <p:cNvPr id="34" name="正方形/長方形 33">
-            <a:extLst>
-              <a:ext uri="{FF2B5EF4-FFF2-40B4-BE49-F238E27FC236}">
-                <a16:creationId xmlns:a16="http://schemas.microsoft.com/office/drawing/2014/main" id="{DE25523D-59B9-8A60-9143-A9809AAB582B}"/>
-              </a:ext>
-            </a:extLst>
-          </p:cNvPr>
-          <p:cNvSpPr/>
-          <p:nvPr/>
-        </p:nvSpPr>
-        <p:spPr>
-          <a:xfrm>
-            <a:off x="7602126" y="1512464"/>
-            <a:ext cx="502445" cy="45719"/>
-          </a:xfrm>
-          <a:prstGeom prst="rect">
-            <a:avLst/>
-          </a:prstGeom>
-          <a:solidFill>
-            <a:schemeClr val="tx1"/>
-          </a:solidFill>
-          <a:ln>
-            <a:noFill/>
-          </a:ln>
-        </p:spPr>
-        <p:style>
-          <a:lnRef idx="2">
-            <a:schemeClr val="accent1">
-              <a:shade val="50000"/>
-            </a:schemeClr>
-          </a:lnRef>
-          <a:fillRef idx="1">
-            <a:schemeClr val="accent1"/>
-          </a:fillRef>
-          <a:effectRef idx="0">
-            <a:schemeClr val="accent1"/>
-          </a:effectRef>
-          <a:fontRef idx="minor">
-            <a:schemeClr val="lt1"/>
-          </a:fontRef>
-        </p:style>
-        <p:txBody>
-          <a:bodyPr rtlCol="0" anchor="ctr"/>
-          <a:lstStyle/>
-          <a:p>
-            <a:pPr algn="ctr"/>
-            <a:endParaRPr kumimoji="1" lang="ja-JP" altLang="en-US">
-              <a:solidFill>
-                <a:schemeClr val="tx1"/>
-              </a:solidFill>
-            </a:endParaRPr>
-          </a:p>
-        </p:txBody>
-      </p:sp>
-      <p:sp>
-        <p:nvSpPr>
-          <p:cNvPr id="36" name="正方形/長方形 35">
-            <a:extLst>
-              <a:ext uri="{FF2B5EF4-FFF2-40B4-BE49-F238E27FC236}">
-                <a16:creationId xmlns:a16="http://schemas.microsoft.com/office/drawing/2014/main" id="{BA6B01F1-26B9-22F7-6253-DE1A18ED7BE2}"/>
-              </a:ext>
-            </a:extLst>
-          </p:cNvPr>
-          <p:cNvSpPr/>
-          <p:nvPr/>
-        </p:nvSpPr>
-        <p:spPr>
-          <a:xfrm>
-            <a:off x="6543421" y="5472595"/>
-            <a:ext cx="502445" cy="45719"/>
-          </a:xfrm>
-          <a:prstGeom prst="rect">
-            <a:avLst/>
-          </a:prstGeom>
-          <a:solidFill>
-            <a:schemeClr val="tx1"/>
-          </a:solidFill>
-          <a:ln>
-            <a:noFill/>
-          </a:ln>
-        </p:spPr>
-        <p:style>
-          <a:lnRef idx="2">
-            <a:schemeClr val="accent1">
-              <a:shade val="50000"/>
-            </a:schemeClr>
-          </a:lnRef>
-          <a:fillRef idx="1">
-            <a:schemeClr val="accent1"/>
-          </a:fillRef>
-          <a:effectRef idx="0">
-            <a:schemeClr val="accent1"/>
-          </a:effectRef>
-          <a:fontRef idx="minor">
-            <a:schemeClr val="lt1"/>
-          </a:fontRef>
-        </p:style>
-        <p:txBody>
-          <a:bodyPr rtlCol="0" anchor="ctr"/>
-          <a:lstStyle/>
-          <a:p>
-            <a:pPr algn="ctr"/>
-            <a:endParaRPr kumimoji="1" lang="ja-JP" altLang="en-US">
-              <a:solidFill>
-                <a:schemeClr val="tx1"/>
-              </a:solidFill>
-            </a:endParaRPr>
-          </a:p>
-        </p:txBody>
-      </p:sp>
-      <p:sp>
-        <p:nvSpPr>
-          <p:cNvPr id="37" name="正方形/長方形 36">
-            <a:extLst>
-              <a:ext uri="{FF2B5EF4-FFF2-40B4-BE49-F238E27FC236}">
-                <a16:creationId xmlns:a16="http://schemas.microsoft.com/office/drawing/2014/main" id="{605B4E54-6CF8-12A4-2EEE-0B885BDA78EF}"/>
-              </a:ext>
-            </a:extLst>
-          </p:cNvPr>
-          <p:cNvSpPr/>
-          <p:nvPr/>
-        </p:nvSpPr>
-        <p:spPr>
-          <a:xfrm>
-            <a:off x="7602126" y="5464333"/>
-            <a:ext cx="698482" cy="45720"/>
-          </a:xfrm>
-          <a:prstGeom prst="rect">
-            <a:avLst/>
-          </a:prstGeom>
-          <a:solidFill>
-            <a:schemeClr val="tx1"/>
-          </a:solidFill>
-          <a:ln>
-            <a:noFill/>
-          </a:ln>
-        </p:spPr>
-        <p:style>
-          <a:lnRef idx="2">
-            <a:schemeClr val="accent1">
-              <a:shade val="50000"/>
-            </a:schemeClr>
-          </a:lnRef>
-          <a:fillRef idx="1">
-            <a:schemeClr val="accent1"/>
-          </a:fillRef>
-          <a:effectRef idx="0">
-            <a:schemeClr val="accent1"/>
-          </a:effectRef>
-          <a:fontRef idx="minor">
-            <a:schemeClr val="lt1"/>
-          </a:fontRef>
-        </p:style>
-        <p:txBody>
-          <a:bodyPr rtlCol="0" anchor="ctr"/>
-          <a:lstStyle/>
-          <a:p>
-            <a:pPr algn="ctr"/>
-            <a:endParaRPr kumimoji="1" lang="ja-JP" altLang="en-US">
-              <a:solidFill>
-                <a:schemeClr val="tx1"/>
-              </a:solidFill>
-            </a:endParaRPr>
-          </a:p>
-        </p:txBody>
-      </p:sp>
-      <p:pic>
-        <p:nvPicPr>
-          <p:cNvPr id="38" name="図 37">
-            <a:extLst>
-              <a:ext uri="{FF2B5EF4-FFF2-40B4-BE49-F238E27FC236}">
-                <a16:creationId xmlns:a16="http://schemas.microsoft.com/office/drawing/2014/main" id="{233A5286-134F-23FB-1185-4197BFD818E8}"/>
-              </a:ext>
-            </a:extLst>
-          </p:cNvPr>
-          <p:cNvPicPr>
-            <a:picLocks noChangeAspect="1"/>
-          </p:cNvPicPr>
-          <p:nvPr/>
-        </p:nvPicPr>
-        <p:blipFill>
-          <a:blip r:embed="rId5">
-            <a:extLst>
-              <a:ext uri="{28A0092B-C50C-407E-A947-70E740481C1C}">
-                <a14:useLocalDpi xmlns:a14="http://schemas.microsoft.com/office/drawing/2010/main" val="0"/>
-              </a:ext>
-            </a:extLst>
-          </a:blip>
-          <a:stretch>
-            <a:fillRect/>
-          </a:stretch>
-        </p:blipFill>
-        <p:spPr>
-          <a:xfrm>
-            <a:off x="6674094" y="4925886"/>
-            <a:ext cx="1071442" cy="1071442"/>
-          </a:xfrm>
-          <a:prstGeom prst="rect">
-            <a:avLst/>
-          </a:prstGeom>
-        </p:spPr>
-      </p:pic>
-      <p:sp>
-        <p:nvSpPr>
-          <p:cNvPr id="39" name="正方形/長方形 38">
-            <a:extLst>
-              <a:ext uri="{FF2B5EF4-FFF2-40B4-BE49-F238E27FC236}">
-                <a16:creationId xmlns:a16="http://schemas.microsoft.com/office/drawing/2014/main" id="{F2289385-3AD9-1AC6-4CE7-5D04585EC580}"/>
-              </a:ext>
-            </a:extLst>
-          </p:cNvPr>
-          <p:cNvSpPr/>
-          <p:nvPr/>
-        </p:nvSpPr>
-        <p:spPr>
-          <a:xfrm rot="16200000">
-            <a:off x="4143743" y="3916046"/>
-            <a:ext cx="4799361" cy="45719"/>
-          </a:xfrm>
-          <a:prstGeom prst="rect">
-            <a:avLst/>
-          </a:prstGeom>
-          <a:solidFill>
-            <a:schemeClr val="tx1"/>
-          </a:solidFill>
-          <a:ln>
-            <a:noFill/>
-          </a:ln>
-        </p:spPr>
-        <p:style>
-          <a:lnRef idx="2">
-            <a:schemeClr val="accent1">
-              <a:shade val="50000"/>
-            </a:schemeClr>
-          </a:lnRef>
-          <a:fillRef idx="1">
-            <a:schemeClr val="accent1"/>
-          </a:fillRef>
-          <a:effectRef idx="0">
-            <a:schemeClr val="accent1"/>
-          </a:effectRef>
-          <a:fontRef idx="minor">
-            <a:schemeClr val="lt1"/>
-          </a:fontRef>
-        </p:style>
-        <p:txBody>
-          <a:bodyPr rtlCol="0" anchor="ctr"/>
-          <a:lstStyle/>
-          <a:p>
-            <a:pPr algn="ctr"/>
-            <a:endParaRPr kumimoji="1" lang="ja-JP" altLang="en-US">
-              <a:solidFill>
-                <a:schemeClr val="tx1"/>
-              </a:solidFill>
-            </a:endParaRPr>
-          </a:p>
-        </p:txBody>
-      </p:sp>
-      <p:sp>
-        <p:nvSpPr>
-          <p:cNvPr id="40" name="正方形/長方形 39">
-            <a:extLst>
-              <a:ext uri="{FF2B5EF4-FFF2-40B4-BE49-F238E27FC236}">
-                <a16:creationId xmlns:a16="http://schemas.microsoft.com/office/drawing/2014/main" id="{535090DF-2335-8344-F155-E86E01A20D17}"/>
-              </a:ext>
-            </a:extLst>
-          </p:cNvPr>
-          <p:cNvSpPr/>
-          <p:nvPr/>
-        </p:nvSpPr>
-        <p:spPr>
-          <a:xfrm>
-            <a:off x="7869242" y="2652592"/>
-            <a:ext cx="502445" cy="45719"/>
-          </a:xfrm>
-          <a:prstGeom prst="rect">
-            <a:avLst/>
-          </a:prstGeom>
-          <a:solidFill>
-            <a:schemeClr val="tx1"/>
-          </a:solidFill>
-          <a:ln>
-            <a:noFill/>
-          </a:ln>
-        </p:spPr>
-        <p:style>
-          <a:lnRef idx="2">
-            <a:schemeClr val="accent1">
-              <a:shade val="50000"/>
-            </a:schemeClr>
-          </a:lnRef>
-          <a:fillRef idx="1">
-            <a:schemeClr val="accent1"/>
-          </a:fillRef>
-          <a:effectRef idx="0">
-            <a:schemeClr val="accent1"/>
-          </a:effectRef>
-          <a:fontRef idx="minor">
-            <a:schemeClr val="lt1"/>
-          </a:fontRef>
-        </p:style>
-        <p:txBody>
-          <a:bodyPr rtlCol="0" anchor="ctr"/>
-          <a:lstStyle/>
-          <a:p>
-            <a:pPr algn="ctr"/>
-            <a:endParaRPr kumimoji="1" lang="ja-JP" altLang="en-US">
-              <a:solidFill>
-                <a:schemeClr val="tx1"/>
-              </a:solidFill>
-            </a:endParaRPr>
-          </a:p>
-        </p:txBody>
-      </p:sp>
-      <p:sp>
-        <p:nvSpPr>
-          <p:cNvPr id="41" name="正方形/長方形 40">
-            <a:extLst>
-              <a:ext uri="{FF2B5EF4-FFF2-40B4-BE49-F238E27FC236}">
-                <a16:creationId xmlns:a16="http://schemas.microsoft.com/office/drawing/2014/main" id="{465B2460-73F3-B4B0-8BA2-05C5CF0321BE}"/>
-              </a:ext>
-            </a:extLst>
-          </p:cNvPr>
-          <p:cNvSpPr/>
-          <p:nvPr/>
-        </p:nvSpPr>
-        <p:spPr>
-          <a:xfrm rot="16200000">
-            <a:off x="6243946" y="3116720"/>
-            <a:ext cx="3250600" cy="45719"/>
-          </a:xfrm>
-          <a:prstGeom prst="rect">
-            <a:avLst/>
-          </a:prstGeom>
-          <a:solidFill>
-            <a:schemeClr val="tx1"/>
-          </a:solidFill>
-          <a:ln>
-            <a:noFill/>
-          </a:ln>
-        </p:spPr>
-        <p:style>
-          <a:lnRef idx="2">
-            <a:schemeClr val="accent1">
-              <a:shade val="50000"/>
-            </a:schemeClr>
-          </a:lnRef>
-          <a:fillRef idx="1">
-            <a:schemeClr val="accent1"/>
-          </a:fillRef>
-          <a:effectRef idx="0">
-            <a:schemeClr val="accent1"/>
-          </a:effectRef>
-          <a:fontRef idx="minor">
-            <a:schemeClr val="lt1"/>
-          </a:fontRef>
-        </p:style>
-        <p:txBody>
-          <a:bodyPr rtlCol="0" anchor="ctr"/>
-          <a:lstStyle/>
-          <a:p>
-            <a:pPr algn="ctr"/>
-            <a:endParaRPr kumimoji="1" lang="ja-JP" altLang="en-US">
-              <a:solidFill>
-                <a:schemeClr val="tx1"/>
-              </a:solidFill>
-            </a:endParaRPr>
-          </a:p>
-        </p:txBody>
-      </p:sp>
-      <p:sp>
-        <p:nvSpPr>
-          <p:cNvPr id="42" name="正方形/長方形 41">
-            <a:extLst>
-              <a:ext uri="{FF2B5EF4-FFF2-40B4-BE49-F238E27FC236}">
-                <a16:creationId xmlns:a16="http://schemas.microsoft.com/office/drawing/2014/main" id="{860F7F72-E7A0-98D5-99B7-B2A30F134DAB}"/>
-              </a:ext>
-            </a:extLst>
-          </p:cNvPr>
-          <p:cNvSpPr/>
-          <p:nvPr/>
-        </p:nvSpPr>
-        <p:spPr>
-          <a:xfrm>
-            <a:off x="7869242" y="4020104"/>
-            <a:ext cx="502445" cy="45719"/>
-          </a:xfrm>
-          <a:prstGeom prst="rect">
-            <a:avLst/>
-          </a:prstGeom>
-          <a:solidFill>
-            <a:schemeClr val="tx1"/>
-          </a:solidFill>
-          <a:ln>
-            <a:noFill/>
-          </a:ln>
-        </p:spPr>
-        <p:style>
-          <a:lnRef idx="2">
-            <a:schemeClr val="accent1">
-              <a:shade val="50000"/>
-            </a:schemeClr>
-          </a:lnRef>
-          <a:fillRef idx="1">
-            <a:schemeClr val="accent1"/>
-          </a:fillRef>
-          <a:effectRef idx="0">
-            <a:schemeClr val="accent1"/>
-          </a:effectRef>
-          <a:fontRef idx="minor">
-            <a:schemeClr val="lt1"/>
-          </a:fontRef>
-        </p:style>
-        <p:txBody>
-          <a:bodyPr rtlCol="0" anchor="ctr"/>
-          <a:lstStyle/>
-          <a:p>
-            <a:pPr algn="ctr"/>
-            <a:endParaRPr kumimoji="1" lang="ja-JP" altLang="en-US">
-              <a:solidFill>
-                <a:schemeClr val="tx1"/>
-              </a:solidFill>
-            </a:endParaRPr>
-          </a:p>
-        </p:txBody>
-      </p:sp>
-      <p:sp>
-        <p:nvSpPr>
-          <p:cNvPr id="43" name="正方形/長方形 42">
-            <a:extLst>
-              <a:ext uri="{FF2B5EF4-FFF2-40B4-BE49-F238E27FC236}">
-                <a16:creationId xmlns:a16="http://schemas.microsoft.com/office/drawing/2014/main" id="{EC416F69-AEBE-FB10-EFC6-B2FCBA760617}"/>
-              </a:ext>
-            </a:extLst>
-          </p:cNvPr>
-          <p:cNvSpPr/>
-          <p:nvPr/>
-        </p:nvSpPr>
-        <p:spPr>
-          <a:xfrm>
-            <a:off x="8912498" y="1512464"/>
-            <a:ext cx="697954" cy="45719"/>
-          </a:xfrm>
-          <a:prstGeom prst="rect">
-            <a:avLst/>
-          </a:prstGeom>
-          <a:solidFill>
-            <a:schemeClr val="tx1"/>
-          </a:solidFill>
-          <a:ln>
-            <a:noFill/>
-          </a:ln>
-        </p:spPr>
-        <p:style>
-          <a:lnRef idx="2">
-            <a:schemeClr val="accent1">
-              <a:shade val="50000"/>
-            </a:schemeClr>
-          </a:lnRef>
-          <a:fillRef idx="1">
-            <a:schemeClr val="accent1"/>
-          </a:fillRef>
-          <a:effectRef idx="0">
-            <a:schemeClr val="accent1"/>
-          </a:effectRef>
-          <a:fontRef idx="minor">
-            <a:schemeClr val="lt1"/>
-          </a:fontRef>
-        </p:style>
-        <p:txBody>
-          <a:bodyPr rtlCol="0" anchor="ctr"/>
-          <a:lstStyle/>
-          <a:p>
-            <a:pPr algn="ctr"/>
-            <a:endParaRPr kumimoji="1" lang="ja-JP" altLang="en-US">
-              <a:solidFill>
-                <a:schemeClr val="tx1"/>
-              </a:solidFill>
-            </a:endParaRPr>
-          </a:p>
-        </p:txBody>
-      </p:sp>
-      <p:sp>
-        <p:nvSpPr>
-          <p:cNvPr id="44" name="正方形/長方形 43">
-            <a:extLst>
-              <a:ext uri="{FF2B5EF4-FFF2-40B4-BE49-F238E27FC236}">
-                <a16:creationId xmlns:a16="http://schemas.microsoft.com/office/drawing/2014/main" id="{3287E218-A2DB-3C8D-7B00-2524791C0EE4}"/>
-              </a:ext>
-            </a:extLst>
-          </p:cNvPr>
-          <p:cNvSpPr/>
-          <p:nvPr/>
-        </p:nvSpPr>
-        <p:spPr>
-          <a:xfrm>
-            <a:off x="9218851" y="2725932"/>
-            <a:ext cx="502445" cy="45719"/>
-          </a:xfrm>
-          <a:prstGeom prst="rect">
-            <a:avLst/>
-          </a:prstGeom>
-          <a:solidFill>
-            <a:schemeClr val="tx1"/>
-          </a:solidFill>
-          <a:ln>
-            <a:noFill/>
-          </a:ln>
-        </p:spPr>
-        <p:style>
-          <a:lnRef idx="2">
-            <a:schemeClr val="accent1">
-              <a:shade val="50000"/>
-            </a:schemeClr>
-          </a:lnRef>
-          <a:fillRef idx="1">
-            <a:schemeClr val="accent1"/>
-          </a:fillRef>
-          <a:effectRef idx="0">
-            <a:schemeClr val="accent1"/>
-          </a:effectRef>
-          <a:fontRef idx="minor">
-            <a:schemeClr val="lt1"/>
-          </a:fontRef>
-        </p:style>
-        <p:txBody>
-          <a:bodyPr rtlCol="0" anchor="ctr"/>
-          <a:lstStyle/>
-          <a:p>
-            <a:pPr algn="ctr"/>
-            <a:endParaRPr kumimoji="1" lang="ja-JP" altLang="en-US">
-              <a:solidFill>
-                <a:schemeClr val="tx1"/>
-              </a:solidFill>
-            </a:endParaRPr>
-          </a:p>
-        </p:txBody>
-      </p:sp>
-      <p:sp>
-        <p:nvSpPr>
-          <p:cNvPr id="46" name="正方形/長方形 45">
-            <a:extLst>
-              <a:ext uri="{FF2B5EF4-FFF2-40B4-BE49-F238E27FC236}">
-                <a16:creationId xmlns:a16="http://schemas.microsoft.com/office/drawing/2014/main" id="{085EAD88-2478-D9C3-9738-0B1DD0EBB7D9}"/>
-              </a:ext>
-            </a:extLst>
-          </p:cNvPr>
-          <p:cNvSpPr/>
-          <p:nvPr/>
-        </p:nvSpPr>
-        <p:spPr>
-          <a:xfrm rot="16200000">
-            <a:off x="7593556" y="3116720"/>
-            <a:ext cx="3250600" cy="45719"/>
-          </a:xfrm>
-          <a:prstGeom prst="rect">
-            <a:avLst/>
-          </a:prstGeom>
-          <a:solidFill>
-            <a:schemeClr val="tx1"/>
-          </a:solidFill>
-          <a:ln>
-            <a:noFill/>
-          </a:ln>
-        </p:spPr>
-        <p:style>
-          <a:lnRef idx="2">
-            <a:schemeClr val="accent1">
-              <a:shade val="50000"/>
-            </a:schemeClr>
-          </a:lnRef>
-          <a:fillRef idx="1">
-            <a:schemeClr val="accent1"/>
-          </a:fillRef>
-          <a:effectRef idx="0">
-            <a:schemeClr val="accent1"/>
-          </a:effectRef>
-          <a:fontRef idx="minor">
-            <a:schemeClr val="lt1"/>
-          </a:fontRef>
-        </p:style>
-        <p:txBody>
-          <a:bodyPr rtlCol="0" anchor="ctr"/>
-          <a:lstStyle/>
-          <a:p>
-            <a:pPr algn="ctr"/>
-            <a:endParaRPr kumimoji="1" lang="ja-JP" altLang="en-US">
-              <a:solidFill>
-                <a:schemeClr val="tx1"/>
-              </a:solidFill>
-            </a:endParaRPr>
-          </a:p>
-        </p:txBody>
-      </p:sp>
-      <p:sp>
-        <p:nvSpPr>
-          <p:cNvPr id="47" name="正方形/長方形 46">
-            <a:extLst>
-              <a:ext uri="{FF2B5EF4-FFF2-40B4-BE49-F238E27FC236}">
-                <a16:creationId xmlns:a16="http://schemas.microsoft.com/office/drawing/2014/main" id="{B6115E8D-847F-25CD-84E0-0C11351532DE}"/>
-              </a:ext>
-            </a:extLst>
-          </p:cNvPr>
-          <p:cNvSpPr/>
-          <p:nvPr/>
-        </p:nvSpPr>
-        <p:spPr>
-          <a:xfrm>
-            <a:off x="9218851" y="4093444"/>
-            <a:ext cx="502445" cy="45719"/>
-          </a:xfrm>
-          <a:prstGeom prst="rect">
-            <a:avLst/>
-          </a:prstGeom>
-          <a:solidFill>
-            <a:schemeClr val="tx1"/>
-          </a:solidFill>
-          <a:ln>
-            <a:noFill/>
-          </a:ln>
-        </p:spPr>
-        <p:style>
-          <a:lnRef idx="2">
-            <a:schemeClr val="accent1">
-              <a:shade val="50000"/>
-            </a:schemeClr>
-          </a:lnRef>
-          <a:fillRef idx="1">
-            <a:schemeClr val="accent1"/>
-          </a:fillRef>
-          <a:effectRef idx="0">
-            <a:schemeClr val="accent1"/>
-          </a:effectRef>
-          <a:fontRef idx="minor">
-            <a:schemeClr val="lt1"/>
-          </a:fontRef>
-        </p:style>
-        <p:txBody>
-          <a:bodyPr rtlCol="0" anchor="ctr"/>
-          <a:lstStyle/>
-          <a:p>
-            <a:pPr algn="ctr"/>
-            <a:endParaRPr kumimoji="1" lang="ja-JP" altLang="en-US">
-              <a:solidFill>
-                <a:schemeClr val="tx1"/>
-              </a:solidFill>
-            </a:endParaRPr>
-          </a:p>
-        </p:txBody>
-      </p:sp>
-      <p:sp>
-        <p:nvSpPr>
-          <p:cNvPr id="48" name="テキスト ボックス 47">
-            <a:extLst>
-              <a:ext uri="{FF2B5EF4-FFF2-40B4-BE49-F238E27FC236}">
-                <a16:creationId xmlns:a16="http://schemas.microsoft.com/office/drawing/2014/main" id="{26DAC59C-E045-8E3C-5604-E13C1030B8C0}"/>
-              </a:ext>
-            </a:extLst>
-          </p:cNvPr>
-          <p:cNvSpPr txBox="1"/>
-          <p:nvPr/>
-        </p:nvSpPr>
-        <p:spPr>
-          <a:xfrm>
-            <a:off x="5512289" y="1273713"/>
-            <a:ext cx="966524" cy="523220"/>
-          </a:xfrm>
-          <a:prstGeom prst="rect">
-            <a:avLst/>
-          </a:prstGeom>
-          <a:noFill/>
-        </p:spPr>
-        <p:txBody>
-          <a:bodyPr wrap="square" rtlCol="0">
-            <a:spAutoFit/>
-          </a:bodyPr>
-          <a:lstStyle/>
-          <a:p>
-            <a:pPr algn="ctr"/>
-            <a:r>
-              <a:rPr kumimoji="1" lang="en-US" altLang="ja-JP" sz="2800" dirty="0">
-                <a:latin typeface="マキナス 4 Flat" panose="02000600000000000000" pitchFamily="50" charset="-128"/>
-                <a:ea typeface="マキナス 4 Flat" panose="02000600000000000000" pitchFamily="50" charset="-128"/>
-              </a:rPr>
-              <a:t>C:</a:t>
-            </a:r>
-            <a:endParaRPr kumimoji="1" lang="ja-JP" altLang="en-US" sz="2800" dirty="0">
-              <a:latin typeface="マキナス 4 Flat" panose="02000600000000000000" pitchFamily="50" charset="-128"/>
-              <a:ea typeface="マキナス 4 Flat" panose="02000600000000000000" pitchFamily="50" charset="-128"/>
-            </a:endParaRPr>
-          </a:p>
-        </p:txBody>
-      </p:sp>
-      <p:sp>
-        <p:nvSpPr>
-          <p:cNvPr id="49" name="テキスト ボックス 48">
-            <a:extLst>
-              <a:ext uri="{FF2B5EF4-FFF2-40B4-BE49-F238E27FC236}">
-                <a16:creationId xmlns:a16="http://schemas.microsoft.com/office/drawing/2014/main" id="{9349B4D4-9D0A-7AC6-051A-AA6C31BBFE98}"/>
-              </a:ext>
-            </a:extLst>
-          </p:cNvPr>
-          <p:cNvSpPr txBox="1"/>
-          <p:nvPr/>
-        </p:nvSpPr>
-        <p:spPr>
-          <a:xfrm>
-            <a:off x="6616410" y="1893509"/>
-            <a:ext cx="1202706" cy="338554"/>
-          </a:xfrm>
-          <a:prstGeom prst="rect">
-            <a:avLst/>
-          </a:prstGeom>
-          <a:noFill/>
-        </p:spPr>
-        <p:txBody>
-          <a:bodyPr wrap="square" rtlCol="0">
-            <a:spAutoFit/>
-          </a:bodyPr>
-          <a:lstStyle/>
-          <a:p>
-            <a:pPr algn="ctr"/>
-            <a:r>
-              <a:rPr lang="en-US" altLang="ja-JP" sz="1600" dirty="0">
-                <a:latin typeface="マキナス 4 Flat" panose="02000600000000000000" pitchFamily="50" charset="-128"/>
-                <a:ea typeface="マキナス 4 Flat" panose="02000600000000000000" pitchFamily="50" charset="-128"/>
-              </a:rPr>
-              <a:t>Users</a:t>
-            </a:r>
-            <a:endParaRPr kumimoji="1" lang="ja-JP" altLang="en-US" sz="1600" dirty="0">
-              <a:latin typeface="マキナス 4 Flat" panose="02000600000000000000" pitchFamily="50" charset="-128"/>
-              <a:ea typeface="マキナス 4 Flat" panose="02000600000000000000" pitchFamily="50" charset="-128"/>
-            </a:endParaRPr>
-          </a:p>
-        </p:txBody>
-      </p:sp>
-      <p:sp>
-        <p:nvSpPr>
-          <p:cNvPr id="50" name="テキスト ボックス 49">
-            <a:extLst>
-              <a:ext uri="{FF2B5EF4-FFF2-40B4-BE49-F238E27FC236}">
-                <a16:creationId xmlns:a16="http://schemas.microsoft.com/office/drawing/2014/main" id="{A3C47847-324F-1410-F62E-6B3E6AA7347C}"/>
-              </a:ext>
-            </a:extLst>
-          </p:cNvPr>
-          <p:cNvSpPr txBox="1"/>
-          <p:nvPr/>
-        </p:nvSpPr>
-        <p:spPr>
-          <a:xfrm>
-            <a:off x="6616410" y="5853546"/>
-            <a:ext cx="1202706" cy="584775"/>
-          </a:xfrm>
-          <a:prstGeom prst="rect">
-            <a:avLst/>
-          </a:prstGeom>
-          <a:noFill/>
-        </p:spPr>
-        <p:txBody>
-          <a:bodyPr wrap="square" rtlCol="0">
-            <a:spAutoFit/>
-          </a:bodyPr>
-          <a:lstStyle/>
-          <a:p>
-            <a:pPr algn="ctr"/>
-            <a:r>
-              <a:rPr lang="en-US" altLang="ja-JP" sz="1600" dirty="0">
-                <a:latin typeface="マキナス 4 Flat" panose="02000600000000000000" pitchFamily="50" charset="-128"/>
-                <a:ea typeface="マキナス 4 Flat" panose="02000600000000000000" pitchFamily="50" charset="-128"/>
-              </a:rPr>
-              <a:t>Program</a:t>
-            </a:r>
-          </a:p>
-          <a:p>
-            <a:pPr algn="ctr"/>
-            <a:r>
-              <a:rPr kumimoji="1" lang="en-US" altLang="ja-JP" sz="1600" dirty="0">
-                <a:latin typeface="マキナス 4 Flat" panose="02000600000000000000" pitchFamily="50" charset="-128"/>
-                <a:ea typeface="マキナス 4 Flat" panose="02000600000000000000" pitchFamily="50" charset="-128"/>
-              </a:rPr>
-              <a:t>Files(x8</a:t>
-            </a:r>
-            <a:r>
-              <a:rPr lang="en-US" altLang="ja-JP" sz="1600" dirty="0">
-                <a:latin typeface="マキナス 4 Flat" panose="02000600000000000000" pitchFamily="50" charset="-128"/>
-                <a:ea typeface="マキナス 4 Flat" panose="02000600000000000000" pitchFamily="50" charset="-128"/>
-              </a:rPr>
-              <a:t>6)</a:t>
-            </a:r>
-            <a:endParaRPr kumimoji="1" lang="ja-JP" altLang="en-US" sz="1600" dirty="0">
-              <a:latin typeface="マキナス 4 Flat" panose="02000600000000000000" pitchFamily="50" charset="-128"/>
-              <a:ea typeface="マキナス 4 Flat" panose="02000600000000000000" pitchFamily="50" charset="-128"/>
-            </a:endParaRPr>
-          </a:p>
-        </p:txBody>
-      </p:sp>
-      <p:sp>
-        <p:nvSpPr>
-          <p:cNvPr id="51" name="テキスト ボックス 50">
-            <a:extLst>
-              <a:ext uri="{FF2B5EF4-FFF2-40B4-BE49-F238E27FC236}">
-                <a16:creationId xmlns:a16="http://schemas.microsoft.com/office/drawing/2014/main" id="{3C0F4BBA-0B9F-C4A8-DE54-C68165ECCD81}"/>
-              </a:ext>
-            </a:extLst>
-          </p:cNvPr>
-          <p:cNvSpPr txBox="1"/>
-          <p:nvPr/>
-        </p:nvSpPr>
-        <p:spPr>
-          <a:xfrm>
-            <a:off x="7873285" y="5853546"/>
-            <a:ext cx="1442710" cy="338554"/>
-          </a:xfrm>
-          <a:prstGeom prst="rect">
-            <a:avLst/>
-          </a:prstGeom>
-          <a:noFill/>
-        </p:spPr>
-        <p:txBody>
-          <a:bodyPr wrap="square" rtlCol="0">
-            <a:spAutoFit/>
-          </a:bodyPr>
-          <a:lstStyle/>
-          <a:p>
-            <a:pPr algn="ctr"/>
-            <a:r>
-              <a:rPr lang="en-US" altLang="ja-JP" sz="1600" dirty="0">
-                <a:latin typeface="マキナス 4 Flat" panose="02000600000000000000" pitchFamily="50" charset="-128"/>
-                <a:ea typeface="マキナス 4 Flat" panose="02000600000000000000" pitchFamily="50" charset="-128"/>
-              </a:rPr>
-              <a:t>Application</a:t>
-            </a:r>
-            <a:endParaRPr kumimoji="1" lang="ja-JP" altLang="en-US" sz="1600" dirty="0">
-              <a:latin typeface="マキナス 4 Flat" panose="02000600000000000000" pitchFamily="50" charset="-128"/>
-              <a:ea typeface="マキナス 4 Flat" panose="02000600000000000000" pitchFamily="50" charset="-128"/>
-            </a:endParaRPr>
-          </a:p>
-        </p:txBody>
-      </p:sp>
-      <p:sp>
-        <p:nvSpPr>
-          <p:cNvPr id="52" name="テキスト ボックス 51">
-            <a:extLst>
-              <a:ext uri="{FF2B5EF4-FFF2-40B4-BE49-F238E27FC236}">
-                <a16:creationId xmlns:a16="http://schemas.microsoft.com/office/drawing/2014/main" id="{291ECBF5-CF97-E3C2-8BA9-E92908123528}"/>
-              </a:ext>
-            </a:extLst>
-          </p:cNvPr>
-          <p:cNvSpPr txBox="1"/>
-          <p:nvPr/>
-        </p:nvSpPr>
-        <p:spPr>
-          <a:xfrm>
-            <a:off x="7772513" y="4514969"/>
-            <a:ext cx="1496514" cy="338554"/>
-          </a:xfrm>
-          <a:prstGeom prst="rect">
-            <a:avLst/>
-          </a:prstGeom>
-          <a:noFill/>
-        </p:spPr>
-        <p:txBody>
-          <a:bodyPr wrap="square" rtlCol="0">
-            <a:spAutoFit/>
-          </a:bodyPr>
-          <a:lstStyle/>
-          <a:p>
-            <a:pPr algn="ctr"/>
-            <a:r>
-              <a:rPr lang="en-US" altLang="ja-JP" sz="1600" dirty="0">
-                <a:latin typeface="マキナス 4 Flat" panose="02000600000000000000" pitchFamily="50" charset="-128"/>
-                <a:ea typeface="マキナス 4 Flat" panose="02000600000000000000" pitchFamily="50" charset="-128"/>
-              </a:rPr>
-              <a:t>Default</a:t>
-            </a:r>
-            <a:endParaRPr kumimoji="1" lang="ja-JP" altLang="en-US" sz="1600" dirty="0">
-              <a:latin typeface="マキナス 4 Flat" panose="02000600000000000000" pitchFamily="50" charset="-128"/>
-              <a:ea typeface="マキナス 4 Flat" panose="02000600000000000000" pitchFamily="50" charset="-128"/>
-            </a:endParaRPr>
-          </a:p>
-        </p:txBody>
-      </p:sp>
-      <p:sp>
-        <p:nvSpPr>
-          <p:cNvPr id="53" name="テキスト ボックス 52">
-            <a:extLst>
-              <a:ext uri="{FF2B5EF4-FFF2-40B4-BE49-F238E27FC236}">
-                <a16:creationId xmlns:a16="http://schemas.microsoft.com/office/drawing/2014/main" id="{ABB42AA8-6DAE-F1E5-C05B-5F33AA3C0DC2}"/>
-              </a:ext>
-            </a:extLst>
-          </p:cNvPr>
-          <p:cNvSpPr txBox="1"/>
-          <p:nvPr/>
-        </p:nvSpPr>
-        <p:spPr>
-          <a:xfrm>
-            <a:off x="7919417" y="3143711"/>
-            <a:ext cx="1202706" cy="369332"/>
-          </a:xfrm>
-          <a:prstGeom prst="rect">
-            <a:avLst/>
-          </a:prstGeom>
-          <a:noFill/>
-        </p:spPr>
-        <p:txBody>
-          <a:bodyPr wrap="square" rtlCol="0">
-            <a:spAutoFit/>
-          </a:bodyPr>
-          <a:lstStyle/>
-          <a:p>
-            <a:pPr algn="ctr"/>
-            <a:r>
-              <a:rPr lang="en-US" altLang="ja-JP" dirty="0">
-                <a:latin typeface="マキナス 4 Flat" panose="02000600000000000000" pitchFamily="50" charset="-128"/>
-                <a:ea typeface="マキナス 4 Flat" panose="02000600000000000000" pitchFamily="50" charset="-128"/>
-              </a:rPr>
-              <a:t>Public</a:t>
-            </a:r>
-            <a:endParaRPr kumimoji="1" lang="ja-JP" altLang="en-US" dirty="0">
-              <a:latin typeface="マキナス 4 Flat" panose="02000600000000000000" pitchFamily="50" charset="-128"/>
-              <a:ea typeface="マキナス 4 Flat" panose="02000600000000000000" pitchFamily="50" charset="-128"/>
-            </a:endParaRPr>
-          </a:p>
-        </p:txBody>
-      </p:sp>
-      <p:sp>
-        <p:nvSpPr>
-          <p:cNvPr id="54" name="テキスト ボックス 53">
-            <a:extLst>
-              <a:ext uri="{FF2B5EF4-FFF2-40B4-BE49-F238E27FC236}">
-                <a16:creationId xmlns:a16="http://schemas.microsoft.com/office/drawing/2014/main" id="{5B9E5644-D0D1-3C9E-4ABC-307F24225B2A}"/>
-              </a:ext>
-            </a:extLst>
-          </p:cNvPr>
-          <p:cNvSpPr txBox="1"/>
-          <p:nvPr/>
-        </p:nvSpPr>
-        <p:spPr>
-          <a:xfrm>
-            <a:off x="7805269" y="1888378"/>
-            <a:ext cx="1355414" cy="338554"/>
-          </a:xfrm>
-          <a:prstGeom prst="rect">
-            <a:avLst/>
-          </a:prstGeom>
-          <a:noFill/>
-        </p:spPr>
-        <p:txBody>
-          <a:bodyPr wrap="square" rtlCol="0">
-            <a:spAutoFit/>
-          </a:bodyPr>
-          <a:lstStyle/>
-          <a:p>
-            <a:pPr algn="ctr"/>
-            <a:r>
-              <a:rPr lang="en-US" altLang="ja-JP" sz="1600" dirty="0">
-                <a:latin typeface="マキナス 4 Flat" panose="02000600000000000000" pitchFamily="50" charset="-128"/>
-                <a:ea typeface="マキナス 4 Flat" panose="02000600000000000000" pitchFamily="50" charset="-128"/>
-              </a:rPr>
-              <a:t>User</a:t>
-            </a:r>
-            <a:endParaRPr kumimoji="1" lang="ja-JP" altLang="en-US" sz="1600" dirty="0">
-              <a:latin typeface="マキナス 4 Flat" panose="02000600000000000000" pitchFamily="50" charset="-128"/>
-              <a:ea typeface="マキナス 4 Flat" panose="02000600000000000000" pitchFamily="50" charset="-128"/>
-            </a:endParaRPr>
-          </a:p>
-        </p:txBody>
-      </p:sp>
-      <p:sp>
-        <p:nvSpPr>
-          <p:cNvPr id="55" name="テキスト ボックス 54">
-            <a:extLst>
-              <a:ext uri="{FF2B5EF4-FFF2-40B4-BE49-F238E27FC236}">
-                <a16:creationId xmlns:a16="http://schemas.microsoft.com/office/drawing/2014/main" id="{2D7D7745-9475-5467-E047-8533A14F51D3}"/>
-              </a:ext>
-            </a:extLst>
-          </p:cNvPr>
-          <p:cNvSpPr txBox="1"/>
-          <p:nvPr/>
-        </p:nvSpPr>
-        <p:spPr>
-          <a:xfrm>
-            <a:off x="9195064" y="4514969"/>
-            <a:ext cx="1496514" cy="338554"/>
-          </a:xfrm>
-          <a:prstGeom prst="rect">
-            <a:avLst/>
-          </a:prstGeom>
-          <a:noFill/>
-        </p:spPr>
-        <p:txBody>
-          <a:bodyPr wrap="square" rtlCol="0">
-            <a:spAutoFit/>
-          </a:bodyPr>
-          <a:lstStyle/>
-          <a:p>
-            <a:pPr algn="ctr"/>
-            <a:r>
-              <a:rPr lang="en-US" altLang="ja-JP" sz="1600" dirty="0">
-                <a:latin typeface="マキナス 4 Flat" panose="02000600000000000000" pitchFamily="50" charset="-128"/>
-                <a:ea typeface="マキナス 4 Flat" panose="02000600000000000000" pitchFamily="50" charset="-128"/>
-              </a:rPr>
-              <a:t>Documents</a:t>
-            </a:r>
-            <a:endParaRPr kumimoji="1" lang="ja-JP" altLang="en-US" sz="1600" dirty="0">
-              <a:latin typeface="マキナス 4 Flat" panose="02000600000000000000" pitchFamily="50" charset="-128"/>
-              <a:ea typeface="マキナス 4 Flat" panose="02000600000000000000" pitchFamily="50" charset="-128"/>
-            </a:endParaRPr>
-          </a:p>
-        </p:txBody>
-      </p:sp>
-      <p:sp>
-        <p:nvSpPr>
-          <p:cNvPr id="56" name="テキスト ボックス 55">
-            <a:extLst>
-              <a:ext uri="{FF2B5EF4-FFF2-40B4-BE49-F238E27FC236}">
-                <a16:creationId xmlns:a16="http://schemas.microsoft.com/office/drawing/2014/main" id="{A72E8C98-D747-2CD0-A66B-0A569BA32087}"/>
-              </a:ext>
-            </a:extLst>
-          </p:cNvPr>
-          <p:cNvSpPr txBox="1"/>
-          <p:nvPr/>
-        </p:nvSpPr>
-        <p:spPr>
-          <a:xfrm>
-            <a:off x="6122544" y="562562"/>
-            <a:ext cx="5744588" cy="461665"/>
-          </a:xfrm>
-          <a:prstGeom prst="rect">
-            <a:avLst/>
-          </a:prstGeom>
-          <a:noFill/>
-        </p:spPr>
-        <p:txBody>
-          <a:bodyPr wrap="square" rtlCol="0">
-            <a:spAutoFit/>
-          </a:bodyPr>
-          <a:lstStyle/>
-          <a:p>
-            <a:pPr algn="ctr"/>
-            <a:r>
-              <a:rPr lang="en-US" altLang="ja-JP" sz="2400" dirty="0">
-                <a:latin typeface="コーポレート・ロゴ ver2 Bold" panose="02000600000000000000" pitchFamily="50" charset="-128"/>
-                <a:ea typeface="コーポレート・ロゴ ver2 Bold" panose="02000600000000000000" pitchFamily="50" charset="-128"/>
-              </a:rPr>
-              <a:t>Tree</a:t>
-            </a:r>
-          </a:p>
-        </p:txBody>
-      </p:sp>
-      <p:sp>
-        <p:nvSpPr>
-          <p:cNvPr id="57" name="テキスト ボックス 56">
-            <a:extLst>
-              <a:ext uri="{FF2B5EF4-FFF2-40B4-BE49-F238E27FC236}">
-                <a16:creationId xmlns:a16="http://schemas.microsoft.com/office/drawing/2014/main" id="{F31507ED-7171-9693-5F51-0D8E5316D3A8}"/>
-              </a:ext>
-            </a:extLst>
-          </p:cNvPr>
-          <p:cNvSpPr txBox="1"/>
-          <p:nvPr/>
-        </p:nvSpPr>
-        <p:spPr>
-          <a:xfrm>
-            <a:off x="9195064" y="3156380"/>
-            <a:ext cx="1496514" cy="338554"/>
-          </a:xfrm>
-          <a:prstGeom prst="rect">
-            <a:avLst/>
-          </a:prstGeom>
-          <a:noFill/>
-        </p:spPr>
-        <p:txBody>
-          <a:bodyPr wrap="square" rtlCol="0">
-            <a:spAutoFit/>
-          </a:bodyPr>
-          <a:lstStyle/>
-          <a:p>
-            <a:pPr algn="ctr"/>
-            <a:r>
-              <a:rPr lang="en-US" altLang="ja-JP" sz="1600" dirty="0">
-                <a:latin typeface="マキナス 4 Flat" panose="02000600000000000000" pitchFamily="50" charset="-128"/>
-                <a:ea typeface="マキナス 4 Flat" panose="02000600000000000000" pitchFamily="50" charset="-128"/>
-              </a:rPr>
-              <a:t>Downloads</a:t>
-            </a:r>
-          </a:p>
-        </p:txBody>
-      </p:sp>
-      <p:sp>
-        <p:nvSpPr>
-          <p:cNvPr id="58" name="テキスト ボックス 57">
-            <a:extLst>
-              <a:ext uri="{FF2B5EF4-FFF2-40B4-BE49-F238E27FC236}">
-                <a16:creationId xmlns:a16="http://schemas.microsoft.com/office/drawing/2014/main" id="{4CE283A5-0A96-3AF1-5517-AF730A23971A}"/>
-              </a:ext>
-            </a:extLst>
-          </p:cNvPr>
-          <p:cNvSpPr txBox="1"/>
-          <p:nvPr/>
-        </p:nvSpPr>
-        <p:spPr>
-          <a:xfrm>
-            <a:off x="9195064" y="1961801"/>
-            <a:ext cx="1496514" cy="338554"/>
-          </a:xfrm>
-          <a:prstGeom prst="rect">
-            <a:avLst/>
-          </a:prstGeom>
-          <a:noFill/>
-        </p:spPr>
-        <p:txBody>
-          <a:bodyPr wrap="square" rtlCol="0">
-            <a:spAutoFit/>
-          </a:bodyPr>
-          <a:lstStyle/>
-          <a:p>
-            <a:pPr algn="ctr"/>
-            <a:r>
-              <a:rPr kumimoji="1" lang="en-US" altLang="ja-JP" sz="1600" dirty="0">
-                <a:latin typeface="マキナス 4 Flat" panose="02000600000000000000" pitchFamily="50" charset="-128"/>
-                <a:ea typeface="マキナス 4 Flat" panose="02000600000000000000" pitchFamily="50" charset="-128"/>
-              </a:rPr>
-              <a:t>Desktop</a:t>
-            </a:r>
-            <a:endParaRPr kumimoji="1" lang="ja-JP" altLang="en-US" sz="1600" dirty="0">
-              <a:latin typeface="マキナス 4 Flat" panose="02000600000000000000" pitchFamily="50" charset="-128"/>
-              <a:ea typeface="マキナス 4 Flat" panose="02000600000000000000" pitchFamily="50" charset="-128"/>
-            </a:endParaRPr>
-          </a:p>
-        </p:txBody>
-      </p:sp>
-      <p:sp>
-        <p:nvSpPr>
-          <p:cNvPr id="59" name="正方形/長方形 58">
-            <a:extLst>
-              <a:ext uri="{FF2B5EF4-FFF2-40B4-BE49-F238E27FC236}">
-                <a16:creationId xmlns:a16="http://schemas.microsoft.com/office/drawing/2014/main" id="{2F9548C6-9916-DA49-8419-ACC1DA7AEBEE}"/>
-              </a:ext>
-            </a:extLst>
-          </p:cNvPr>
-          <p:cNvSpPr/>
-          <p:nvPr/>
-        </p:nvSpPr>
-        <p:spPr>
-          <a:xfrm rot="16200000">
-            <a:off x="7435772" y="5882251"/>
-            <a:ext cx="866950" cy="45719"/>
-          </a:xfrm>
-          <a:prstGeom prst="rect">
-            <a:avLst/>
-          </a:prstGeom>
-          <a:solidFill>
-            <a:schemeClr val="tx1"/>
-          </a:solidFill>
-          <a:ln>
-            <a:noFill/>
-          </a:ln>
-        </p:spPr>
-        <p:style>
-          <a:lnRef idx="2">
-            <a:schemeClr val="accent1">
-              <a:shade val="50000"/>
-            </a:schemeClr>
-          </a:lnRef>
-          <a:fillRef idx="1">
-            <a:schemeClr val="accent1"/>
-          </a:fillRef>
-          <a:effectRef idx="0">
-            <a:schemeClr val="accent1"/>
-          </a:effectRef>
-          <a:fontRef idx="minor">
-            <a:schemeClr val="lt1"/>
-          </a:fontRef>
-        </p:style>
-        <p:txBody>
-          <a:bodyPr rtlCol="0" anchor="ctr"/>
-          <a:lstStyle/>
-          <a:p>
-            <a:pPr algn="ctr"/>
-            <a:endParaRPr kumimoji="1" lang="ja-JP" altLang="en-US">
-              <a:solidFill>
-                <a:schemeClr val="tx1"/>
-              </a:solidFill>
-            </a:endParaRPr>
-          </a:p>
-        </p:txBody>
-      </p:sp>
-      <p:pic>
-        <p:nvPicPr>
-          <p:cNvPr id="60" name="図 59">
-            <a:extLst>
-              <a:ext uri="{FF2B5EF4-FFF2-40B4-BE49-F238E27FC236}">
-                <a16:creationId xmlns:a16="http://schemas.microsoft.com/office/drawing/2014/main" id="{A80DE404-1190-A8DC-55C1-6AC008B4A449}"/>
-              </a:ext>
-            </a:extLst>
-          </p:cNvPr>
-          <p:cNvPicPr>
-            <a:picLocks noChangeAspect="1"/>
-          </p:cNvPicPr>
-          <p:nvPr/>
-        </p:nvPicPr>
-        <p:blipFill>
-          <a:blip r:embed="rId5">
-            <a:extLst>
-              <a:ext uri="{28A0092B-C50C-407E-A947-70E740481C1C}">
-                <a14:useLocalDpi xmlns:a14="http://schemas.microsoft.com/office/drawing/2010/main" val="0"/>
-              </a:ext>
-            </a:extLst>
-          </a:blip>
-          <a:stretch>
-            <a:fillRect/>
-          </a:stretch>
-        </p:blipFill>
-        <p:spPr>
-          <a:xfrm>
-            <a:off x="7965684" y="2205336"/>
-            <a:ext cx="1071442" cy="1071442"/>
-          </a:xfrm>
-          <a:prstGeom prst="rect">
-            <a:avLst/>
-          </a:prstGeom>
-        </p:spPr>
-      </p:pic>
-      <p:pic>
-        <p:nvPicPr>
-          <p:cNvPr id="61" name="図 60">
-            <a:extLst>
-              <a:ext uri="{FF2B5EF4-FFF2-40B4-BE49-F238E27FC236}">
-                <a16:creationId xmlns:a16="http://schemas.microsoft.com/office/drawing/2014/main" id="{7C14C230-5700-A2D5-9C3C-35054EC7E3C9}"/>
-              </a:ext>
-            </a:extLst>
-          </p:cNvPr>
-          <p:cNvPicPr>
-            <a:picLocks noChangeAspect="1"/>
-          </p:cNvPicPr>
-          <p:nvPr/>
-        </p:nvPicPr>
-        <p:blipFill>
-          <a:blip r:embed="rId5">
-            <a:extLst>
-              <a:ext uri="{28A0092B-C50C-407E-A947-70E740481C1C}">
-                <a14:useLocalDpi xmlns:a14="http://schemas.microsoft.com/office/drawing/2010/main" val="0"/>
-              </a:ext>
-            </a:extLst>
-          </a:blip>
-          <a:stretch>
-            <a:fillRect/>
-          </a:stretch>
-        </p:blipFill>
-        <p:spPr>
-          <a:xfrm>
-            <a:off x="7965684" y="3580582"/>
-            <a:ext cx="1071442" cy="1071442"/>
-          </a:xfrm>
-          <a:prstGeom prst="rect">
-            <a:avLst/>
-          </a:prstGeom>
-        </p:spPr>
-      </p:pic>
-      <p:sp>
-        <p:nvSpPr>
-          <p:cNvPr id="64" name="正方形/長方形 63">
-            <a:extLst>
-              <a:ext uri="{FF2B5EF4-FFF2-40B4-BE49-F238E27FC236}">
-                <a16:creationId xmlns:a16="http://schemas.microsoft.com/office/drawing/2014/main" id="{573A9722-029A-4BED-7CC0-1599BEBA4102}"/>
-              </a:ext>
-            </a:extLst>
-          </p:cNvPr>
-          <p:cNvSpPr/>
-          <p:nvPr/>
-        </p:nvSpPr>
-        <p:spPr>
-          <a:xfrm>
-            <a:off x="10320086" y="4127889"/>
-            <a:ext cx="697954" cy="45719"/>
-          </a:xfrm>
-          <a:prstGeom prst="rect">
-            <a:avLst/>
-          </a:prstGeom>
-          <a:solidFill>
-            <a:schemeClr val="tx1"/>
-          </a:solidFill>
-          <a:ln>
-            <a:noFill/>
-          </a:ln>
-        </p:spPr>
-        <p:style>
-          <a:lnRef idx="2">
-            <a:schemeClr val="accent1">
-              <a:shade val="50000"/>
-            </a:schemeClr>
-          </a:lnRef>
-          <a:fillRef idx="1">
-            <a:schemeClr val="accent1"/>
-          </a:fillRef>
-          <a:effectRef idx="0">
-            <a:schemeClr val="accent1"/>
-          </a:effectRef>
-          <a:fontRef idx="minor">
-            <a:schemeClr val="lt1"/>
-          </a:fontRef>
-        </p:style>
-        <p:txBody>
-          <a:bodyPr rtlCol="0" anchor="ctr"/>
-          <a:lstStyle/>
-          <a:p>
-            <a:pPr algn="ctr"/>
-            <a:endParaRPr kumimoji="1" lang="ja-JP" altLang="en-US">
-              <a:solidFill>
-                <a:schemeClr val="tx1"/>
-              </a:solidFill>
-            </a:endParaRPr>
-          </a:p>
-        </p:txBody>
-      </p:sp>
-      <p:sp>
-        <p:nvSpPr>
-          <p:cNvPr id="65" name="正方形/長方形 64">
-            <a:extLst>
-              <a:ext uri="{FF2B5EF4-FFF2-40B4-BE49-F238E27FC236}">
-                <a16:creationId xmlns:a16="http://schemas.microsoft.com/office/drawing/2014/main" id="{025BDD2B-D16D-CA4C-1C43-DE32152AE5B8}"/>
-              </a:ext>
-            </a:extLst>
-          </p:cNvPr>
-          <p:cNvSpPr/>
-          <p:nvPr/>
-        </p:nvSpPr>
-        <p:spPr>
-          <a:xfrm>
-            <a:off x="10626440" y="5463551"/>
-            <a:ext cx="446040" cy="54451"/>
-          </a:xfrm>
-          <a:prstGeom prst="rect">
-            <a:avLst/>
-          </a:prstGeom>
-          <a:solidFill>
-            <a:schemeClr val="tx1"/>
-          </a:solidFill>
-          <a:ln>
-            <a:noFill/>
-          </a:ln>
-        </p:spPr>
-        <p:style>
-          <a:lnRef idx="2">
-            <a:schemeClr val="accent1">
-              <a:shade val="50000"/>
-            </a:schemeClr>
-          </a:lnRef>
-          <a:fillRef idx="1">
-            <a:schemeClr val="accent1"/>
-          </a:fillRef>
-          <a:effectRef idx="0">
-            <a:schemeClr val="accent1"/>
-          </a:effectRef>
-          <a:fontRef idx="minor">
-            <a:schemeClr val="lt1"/>
-          </a:fontRef>
-        </p:style>
-        <p:txBody>
-          <a:bodyPr rtlCol="0" anchor="ctr"/>
-          <a:lstStyle/>
-          <a:p>
-            <a:pPr algn="ctr"/>
-            <a:endParaRPr kumimoji="1" lang="ja-JP" altLang="en-US">
-              <a:solidFill>
-                <a:schemeClr val="tx1"/>
-              </a:solidFill>
-            </a:endParaRPr>
-          </a:p>
-        </p:txBody>
-      </p:sp>
-      <p:sp>
-        <p:nvSpPr>
-          <p:cNvPr id="66" name="正方形/長方形 65">
-            <a:extLst>
-              <a:ext uri="{FF2B5EF4-FFF2-40B4-BE49-F238E27FC236}">
-                <a16:creationId xmlns:a16="http://schemas.microsoft.com/office/drawing/2014/main" id="{87472E78-13B1-3BD5-029A-FF610A3ED22D}"/>
-              </a:ext>
-            </a:extLst>
-          </p:cNvPr>
-          <p:cNvSpPr/>
-          <p:nvPr/>
-        </p:nvSpPr>
-        <p:spPr>
-          <a:xfrm rot="16200000">
-            <a:off x="9522003" y="5211284"/>
-            <a:ext cx="2208882" cy="45719"/>
-          </a:xfrm>
-          <a:prstGeom prst="rect">
-            <a:avLst/>
-          </a:prstGeom>
-          <a:solidFill>
-            <a:schemeClr val="tx1"/>
-          </a:solidFill>
-          <a:ln>
-            <a:noFill/>
-          </a:ln>
-        </p:spPr>
-        <p:style>
-          <a:lnRef idx="2">
-            <a:schemeClr val="accent1">
-              <a:shade val="50000"/>
-            </a:schemeClr>
-          </a:lnRef>
-          <a:fillRef idx="1">
-            <a:schemeClr val="accent1"/>
-          </a:fillRef>
-          <a:effectRef idx="0">
-            <a:schemeClr val="accent1"/>
-          </a:effectRef>
-          <a:fontRef idx="minor">
-            <a:schemeClr val="lt1"/>
-          </a:fontRef>
-        </p:style>
-        <p:txBody>
-          <a:bodyPr rtlCol="0" anchor="ctr"/>
-          <a:lstStyle/>
-          <a:p>
-            <a:pPr algn="ctr"/>
-            <a:endParaRPr kumimoji="1" lang="ja-JP" altLang="en-US">
-              <a:solidFill>
-                <a:schemeClr val="tx1"/>
-              </a:solidFill>
-            </a:endParaRPr>
-          </a:p>
-        </p:txBody>
-      </p:sp>
-      <p:pic>
-        <p:nvPicPr>
-          <p:cNvPr id="68" name="図 67">
-            <a:extLst>
-              <a:ext uri="{FF2B5EF4-FFF2-40B4-BE49-F238E27FC236}">
-                <a16:creationId xmlns:a16="http://schemas.microsoft.com/office/drawing/2014/main" id="{2204BB2A-4478-43D9-1799-5F59C97C1273}"/>
-              </a:ext>
-            </a:extLst>
-          </p:cNvPr>
-          <p:cNvPicPr>
-            <a:picLocks noChangeAspect="1"/>
-          </p:cNvPicPr>
-          <p:nvPr/>
-        </p:nvPicPr>
-        <p:blipFill>
-          <a:blip r:embed="rId5">
-            <a:extLst>
-              <a:ext uri="{28A0092B-C50C-407E-A947-70E740481C1C}">
-                <a14:useLocalDpi xmlns:a14="http://schemas.microsoft.com/office/drawing/2010/main" val="0"/>
-              </a:ext>
-            </a:extLst>
-          </a:blip>
-          <a:stretch>
-            <a:fillRect/>
-          </a:stretch>
-        </p:blipFill>
-        <p:spPr>
-          <a:xfrm>
-            <a:off x="7985049" y="4925886"/>
-            <a:ext cx="1071442" cy="1071442"/>
-          </a:xfrm>
-          <a:prstGeom prst="rect">
-            <a:avLst/>
-          </a:prstGeom>
-        </p:spPr>
-      </p:pic>
-      <p:pic>
-        <p:nvPicPr>
-          <p:cNvPr id="70" name="図 69">
-            <a:extLst>
-              <a:ext uri="{FF2B5EF4-FFF2-40B4-BE49-F238E27FC236}">
-                <a16:creationId xmlns:a16="http://schemas.microsoft.com/office/drawing/2014/main" id="{17334F35-908F-8B4E-A5E5-6518A83C94D9}"/>
-              </a:ext>
-            </a:extLst>
-          </p:cNvPr>
-          <p:cNvPicPr>
-            <a:picLocks noChangeAspect="1"/>
-          </p:cNvPicPr>
-          <p:nvPr/>
-        </p:nvPicPr>
-        <p:blipFill>
-          <a:blip r:embed="rId6">
-            <a:extLst>
-              <a:ext uri="{28A0092B-C50C-407E-A947-70E740481C1C}">
-                <a14:useLocalDpi xmlns:a14="http://schemas.microsoft.com/office/drawing/2010/main" val="0"/>
-              </a:ext>
-            </a:extLst>
-          </a:blip>
-          <a:stretch>
-            <a:fillRect/>
-          </a:stretch>
-        </p:blipFill>
-        <p:spPr>
-          <a:xfrm>
-            <a:off x="10823135" y="4984224"/>
-            <a:ext cx="1013104" cy="1013104"/>
-          </a:xfrm>
-          <a:prstGeom prst="rect">
-            <a:avLst/>
-          </a:prstGeom>
-        </p:spPr>
-      </p:pic>
-      <p:sp>
-        <p:nvSpPr>
-          <p:cNvPr id="71" name="テキスト ボックス 70">
-            <a:extLst>
-              <a:ext uri="{FF2B5EF4-FFF2-40B4-BE49-F238E27FC236}">
-                <a16:creationId xmlns:a16="http://schemas.microsoft.com/office/drawing/2014/main" id="{F91B6838-A396-6E6C-7539-4EC7C6D38791}"/>
-              </a:ext>
-            </a:extLst>
-          </p:cNvPr>
-          <p:cNvSpPr txBox="1"/>
-          <p:nvPr/>
-        </p:nvSpPr>
-        <p:spPr>
-          <a:xfrm>
-            <a:off x="10603250" y="4594614"/>
-            <a:ext cx="1496514" cy="338554"/>
-          </a:xfrm>
-          <a:prstGeom prst="rect">
-            <a:avLst/>
-          </a:prstGeom>
-          <a:noFill/>
-        </p:spPr>
-        <p:txBody>
-          <a:bodyPr wrap="square" rtlCol="0">
-            <a:spAutoFit/>
-          </a:bodyPr>
-          <a:lstStyle/>
-          <a:p>
-            <a:pPr algn="ctr"/>
-            <a:r>
-              <a:rPr kumimoji="1" lang="en-US" altLang="ja-JP" sz="1600" u="sng" dirty="0">
-                <a:latin typeface="マキナス 4 Flat" panose="02000600000000000000" pitchFamily="50" charset="-128"/>
-                <a:ea typeface="マキナス 4 Flat" panose="02000600000000000000" pitchFamily="50" charset="-128"/>
-              </a:rPr>
-              <a:t>Idea.pdf</a:t>
-            </a:r>
-            <a:endParaRPr kumimoji="1" lang="ja-JP" altLang="en-US" sz="1600" u="sng" dirty="0">
-              <a:latin typeface="マキナス 4 Flat" panose="02000600000000000000" pitchFamily="50" charset="-128"/>
-              <a:ea typeface="マキナス 4 Flat" panose="02000600000000000000" pitchFamily="50" charset="-128"/>
-            </a:endParaRPr>
-          </a:p>
-        </p:txBody>
-      </p:sp>
-      <p:sp>
-        <p:nvSpPr>
-          <p:cNvPr id="72" name="テキスト ボックス 71">
-            <a:extLst>
-              <a:ext uri="{FF2B5EF4-FFF2-40B4-BE49-F238E27FC236}">
-                <a16:creationId xmlns:a16="http://schemas.microsoft.com/office/drawing/2014/main" id="{B9068D72-4CEE-FA2D-53E7-AE6F515CAF7F}"/>
-              </a:ext>
-            </a:extLst>
-          </p:cNvPr>
-          <p:cNvSpPr txBox="1"/>
-          <p:nvPr/>
-        </p:nvSpPr>
-        <p:spPr>
-          <a:xfrm>
-            <a:off x="10603250" y="5906385"/>
-            <a:ext cx="1496514" cy="338554"/>
-          </a:xfrm>
-          <a:prstGeom prst="rect">
-            <a:avLst/>
-          </a:prstGeom>
-          <a:noFill/>
-        </p:spPr>
-        <p:txBody>
-          <a:bodyPr wrap="square" rtlCol="0">
-            <a:spAutoFit/>
-          </a:bodyPr>
-          <a:lstStyle/>
-          <a:p>
-            <a:pPr algn="ctr"/>
-            <a:r>
-              <a:rPr lang="en-US" altLang="ja-JP" sz="1600" dirty="0">
-                <a:latin typeface="マキナス 4 Flat" panose="02000600000000000000" pitchFamily="50" charset="-128"/>
-                <a:ea typeface="マキナス 4 Flat" panose="02000600000000000000" pitchFamily="50" charset="-128"/>
-              </a:rPr>
-              <a:t>220519.png</a:t>
-            </a:r>
-            <a:endParaRPr kumimoji="1" lang="ja-JP" altLang="en-US" sz="1600" dirty="0">
-              <a:latin typeface="マキナス 4 Flat" panose="02000600000000000000" pitchFamily="50" charset="-128"/>
-              <a:ea typeface="マキナス 4 Flat" panose="02000600000000000000" pitchFamily="50" charset="-128"/>
-            </a:endParaRPr>
-          </a:p>
-        </p:txBody>
-      </p:sp>
-      <p:pic>
-        <p:nvPicPr>
-          <p:cNvPr id="5" name="グラフィックス 4">
-            <a:extLst>
-              <a:ext uri="{FF2B5EF4-FFF2-40B4-BE49-F238E27FC236}">
-                <a16:creationId xmlns:a16="http://schemas.microsoft.com/office/drawing/2014/main" id="{0DF80BB6-F7B8-1CAC-E4DB-83609E552512}"/>
-              </a:ext>
-            </a:extLst>
-          </p:cNvPr>
-          <p:cNvPicPr>
-            <a:picLocks noChangeAspect="1"/>
-          </p:cNvPicPr>
-          <p:nvPr/>
-        </p:nvPicPr>
-        <p:blipFill>
-          <a:blip r:embed="rId7">
-            <a:extLst>
-              <a:ext uri="{28A0092B-C50C-407E-A947-70E740481C1C}">
-                <a14:useLocalDpi xmlns:a14="http://schemas.microsoft.com/office/drawing/2010/main" val="0"/>
-              </a:ext>
-              <a:ext uri="{96DAC541-7B7A-43D3-8B79-37D633B846F1}">
-                <asvg:svgBlip xmlns:asvg="http://schemas.microsoft.com/office/drawing/2016/SVG/main" r:embed="rId8"/>
-              </a:ext>
-            </a:extLst>
-          </a:blip>
-          <a:stretch>
-            <a:fillRect/>
-          </a:stretch>
-        </p:blipFill>
-        <p:spPr>
-          <a:xfrm>
-            <a:off x="5767812" y="989888"/>
-            <a:ext cx="381000" cy="381000"/>
-          </a:xfrm>
-          <a:prstGeom prst="rect">
-            <a:avLst/>
-          </a:prstGeom>
-        </p:spPr>
-      </p:pic>
-      <p:pic>
-        <p:nvPicPr>
-          <p:cNvPr id="73" name="グラフィックス 72">
-            <a:extLst>
-              <a:ext uri="{FF2B5EF4-FFF2-40B4-BE49-F238E27FC236}">
-                <a16:creationId xmlns:a16="http://schemas.microsoft.com/office/drawing/2014/main" id="{3E425B5C-6BED-BB5B-F79B-31E5B28FBC0F}"/>
-              </a:ext>
-            </a:extLst>
-          </p:cNvPr>
-          <p:cNvPicPr>
-            <a:picLocks noChangeAspect="1"/>
-          </p:cNvPicPr>
-          <p:nvPr/>
-        </p:nvPicPr>
-        <p:blipFill>
-          <a:blip r:embed="rId7">
-            <a:extLst>
-              <a:ext uri="{28A0092B-C50C-407E-A947-70E740481C1C}">
-                <a14:useLocalDpi xmlns:a14="http://schemas.microsoft.com/office/drawing/2010/main" val="0"/>
-              </a:ext>
-              <a:ext uri="{96DAC541-7B7A-43D3-8B79-37D633B846F1}">
-                <asvg:svgBlip xmlns:asvg="http://schemas.microsoft.com/office/drawing/2016/SVG/main" r:embed="rId8"/>
-              </a:ext>
-            </a:extLst>
-          </a:blip>
-          <a:stretch>
-            <a:fillRect/>
-          </a:stretch>
-        </p:blipFill>
-        <p:spPr>
-          <a:xfrm>
-            <a:off x="10458804" y="2581151"/>
-            <a:ext cx="381000" cy="381000"/>
-          </a:xfrm>
-          <a:prstGeom prst="rect">
-            <a:avLst/>
-          </a:prstGeom>
-        </p:spPr>
-      </p:pic>
-      <p:sp>
-        <p:nvSpPr>
-          <p:cNvPr id="74" name="正方形/長方形 73">
-            <a:extLst>
-              <a:ext uri="{FF2B5EF4-FFF2-40B4-BE49-F238E27FC236}">
-                <a16:creationId xmlns:a16="http://schemas.microsoft.com/office/drawing/2014/main" id="{89A5C7BF-3F46-391B-0B87-707E389B6039}"/>
-              </a:ext>
-            </a:extLst>
-          </p:cNvPr>
-          <p:cNvSpPr/>
-          <p:nvPr/>
-        </p:nvSpPr>
-        <p:spPr>
-          <a:xfrm>
-            <a:off x="6292194" y="1514132"/>
-            <a:ext cx="502445" cy="45719"/>
-          </a:xfrm>
-          <a:prstGeom prst="rect">
-            <a:avLst/>
-          </a:prstGeom>
-          <a:solidFill>
-            <a:srgbClr val="03BDBA"/>
-          </a:solidFill>
-          <a:ln>
-            <a:noFill/>
-          </a:ln>
-        </p:spPr>
-        <p:style>
-          <a:lnRef idx="2">
-            <a:schemeClr val="accent1">
-              <a:shade val="50000"/>
-            </a:schemeClr>
-          </a:lnRef>
-          <a:fillRef idx="1">
-            <a:schemeClr val="accent1"/>
-          </a:fillRef>
-          <a:effectRef idx="0">
-            <a:schemeClr val="accent1"/>
-          </a:effectRef>
-          <a:fontRef idx="minor">
-            <a:schemeClr val="lt1"/>
-          </a:fontRef>
-        </p:style>
-        <p:txBody>
-          <a:bodyPr rtlCol="0" anchor="ctr"/>
-          <a:lstStyle/>
-          <a:p>
-            <a:pPr algn="ctr"/>
-            <a:endParaRPr kumimoji="1" lang="ja-JP" altLang="en-US">
-              <a:solidFill>
-                <a:schemeClr val="tx1"/>
-              </a:solidFill>
-            </a:endParaRPr>
-          </a:p>
-        </p:txBody>
-      </p:sp>
-      <p:sp>
-        <p:nvSpPr>
-          <p:cNvPr id="75" name="正方形/長方形 74">
-            <a:extLst>
-              <a:ext uri="{FF2B5EF4-FFF2-40B4-BE49-F238E27FC236}">
-                <a16:creationId xmlns:a16="http://schemas.microsoft.com/office/drawing/2014/main" id="{9FCFDA09-CE8B-99D6-B277-D2A544D5B2F7}"/>
-              </a:ext>
-            </a:extLst>
-          </p:cNvPr>
-          <p:cNvSpPr/>
-          <p:nvPr/>
-        </p:nvSpPr>
-        <p:spPr>
-          <a:xfrm>
-            <a:off x="7616281" y="1512464"/>
-            <a:ext cx="502445" cy="45719"/>
-          </a:xfrm>
-          <a:prstGeom prst="rect">
-            <a:avLst/>
-          </a:prstGeom>
-          <a:solidFill>
-            <a:srgbClr val="03BDBA"/>
-          </a:solidFill>
-          <a:ln>
-            <a:noFill/>
-          </a:ln>
-        </p:spPr>
-        <p:style>
-          <a:lnRef idx="2">
-            <a:schemeClr val="accent1">
-              <a:shade val="50000"/>
-            </a:schemeClr>
-          </a:lnRef>
-          <a:fillRef idx="1">
-            <a:schemeClr val="accent1"/>
-          </a:fillRef>
-          <a:effectRef idx="0">
-            <a:schemeClr val="accent1"/>
-          </a:effectRef>
-          <a:fontRef idx="minor">
-            <a:schemeClr val="lt1"/>
-          </a:fontRef>
-        </p:style>
-        <p:txBody>
-          <a:bodyPr rtlCol="0" anchor="ctr"/>
-          <a:lstStyle/>
-          <a:p>
-            <a:pPr algn="ctr"/>
-            <a:endParaRPr kumimoji="1" lang="ja-JP" altLang="en-US" dirty="0">
-              <a:solidFill>
-                <a:schemeClr val="tx1"/>
-              </a:solidFill>
-            </a:endParaRPr>
-          </a:p>
-        </p:txBody>
-      </p:sp>
-      <p:sp>
-        <p:nvSpPr>
-          <p:cNvPr id="76" name="正方形/長方形 75">
-            <a:extLst>
-              <a:ext uri="{FF2B5EF4-FFF2-40B4-BE49-F238E27FC236}">
-                <a16:creationId xmlns:a16="http://schemas.microsoft.com/office/drawing/2014/main" id="{E0B7BC6E-CF0D-B78D-A634-FC74156E1DE6}"/>
-              </a:ext>
-            </a:extLst>
-          </p:cNvPr>
-          <p:cNvSpPr/>
-          <p:nvPr/>
-        </p:nvSpPr>
-        <p:spPr>
-          <a:xfrm>
-            <a:off x="8912494" y="1512608"/>
-            <a:ext cx="329222" cy="45719"/>
-          </a:xfrm>
-          <a:prstGeom prst="rect">
-            <a:avLst/>
-          </a:prstGeom>
-          <a:solidFill>
-            <a:srgbClr val="03BDBA"/>
-          </a:solidFill>
-          <a:ln>
-            <a:noFill/>
-          </a:ln>
-        </p:spPr>
-        <p:style>
-          <a:lnRef idx="2">
-            <a:schemeClr val="accent1">
-              <a:shade val="50000"/>
-            </a:schemeClr>
-          </a:lnRef>
-          <a:fillRef idx="1">
-            <a:schemeClr val="accent1"/>
-          </a:fillRef>
-          <a:effectRef idx="0">
-            <a:schemeClr val="accent1"/>
-          </a:effectRef>
-          <a:fontRef idx="minor">
-            <a:schemeClr val="lt1"/>
-          </a:fontRef>
-        </p:style>
-        <p:txBody>
-          <a:bodyPr rtlCol="0" anchor="ctr"/>
-          <a:lstStyle/>
-          <a:p>
-            <a:pPr algn="ctr"/>
-            <a:endParaRPr kumimoji="1" lang="ja-JP" altLang="en-US">
-              <a:solidFill>
-                <a:schemeClr val="tx1"/>
-              </a:solidFill>
-            </a:endParaRPr>
-          </a:p>
-        </p:txBody>
-      </p:sp>
-      <p:sp>
-        <p:nvSpPr>
-          <p:cNvPr id="77" name="正方形/長方形 76">
-            <a:extLst>
-              <a:ext uri="{FF2B5EF4-FFF2-40B4-BE49-F238E27FC236}">
-                <a16:creationId xmlns:a16="http://schemas.microsoft.com/office/drawing/2014/main" id="{DE5423ED-C495-866A-B47D-BC6EEA64A3A7}"/>
-              </a:ext>
-            </a:extLst>
-          </p:cNvPr>
-          <p:cNvSpPr/>
-          <p:nvPr/>
-        </p:nvSpPr>
-        <p:spPr>
-          <a:xfrm rot="16200000">
-            <a:off x="7906672" y="2801753"/>
-            <a:ext cx="2624364" cy="45721"/>
-          </a:xfrm>
-          <a:prstGeom prst="rect">
-            <a:avLst/>
-          </a:prstGeom>
-          <a:solidFill>
-            <a:srgbClr val="03BDBA"/>
-          </a:solidFill>
-          <a:ln>
-            <a:noFill/>
-          </a:ln>
-        </p:spPr>
-        <p:style>
-          <a:lnRef idx="2">
-            <a:schemeClr val="accent1">
-              <a:shade val="50000"/>
-            </a:schemeClr>
-          </a:lnRef>
-          <a:fillRef idx="1">
-            <a:schemeClr val="accent1"/>
-          </a:fillRef>
-          <a:effectRef idx="0">
-            <a:schemeClr val="accent1"/>
-          </a:effectRef>
-          <a:fontRef idx="minor">
-            <a:schemeClr val="lt1"/>
-          </a:fontRef>
-        </p:style>
-        <p:txBody>
-          <a:bodyPr rtlCol="0" anchor="ctr"/>
-          <a:lstStyle/>
-          <a:p>
-            <a:pPr algn="ctr"/>
-            <a:endParaRPr kumimoji="1" lang="ja-JP" altLang="en-US">
-              <a:solidFill>
-                <a:schemeClr val="tx1"/>
-              </a:solidFill>
-            </a:endParaRPr>
-          </a:p>
-        </p:txBody>
-      </p:sp>
-      <p:sp>
-        <p:nvSpPr>
-          <p:cNvPr id="78" name="正方形/長方形 77">
-            <a:extLst>
-              <a:ext uri="{FF2B5EF4-FFF2-40B4-BE49-F238E27FC236}">
-                <a16:creationId xmlns:a16="http://schemas.microsoft.com/office/drawing/2014/main" id="{9729FBB8-7C9E-445C-52BB-D7B3CF1462D9}"/>
-              </a:ext>
-            </a:extLst>
-          </p:cNvPr>
-          <p:cNvSpPr/>
-          <p:nvPr/>
-        </p:nvSpPr>
-        <p:spPr>
-          <a:xfrm>
-            <a:off x="9195064" y="4094153"/>
-            <a:ext cx="526227" cy="45719"/>
-          </a:xfrm>
-          <a:prstGeom prst="rect">
-            <a:avLst/>
-          </a:prstGeom>
-          <a:solidFill>
-            <a:srgbClr val="03BDBA"/>
-          </a:solidFill>
-          <a:ln>
-            <a:noFill/>
-          </a:ln>
-        </p:spPr>
-        <p:style>
-          <a:lnRef idx="2">
-            <a:schemeClr val="accent1">
-              <a:shade val="50000"/>
-            </a:schemeClr>
-          </a:lnRef>
-          <a:fillRef idx="1">
-            <a:schemeClr val="accent1"/>
-          </a:fillRef>
-          <a:effectRef idx="0">
-            <a:schemeClr val="accent1"/>
-          </a:effectRef>
-          <a:fontRef idx="minor">
-            <a:schemeClr val="lt1"/>
-          </a:fontRef>
-        </p:style>
-        <p:txBody>
-          <a:bodyPr rtlCol="0" anchor="ctr"/>
-          <a:lstStyle/>
-          <a:p>
-            <a:pPr algn="ctr"/>
-            <a:endParaRPr kumimoji="1" lang="ja-JP" altLang="en-US">
-              <a:solidFill>
-                <a:schemeClr val="tx1"/>
-              </a:solidFill>
-            </a:endParaRPr>
-          </a:p>
-        </p:txBody>
-      </p:sp>
-      <p:pic>
-        <p:nvPicPr>
-          <p:cNvPr id="35" name="図 34">
-            <a:extLst>
-              <a:ext uri="{FF2B5EF4-FFF2-40B4-BE49-F238E27FC236}">
-                <a16:creationId xmlns:a16="http://schemas.microsoft.com/office/drawing/2014/main" id="{F660B6C1-FD43-A7ED-6103-0A27AC7EC2E5}"/>
-              </a:ext>
-            </a:extLst>
-          </p:cNvPr>
-          <p:cNvPicPr>
-            <a:picLocks noChangeAspect="1"/>
-          </p:cNvPicPr>
-          <p:nvPr/>
-        </p:nvPicPr>
-        <p:blipFill>
-          <a:blip r:embed="rId5">
-            <a:extLst>
-              <a:ext uri="{28A0092B-C50C-407E-A947-70E740481C1C}">
-                <a14:useLocalDpi xmlns:a14="http://schemas.microsoft.com/office/drawing/2010/main" val="0"/>
-              </a:ext>
-            </a:extLst>
-          </a:blip>
-          <a:stretch>
-            <a:fillRect/>
-          </a:stretch>
-        </p:blipFill>
-        <p:spPr>
-          <a:xfrm>
-            <a:off x="6674094" y="967279"/>
-            <a:ext cx="1071442" cy="1071442"/>
-          </a:xfrm>
-          <a:prstGeom prst="rect">
-            <a:avLst/>
-          </a:prstGeom>
-        </p:spPr>
-      </p:pic>
-      <p:pic>
-        <p:nvPicPr>
-          <p:cNvPr id="45" name="図 44">
-            <a:extLst>
-              <a:ext uri="{FF2B5EF4-FFF2-40B4-BE49-F238E27FC236}">
-                <a16:creationId xmlns:a16="http://schemas.microsoft.com/office/drawing/2014/main" id="{2A13778D-6487-EF42-22C6-CC610F6B87BE}"/>
-              </a:ext>
-            </a:extLst>
-          </p:cNvPr>
-          <p:cNvPicPr>
-            <a:picLocks noChangeAspect="1"/>
-          </p:cNvPicPr>
-          <p:nvPr/>
-        </p:nvPicPr>
-        <p:blipFill>
-          <a:blip r:embed="rId5">
-            <a:extLst>
-              <a:ext uri="{28A0092B-C50C-407E-A947-70E740481C1C}">
-                <a14:useLocalDpi xmlns:a14="http://schemas.microsoft.com/office/drawing/2010/main" val="0"/>
-              </a:ext>
-            </a:extLst>
-          </a:blip>
-          <a:stretch>
-            <a:fillRect/>
-          </a:stretch>
-        </p:blipFill>
-        <p:spPr>
-          <a:xfrm>
-            <a:off x="7965684" y="967279"/>
-            <a:ext cx="1071442" cy="1071442"/>
-          </a:xfrm>
-          <a:prstGeom prst="rect">
-            <a:avLst/>
-          </a:prstGeom>
-        </p:spPr>
-      </p:pic>
-      <p:pic>
-        <p:nvPicPr>
-          <p:cNvPr id="62" name="図 61">
-            <a:extLst>
-              <a:ext uri="{FF2B5EF4-FFF2-40B4-BE49-F238E27FC236}">
-                <a16:creationId xmlns:a16="http://schemas.microsoft.com/office/drawing/2014/main" id="{C0189185-0E6C-2391-D424-0C13EE4852E9}"/>
-              </a:ext>
-            </a:extLst>
-          </p:cNvPr>
-          <p:cNvPicPr>
-            <a:picLocks noChangeAspect="1"/>
-          </p:cNvPicPr>
-          <p:nvPr/>
-        </p:nvPicPr>
-        <p:blipFill>
-          <a:blip r:embed="rId5">
-            <a:extLst>
-              <a:ext uri="{28A0092B-C50C-407E-A947-70E740481C1C}">
-                <a14:useLocalDpi xmlns:a14="http://schemas.microsoft.com/office/drawing/2010/main" val="0"/>
-              </a:ext>
-            </a:extLst>
-          </a:blip>
-          <a:stretch>
-            <a:fillRect/>
-          </a:stretch>
-        </p:blipFill>
-        <p:spPr>
-          <a:xfrm>
-            <a:off x="9400584" y="967279"/>
-            <a:ext cx="1071442" cy="1071442"/>
-          </a:xfrm>
-          <a:prstGeom prst="rect">
-            <a:avLst/>
-          </a:prstGeom>
-        </p:spPr>
-      </p:pic>
-      <p:sp>
-        <p:nvSpPr>
-          <p:cNvPr id="79" name="正方形/長方形 78">
-            <a:extLst>
-              <a:ext uri="{FF2B5EF4-FFF2-40B4-BE49-F238E27FC236}">
-                <a16:creationId xmlns:a16="http://schemas.microsoft.com/office/drawing/2014/main" id="{5A3D3044-160B-199E-B59A-BD87C27196E3}"/>
-              </a:ext>
-            </a:extLst>
-          </p:cNvPr>
-          <p:cNvSpPr/>
-          <p:nvPr/>
-        </p:nvSpPr>
-        <p:spPr>
-          <a:xfrm>
-            <a:off x="9207105" y="2725931"/>
-            <a:ext cx="502445" cy="45719"/>
-          </a:xfrm>
-          <a:prstGeom prst="rect">
-            <a:avLst/>
-          </a:prstGeom>
-          <a:solidFill>
-            <a:srgbClr val="03BDBA"/>
-          </a:solidFill>
-          <a:ln>
-            <a:noFill/>
-          </a:ln>
-        </p:spPr>
-        <p:style>
-          <a:lnRef idx="2">
-            <a:schemeClr val="accent1">
-              <a:shade val="50000"/>
-            </a:schemeClr>
-          </a:lnRef>
-          <a:fillRef idx="1">
-            <a:schemeClr val="accent1"/>
-          </a:fillRef>
-          <a:effectRef idx="0">
-            <a:schemeClr val="accent1"/>
-          </a:effectRef>
-          <a:fontRef idx="minor">
-            <a:schemeClr val="lt1"/>
-          </a:fontRef>
-        </p:style>
-        <p:txBody>
-          <a:bodyPr rtlCol="0" anchor="ctr"/>
-          <a:lstStyle/>
-          <a:p>
-            <a:pPr algn="ctr"/>
-            <a:endParaRPr kumimoji="1" lang="ja-JP" altLang="en-US">
-              <a:solidFill>
-                <a:schemeClr val="tx1"/>
-              </a:solidFill>
-            </a:endParaRPr>
-          </a:p>
-        </p:txBody>
-      </p:sp>
-      <p:pic>
-        <p:nvPicPr>
-          <p:cNvPr id="63" name="図 62">
-            <a:extLst>
-              <a:ext uri="{FF2B5EF4-FFF2-40B4-BE49-F238E27FC236}">
-                <a16:creationId xmlns:a16="http://schemas.microsoft.com/office/drawing/2014/main" id="{AA04CE9F-9FA7-584E-6CAE-E2D8681882B6}"/>
-              </a:ext>
-            </a:extLst>
-          </p:cNvPr>
-          <p:cNvPicPr>
-            <a:picLocks noChangeAspect="1"/>
-          </p:cNvPicPr>
-          <p:nvPr/>
-        </p:nvPicPr>
-        <p:blipFill>
-          <a:blip r:embed="rId5">
-            <a:extLst>
-              <a:ext uri="{28A0092B-C50C-407E-A947-70E740481C1C}">
-                <a14:useLocalDpi xmlns:a14="http://schemas.microsoft.com/office/drawing/2010/main" val="0"/>
-              </a:ext>
-            </a:extLst>
-          </a:blip>
-          <a:stretch>
-            <a:fillRect/>
-          </a:stretch>
-        </p:blipFill>
-        <p:spPr>
-          <a:xfrm>
-            <a:off x="9400584" y="2205336"/>
-            <a:ext cx="1071442" cy="1071442"/>
-          </a:xfrm>
-          <a:prstGeom prst="rect">
-            <a:avLst/>
-          </a:prstGeom>
-        </p:spPr>
-      </p:pic>
-      <p:sp>
-        <p:nvSpPr>
-          <p:cNvPr id="80" name="正方形/長方形 79">
-            <a:extLst>
-              <a:ext uri="{FF2B5EF4-FFF2-40B4-BE49-F238E27FC236}">
-                <a16:creationId xmlns:a16="http://schemas.microsoft.com/office/drawing/2014/main" id="{B8DD10CB-DB50-0530-33A2-C651394837A3}"/>
-              </a:ext>
-            </a:extLst>
-          </p:cNvPr>
-          <p:cNvSpPr/>
-          <p:nvPr/>
-        </p:nvSpPr>
-        <p:spPr>
-          <a:xfrm flipH="1">
-            <a:off x="9195058" y="2725931"/>
-            <a:ext cx="46683" cy="1410866"/>
-          </a:xfrm>
-          <a:prstGeom prst="rect">
-            <a:avLst/>
-          </a:prstGeom>
-          <a:solidFill>
-            <a:srgbClr val="03BDBA"/>
-          </a:solidFill>
-          <a:ln>
-            <a:noFill/>
-          </a:ln>
-        </p:spPr>
-        <p:style>
-          <a:lnRef idx="2">
-            <a:schemeClr val="accent1">
-              <a:shade val="50000"/>
-            </a:schemeClr>
-          </a:lnRef>
-          <a:fillRef idx="1">
-            <a:schemeClr val="accent1"/>
-          </a:fillRef>
-          <a:effectRef idx="0">
-            <a:schemeClr val="accent1"/>
-          </a:effectRef>
-          <a:fontRef idx="minor">
-            <a:schemeClr val="lt1"/>
-          </a:fontRef>
-        </p:style>
-        <p:txBody>
-          <a:bodyPr rtlCol="0" anchor="ctr"/>
-          <a:lstStyle/>
-          <a:p>
-            <a:pPr algn="ctr"/>
-            <a:endParaRPr kumimoji="1" lang="ja-JP" altLang="en-US">
-              <a:solidFill>
-                <a:schemeClr val="tx1"/>
-              </a:solidFill>
-            </a:endParaRPr>
-          </a:p>
-        </p:txBody>
-      </p:sp>
-      <p:sp>
-        <p:nvSpPr>
-          <p:cNvPr id="82" name="正方形/長方形 81">
-            <a:extLst>
-              <a:ext uri="{FF2B5EF4-FFF2-40B4-BE49-F238E27FC236}">
-                <a16:creationId xmlns:a16="http://schemas.microsoft.com/office/drawing/2014/main" id="{A0F53DE8-2C0F-01D7-5D4B-B5FABF7C7E48}"/>
-              </a:ext>
-            </a:extLst>
-          </p:cNvPr>
-          <p:cNvSpPr/>
-          <p:nvPr/>
-        </p:nvSpPr>
-        <p:spPr>
-          <a:xfrm>
-            <a:off x="10370776" y="4127887"/>
-            <a:ext cx="654402" cy="45719"/>
-          </a:xfrm>
-          <a:prstGeom prst="rect">
-            <a:avLst/>
-          </a:prstGeom>
-          <a:solidFill>
-            <a:srgbClr val="03BDBA"/>
-          </a:solidFill>
-          <a:ln>
-            <a:noFill/>
-          </a:ln>
-        </p:spPr>
-        <p:style>
-          <a:lnRef idx="2">
-            <a:schemeClr val="accent1">
-              <a:shade val="50000"/>
-            </a:schemeClr>
-          </a:lnRef>
-          <a:fillRef idx="1">
-            <a:schemeClr val="accent1"/>
-          </a:fillRef>
-          <a:effectRef idx="0">
-            <a:schemeClr val="accent1"/>
-          </a:effectRef>
-          <a:fontRef idx="minor">
-            <a:schemeClr val="lt1"/>
-          </a:fontRef>
-        </p:style>
-        <p:txBody>
-          <a:bodyPr rtlCol="0" anchor="ctr"/>
-          <a:lstStyle/>
-          <a:p>
-            <a:pPr algn="ctr"/>
-            <a:endParaRPr kumimoji="1" lang="ja-JP" altLang="en-US" dirty="0">
-              <a:solidFill>
-                <a:schemeClr val="tx1"/>
-              </a:solidFill>
-            </a:endParaRPr>
-          </a:p>
-        </p:txBody>
-      </p:sp>
-      <p:sp>
-        <p:nvSpPr>
-          <p:cNvPr id="81" name="正方形/長方形 80">
-            <a:extLst>
-              <a:ext uri="{FF2B5EF4-FFF2-40B4-BE49-F238E27FC236}">
-                <a16:creationId xmlns:a16="http://schemas.microsoft.com/office/drawing/2014/main" id="{26965CE6-4634-8725-66AB-3BCA2862D14B}"/>
-              </a:ext>
-            </a:extLst>
-          </p:cNvPr>
-          <p:cNvSpPr/>
-          <p:nvPr/>
-        </p:nvSpPr>
-        <p:spPr>
-          <a:xfrm>
-            <a:off x="9218851" y="4092735"/>
-            <a:ext cx="490699" cy="45719"/>
-          </a:xfrm>
-          <a:prstGeom prst="rect">
-            <a:avLst/>
-          </a:prstGeom>
-          <a:solidFill>
-            <a:srgbClr val="03BDBA"/>
-          </a:solidFill>
-          <a:ln>
-            <a:noFill/>
-          </a:ln>
-        </p:spPr>
-        <p:style>
-          <a:lnRef idx="2">
-            <a:schemeClr val="accent1">
-              <a:shade val="50000"/>
-            </a:schemeClr>
-          </a:lnRef>
-          <a:fillRef idx="1">
-            <a:schemeClr val="accent1"/>
-          </a:fillRef>
-          <a:effectRef idx="0">
-            <a:schemeClr val="accent1"/>
-          </a:effectRef>
-          <a:fontRef idx="minor">
-            <a:schemeClr val="lt1"/>
-          </a:fontRef>
-        </p:style>
-        <p:txBody>
-          <a:bodyPr rtlCol="0" anchor="ctr"/>
-          <a:lstStyle/>
-          <a:p>
-            <a:pPr algn="ctr"/>
-            <a:endParaRPr kumimoji="1" lang="ja-JP" altLang="en-US">
-              <a:solidFill>
-                <a:schemeClr val="tx1"/>
-              </a:solidFill>
-            </a:endParaRPr>
-          </a:p>
-        </p:txBody>
-      </p:sp>
-      <p:sp>
-        <p:nvSpPr>
-          <p:cNvPr id="84" name="正方形/長方形 83">
-            <a:extLst>
-              <a:ext uri="{FF2B5EF4-FFF2-40B4-BE49-F238E27FC236}">
-                <a16:creationId xmlns:a16="http://schemas.microsoft.com/office/drawing/2014/main" id="{8487B6D9-ED56-A6FB-7979-7DC4433CC3F3}"/>
-              </a:ext>
-            </a:extLst>
-          </p:cNvPr>
-          <p:cNvSpPr/>
-          <p:nvPr/>
-        </p:nvSpPr>
-        <p:spPr>
-          <a:xfrm>
-            <a:off x="9212885" y="4091077"/>
-            <a:ext cx="502445" cy="45719"/>
-          </a:xfrm>
-          <a:prstGeom prst="rect">
-            <a:avLst/>
-          </a:prstGeom>
-          <a:solidFill>
-            <a:srgbClr val="03BDBA"/>
-          </a:solidFill>
-          <a:ln>
-            <a:noFill/>
-          </a:ln>
-        </p:spPr>
-        <p:style>
-          <a:lnRef idx="2">
-            <a:schemeClr val="accent1">
-              <a:shade val="50000"/>
-            </a:schemeClr>
-          </a:lnRef>
-          <a:fillRef idx="1">
-            <a:schemeClr val="accent1"/>
-          </a:fillRef>
-          <a:effectRef idx="0">
-            <a:schemeClr val="accent1"/>
-          </a:effectRef>
-          <a:fontRef idx="minor">
-            <a:schemeClr val="lt1"/>
-          </a:fontRef>
-        </p:style>
-        <p:txBody>
-          <a:bodyPr rtlCol="0" anchor="ctr"/>
-          <a:lstStyle/>
-          <a:p>
-            <a:pPr algn="ctr"/>
-            <a:endParaRPr kumimoji="1" lang="ja-JP" altLang="en-US">
-              <a:solidFill>
-                <a:schemeClr val="tx1"/>
-              </a:solidFill>
-            </a:endParaRPr>
-          </a:p>
-        </p:txBody>
-      </p:sp>
-      <p:sp>
-        <p:nvSpPr>
-          <p:cNvPr id="85" name="正方形/長方形 84">
-            <a:extLst>
-              <a:ext uri="{FF2B5EF4-FFF2-40B4-BE49-F238E27FC236}">
-                <a16:creationId xmlns:a16="http://schemas.microsoft.com/office/drawing/2014/main" id="{11F019E5-3EAE-5DCE-3950-DA97D8199BC1}"/>
-              </a:ext>
-            </a:extLst>
-          </p:cNvPr>
-          <p:cNvSpPr/>
-          <p:nvPr/>
-        </p:nvSpPr>
-        <p:spPr>
-          <a:xfrm>
-            <a:off x="10417840" y="4127887"/>
-            <a:ext cx="650890" cy="45719"/>
-          </a:xfrm>
-          <a:prstGeom prst="rect">
-            <a:avLst/>
-          </a:prstGeom>
-          <a:solidFill>
-            <a:srgbClr val="03BDBA"/>
-          </a:solidFill>
-          <a:ln>
-            <a:noFill/>
-          </a:ln>
-        </p:spPr>
-        <p:style>
-          <a:lnRef idx="2">
-            <a:schemeClr val="accent1">
-              <a:shade val="50000"/>
-            </a:schemeClr>
-          </a:lnRef>
-          <a:fillRef idx="1">
-            <a:schemeClr val="accent1"/>
-          </a:fillRef>
-          <a:effectRef idx="0">
-            <a:schemeClr val="accent1"/>
-          </a:effectRef>
-          <a:fontRef idx="minor">
-            <a:schemeClr val="lt1"/>
-          </a:fontRef>
-        </p:style>
-        <p:txBody>
-          <a:bodyPr rtlCol="0" anchor="ctr"/>
-          <a:lstStyle/>
-          <a:p>
-            <a:pPr algn="ctr"/>
-            <a:endParaRPr kumimoji="1" lang="ja-JP" altLang="en-US">
-              <a:solidFill>
-                <a:schemeClr val="tx1"/>
-              </a:solidFill>
-            </a:endParaRPr>
-          </a:p>
-        </p:txBody>
-      </p:sp>
-      <p:pic>
-        <p:nvPicPr>
-          <p:cNvPr id="67" name="図 66">
-            <a:extLst>
-              <a:ext uri="{FF2B5EF4-FFF2-40B4-BE49-F238E27FC236}">
-                <a16:creationId xmlns:a16="http://schemas.microsoft.com/office/drawing/2014/main" id="{C0F435AD-C3AB-B8BC-C1F8-7BCBAC688005}"/>
-              </a:ext>
-            </a:extLst>
-          </p:cNvPr>
-          <p:cNvPicPr>
-            <a:picLocks noChangeAspect="1"/>
-          </p:cNvPicPr>
-          <p:nvPr/>
-        </p:nvPicPr>
-        <p:blipFill>
-          <a:blip r:embed="rId5">
-            <a:extLst>
-              <a:ext uri="{28A0092B-C50C-407E-A947-70E740481C1C}">
-                <a14:useLocalDpi xmlns:a14="http://schemas.microsoft.com/office/drawing/2010/main" val="0"/>
-              </a:ext>
-            </a:extLst>
-          </a:blip>
-          <a:stretch>
-            <a:fillRect/>
-          </a:stretch>
-        </p:blipFill>
-        <p:spPr>
-          <a:xfrm>
-            <a:off x="9400584" y="3580582"/>
-            <a:ext cx="1071442" cy="1071442"/>
-          </a:xfrm>
-          <a:prstGeom prst="rect">
-            <a:avLst/>
-          </a:prstGeom>
-        </p:spPr>
-      </p:pic>
-      <p:pic>
-        <p:nvPicPr>
-          <p:cNvPr id="69" name="図 68">
-            <a:extLst>
-              <a:ext uri="{FF2B5EF4-FFF2-40B4-BE49-F238E27FC236}">
-                <a16:creationId xmlns:a16="http://schemas.microsoft.com/office/drawing/2014/main" id="{754D51D7-6F3A-4CC6-8FA1-FF8902ADE6F3}"/>
-              </a:ext>
-            </a:extLst>
-          </p:cNvPr>
-          <p:cNvPicPr>
-            <a:picLocks noChangeAspect="1"/>
-          </p:cNvPicPr>
-          <p:nvPr/>
-        </p:nvPicPr>
-        <p:blipFill>
-          <a:blip r:embed="rId9">
-            <a:extLst>
-              <a:ext uri="{28A0092B-C50C-407E-A947-70E740481C1C}">
-                <a14:useLocalDpi xmlns:a14="http://schemas.microsoft.com/office/drawing/2010/main" val="0"/>
-              </a:ext>
-            </a:extLst>
-          </a:blip>
-          <a:stretch>
-            <a:fillRect/>
-          </a:stretch>
-        </p:blipFill>
-        <p:spPr>
-          <a:xfrm>
-            <a:off x="10823135" y="3664721"/>
-            <a:ext cx="1017774" cy="1017774"/>
-          </a:xfrm>
-          <a:prstGeom prst="rect">
-            <a:avLst/>
-          </a:prstGeom>
-        </p:spPr>
-      </p:pic>
-    </p:spTree>
-    <p:extLst>
-      <p:ext uri="{BB962C8B-B14F-4D97-AF65-F5344CB8AC3E}">
-        <p14:creationId xmlns:p14="http://schemas.microsoft.com/office/powerpoint/2010/main" val="2768147002"/>
-      </p:ext>
-    </p:extLst>
-  </p:cSld>
-  <p:clrMapOvr>
-    <a:masterClrMapping/>
-  </p:clrMapOvr>
-  <p:timing>
-    <p:tnLst>
-      <p:par>
-        <p:cTn id="1" dur="indefinite" restart="never" nodeType="tmRoot">
-          <p:childTnLst>
-            <p:seq concurrent="1" nextAc="seek">
-              <p:cTn id="2" dur="indefinite" nodeType="mainSeq">
-                <p:childTnLst>
-                  <p:par>
-                    <p:cTn id="3" fill="hold">
-                      <p:stCondLst>
-                        <p:cond delay="indefinite"/>
-                      </p:stCondLst>
-                      <p:childTnLst>
-                        <p:par>
-                          <p:cTn id="4" fill="hold">
-                            <p:stCondLst>
-                              <p:cond delay="0"/>
-                            </p:stCondLst>
-                            <p:childTnLst>
-                              <p:par>
-                                <p:cTn id="5" presetID="10" presetClass="entr" presetSubtype="0" fill="hold" grpId="0" nodeType="clickEffect">
-                                  <p:stCondLst>
-                                    <p:cond delay="0"/>
-                                  </p:stCondLst>
-                                  <p:childTnLst>
-                                    <p:set>
-                                      <p:cBhvr>
-                                        <p:cTn id="6" dur="1" fill="hold">
-                                          <p:stCondLst>
-                                            <p:cond delay="0"/>
-                                          </p:stCondLst>
-                                        </p:cTn>
-                                        <p:tgtEl>
-                                          <p:spTgt spid="74"/>
-                                        </p:tgtEl>
-                                        <p:attrNameLst>
-                                          <p:attrName>style.visibility</p:attrName>
-                                        </p:attrNameLst>
-                                      </p:cBhvr>
-                                      <p:to>
-                                        <p:strVal val="visible"/>
-                                      </p:to>
-                                    </p:set>
-                                    <p:animEffect transition="in" filter="fade">
-                                      <p:cBhvr>
-                                        <p:cTn id="7" dur="500"/>
-                                        <p:tgtEl>
-                                          <p:spTgt spid="74"/>
-                                        </p:tgtEl>
-                                      </p:cBhvr>
-                                    </p:animEffect>
-                                  </p:childTnLst>
-                                </p:cTn>
-                              </p:par>
-                              <p:par>
-                                <p:cTn id="8" presetID="10" presetClass="entr" presetSubtype="0" fill="hold" grpId="0" nodeType="withEffect">
-                                  <p:stCondLst>
-                                    <p:cond delay="0"/>
-                                  </p:stCondLst>
-                                  <p:childTnLst>
-                                    <p:set>
-                                      <p:cBhvr>
-                                        <p:cTn id="9" dur="1" fill="hold">
-                                          <p:stCondLst>
-                                            <p:cond delay="0"/>
-                                          </p:stCondLst>
-                                        </p:cTn>
-                                        <p:tgtEl>
-                                          <p:spTgt spid="75"/>
-                                        </p:tgtEl>
-                                        <p:attrNameLst>
-                                          <p:attrName>style.visibility</p:attrName>
-                                        </p:attrNameLst>
-                                      </p:cBhvr>
-                                      <p:to>
-                                        <p:strVal val="visible"/>
-                                      </p:to>
-                                    </p:set>
-                                    <p:animEffect transition="in" filter="fade">
-                                      <p:cBhvr>
-                                        <p:cTn id="10" dur="500"/>
-                                        <p:tgtEl>
-                                          <p:spTgt spid="75"/>
-                                        </p:tgtEl>
-                                      </p:cBhvr>
-                                    </p:animEffect>
-                                  </p:childTnLst>
-                                </p:cTn>
-                              </p:par>
-                              <p:par>
-                                <p:cTn id="11" presetID="10" presetClass="entr" presetSubtype="0" fill="hold" grpId="0" nodeType="withEffect">
-                                  <p:stCondLst>
-                                    <p:cond delay="0"/>
-                                  </p:stCondLst>
-                                  <p:childTnLst>
-                                    <p:set>
-                                      <p:cBhvr>
-                                        <p:cTn id="12" dur="1" fill="hold">
-                                          <p:stCondLst>
-                                            <p:cond delay="0"/>
-                                          </p:stCondLst>
-                                        </p:cTn>
-                                        <p:tgtEl>
-                                          <p:spTgt spid="76"/>
-                                        </p:tgtEl>
-                                        <p:attrNameLst>
-                                          <p:attrName>style.visibility</p:attrName>
-                                        </p:attrNameLst>
-                                      </p:cBhvr>
-                                      <p:to>
-                                        <p:strVal val="visible"/>
-                                      </p:to>
-                                    </p:set>
-                                    <p:animEffect transition="in" filter="fade">
-                                      <p:cBhvr>
-                                        <p:cTn id="13" dur="500"/>
-                                        <p:tgtEl>
-                                          <p:spTgt spid="76"/>
-                                        </p:tgtEl>
-                                      </p:cBhvr>
-                                    </p:animEffect>
-                                  </p:childTnLst>
-                                </p:cTn>
-                              </p:par>
-                              <p:par>
-                                <p:cTn id="14" presetID="10" presetClass="entr" presetSubtype="0" fill="hold" grpId="0" nodeType="withEffect">
-                                  <p:stCondLst>
-                                    <p:cond delay="0"/>
-                                  </p:stCondLst>
-                                  <p:childTnLst>
-                                    <p:set>
-                                      <p:cBhvr>
-                                        <p:cTn id="15" dur="1" fill="hold">
-                                          <p:stCondLst>
-                                            <p:cond delay="0"/>
-                                          </p:stCondLst>
-                                        </p:cTn>
-                                        <p:tgtEl>
-                                          <p:spTgt spid="77"/>
-                                        </p:tgtEl>
-                                        <p:attrNameLst>
-                                          <p:attrName>style.visibility</p:attrName>
-                                        </p:attrNameLst>
-                                      </p:cBhvr>
-                                      <p:to>
-                                        <p:strVal val="visible"/>
-                                      </p:to>
-                                    </p:set>
-                                    <p:animEffect transition="in" filter="fade">
-                                      <p:cBhvr>
-                                        <p:cTn id="16" dur="500"/>
-                                        <p:tgtEl>
-                                          <p:spTgt spid="77"/>
-                                        </p:tgtEl>
-                                      </p:cBhvr>
-                                    </p:animEffect>
-                                  </p:childTnLst>
-                                </p:cTn>
-                              </p:par>
-                              <p:par>
-                                <p:cTn id="17" presetID="10" presetClass="entr" presetSubtype="0" fill="hold" grpId="0" nodeType="withEffect">
-                                  <p:stCondLst>
-                                    <p:cond delay="0"/>
-                                  </p:stCondLst>
-                                  <p:childTnLst>
-                                    <p:set>
-                                      <p:cBhvr>
-                                        <p:cTn id="18" dur="1" fill="hold">
-                                          <p:stCondLst>
-                                            <p:cond delay="0"/>
-                                          </p:stCondLst>
-                                        </p:cTn>
-                                        <p:tgtEl>
-                                          <p:spTgt spid="78"/>
-                                        </p:tgtEl>
-                                        <p:attrNameLst>
-                                          <p:attrName>style.visibility</p:attrName>
-                                        </p:attrNameLst>
-                                      </p:cBhvr>
-                                      <p:to>
-                                        <p:strVal val="visible"/>
-                                      </p:to>
-                                    </p:set>
-                                    <p:animEffect transition="in" filter="fade">
-                                      <p:cBhvr>
-                                        <p:cTn id="19" dur="500"/>
-                                        <p:tgtEl>
-                                          <p:spTgt spid="78"/>
-                                        </p:tgtEl>
-                                      </p:cBhvr>
-                                    </p:animEffect>
-                                  </p:childTnLst>
-                                </p:cTn>
-                              </p:par>
-                              <p:par>
-                                <p:cTn id="20" presetID="10" presetClass="entr" presetSubtype="0" fill="hold" nodeType="withEffect">
-                                  <p:stCondLst>
-                                    <p:cond delay="0"/>
-                                  </p:stCondLst>
-                                  <p:childTnLst>
-                                    <p:set>
-                                      <p:cBhvr>
-                                        <p:cTn id="21" dur="1" fill="hold">
-                                          <p:stCondLst>
-                                            <p:cond delay="0"/>
-                                          </p:stCondLst>
-                                        </p:cTn>
-                                        <p:tgtEl>
-                                          <p:spTgt spid="5"/>
-                                        </p:tgtEl>
-                                        <p:attrNameLst>
-                                          <p:attrName>style.visibility</p:attrName>
-                                        </p:attrNameLst>
-                                      </p:cBhvr>
-                                      <p:to>
-                                        <p:strVal val="visible"/>
-                                      </p:to>
-                                    </p:set>
-                                    <p:animEffect transition="in" filter="fade">
-                                      <p:cBhvr>
-                                        <p:cTn id="22" dur="500"/>
-                                        <p:tgtEl>
-                                          <p:spTgt spid="5"/>
-                                        </p:tgtEl>
-                                      </p:cBhvr>
-                                    </p:animEffect>
-                                  </p:childTnLst>
-                                </p:cTn>
-                              </p:par>
-                              <p:par>
-                                <p:cTn id="23" presetID="10" presetClass="entr" presetSubtype="0" fill="hold" grpId="0" nodeType="withEffect">
-                                  <p:stCondLst>
-                                    <p:cond delay="0"/>
-                                  </p:stCondLst>
-                                  <p:childTnLst>
-                                    <p:set>
-                                      <p:cBhvr>
-                                        <p:cTn id="24" dur="1" fill="hold">
-                                          <p:stCondLst>
-                                            <p:cond delay="0"/>
-                                          </p:stCondLst>
-                                        </p:cTn>
-                                        <p:tgtEl>
-                                          <p:spTgt spid="84"/>
-                                        </p:tgtEl>
-                                        <p:attrNameLst>
-                                          <p:attrName>style.visibility</p:attrName>
-                                        </p:attrNameLst>
-                                      </p:cBhvr>
-                                      <p:to>
-                                        <p:strVal val="visible"/>
-                                      </p:to>
-                                    </p:set>
-                                    <p:animEffect transition="in" filter="fade">
-                                      <p:cBhvr>
-                                        <p:cTn id="25" dur="500"/>
-                                        <p:tgtEl>
-                                          <p:spTgt spid="84"/>
-                                        </p:tgtEl>
-                                      </p:cBhvr>
-                                    </p:animEffect>
-                                  </p:childTnLst>
-                                </p:cTn>
-                              </p:par>
-                              <p:par>
-                                <p:cTn id="26" presetID="10" presetClass="entr" presetSubtype="0" fill="hold" grpId="0" nodeType="withEffect">
-                                  <p:stCondLst>
-                                    <p:cond delay="0"/>
-                                  </p:stCondLst>
-                                  <p:childTnLst>
-                                    <p:set>
-                                      <p:cBhvr>
-                                        <p:cTn id="27" dur="1" fill="hold">
-                                          <p:stCondLst>
-                                            <p:cond delay="0"/>
-                                          </p:stCondLst>
-                                        </p:cTn>
-                                        <p:tgtEl>
-                                          <p:spTgt spid="85"/>
-                                        </p:tgtEl>
-                                        <p:attrNameLst>
-                                          <p:attrName>style.visibility</p:attrName>
-                                        </p:attrNameLst>
-                                      </p:cBhvr>
-                                      <p:to>
-                                        <p:strVal val="visible"/>
-                                      </p:to>
-                                    </p:set>
-                                    <p:animEffect transition="in" filter="fade">
-                                      <p:cBhvr>
-                                        <p:cTn id="28" dur="500"/>
-                                        <p:tgtEl>
-                                          <p:spTgt spid="85"/>
-                                        </p:tgtEl>
-                                      </p:cBhvr>
-                                    </p:animEffect>
-                                  </p:childTnLst>
-                                </p:cTn>
-                              </p:par>
-                            </p:childTnLst>
-                          </p:cTn>
-                        </p:par>
-                      </p:childTnLst>
-                    </p:cTn>
-                  </p:par>
-                  <p:par>
-                    <p:cTn id="29" fill="hold">
-                      <p:stCondLst>
-                        <p:cond delay="indefinite"/>
-                      </p:stCondLst>
-                      <p:childTnLst>
-                        <p:par>
-                          <p:cTn id="30" fill="hold">
-                            <p:stCondLst>
-                              <p:cond delay="0"/>
-                            </p:stCondLst>
-                            <p:childTnLst>
-                              <p:par>
-                                <p:cTn id="31" presetID="10" presetClass="exit" presetSubtype="0" fill="hold" grpId="1" nodeType="clickEffect">
-                                  <p:stCondLst>
-                                    <p:cond delay="0"/>
-                                  </p:stCondLst>
-                                  <p:childTnLst>
-                                    <p:animEffect transition="out" filter="fade">
-                                      <p:cBhvr>
-                                        <p:cTn id="32" dur="500"/>
-                                        <p:tgtEl>
-                                          <p:spTgt spid="74"/>
-                                        </p:tgtEl>
-                                      </p:cBhvr>
-                                    </p:animEffect>
-                                    <p:set>
-                                      <p:cBhvr>
-                                        <p:cTn id="33" dur="1" fill="hold">
-                                          <p:stCondLst>
-                                            <p:cond delay="499"/>
-                                          </p:stCondLst>
-                                        </p:cTn>
-                                        <p:tgtEl>
-                                          <p:spTgt spid="74"/>
-                                        </p:tgtEl>
-                                        <p:attrNameLst>
-                                          <p:attrName>style.visibility</p:attrName>
-                                        </p:attrNameLst>
-                                      </p:cBhvr>
-                                      <p:to>
-                                        <p:strVal val="hidden"/>
-                                      </p:to>
-                                    </p:set>
-                                  </p:childTnLst>
-                                </p:cTn>
-                              </p:par>
-                              <p:par>
-                                <p:cTn id="34" presetID="10" presetClass="exit" presetSubtype="0" fill="hold" grpId="1" nodeType="withEffect">
-                                  <p:stCondLst>
-                                    <p:cond delay="0"/>
-                                  </p:stCondLst>
-                                  <p:childTnLst>
-                                    <p:animEffect transition="out" filter="fade">
-                                      <p:cBhvr>
-                                        <p:cTn id="35" dur="500"/>
-                                        <p:tgtEl>
-                                          <p:spTgt spid="85"/>
-                                        </p:tgtEl>
-                                      </p:cBhvr>
-                                    </p:animEffect>
-                                    <p:set>
-                                      <p:cBhvr>
-                                        <p:cTn id="36" dur="1" fill="hold">
-                                          <p:stCondLst>
-                                            <p:cond delay="499"/>
-                                          </p:stCondLst>
-                                        </p:cTn>
-                                        <p:tgtEl>
-                                          <p:spTgt spid="85"/>
-                                        </p:tgtEl>
-                                        <p:attrNameLst>
-                                          <p:attrName>style.visibility</p:attrName>
-                                        </p:attrNameLst>
-                                      </p:cBhvr>
-                                      <p:to>
-                                        <p:strVal val="hidden"/>
-                                      </p:to>
-                                    </p:set>
-                                  </p:childTnLst>
-                                </p:cTn>
-                              </p:par>
-                              <p:par>
-                                <p:cTn id="37" presetID="10" presetClass="exit" presetSubtype="0" fill="hold" grpId="1" nodeType="withEffect">
-                                  <p:stCondLst>
-                                    <p:cond delay="0"/>
-                                  </p:stCondLst>
-                                  <p:childTnLst>
-                                    <p:animEffect transition="out" filter="fade">
-                                      <p:cBhvr>
-                                        <p:cTn id="38" dur="500"/>
-                                        <p:tgtEl>
-                                          <p:spTgt spid="84"/>
-                                        </p:tgtEl>
-                                      </p:cBhvr>
-                                    </p:animEffect>
-                                    <p:set>
-                                      <p:cBhvr>
-                                        <p:cTn id="39" dur="1" fill="hold">
-                                          <p:stCondLst>
-                                            <p:cond delay="499"/>
-                                          </p:stCondLst>
-                                        </p:cTn>
-                                        <p:tgtEl>
-                                          <p:spTgt spid="84"/>
-                                        </p:tgtEl>
-                                        <p:attrNameLst>
-                                          <p:attrName>style.visibility</p:attrName>
-                                        </p:attrNameLst>
-                                      </p:cBhvr>
-                                      <p:to>
-                                        <p:strVal val="hidden"/>
-                                      </p:to>
-                                    </p:set>
-                                  </p:childTnLst>
-                                </p:cTn>
-                              </p:par>
-                              <p:par>
-                                <p:cTn id="40" presetID="10" presetClass="exit" presetSubtype="0" fill="hold" grpId="1" nodeType="withEffect">
-                                  <p:stCondLst>
-                                    <p:cond delay="0"/>
-                                  </p:stCondLst>
-                                  <p:childTnLst>
-                                    <p:animEffect transition="out" filter="fade">
-                                      <p:cBhvr>
-                                        <p:cTn id="41" dur="500"/>
-                                        <p:tgtEl>
-                                          <p:spTgt spid="78"/>
-                                        </p:tgtEl>
-                                      </p:cBhvr>
-                                    </p:animEffect>
-                                    <p:set>
-                                      <p:cBhvr>
-                                        <p:cTn id="42" dur="1" fill="hold">
-                                          <p:stCondLst>
-                                            <p:cond delay="499"/>
-                                          </p:stCondLst>
-                                        </p:cTn>
-                                        <p:tgtEl>
-                                          <p:spTgt spid="78"/>
-                                        </p:tgtEl>
-                                        <p:attrNameLst>
-                                          <p:attrName>style.visibility</p:attrName>
-                                        </p:attrNameLst>
-                                      </p:cBhvr>
-                                      <p:to>
-                                        <p:strVal val="hidden"/>
-                                      </p:to>
-                                    </p:set>
-                                  </p:childTnLst>
-                                </p:cTn>
-                              </p:par>
-                              <p:par>
-                                <p:cTn id="43" presetID="10" presetClass="exit" presetSubtype="0" fill="hold" grpId="1" nodeType="withEffect">
-                                  <p:stCondLst>
-                                    <p:cond delay="0"/>
-                                  </p:stCondLst>
-                                  <p:childTnLst>
-                                    <p:animEffect transition="out" filter="fade">
-                                      <p:cBhvr>
-                                        <p:cTn id="44" dur="500"/>
-                                        <p:tgtEl>
-                                          <p:spTgt spid="75"/>
-                                        </p:tgtEl>
-                                      </p:cBhvr>
-                                    </p:animEffect>
-                                    <p:set>
-                                      <p:cBhvr>
-                                        <p:cTn id="45" dur="1" fill="hold">
-                                          <p:stCondLst>
-                                            <p:cond delay="499"/>
-                                          </p:stCondLst>
-                                        </p:cTn>
-                                        <p:tgtEl>
-                                          <p:spTgt spid="75"/>
-                                        </p:tgtEl>
-                                        <p:attrNameLst>
-                                          <p:attrName>style.visibility</p:attrName>
-                                        </p:attrNameLst>
-                                      </p:cBhvr>
-                                      <p:to>
-                                        <p:strVal val="hidden"/>
-                                      </p:to>
-                                    </p:set>
-                                  </p:childTnLst>
-                                </p:cTn>
-                              </p:par>
-                              <p:par>
-                                <p:cTn id="46" presetID="10" presetClass="exit" presetSubtype="0" fill="hold" grpId="1" nodeType="withEffect">
-                                  <p:stCondLst>
-                                    <p:cond delay="0"/>
-                                  </p:stCondLst>
-                                  <p:childTnLst>
-                                    <p:animEffect transition="out" filter="fade">
-                                      <p:cBhvr>
-                                        <p:cTn id="47" dur="500"/>
-                                        <p:tgtEl>
-                                          <p:spTgt spid="76"/>
-                                        </p:tgtEl>
-                                      </p:cBhvr>
-                                    </p:animEffect>
-                                    <p:set>
-                                      <p:cBhvr>
-                                        <p:cTn id="48" dur="1" fill="hold">
-                                          <p:stCondLst>
-                                            <p:cond delay="499"/>
-                                          </p:stCondLst>
-                                        </p:cTn>
-                                        <p:tgtEl>
-                                          <p:spTgt spid="76"/>
-                                        </p:tgtEl>
-                                        <p:attrNameLst>
-                                          <p:attrName>style.visibility</p:attrName>
-                                        </p:attrNameLst>
-                                      </p:cBhvr>
-                                      <p:to>
-                                        <p:strVal val="hidden"/>
-                                      </p:to>
-                                    </p:set>
-                                  </p:childTnLst>
-                                </p:cTn>
-                              </p:par>
-                              <p:par>
-                                <p:cTn id="49" presetID="10" presetClass="exit" presetSubtype="0" fill="hold" grpId="1" nodeType="withEffect">
-                                  <p:stCondLst>
-                                    <p:cond delay="0"/>
-                                  </p:stCondLst>
-                                  <p:childTnLst>
-                                    <p:animEffect transition="out" filter="fade">
-                                      <p:cBhvr>
-                                        <p:cTn id="50" dur="500"/>
-                                        <p:tgtEl>
-                                          <p:spTgt spid="77"/>
-                                        </p:tgtEl>
-                                      </p:cBhvr>
-                                    </p:animEffect>
-                                    <p:set>
-                                      <p:cBhvr>
-                                        <p:cTn id="51" dur="1" fill="hold">
-                                          <p:stCondLst>
-                                            <p:cond delay="499"/>
-                                          </p:stCondLst>
-                                        </p:cTn>
-                                        <p:tgtEl>
-                                          <p:spTgt spid="77"/>
-                                        </p:tgtEl>
-                                        <p:attrNameLst>
-                                          <p:attrName>style.visibility</p:attrName>
-                                        </p:attrNameLst>
-                                      </p:cBhvr>
-                                      <p:to>
-                                        <p:strVal val="hidden"/>
-                                      </p:to>
-                                    </p:set>
-                                  </p:childTnLst>
-                                </p:cTn>
-                              </p:par>
-                              <p:par>
-                                <p:cTn id="52" presetID="10" presetClass="exit" presetSubtype="0" fill="hold" nodeType="withEffect">
-                                  <p:stCondLst>
-                                    <p:cond delay="0"/>
-                                  </p:stCondLst>
-                                  <p:childTnLst>
-                                    <p:animEffect transition="out" filter="fade">
-                                      <p:cBhvr>
-                                        <p:cTn id="53" dur="500"/>
-                                        <p:tgtEl>
-                                          <p:spTgt spid="5"/>
-                                        </p:tgtEl>
-                                      </p:cBhvr>
-                                    </p:animEffect>
-                                    <p:set>
-                                      <p:cBhvr>
-                                        <p:cTn id="54" dur="1" fill="hold">
-                                          <p:stCondLst>
-                                            <p:cond delay="499"/>
-                                          </p:stCondLst>
-                                        </p:cTn>
-                                        <p:tgtEl>
-                                          <p:spTgt spid="5"/>
-                                        </p:tgtEl>
-                                        <p:attrNameLst>
-                                          <p:attrName>style.visibility</p:attrName>
-                                        </p:attrNameLst>
-                                      </p:cBhvr>
-                                      <p:to>
-                                        <p:strVal val="hidden"/>
-                                      </p:to>
-                                    </p:set>
-                                  </p:childTnLst>
-                                </p:cTn>
-                              </p:par>
-                            </p:childTnLst>
-                          </p:cTn>
-                        </p:par>
-                      </p:childTnLst>
-                    </p:cTn>
-                  </p:par>
-                  <p:par>
-                    <p:cTn id="55" fill="hold">
-                      <p:stCondLst>
-                        <p:cond delay="indefinite"/>
-                      </p:stCondLst>
-                      <p:childTnLst>
-                        <p:par>
-                          <p:cTn id="56" fill="hold">
-                            <p:stCondLst>
-                              <p:cond delay="0"/>
-                            </p:stCondLst>
-                            <p:childTnLst>
-                              <p:par>
-                                <p:cTn id="57" presetID="10" presetClass="entr" presetSubtype="0" fill="hold" nodeType="clickEffect">
-                                  <p:stCondLst>
-                                    <p:cond delay="0"/>
-                                  </p:stCondLst>
-                                  <p:childTnLst>
-                                    <p:set>
-                                      <p:cBhvr>
-                                        <p:cTn id="58" dur="1" fill="hold">
-                                          <p:stCondLst>
-                                            <p:cond delay="0"/>
-                                          </p:stCondLst>
-                                        </p:cTn>
-                                        <p:tgtEl>
-                                          <p:spTgt spid="73"/>
-                                        </p:tgtEl>
-                                        <p:attrNameLst>
-                                          <p:attrName>style.visibility</p:attrName>
-                                        </p:attrNameLst>
-                                      </p:cBhvr>
-                                      <p:to>
-                                        <p:strVal val="visible"/>
-                                      </p:to>
-                                    </p:set>
-                                    <p:animEffect transition="in" filter="fade">
-                                      <p:cBhvr>
-                                        <p:cTn id="59" dur="500"/>
-                                        <p:tgtEl>
-                                          <p:spTgt spid="73"/>
-                                        </p:tgtEl>
-                                      </p:cBhvr>
-                                    </p:animEffect>
-                                  </p:childTnLst>
-                                </p:cTn>
-                              </p:par>
-                              <p:par>
-                                <p:cTn id="60" presetID="10" presetClass="entr" presetSubtype="0" fill="hold" grpId="0" nodeType="withEffect">
-                                  <p:stCondLst>
-                                    <p:cond delay="0"/>
-                                  </p:stCondLst>
-                                  <p:childTnLst>
-                                    <p:set>
-                                      <p:cBhvr>
-                                        <p:cTn id="61" dur="1" fill="hold">
-                                          <p:stCondLst>
-                                            <p:cond delay="0"/>
-                                          </p:stCondLst>
-                                        </p:cTn>
-                                        <p:tgtEl>
-                                          <p:spTgt spid="79"/>
-                                        </p:tgtEl>
-                                        <p:attrNameLst>
-                                          <p:attrName>style.visibility</p:attrName>
-                                        </p:attrNameLst>
-                                      </p:cBhvr>
-                                      <p:to>
-                                        <p:strVal val="visible"/>
-                                      </p:to>
-                                    </p:set>
-                                    <p:animEffect transition="in" filter="fade">
-                                      <p:cBhvr>
-                                        <p:cTn id="62" dur="500"/>
-                                        <p:tgtEl>
-                                          <p:spTgt spid="79"/>
-                                        </p:tgtEl>
-                                      </p:cBhvr>
-                                    </p:animEffect>
-                                  </p:childTnLst>
-                                </p:cTn>
-                              </p:par>
-                              <p:par>
-                                <p:cTn id="63" presetID="10" presetClass="entr" presetSubtype="0" fill="hold" grpId="0" nodeType="withEffect">
-                                  <p:stCondLst>
-                                    <p:cond delay="0"/>
-                                  </p:stCondLst>
-                                  <p:childTnLst>
-                                    <p:set>
-                                      <p:cBhvr>
-                                        <p:cTn id="64" dur="1" fill="hold">
-                                          <p:stCondLst>
-                                            <p:cond delay="0"/>
-                                          </p:stCondLst>
-                                        </p:cTn>
-                                        <p:tgtEl>
-                                          <p:spTgt spid="80"/>
-                                        </p:tgtEl>
-                                        <p:attrNameLst>
-                                          <p:attrName>style.visibility</p:attrName>
-                                        </p:attrNameLst>
-                                      </p:cBhvr>
-                                      <p:to>
-                                        <p:strVal val="visible"/>
-                                      </p:to>
-                                    </p:set>
-                                    <p:animEffect transition="in" filter="fade">
-                                      <p:cBhvr>
-                                        <p:cTn id="65" dur="500"/>
-                                        <p:tgtEl>
-                                          <p:spTgt spid="80"/>
-                                        </p:tgtEl>
-                                      </p:cBhvr>
-                                    </p:animEffect>
-                                  </p:childTnLst>
-                                </p:cTn>
-                              </p:par>
-                              <p:par>
-                                <p:cTn id="66" presetID="10" presetClass="entr" presetSubtype="0" fill="hold" grpId="0" nodeType="withEffect">
-                                  <p:stCondLst>
-                                    <p:cond delay="0"/>
-                                  </p:stCondLst>
-                                  <p:childTnLst>
-                                    <p:set>
-                                      <p:cBhvr>
-                                        <p:cTn id="67" dur="1" fill="hold">
-                                          <p:stCondLst>
-                                            <p:cond delay="0"/>
-                                          </p:stCondLst>
-                                        </p:cTn>
-                                        <p:tgtEl>
-                                          <p:spTgt spid="81"/>
-                                        </p:tgtEl>
-                                        <p:attrNameLst>
-                                          <p:attrName>style.visibility</p:attrName>
-                                        </p:attrNameLst>
-                                      </p:cBhvr>
-                                      <p:to>
-                                        <p:strVal val="visible"/>
-                                      </p:to>
-                                    </p:set>
-                                    <p:animEffect transition="in" filter="fade">
-                                      <p:cBhvr>
-                                        <p:cTn id="68" dur="500"/>
-                                        <p:tgtEl>
-                                          <p:spTgt spid="81"/>
-                                        </p:tgtEl>
-                                      </p:cBhvr>
-                                    </p:animEffect>
-                                  </p:childTnLst>
-                                </p:cTn>
-                              </p:par>
-                              <p:par>
-                                <p:cTn id="69" presetID="10" presetClass="entr" presetSubtype="0" fill="hold" grpId="0" nodeType="withEffect">
-                                  <p:stCondLst>
-                                    <p:cond delay="0"/>
-                                  </p:stCondLst>
-                                  <p:childTnLst>
-                                    <p:set>
-                                      <p:cBhvr>
-                                        <p:cTn id="70" dur="1" fill="hold">
-                                          <p:stCondLst>
-                                            <p:cond delay="0"/>
-                                          </p:stCondLst>
-                                        </p:cTn>
-                                        <p:tgtEl>
-                                          <p:spTgt spid="82"/>
-                                        </p:tgtEl>
-                                        <p:attrNameLst>
-                                          <p:attrName>style.visibility</p:attrName>
-                                        </p:attrNameLst>
-                                      </p:cBhvr>
-                                      <p:to>
-                                        <p:strVal val="visible"/>
-                                      </p:to>
-                                    </p:set>
-                                    <p:animEffect transition="in" filter="fade">
-                                      <p:cBhvr>
-                                        <p:cTn id="71" dur="500"/>
-                                        <p:tgtEl>
-                                          <p:spTgt spid="82"/>
-                                        </p:tgtEl>
-                                      </p:cBhvr>
-                                    </p:animEffect>
-                                  </p:childTnLst>
-                                </p:cTn>
-                              </p:par>
-                            </p:childTnLst>
-                          </p:cTn>
-                        </p:par>
-                      </p:childTnLst>
-                    </p:cTn>
-                  </p:par>
-                  <p:par>
-                    <p:cTn id="72" fill="hold">
-                      <p:stCondLst>
-                        <p:cond delay="indefinite"/>
-                      </p:stCondLst>
-                      <p:childTnLst>
-                        <p:par>
-                          <p:cTn id="73" fill="hold">
-                            <p:stCondLst>
-                              <p:cond delay="0"/>
-                            </p:stCondLst>
-                            <p:childTnLst>
-                              <p:par>
-                                <p:cTn id="74" presetID="10" presetClass="exit" presetSubtype="0" fill="hold" nodeType="clickEffect">
-                                  <p:stCondLst>
-                                    <p:cond delay="0"/>
-                                  </p:stCondLst>
-                                  <p:childTnLst>
-                                    <p:animEffect transition="out" filter="fade">
-                                      <p:cBhvr>
-                                        <p:cTn id="75" dur="500"/>
-                                        <p:tgtEl>
-                                          <p:spTgt spid="73"/>
-                                        </p:tgtEl>
-                                      </p:cBhvr>
-                                    </p:animEffect>
-                                    <p:set>
-                                      <p:cBhvr>
-                                        <p:cTn id="76" dur="1" fill="hold">
-                                          <p:stCondLst>
-                                            <p:cond delay="499"/>
-                                          </p:stCondLst>
-                                        </p:cTn>
-                                        <p:tgtEl>
-                                          <p:spTgt spid="73"/>
-                                        </p:tgtEl>
-                                        <p:attrNameLst>
-                                          <p:attrName>style.visibility</p:attrName>
-                                        </p:attrNameLst>
-                                      </p:cBhvr>
-                                      <p:to>
-                                        <p:strVal val="hidden"/>
-                                      </p:to>
-                                    </p:set>
-                                  </p:childTnLst>
-                                </p:cTn>
-                              </p:par>
-                              <p:par>
-                                <p:cTn id="77" presetID="10" presetClass="exit" presetSubtype="0" fill="hold" grpId="1" nodeType="withEffect">
-                                  <p:stCondLst>
-                                    <p:cond delay="0"/>
-                                  </p:stCondLst>
-                                  <p:childTnLst>
-                                    <p:animEffect transition="out" filter="fade">
-                                      <p:cBhvr>
-                                        <p:cTn id="78" dur="500"/>
-                                        <p:tgtEl>
-                                          <p:spTgt spid="79"/>
-                                        </p:tgtEl>
-                                      </p:cBhvr>
-                                    </p:animEffect>
-                                    <p:set>
-                                      <p:cBhvr>
-                                        <p:cTn id="79" dur="1" fill="hold">
-                                          <p:stCondLst>
-                                            <p:cond delay="499"/>
-                                          </p:stCondLst>
-                                        </p:cTn>
-                                        <p:tgtEl>
-                                          <p:spTgt spid="79"/>
-                                        </p:tgtEl>
-                                        <p:attrNameLst>
-                                          <p:attrName>style.visibility</p:attrName>
-                                        </p:attrNameLst>
-                                      </p:cBhvr>
-                                      <p:to>
-                                        <p:strVal val="hidden"/>
-                                      </p:to>
-                                    </p:set>
-                                  </p:childTnLst>
-                                </p:cTn>
-                              </p:par>
-                              <p:par>
-                                <p:cTn id="80" presetID="10" presetClass="exit" presetSubtype="0" fill="hold" grpId="1" nodeType="withEffect">
-                                  <p:stCondLst>
-                                    <p:cond delay="0"/>
-                                  </p:stCondLst>
-                                  <p:childTnLst>
-                                    <p:animEffect transition="out" filter="fade">
-                                      <p:cBhvr>
-                                        <p:cTn id="81" dur="500"/>
-                                        <p:tgtEl>
-                                          <p:spTgt spid="80"/>
-                                        </p:tgtEl>
-                                      </p:cBhvr>
-                                    </p:animEffect>
-                                    <p:set>
-                                      <p:cBhvr>
-                                        <p:cTn id="82" dur="1" fill="hold">
-                                          <p:stCondLst>
-                                            <p:cond delay="499"/>
-                                          </p:stCondLst>
-                                        </p:cTn>
-                                        <p:tgtEl>
-                                          <p:spTgt spid="80"/>
-                                        </p:tgtEl>
-                                        <p:attrNameLst>
-                                          <p:attrName>style.visibility</p:attrName>
-                                        </p:attrNameLst>
-                                      </p:cBhvr>
-                                      <p:to>
-                                        <p:strVal val="hidden"/>
-                                      </p:to>
-                                    </p:set>
-                                  </p:childTnLst>
-                                </p:cTn>
-                              </p:par>
-                              <p:par>
-                                <p:cTn id="83" presetID="10" presetClass="exit" presetSubtype="0" fill="hold" grpId="1" nodeType="withEffect">
-                                  <p:stCondLst>
-                                    <p:cond delay="0"/>
-                                  </p:stCondLst>
-                                  <p:childTnLst>
-                                    <p:animEffect transition="out" filter="fade">
-                                      <p:cBhvr>
-                                        <p:cTn id="84" dur="500"/>
-                                        <p:tgtEl>
-                                          <p:spTgt spid="81"/>
-                                        </p:tgtEl>
-                                      </p:cBhvr>
-                                    </p:animEffect>
-                                    <p:set>
-                                      <p:cBhvr>
-                                        <p:cTn id="85" dur="1" fill="hold">
-                                          <p:stCondLst>
-                                            <p:cond delay="499"/>
-                                          </p:stCondLst>
-                                        </p:cTn>
-                                        <p:tgtEl>
-                                          <p:spTgt spid="81"/>
-                                        </p:tgtEl>
-                                        <p:attrNameLst>
-                                          <p:attrName>style.visibility</p:attrName>
-                                        </p:attrNameLst>
-                                      </p:cBhvr>
-                                      <p:to>
-                                        <p:strVal val="hidden"/>
-                                      </p:to>
-                                    </p:set>
-                                  </p:childTnLst>
-                                </p:cTn>
-                              </p:par>
-                              <p:par>
-                                <p:cTn id="86" presetID="10" presetClass="exit" presetSubtype="0" fill="hold" grpId="1" nodeType="withEffect">
-                                  <p:stCondLst>
-                                    <p:cond delay="0"/>
-                                  </p:stCondLst>
-                                  <p:childTnLst>
-                                    <p:animEffect transition="out" filter="fade">
-                                      <p:cBhvr>
-                                        <p:cTn id="87" dur="500"/>
-                                        <p:tgtEl>
-                                          <p:spTgt spid="82"/>
-                                        </p:tgtEl>
-                                      </p:cBhvr>
-                                    </p:animEffect>
-                                    <p:set>
-                                      <p:cBhvr>
-                                        <p:cTn id="88" dur="1" fill="hold">
-                                          <p:stCondLst>
-                                            <p:cond delay="499"/>
-                                          </p:stCondLst>
-                                        </p:cTn>
-                                        <p:tgtEl>
-                                          <p:spTgt spid="82"/>
-                                        </p:tgtEl>
-                                        <p:attrNameLst>
-                                          <p:attrName>style.visibility</p:attrName>
-                                        </p:attrNameLst>
-                                      </p:cBhvr>
-                                      <p:to>
-                                        <p:strVal val="hidden"/>
-                                      </p:to>
-                                    </p:set>
-                                  </p:childTnLst>
-                                </p:cTn>
-                              </p:par>
-                            </p:childTnLst>
-                          </p:cTn>
-                        </p:par>
-                      </p:childTnLst>
-                    </p:cTn>
-                  </p:par>
-                </p:childTnLst>
-              </p:cTn>
-              <p:prevCondLst>
-                <p:cond evt="onPrev" delay="0">
-                  <p:tgtEl>
-                    <p:sldTgt/>
-                  </p:tgtEl>
-                </p:cond>
-              </p:prevCondLst>
-              <p:nextCondLst>
-                <p:cond evt="onNext" delay="0">
-                  <p:tgtEl>
-                    <p:sldTgt/>
-                  </p:tgtEl>
-                </p:cond>
-              </p:nextCondLst>
-            </p:seq>
-          </p:childTnLst>
-        </p:cTn>
-      </p:par>
-    </p:tnLst>
-    <p:bldLst>
-      <p:bldP spid="74" grpId="0" animBg="1"/>
-      <p:bldP spid="74" grpId="1" animBg="1"/>
-      <p:bldP spid="75" grpId="0" animBg="1"/>
-      <p:bldP spid="75" grpId="1" animBg="1"/>
-      <p:bldP spid="76" grpId="0" animBg="1"/>
-      <p:bldP spid="76" grpId="1" animBg="1"/>
-      <p:bldP spid="77" grpId="0" animBg="1"/>
-      <p:bldP spid="77" grpId="1" animBg="1"/>
-      <p:bldP spid="78" grpId="0" animBg="1"/>
-      <p:bldP spid="78" grpId="1" animBg="1"/>
-      <p:bldP spid="79" grpId="0" animBg="1"/>
-      <p:bldP spid="79" grpId="1" animBg="1"/>
-      <p:bldP spid="80" grpId="0" animBg="1"/>
-      <p:bldP spid="80" grpId="1" animBg="1"/>
-      <p:bldP spid="82" grpId="0" animBg="1"/>
-      <p:bldP spid="82" grpId="1" animBg="1"/>
-      <p:bldP spid="81" grpId="0" animBg="1"/>
-      <p:bldP spid="81" grpId="1" animBg="1"/>
-      <p:bldP spid="84" grpId="0" animBg="1"/>
-      <p:bldP spid="84" grpId="1" animBg="1"/>
-      <p:bldP spid="85" grpId="0" animBg="1"/>
-      <p:bldP spid="85" grpId="1" animBg="1"/>
-    </p:bldLst>
-  </p:timing>
 </p:sld>
 </file>
 

--- a/授業スライド/制御授業資料0_授業に当たって.pptx
+++ b/授業スライド/制御授業資料0_授業に当たって.pptx
@@ -6110,11 +6110,18 @@
               <a:t>・</a:t>
             </a:r>
             <a:r>
+              <a:rPr lang="ja-JP" altLang="en-US" sz="2800" dirty="0">
+                <a:latin typeface="コーポレート・ロゴ ver2 Medium" panose="02000600000000000000" pitchFamily="50" charset="-128"/>
+                <a:ea typeface="コーポレート・ロゴ ver2 Medium" panose="02000600000000000000" pitchFamily="50" charset="-128"/>
+              </a:rPr>
+              <a:t>リ</a:t>
+            </a:r>
+            <a:r>
               <a:rPr kumimoji="1" lang="ja-JP" altLang="en-US" sz="2800" dirty="0">
                 <a:latin typeface="コーポレート・ロゴ ver2 Medium" panose="02000600000000000000" pitchFamily="50" charset="-128"/>
                 <a:ea typeface="コーポレート・ロゴ ver2 Medium" panose="02000600000000000000" pitchFamily="50" charset="-128"/>
               </a:rPr>
-              <a:t>レポジトリへの招待</a:t>
+              <a:t>ポジトリへの招待</a:t>
             </a:r>
             <a:endParaRPr kumimoji="1" lang="en-US" altLang="ja-JP" sz="2800" dirty="0">
               <a:latin typeface="コーポレート・ロゴ ver2 Medium" panose="02000600000000000000" pitchFamily="50" charset="-128"/>
@@ -6644,7 +6651,7 @@
                 <a:latin typeface="コーポレート・ロゴ ver2 Medium" panose="02000600000000000000" pitchFamily="50" charset="-128"/>
                 <a:ea typeface="コーポレート・ロゴ ver2 Medium" panose="02000600000000000000" pitchFamily="50" charset="-128"/>
               </a:rPr>
-              <a:t>上のレポジトリという場所に</a:t>
+              <a:t>上のリポジトリという場所に</a:t>
             </a:r>
             <a:endParaRPr kumimoji="1" lang="en-US" altLang="ja-JP" sz="2000" dirty="0">
               <a:latin typeface="コーポレート・ロゴ ver2 Medium" panose="02000600000000000000" pitchFamily="50" charset="-128"/>
@@ -7513,65 +7520,12 @@
                 <a:latin typeface="コーポレート・ロゴ ver2 Bold" panose="02000600000000000000" pitchFamily="50" charset="-128"/>
                 <a:ea typeface="コーポレート・ロゴ ver2 Bold" panose="02000600000000000000" pitchFamily="50" charset="-128"/>
               </a:rPr>
-              <a:t>パスとは </a:t>
-            </a:r>
-            <a:r>
-              <a:rPr lang="en-US" altLang="ja-JP" sz="3600" dirty="0">
-                <a:latin typeface="コーポレート・ロゴ ver2 Medium" panose="02000600000000000000" pitchFamily="50" charset="-128"/>
-                <a:ea typeface="コーポレート・ロゴ ver2 Medium" panose="02000600000000000000" pitchFamily="50" charset="-128"/>
-              </a:rPr>
-              <a:t>/ </a:t>
-            </a:r>
-            <a:r>
-              <a:rPr lang="ja-JP" altLang="en-US" sz="3600" dirty="0">
-                <a:latin typeface="コーポレート・ロゴ ver2 Bold" panose="02000600000000000000" pitchFamily="50" charset="-128"/>
-                <a:ea typeface="コーポレート・ロゴ ver2 Bold" panose="02000600000000000000" pitchFamily="50" charset="-128"/>
-              </a:rPr>
-              <a:t>種類</a:t>
+              <a:t>リポジトリへの招待</a:t>
             </a:r>
             <a:endParaRPr kumimoji="1" lang="en-US" altLang="ja-JP" sz="3600" dirty="0">
               <a:latin typeface="コーポレート・ロゴ ver2 Bold" panose="02000600000000000000" pitchFamily="50" charset="-128"/>
               <a:ea typeface="コーポレート・ロゴ ver2 Bold" panose="02000600000000000000" pitchFamily="50" charset="-128"/>
             </a:endParaRPr>
-          </a:p>
-        </p:txBody>
-      </p:sp>
-      <p:sp>
-        <p:nvSpPr>
-          <p:cNvPr id="13" name="テキスト ボックス 12">
-            <a:extLst>
-              <a:ext uri="{FF2B5EF4-FFF2-40B4-BE49-F238E27FC236}">
-                <a16:creationId xmlns:a16="http://schemas.microsoft.com/office/drawing/2014/main" id="{7777DA0C-A1FB-45F4-981B-20DE7E284E84}"/>
-              </a:ext>
-            </a:extLst>
-          </p:cNvPr>
-          <p:cNvSpPr txBox="1"/>
-          <p:nvPr/>
-        </p:nvSpPr>
-        <p:spPr>
-          <a:xfrm>
-            <a:off x="5965715" y="562562"/>
-            <a:ext cx="5744588" cy="461665"/>
-          </a:xfrm>
-          <a:prstGeom prst="rect">
-            <a:avLst/>
-          </a:prstGeom>
-          <a:noFill/>
-        </p:spPr>
-        <p:txBody>
-          <a:bodyPr wrap="square" rtlCol="0">
-            <a:spAutoFit/>
-          </a:bodyPr>
-          <a:lstStyle/>
-          <a:p>
-            <a:pPr algn="ctr"/>
-            <a:r>
-              <a:rPr lang="en-US" altLang="ja-JP" sz="2400" dirty="0">
-                <a:latin typeface="コーポレート・ロゴ ver2 Bold" panose="02000600000000000000" pitchFamily="50" charset="-128"/>
-                <a:ea typeface="コーポレート・ロゴ ver2 Bold" panose="02000600000000000000" pitchFamily="50" charset="-128"/>
-              </a:rPr>
-              <a:t>Tree</a:t>
-            </a:r>
           </a:p>
         </p:txBody>
       </p:sp>
@@ -7650,8 +7604,8 @@
         </p:nvSpPr>
         <p:spPr>
           <a:xfrm>
-            <a:off x="695285" y="1900555"/>
-            <a:ext cx="5752391" cy="4031873"/>
+            <a:off x="695285" y="2019813"/>
+            <a:ext cx="5752391" cy="3785652"/>
           </a:xfrm>
           <a:prstGeom prst="rect">
             <a:avLst/>
@@ -7669,7 +7623,39 @@
                 <a:latin typeface="コーポレート・ロゴ ver2 Medium" panose="02000600000000000000" pitchFamily="50" charset="-128"/>
                 <a:ea typeface="コーポレート・ロゴ ver2 Medium" panose="02000600000000000000" pitchFamily="50" charset="-128"/>
               </a:rPr>
-              <a:t>ファイルやフォルダが</a:t>
+              <a:t>ファイルやディレクトリを置くことができる、</a:t>
+            </a:r>
+            <a:endParaRPr lang="en-US" altLang="ja-JP" sz="2000" dirty="0">
+              <a:latin typeface="コーポレート・ロゴ ver2 Medium" panose="02000600000000000000" pitchFamily="50" charset="-128"/>
+              <a:ea typeface="コーポレート・ロゴ ver2 Medium" panose="02000600000000000000" pitchFamily="50" charset="-128"/>
+            </a:endParaRPr>
+          </a:p>
+          <a:p>
+            <a:r>
+              <a:rPr lang="ja-JP" altLang="en-US" sz="2000" dirty="0">
+                <a:latin typeface="コーポレート・ロゴ ver2 Medium" panose="02000600000000000000" pitchFamily="50" charset="-128"/>
+                <a:ea typeface="コーポレート・ロゴ ver2 Medium" panose="02000600000000000000" pitchFamily="50" charset="-128"/>
+              </a:rPr>
+              <a:t>大きなまとまり、場所のこと。</a:t>
+            </a:r>
+            <a:endParaRPr lang="en-US" altLang="ja-JP" sz="2000" dirty="0">
+              <a:latin typeface="コーポレート・ロゴ ver2 Medium" panose="02000600000000000000" pitchFamily="50" charset="-128"/>
+              <a:ea typeface="コーポレート・ロゴ ver2 Medium" panose="02000600000000000000" pitchFamily="50" charset="-128"/>
+            </a:endParaRPr>
+          </a:p>
+          <a:p>
+            <a:endParaRPr lang="en-US" altLang="ja-JP" sz="2000" dirty="0">
+              <a:latin typeface="コーポレート・ロゴ ver2 Medium" panose="02000600000000000000" pitchFamily="50" charset="-128"/>
+              <a:ea typeface="コーポレート・ロゴ ver2 Medium" panose="02000600000000000000" pitchFamily="50" charset="-128"/>
+            </a:endParaRPr>
+          </a:p>
+          <a:p>
+            <a:r>
+              <a:rPr lang="ja-JP" altLang="en-US" sz="2000" dirty="0">
+                <a:latin typeface="コーポレート・ロゴ ver2 Medium" panose="02000600000000000000" pitchFamily="50" charset="-128"/>
+                <a:ea typeface="コーポレート・ロゴ ver2 Medium" panose="02000600000000000000" pitchFamily="50" charset="-128"/>
+              </a:rPr>
+              <a:t>ロボコンの講義専用の</a:t>
             </a:r>
             <a:r>
               <a:rPr lang="ja-JP" altLang="en-US" sz="2000" dirty="0">
@@ -7679,14 +7665,14 @@
                 <a:latin typeface="コーポレート・ロゴ ver2 Medium" panose="02000600000000000000" pitchFamily="50" charset="-128"/>
                 <a:ea typeface="コーポレート・ロゴ ver2 Medium" panose="02000600000000000000" pitchFamily="50" charset="-128"/>
               </a:rPr>
-              <a:t>どこにある</a:t>
+              <a:t>プライベートリポジトリ</a:t>
             </a:r>
             <a:r>
               <a:rPr lang="ja-JP" altLang="en-US" sz="2000" dirty="0">
                 <a:latin typeface="コーポレート・ロゴ ver2 Medium" panose="02000600000000000000" pitchFamily="50" charset="-128"/>
                 <a:ea typeface="コーポレート・ロゴ ver2 Medium" panose="02000600000000000000" pitchFamily="50" charset="-128"/>
               </a:rPr>
-              <a:t>のかというような</a:t>
+              <a:t>を作成した。</a:t>
             </a:r>
             <a:endParaRPr lang="en-US" altLang="ja-JP" sz="2000" dirty="0">
               <a:latin typeface="コーポレート・ロゴ ver2 Medium" panose="02000600000000000000" pitchFamily="50" charset="-128"/>
@@ -7694,6 +7680,32 @@
             </a:endParaRPr>
           </a:p>
           <a:p>
+            <a:endParaRPr lang="en-US" altLang="ja-JP" sz="2000" dirty="0">
+              <a:latin typeface="コーポレート・ロゴ ver2 Medium" panose="02000600000000000000" pitchFamily="50" charset="-128"/>
+              <a:ea typeface="コーポレート・ロゴ ver2 Medium" panose="02000600000000000000" pitchFamily="50" charset="-128"/>
+            </a:endParaRPr>
+          </a:p>
+          <a:p>
+            <a:r>
+              <a:rPr lang="ja-JP" altLang="en-US" sz="2000" dirty="0">
+                <a:latin typeface="コーポレート・ロゴ ver2 Medium" panose="02000600000000000000" pitchFamily="50" charset="-128"/>
+                <a:ea typeface="コーポレート・ロゴ ver2 Medium" panose="02000600000000000000" pitchFamily="50" charset="-128"/>
+              </a:rPr>
+              <a:t>プライベートリポジトリは誰もが見れるような</a:t>
+            </a:r>
+            <a:endParaRPr lang="en-US" altLang="ja-JP" sz="2000" dirty="0">
+              <a:latin typeface="コーポレート・ロゴ ver2 Medium" panose="02000600000000000000" pitchFamily="50" charset="-128"/>
+              <a:ea typeface="コーポレート・ロゴ ver2 Medium" panose="02000600000000000000" pitchFamily="50" charset="-128"/>
+            </a:endParaRPr>
+          </a:p>
+          <a:p>
+            <a:r>
+              <a:rPr lang="ja-JP" altLang="en-US" sz="2000" dirty="0">
+                <a:latin typeface="コーポレート・ロゴ ver2 Medium" panose="02000600000000000000" pitchFamily="50" charset="-128"/>
+                <a:ea typeface="コーポレート・ロゴ ver2 Medium" panose="02000600000000000000" pitchFamily="50" charset="-128"/>
+              </a:rPr>
+              <a:t>状態にはなっていないので、</a:t>
+            </a:r>
             <a:r>
               <a:rPr lang="ja-JP" altLang="en-US" sz="2000" dirty="0">
                 <a:solidFill>
@@ -7702,14 +7714,14 @@
                 <a:latin typeface="コーポレート・ロゴ ver2 Medium" panose="02000600000000000000" pitchFamily="50" charset="-128"/>
                 <a:ea typeface="コーポレート・ロゴ ver2 Medium" panose="02000600000000000000" pitchFamily="50" charset="-128"/>
               </a:rPr>
-              <a:t>住所</a:t>
+              <a:t>招待</a:t>
             </a:r>
             <a:r>
               <a:rPr lang="ja-JP" altLang="en-US" sz="2000" dirty="0">
                 <a:latin typeface="コーポレート・ロゴ ver2 Medium" panose="02000600000000000000" pitchFamily="50" charset="-128"/>
                 <a:ea typeface="コーポレート・ロゴ ver2 Medium" panose="02000600000000000000" pitchFamily="50" charset="-128"/>
               </a:rPr>
-              <a:t>のようなもの。</a:t>
+              <a:t>を行う必要がある。</a:t>
             </a:r>
             <a:endParaRPr lang="en-US" altLang="ja-JP" sz="2000" dirty="0">
               <a:latin typeface="コーポレート・ロゴ ver2 Medium" panose="02000600000000000000" pitchFamily="50" charset="-128"/>
@@ -7728,31 +7740,8 @@
                 <a:latin typeface="コーポレート・ロゴ ver2 Medium" panose="02000600000000000000" pitchFamily="50" charset="-128"/>
                 <a:ea typeface="コーポレート・ロゴ ver2 Medium" panose="02000600000000000000" pitchFamily="50" charset="-128"/>
               </a:rPr>
-              <a:t>右図を参考に</a:t>
-            </a:r>
-            <a:r>
-              <a:rPr lang="en-US" altLang="ja-JP" sz="2000" u="sng" dirty="0">
-                <a:latin typeface="コーポレート・ロゴ ver2 Medium" panose="02000600000000000000" pitchFamily="50" charset="-128"/>
-                <a:ea typeface="コーポレート・ロゴ ver2 Medium" panose="02000600000000000000" pitchFamily="50" charset="-128"/>
-              </a:rPr>
-              <a:t>Memo.txt</a:t>
-            </a:r>
-            <a:r>
-              <a:rPr lang="ja-JP" altLang="en-US" sz="2000" dirty="0">
-                <a:latin typeface="コーポレート・ロゴ ver2 Medium" panose="02000600000000000000" pitchFamily="50" charset="-128"/>
-                <a:ea typeface="コーポレート・ロゴ ver2 Medium" panose="02000600000000000000" pitchFamily="50" charset="-128"/>
-              </a:rPr>
-              <a:t>のパス書くと</a:t>
-            </a:r>
-            <a:r>
-              <a:rPr lang="en-US" altLang="ja-JP" sz="2000" dirty="0">
-                <a:latin typeface="コーポレート・ロゴ ver2 Medium" panose="02000600000000000000" pitchFamily="50" charset="-128"/>
-                <a:ea typeface="コーポレート・ロゴ ver2 Medium" panose="02000600000000000000" pitchFamily="50" charset="-128"/>
-              </a:rPr>
-              <a:t>…</a:t>
-            </a:r>
-          </a:p>
-          <a:p>
+              <a:t>アカウントの作成を終えたら</a:t>
+            </a:r>
             <a:endParaRPr lang="en-US" altLang="ja-JP" sz="2000" dirty="0">
               <a:latin typeface="コーポレート・ロゴ ver2 Medium" panose="02000600000000000000" pitchFamily="50" charset="-128"/>
               <a:ea typeface="コーポレート・ロゴ ver2 Medium" panose="02000600000000000000" pitchFamily="50" charset="-128"/>
@@ -7760,17 +7749,38 @@
           </a:p>
           <a:p>
             <a:r>
-              <a:rPr lang="en-US" altLang="ja-JP" sz="2400" dirty="0">
+              <a:rPr lang="en-US" altLang="ja-JP" sz="2000" dirty="0">
                 <a:solidFill>
                   <a:srgbClr val="03BDBA"/>
                 </a:solidFill>
                 <a:latin typeface="コーポレート・ロゴ ver2 Medium" panose="02000600000000000000" pitchFamily="50" charset="-128"/>
                 <a:ea typeface="コーポレート・ロゴ ver2 Medium" panose="02000600000000000000" pitchFamily="50" charset="-128"/>
-              </a:rPr>
-              <a:t>Home/School/Report/Memo.txt</a:t>
-            </a:r>
-          </a:p>
-          <a:p>
+                <a:hlinkClick r:id="rId5">
+                  <a:extLst>
+                    <a:ext uri="{A12FA001-AC4F-418D-AE19-62706E023703}">
+                      <ahyp:hlinkClr xmlns:ahyp="http://schemas.microsoft.com/office/drawing/2018/hyperlinkcolor" val="tx"/>
+                    </a:ext>
+                  </a:extLst>
+                </a:hlinkClick>
+              </a:rPr>
+              <a:t>https://github.com/elsy0111</a:t>
+            </a:r>
+            <a:endParaRPr lang="en-US" altLang="ja-JP" sz="2000" dirty="0">
+              <a:solidFill>
+                <a:srgbClr val="03BDBA"/>
+              </a:solidFill>
+              <a:latin typeface="コーポレート・ロゴ ver2 Medium" panose="02000600000000000000" pitchFamily="50" charset="-128"/>
+              <a:ea typeface="コーポレート・ロゴ ver2 Medium" panose="02000600000000000000" pitchFamily="50" charset="-128"/>
+            </a:endParaRPr>
+          </a:p>
+          <a:p>
+            <a:r>
+              <a:rPr lang="ja-JP" altLang="en-US" sz="2000" dirty="0">
+                <a:latin typeface="コーポレート・ロゴ ver2 Medium" panose="02000600000000000000" pitchFamily="50" charset="-128"/>
+                <a:ea typeface="コーポレート・ロゴ ver2 Medium" panose="02000600000000000000" pitchFamily="50" charset="-128"/>
+              </a:rPr>
+              <a:t>にフォローを飛ばしてもらい、こちら側が確認を終えたら</a:t>
+            </a:r>
             <a:endParaRPr lang="en-US" altLang="ja-JP" sz="2000" dirty="0">
               <a:latin typeface="コーポレート・ロゴ ver2 Medium" panose="02000600000000000000" pitchFamily="50" charset="-128"/>
               <a:ea typeface="コーポレート・ロゴ ver2 Medium" panose="02000600000000000000" pitchFamily="50" charset="-128"/>
@@ -7782,178 +7792,13 @@
                 <a:latin typeface="コーポレート・ロゴ ver2 Medium" panose="02000600000000000000" pitchFamily="50" charset="-128"/>
                 <a:ea typeface="コーポレート・ロゴ ver2 Medium" panose="02000600000000000000" pitchFamily="50" charset="-128"/>
               </a:rPr>
-              <a:t>このように、上の階層から順に左から書いていき、</a:t>
+              <a:t>リポジトリに招待を行う。</a:t>
             </a:r>
             <a:endParaRPr lang="en-US" altLang="ja-JP" sz="2000" dirty="0">
               <a:latin typeface="コーポレート・ロゴ ver2 Medium" panose="02000600000000000000" pitchFamily="50" charset="-128"/>
               <a:ea typeface="コーポレート・ロゴ ver2 Medium" panose="02000600000000000000" pitchFamily="50" charset="-128"/>
             </a:endParaRPr>
           </a:p>
-          <a:p>
-            <a:r>
-              <a:rPr lang="ja-JP" altLang="en-US" sz="2000" dirty="0">
-                <a:latin typeface="コーポレート・ロゴ ver2 Medium" panose="02000600000000000000" pitchFamily="50" charset="-128"/>
-                <a:ea typeface="コーポレート・ロゴ ver2 Medium" panose="02000600000000000000" pitchFamily="50" charset="-128"/>
-              </a:rPr>
-              <a:t>スラッシュ</a:t>
-            </a:r>
-            <a:r>
-              <a:rPr lang="en-US" altLang="ja-JP" sz="2000" dirty="0">
-                <a:latin typeface="コーポレート・ロゴ ver2 Medium" panose="02000600000000000000" pitchFamily="50" charset="-128"/>
-                <a:ea typeface="コーポレート・ロゴ ver2 Medium" panose="02000600000000000000" pitchFamily="50" charset="-128"/>
-              </a:rPr>
-              <a:t>(“/”)</a:t>
-            </a:r>
-            <a:r>
-              <a:rPr lang="ja-JP" altLang="en-US" sz="2000" dirty="0">
-                <a:latin typeface="コーポレート・ロゴ ver2 Medium" panose="02000600000000000000" pitchFamily="50" charset="-128"/>
-                <a:ea typeface="コーポレート・ロゴ ver2 Medium" panose="02000600000000000000" pitchFamily="50" charset="-128"/>
-              </a:rPr>
-              <a:t>で区切って書く。</a:t>
-            </a:r>
-            <a:endParaRPr lang="en-US" altLang="ja-JP" sz="2000" dirty="0">
-              <a:latin typeface="コーポレート・ロゴ ver2 Medium" panose="02000600000000000000" pitchFamily="50" charset="-128"/>
-              <a:ea typeface="コーポレート・ロゴ ver2 Medium" panose="02000600000000000000" pitchFamily="50" charset="-128"/>
-            </a:endParaRPr>
-          </a:p>
-          <a:p>
-            <a:r>
-              <a:rPr lang="en-US" altLang="ja-JP" sz="1200" dirty="0">
-                <a:latin typeface="コーポレート・ロゴ ver2 Medium" panose="02000600000000000000" pitchFamily="50" charset="-128"/>
-                <a:ea typeface="コーポレート・ロゴ ver2 Medium" panose="02000600000000000000" pitchFamily="50" charset="-128"/>
-              </a:rPr>
-              <a:t>※</a:t>
-            </a:r>
-            <a:r>
-              <a:rPr lang="ja-JP" altLang="en-US" sz="1200" dirty="0">
-                <a:latin typeface="コーポレート・ロゴ ver2 Medium" panose="02000600000000000000" pitchFamily="50" charset="-128"/>
-                <a:ea typeface="コーポレート・ロゴ ver2 Medium" panose="02000600000000000000" pitchFamily="50" charset="-128"/>
-              </a:rPr>
-              <a:t>バックスラッシュ</a:t>
-            </a:r>
-            <a:r>
-              <a:rPr lang="en-US" altLang="ja-JP" sz="1200" dirty="0">
-                <a:latin typeface="コーポレート・ロゴ ver2 Medium" panose="02000600000000000000" pitchFamily="50" charset="-128"/>
-                <a:ea typeface="コーポレート・ロゴ ver2 Medium" panose="02000600000000000000" pitchFamily="50" charset="-128"/>
-              </a:rPr>
-              <a:t>(“</a:t>
-            </a:r>
-            <a:r>
-              <a:rPr lang="ja-JP" altLang="en-US" sz="1200" dirty="0">
-                <a:latin typeface="コーポレート・ロゴ ver2 Medium" panose="02000600000000000000" pitchFamily="50" charset="-128"/>
-                <a:ea typeface="コーポレート・ロゴ ver2 Medium" panose="02000600000000000000" pitchFamily="50" charset="-128"/>
-              </a:rPr>
-              <a:t>＼</a:t>
-            </a:r>
-            <a:r>
-              <a:rPr lang="en-US" altLang="ja-JP" sz="1200" dirty="0">
-                <a:latin typeface="コーポレート・ロゴ ver2 Medium" panose="02000600000000000000" pitchFamily="50" charset="-128"/>
-                <a:ea typeface="コーポレート・ロゴ ver2 Medium" panose="02000600000000000000" pitchFamily="50" charset="-128"/>
-              </a:rPr>
-              <a:t>”)</a:t>
-            </a:r>
-            <a:r>
-              <a:rPr lang="ja-JP" altLang="en-US" sz="1200" dirty="0">
-                <a:latin typeface="コーポレート・ロゴ ver2 Medium" panose="02000600000000000000" pitchFamily="50" charset="-128"/>
-                <a:ea typeface="コーポレート・ロゴ ver2 Medium" panose="02000600000000000000" pitchFamily="50" charset="-128"/>
-              </a:rPr>
-              <a:t>や円マーク</a:t>
-            </a:r>
-            <a:r>
-              <a:rPr lang="en-US" altLang="ja-JP" sz="1200" dirty="0">
-                <a:latin typeface="コーポレート・ロゴ ver2 Medium" panose="02000600000000000000" pitchFamily="50" charset="-128"/>
-                <a:ea typeface="コーポレート・ロゴ ver2 Medium" panose="02000600000000000000" pitchFamily="50" charset="-128"/>
-              </a:rPr>
-              <a:t>(“\”)</a:t>
-            </a:r>
-            <a:r>
-              <a:rPr lang="ja-JP" altLang="en-US" sz="1200" dirty="0">
-                <a:latin typeface="コーポレート・ロゴ ver2 Medium" panose="02000600000000000000" pitchFamily="50" charset="-128"/>
-                <a:ea typeface="コーポレート・ロゴ ver2 Medium" panose="02000600000000000000" pitchFamily="50" charset="-128"/>
-              </a:rPr>
-              <a:t>で区切ることもある。</a:t>
-            </a:r>
-            <a:endParaRPr lang="en-US" altLang="ja-JP" sz="1200" dirty="0">
-              <a:latin typeface="コーポレート・ロゴ ver2 Medium" panose="02000600000000000000" pitchFamily="50" charset="-128"/>
-              <a:ea typeface="コーポレート・ロゴ ver2 Medium" panose="02000600000000000000" pitchFamily="50" charset="-128"/>
-            </a:endParaRPr>
-          </a:p>
-          <a:p>
-            <a:endParaRPr lang="en-US" altLang="ja-JP" sz="2000" dirty="0">
-              <a:latin typeface="コーポレート・ロゴ ver2 Medium" panose="02000600000000000000" pitchFamily="50" charset="-128"/>
-              <a:ea typeface="コーポレート・ロゴ ver2 Medium" panose="02000600000000000000" pitchFamily="50" charset="-128"/>
-            </a:endParaRPr>
-          </a:p>
-          <a:p>
-            <a:r>
-              <a:rPr lang="ja-JP" altLang="en-US" sz="2000" dirty="0">
-                <a:latin typeface="コーポレート・ロゴ ver2 Medium" panose="02000600000000000000" pitchFamily="50" charset="-128"/>
-                <a:ea typeface="コーポレート・ロゴ ver2 Medium" panose="02000600000000000000" pitchFamily="50" charset="-128"/>
-              </a:rPr>
-              <a:t>パスの指定方法には、</a:t>
-            </a:r>
-            <a:endParaRPr lang="en-US" altLang="ja-JP" sz="2000" dirty="0">
-              <a:latin typeface="コーポレート・ロゴ ver2 Medium" panose="02000600000000000000" pitchFamily="50" charset="-128"/>
-              <a:ea typeface="コーポレート・ロゴ ver2 Medium" panose="02000600000000000000" pitchFamily="50" charset="-128"/>
-            </a:endParaRPr>
-          </a:p>
-          <a:p>
-            <a:r>
-              <a:rPr lang="ja-JP" altLang="en-US" sz="2000" dirty="0">
-                <a:solidFill>
-                  <a:srgbClr val="03BDBA"/>
-                </a:solidFill>
-                <a:latin typeface="コーポレート・ロゴ ver2 Medium" panose="02000600000000000000" pitchFamily="50" charset="-128"/>
-                <a:ea typeface="コーポレート・ロゴ ver2 Medium" panose="02000600000000000000" pitchFamily="50" charset="-128"/>
-              </a:rPr>
-              <a:t>絶対パス</a:t>
-            </a:r>
-            <a:r>
-              <a:rPr lang="ja-JP" altLang="en-US" sz="2000" dirty="0">
-                <a:latin typeface="コーポレート・ロゴ ver2 Medium" panose="02000600000000000000" pitchFamily="50" charset="-128"/>
-                <a:ea typeface="コーポレート・ロゴ ver2 Medium" panose="02000600000000000000" pitchFamily="50" charset="-128"/>
-              </a:rPr>
-              <a:t>・</a:t>
-            </a:r>
-            <a:r>
-              <a:rPr lang="ja-JP" altLang="en-US" sz="2000" dirty="0">
-                <a:solidFill>
-                  <a:srgbClr val="03BDBA"/>
-                </a:solidFill>
-                <a:latin typeface="コーポレート・ロゴ ver2 Medium" panose="02000600000000000000" pitchFamily="50" charset="-128"/>
-                <a:ea typeface="コーポレート・ロゴ ver2 Medium" panose="02000600000000000000" pitchFamily="50" charset="-128"/>
-              </a:rPr>
-              <a:t>相対パス</a:t>
-            </a:r>
-            <a:r>
-              <a:rPr lang="ja-JP" altLang="en-US" sz="2000" dirty="0">
-                <a:latin typeface="コーポレート・ロゴ ver2 Medium" panose="02000600000000000000" pitchFamily="50" charset="-128"/>
-                <a:ea typeface="コーポレート・ロゴ ver2 Medium" panose="02000600000000000000" pitchFamily="50" charset="-128"/>
-              </a:rPr>
-              <a:t>の</a:t>
-            </a:r>
-            <a:r>
-              <a:rPr lang="ja-JP" altLang="en-US" sz="2000" dirty="0">
-                <a:solidFill>
-                  <a:srgbClr val="03BDBA"/>
-                </a:solidFill>
-                <a:latin typeface="コーポレート・ロゴ ver2 Medium" panose="02000600000000000000" pitchFamily="50" charset="-128"/>
-                <a:ea typeface="コーポレート・ロゴ ver2 Medium" panose="02000600000000000000" pitchFamily="50" charset="-128"/>
-              </a:rPr>
-              <a:t>２種類</a:t>
-            </a:r>
-            <a:r>
-              <a:rPr lang="ja-JP" altLang="en-US" sz="2000" dirty="0">
-                <a:latin typeface="コーポレート・ロゴ ver2 Medium" panose="02000600000000000000" pitchFamily="50" charset="-128"/>
-                <a:ea typeface="コーポレート・ロゴ ver2 Medium" panose="02000600000000000000" pitchFamily="50" charset="-128"/>
-              </a:rPr>
-              <a:t>がある。</a:t>
-            </a:r>
-            <a:endParaRPr lang="en-US" altLang="ja-JP" sz="2000" dirty="0">
-              <a:latin typeface="コーポレート・ロゴ ver2 Medium" panose="02000600000000000000" pitchFamily="50" charset="-128"/>
-              <a:ea typeface="コーポレート・ロゴ ver2 Medium" panose="02000600000000000000" pitchFamily="50" charset="-128"/>
-            </a:endParaRPr>
-          </a:p>
         </p:txBody>
       </p:sp>
       <p:sp>
@@ -7971,7 +7816,7 @@
         <p:spPr>
           <a:xfrm>
             <a:off x="441665" y="1413946"/>
-            <a:ext cx="1138453" cy="461665"/>
+            <a:ext cx="1806905" cy="461665"/>
           </a:xfrm>
           <a:prstGeom prst="rect">
             <a:avLst/>
@@ -7999,7 +7844,21 @@
                 <a:latin typeface="コーポレート・ロゴ ver2 Medium" panose="02000600000000000000" pitchFamily="50" charset="-128"/>
                 <a:ea typeface="コーポレート・ロゴ ver2 Medium" panose="02000600000000000000" pitchFamily="50" charset="-128"/>
               </a:rPr>
-              <a:t>パスとは</a:t>
+              <a:t>リ</a:t>
+            </a:r>
+            <a:r>
+              <a:rPr kumimoji="1" lang="ja-JP" altLang="en-US" sz="2400" dirty="0">
+                <a:latin typeface="コーポレート・ロゴ ver2 Medium" panose="02000600000000000000" pitchFamily="50" charset="-128"/>
+                <a:ea typeface="コーポレート・ロゴ ver2 Medium" panose="02000600000000000000" pitchFamily="50" charset="-128"/>
+              </a:rPr>
+              <a:t>ポジトリ</a:t>
+            </a:r>
+            <a:r>
+              <a:rPr lang="ja-JP" altLang="en-US" sz="2400" dirty="0">
+                <a:latin typeface="コーポレート・ロゴ ver2 Medium" panose="02000600000000000000" pitchFamily="50" charset="-128"/>
+                <a:ea typeface="コーポレート・ロゴ ver2 Medium" panose="02000600000000000000" pitchFamily="50" charset="-128"/>
+              </a:rPr>
+              <a:t>とは</a:t>
             </a:r>
             <a:endParaRPr kumimoji="1" lang="en-US" altLang="ja-JP" sz="2400" dirty="0">
               <a:latin typeface="コーポレート・ロゴ ver2 Medium" panose="02000600000000000000" pitchFamily="50" charset="-128"/>
@@ -8008,68 +7867,12 @@
           </a:p>
         </p:txBody>
       </p:sp>
-      <p:sp>
-        <p:nvSpPr>
-          <p:cNvPr id="26" name="正方形/長方形 25">
-            <a:extLst>
-              <a:ext uri="{FF2B5EF4-FFF2-40B4-BE49-F238E27FC236}">
-                <a16:creationId xmlns:a16="http://schemas.microsoft.com/office/drawing/2014/main" id="{805D313B-05EC-AD84-B175-13B43375651E}"/>
-              </a:ext>
-            </a:extLst>
-          </p:cNvPr>
-          <p:cNvSpPr/>
-          <p:nvPr/>
-        </p:nvSpPr>
-        <p:spPr>
-          <a:xfrm>
-            <a:off x="7384672" y="1592870"/>
-            <a:ext cx="502445" cy="45719"/>
-          </a:xfrm>
-          <a:prstGeom prst="rect">
-            <a:avLst/>
-          </a:prstGeom>
-          <a:solidFill>
-            <a:schemeClr val="tx1"/>
-          </a:solidFill>
-          <a:ln>
-            <a:noFill/>
-          </a:ln>
-        </p:spPr>
-        <p:style>
-          <a:lnRef idx="2">
-            <a:schemeClr val="accent1">
-              <a:shade val="50000"/>
-            </a:schemeClr>
-          </a:lnRef>
-          <a:fillRef idx="1">
-            <a:schemeClr val="accent1"/>
-          </a:fillRef>
-          <a:effectRef idx="0">
-            <a:schemeClr val="accent1"/>
-          </a:effectRef>
-          <a:fontRef idx="minor">
-            <a:schemeClr val="lt1"/>
-          </a:fontRef>
-        </p:style>
-        <p:txBody>
-          <a:bodyPr rtlCol="0" anchor="ctr"/>
-          <a:lstStyle/>
-          <a:p>
-            <a:pPr algn="ctr"/>
-            <a:endParaRPr kumimoji="1" lang="ja-JP" altLang="en-US">
-              <a:solidFill>
-                <a:schemeClr val="tx1"/>
-              </a:solidFill>
-            </a:endParaRPr>
-          </a:p>
-        </p:txBody>
-      </p:sp>
       <p:pic>
         <p:nvPicPr>
-          <p:cNvPr id="18" name="図 17">
-            <a:extLst>
-              <a:ext uri="{FF2B5EF4-FFF2-40B4-BE49-F238E27FC236}">
-                <a16:creationId xmlns:a16="http://schemas.microsoft.com/office/drawing/2014/main" id="{AE8A45ED-4542-586F-6324-1AA7AC4EC14F}"/>
+          <p:cNvPr id="5" name="図 4">
+            <a:extLst>
+              <a:ext uri="{FF2B5EF4-FFF2-40B4-BE49-F238E27FC236}">
+                <a16:creationId xmlns:a16="http://schemas.microsoft.com/office/drawing/2014/main" id="{234664A6-D97C-F4AB-622F-175AF2BDE592}"/>
               </a:ext>
             </a:extLst>
           </p:cNvPr>
@@ -8078,1412 +7881,21 @@
           </p:cNvPicPr>
           <p:nvPr/>
         </p:nvPicPr>
-        <p:blipFill>
-          <a:blip r:embed="rId5">
-            <a:extLst>
-              <a:ext uri="{28A0092B-C50C-407E-A947-70E740481C1C}">
-                <a14:useLocalDpi xmlns:a14="http://schemas.microsoft.com/office/drawing/2010/main" val="0"/>
-              </a:ext>
-            </a:extLst>
-          </a:blip>
-          <a:stretch>
-            <a:fillRect/>
-          </a:stretch>
+        <p:blipFill rotWithShape="1">
+          <a:blip r:embed="rId6"/>
+          <a:srcRect l="8594" t="9412" r="50256"/>
+          <a:stretch/>
         </p:blipFill>
         <p:spPr>
           <a:xfrm>
-            <a:off x="6433780" y="1046161"/>
-            <a:ext cx="1071442" cy="1071442"/>
+            <a:off x="6506221" y="840442"/>
+            <a:ext cx="4626599" cy="5177116"/>
           </a:xfrm>
           <a:prstGeom prst="rect">
             <a:avLst/>
           </a:prstGeom>
         </p:spPr>
       </p:pic>
-      <p:sp>
-        <p:nvSpPr>
-          <p:cNvPr id="31" name="正方形/長方形 30">
-            <a:extLst>
-              <a:ext uri="{FF2B5EF4-FFF2-40B4-BE49-F238E27FC236}">
-                <a16:creationId xmlns:a16="http://schemas.microsoft.com/office/drawing/2014/main" id="{EB1C2E37-5623-C17A-C4C8-A0E59748582D}"/>
-              </a:ext>
-            </a:extLst>
-          </p:cNvPr>
-          <p:cNvSpPr/>
-          <p:nvPr/>
-        </p:nvSpPr>
-        <p:spPr>
-          <a:xfrm>
-            <a:off x="8694599" y="1591346"/>
-            <a:ext cx="502445" cy="45719"/>
-          </a:xfrm>
-          <a:prstGeom prst="rect">
-            <a:avLst/>
-          </a:prstGeom>
-          <a:solidFill>
-            <a:schemeClr val="tx1"/>
-          </a:solidFill>
-          <a:ln>
-            <a:noFill/>
-          </a:ln>
-        </p:spPr>
-        <p:style>
-          <a:lnRef idx="2">
-            <a:schemeClr val="accent1">
-              <a:shade val="50000"/>
-            </a:schemeClr>
-          </a:lnRef>
-          <a:fillRef idx="1">
-            <a:schemeClr val="accent1"/>
-          </a:fillRef>
-          <a:effectRef idx="0">
-            <a:schemeClr val="accent1"/>
-          </a:effectRef>
-          <a:fontRef idx="minor">
-            <a:schemeClr val="lt1"/>
-          </a:fontRef>
-        </p:style>
-        <p:txBody>
-          <a:bodyPr rtlCol="0" anchor="ctr"/>
-          <a:lstStyle/>
-          <a:p>
-            <a:pPr algn="ctr"/>
-            <a:endParaRPr kumimoji="1" lang="ja-JP" altLang="en-US">
-              <a:solidFill>
-                <a:schemeClr val="tx1"/>
-              </a:solidFill>
-            </a:endParaRPr>
-          </a:p>
-        </p:txBody>
-      </p:sp>
-      <p:pic>
-        <p:nvPicPr>
-          <p:cNvPr id="24" name="図 23">
-            <a:extLst>
-              <a:ext uri="{FF2B5EF4-FFF2-40B4-BE49-F238E27FC236}">
-                <a16:creationId xmlns:a16="http://schemas.microsoft.com/office/drawing/2014/main" id="{682FA4AA-CF37-E8DA-EB10-160850266B51}"/>
-              </a:ext>
-            </a:extLst>
-          </p:cNvPr>
-          <p:cNvPicPr>
-            <a:picLocks noChangeAspect="1"/>
-          </p:cNvPicPr>
-          <p:nvPr/>
-        </p:nvPicPr>
-        <p:blipFill>
-          <a:blip r:embed="rId5">
-            <a:extLst>
-              <a:ext uri="{28A0092B-C50C-407E-A947-70E740481C1C}">
-                <a14:useLocalDpi xmlns:a14="http://schemas.microsoft.com/office/drawing/2010/main" val="0"/>
-              </a:ext>
-            </a:extLst>
-          </a:blip>
-          <a:stretch>
-            <a:fillRect/>
-          </a:stretch>
-        </p:blipFill>
-        <p:spPr>
-          <a:xfrm>
-            <a:off x="7766567" y="1046161"/>
-            <a:ext cx="1071442" cy="1071442"/>
-          </a:xfrm>
-          <a:prstGeom prst="rect">
-            <a:avLst/>
-          </a:prstGeom>
-        </p:spPr>
-      </p:pic>
-      <p:sp>
-        <p:nvSpPr>
-          <p:cNvPr id="27" name="正方形/長方形 26">
-            <a:extLst>
-              <a:ext uri="{FF2B5EF4-FFF2-40B4-BE49-F238E27FC236}">
-                <a16:creationId xmlns:a16="http://schemas.microsoft.com/office/drawing/2014/main" id="{0D5AEC52-F560-B100-71EB-A8107EB1F09A}"/>
-              </a:ext>
-            </a:extLst>
-          </p:cNvPr>
-          <p:cNvSpPr/>
-          <p:nvPr/>
-        </p:nvSpPr>
-        <p:spPr>
-          <a:xfrm>
-            <a:off x="7635894" y="5551477"/>
-            <a:ext cx="502445" cy="45719"/>
-          </a:xfrm>
-          <a:prstGeom prst="rect">
-            <a:avLst/>
-          </a:prstGeom>
-          <a:solidFill>
-            <a:schemeClr val="tx1"/>
-          </a:solidFill>
-          <a:ln>
-            <a:noFill/>
-          </a:ln>
-        </p:spPr>
-        <p:style>
-          <a:lnRef idx="2">
-            <a:schemeClr val="accent1">
-              <a:shade val="50000"/>
-            </a:schemeClr>
-          </a:lnRef>
-          <a:fillRef idx="1">
-            <a:schemeClr val="accent1"/>
-          </a:fillRef>
-          <a:effectRef idx="0">
-            <a:schemeClr val="accent1"/>
-          </a:effectRef>
-          <a:fontRef idx="minor">
-            <a:schemeClr val="lt1"/>
-          </a:fontRef>
-        </p:style>
-        <p:txBody>
-          <a:bodyPr rtlCol="0" anchor="ctr"/>
-          <a:lstStyle/>
-          <a:p>
-            <a:pPr algn="ctr"/>
-            <a:endParaRPr kumimoji="1" lang="ja-JP" altLang="en-US">
-              <a:solidFill>
-                <a:schemeClr val="tx1"/>
-              </a:solidFill>
-            </a:endParaRPr>
-          </a:p>
-        </p:txBody>
-      </p:sp>
-      <p:sp>
-        <p:nvSpPr>
-          <p:cNvPr id="41" name="正方形/長方形 40">
-            <a:extLst>
-              <a:ext uri="{FF2B5EF4-FFF2-40B4-BE49-F238E27FC236}">
-                <a16:creationId xmlns:a16="http://schemas.microsoft.com/office/drawing/2014/main" id="{7E4D1EB8-CC51-1F5D-B5B4-46233802AC3D}"/>
-              </a:ext>
-            </a:extLst>
-          </p:cNvPr>
-          <p:cNvSpPr/>
-          <p:nvPr/>
-        </p:nvSpPr>
-        <p:spPr>
-          <a:xfrm>
-            <a:off x="8694599" y="5543215"/>
-            <a:ext cx="698482" cy="45720"/>
-          </a:xfrm>
-          <a:prstGeom prst="rect">
-            <a:avLst/>
-          </a:prstGeom>
-          <a:solidFill>
-            <a:schemeClr val="tx1"/>
-          </a:solidFill>
-          <a:ln>
-            <a:noFill/>
-          </a:ln>
-        </p:spPr>
-        <p:style>
-          <a:lnRef idx="2">
-            <a:schemeClr val="accent1">
-              <a:shade val="50000"/>
-            </a:schemeClr>
-          </a:lnRef>
-          <a:fillRef idx="1">
-            <a:schemeClr val="accent1"/>
-          </a:fillRef>
-          <a:effectRef idx="0">
-            <a:schemeClr val="accent1"/>
-          </a:effectRef>
-          <a:fontRef idx="minor">
-            <a:schemeClr val="lt1"/>
-          </a:fontRef>
-        </p:style>
-        <p:txBody>
-          <a:bodyPr rtlCol="0" anchor="ctr"/>
-          <a:lstStyle/>
-          <a:p>
-            <a:pPr algn="ctr"/>
-            <a:endParaRPr kumimoji="1" lang="ja-JP" altLang="en-US">
-              <a:solidFill>
-                <a:schemeClr val="tx1"/>
-              </a:solidFill>
-            </a:endParaRPr>
-          </a:p>
-        </p:txBody>
-      </p:sp>
-      <p:pic>
-        <p:nvPicPr>
-          <p:cNvPr id="25" name="図 24">
-            <a:extLst>
-              <a:ext uri="{FF2B5EF4-FFF2-40B4-BE49-F238E27FC236}">
-                <a16:creationId xmlns:a16="http://schemas.microsoft.com/office/drawing/2014/main" id="{1E008C4D-B607-342C-71AA-8E0D854CA912}"/>
-              </a:ext>
-            </a:extLst>
-          </p:cNvPr>
-          <p:cNvPicPr>
-            <a:picLocks noChangeAspect="1"/>
-          </p:cNvPicPr>
-          <p:nvPr/>
-        </p:nvPicPr>
-        <p:blipFill>
-          <a:blip r:embed="rId5">
-            <a:extLst>
-              <a:ext uri="{28A0092B-C50C-407E-A947-70E740481C1C}">
-                <a14:useLocalDpi xmlns:a14="http://schemas.microsoft.com/office/drawing/2010/main" val="0"/>
-              </a:ext>
-            </a:extLst>
-          </a:blip>
-          <a:stretch>
-            <a:fillRect/>
-          </a:stretch>
-        </p:blipFill>
-        <p:spPr>
-          <a:xfrm>
-            <a:off x="7766567" y="5004768"/>
-            <a:ext cx="1071442" cy="1071442"/>
-          </a:xfrm>
-          <a:prstGeom prst="rect">
-            <a:avLst/>
-          </a:prstGeom>
-        </p:spPr>
-      </p:pic>
-      <p:sp>
-        <p:nvSpPr>
-          <p:cNvPr id="30" name="正方形/長方形 29">
-            <a:extLst>
-              <a:ext uri="{FF2B5EF4-FFF2-40B4-BE49-F238E27FC236}">
-                <a16:creationId xmlns:a16="http://schemas.microsoft.com/office/drawing/2014/main" id="{D0D745F4-2084-632C-8380-F8647D3AD04F}"/>
-              </a:ext>
-            </a:extLst>
-          </p:cNvPr>
-          <p:cNvSpPr/>
-          <p:nvPr/>
-        </p:nvSpPr>
-        <p:spPr>
-          <a:xfrm rot="16200000">
-            <a:off x="5646353" y="3584792"/>
-            <a:ext cx="3979087" cy="45719"/>
-          </a:xfrm>
-          <a:prstGeom prst="rect">
-            <a:avLst/>
-          </a:prstGeom>
-          <a:solidFill>
-            <a:schemeClr val="tx1"/>
-          </a:solidFill>
-          <a:ln>
-            <a:noFill/>
-          </a:ln>
-        </p:spPr>
-        <p:style>
-          <a:lnRef idx="2">
-            <a:schemeClr val="accent1">
-              <a:shade val="50000"/>
-            </a:schemeClr>
-          </a:lnRef>
-          <a:fillRef idx="1">
-            <a:schemeClr val="accent1"/>
-          </a:fillRef>
-          <a:effectRef idx="0">
-            <a:schemeClr val="accent1"/>
-          </a:effectRef>
-          <a:fontRef idx="minor">
-            <a:schemeClr val="lt1"/>
-          </a:fontRef>
-        </p:style>
-        <p:txBody>
-          <a:bodyPr rtlCol="0" anchor="ctr"/>
-          <a:lstStyle/>
-          <a:p>
-            <a:pPr algn="ctr"/>
-            <a:endParaRPr kumimoji="1" lang="ja-JP" altLang="en-US">
-              <a:solidFill>
-                <a:schemeClr val="tx1"/>
-              </a:solidFill>
-            </a:endParaRPr>
-          </a:p>
-        </p:txBody>
-      </p:sp>
-      <p:sp>
-        <p:nvSpPr>
-          <p:cNvPr id="34" name="正方形/長方形 33">
-            <a:extLst>
-              <a:ext uri="{FF2B5EF4-FFF2-40B4-BE49-F238E27FC236}">
-                <a16:creationId xmlns:a16="http://schemas.microsoft.com/office/drawing/2014/main" id="{94C8FEBA-22FE-5869-0FF1-C414B138E78E}"/>
-              </a:ext>
-            </a:extLst>
-          </p:cNvPr>
-          <p:cNvSpPr/>
-          <p:nvPr/>
-        </p:nvSpPr>
-        <p:spPr>
-          <a:xfrm>
-            <a:off x="8961715" y="2804814"/>
-            <a:ext cx="502445" cy="45719"/>
-          </a:xfrm>
-          <a:prstGeom prst="rect">
-            <a:avLst/>
-          </a:prstGeom>
-          <a:solidFill>
-            <a:schemeClr val="tx1"/>
-          </a:solidFill>
-          <a:ln>
-            <a:noFill/>
-          </a:ln>
-        </p:spPr>
-        <p:style>
-          <a:lnRef idx="2">
-            <a:schemeClr val="accent1">
-              <a:shade val="50000"/>
-            </a:schemeClr>
-          </a:lnRef>
-          <a:fillRef idx="1">
-            <a:schemeClr val="accent1"/>
-          </a:fillRef>
-          <a:effectRef idx="0">
-            <a:schemeClr val="accent1"/>
-          </a:effectRef>
-          <a:fontRef idx="minor">
-            <a:schemeClr val="lt1"/>
-          </a:fontRef>
-        </p:style>
-        <p:txBody>
-          <a:bodyPr rtlCol="0" anchor="ctr"/>
-          <a:lstStyle/>
-          <a:p>
-            <a:pPr algn="ctr"/>
-            <a:endParaRPr kumimoji="1" lang="ja-JP" altLang="en-US">
-              <a:solidFill>
-                <a:schemeClr val="tx1"/>
-              </a:solidFill>
-            </a:endParaRPr>
-          </a:p>
-        </p:txBody>
-      </p:sp>
-      <p:sp>
-        <p:nvSpPr>
-          <p:cNvPr id="35" name="正方形/長方形 34">
-            <a:extLst>
-              <a:ext uri="{FF2B5EF4-FFF2-40B4-BE49-F238E27FC236}">
-                <a16:creationId xmlns:a16="http://schemas.microsoft.com/office/drawing/2014/main" id="{74F87B00-488C-2DB1-C6C8-EB8A602ACC15}"/>
-              </a:ext>
-            </a:extLst>
-          </p:cNvPr>
-          <p:cNvSpPr/>
-          <p:nvPr/>
-        </p:nvSpPr>
-        <p:spPr>
-          <a:xfrm rot="16200000">
-            <a:off x="7649278" y="2882744"/>
-            <a:ext cx="2624880" cy="45719"/>
-          </a:xfrm>
-          <a:prstGeom prst="rect">
-            <a:avLst/>
-          </a:prstGeom>
-          <a:solidFill>
-            <a:schemeClr val="tx1"/>
-          </a:solidFill>
-          <a:ln>
-            <a:noFill/>
-          </a:ln>
-        </p:spPr>
-        <p:style>
-          <a:lnRef idx="2">
-            <a:schemeClr val="accent1">
-              <a:shade val="50000"/>
-            </a:schemeClr>
-          </a:lnRef>
-          <a:fillRef idx="1">
-            <a:schemeClr val="accent1"/>
-          </a:fillRef>
-          <a:effectRef idx="0">
-            <a:schemeClr val="accent1"/>
-          </a:effectRef>
-          <a:fontRef idx="minor">
-            <a:schemeClr val="lt1"/>
-          </a:fontRef>
-        </p:style>
-        <p:txBody>
-          <a:bodyPr rtlCol="0" anchor="ctr"/>
-          <a:lstStyle/>
-          <a:p>
-            <a:pPr algn="ctr"/>
-            <a:endParaRPr kumimoji="1" lang="ja-JP" altLang="en-US">
-              <a:solidFill>
-                <a:schemeClr val="tx1"/>
-              </a:solidFill>
-            </a:endParaRPr>
-          </a:p>
-        </p:txBody>
-      </p:sp>
-      <p:sp>
-        <p:nvSpPr>
-          <p:cNvPr id="36" name="正方形/長方形 35">
-            <a:extLst>
-              <a:ext uri="{FF2B5EF4-FFF2-40B4-BE49-F238E27FC236}">
-                <a16:creationId xmlns:a16="http://schemas.microsoft.com/office/drawing/2014/main" id="{5E1A2D03-AB8D-2FF3-9A4F-1F976BA57673}"/>
-              </a:ext>
-            </a:extLst>
-          </p:cNvPr>
-          <p:cNvSpPr/>
-          <p:nvPr/>
-        </p:nvSpPr>
-        <p:spPr>
-          <a:xfrm>
-            <a:off x="8961715" y="4172326"/>
-            <a:ext cx="502445" cy="45719"/>
-          </a:xfrm>
-          <a:prstGeom prst="rect">
-            <a:avLst/>
-          </a:prstGeom>
-          <a:solidFill>
-            <a:schemeClr val="tx1"/>
-          </a:solidFill>
-          <a:ln>
-            <a:noFill/>
-          </a:ln>
-        </p:spPr>
-        <p:style>
-          <a:lnRef idx="2">
-            <a:schemeClr val="accent1">
-              <a:shade val="50000"/>
-            </a:schemeClr>
-          </a:lnRef>
-          <a:fillRef idx="1">
-            <a:schemeClr val="accent1"/>
-          </a:fillRef>
-          <a:effectRef idx="0">
-            <a:schemeClr val="accent1"/>
-          </a:effectRef>
-          <a:fontRef idx="minor">
-            <a:schemeClr val="lt1"/>
-          </a:fontRef>
-        </p:style>
-        <p:txBody>
-          <a:bodyPr rtlCol="0" anchor="ctr"/>
-          <a:lstStyle/>
-          <a:p>
-            <a:pPr algn="ctr"/>
-            <a:endParaRPr kumimoji="1" lang="ja-JP" altLang="en-US">
-              <a:solidFill>
-                <a:schemeClr val="tx1"/>
-              </a:solidFill>
-            </a:endParaRPr>
-          </a:p>
-        </p:txBody>
-      </p:sp>
-      <p:pic>
-        <p:nvPicPr>
-          <p:cNvPr id="39" name="図 38">
-            <a:extLst>
-              <a:ext uri="{FF2B5EF4-FFF2-40B4-BE49-F238E27FC236}">
-                <a16:creationId xmlns:a16="http://schemas.microsoft.com/office/drawing/2014/main" id="{BAA355D1-1044-828E-F483-0360DC7E1F3A}"/>
-              </a:ext>
-            </a:extLst>
-          </p:cNvPr>
-          <p:cNvPicPr>
-            <a:picLocks noChangeAspect="1"/>
-          </p:cNvPicPr>
-          <p:nvPr/>
-        </p:nvPicPr>
-        <p:blipFill>
-          <a:blip r:embed="rId6">
-            <a:extLst>
-              <a:ext uri="{28A0092B-C50C-407E-A947-70E740481C1C}">
-                <a14:useLocalDpi xmlns:a14="http://schemas.microsoft.com/office/drawing/2010/main" val="0"/>
-              </a:ext>
-            </a:extLst>
-          </a:blip>
-          <a:stretch>
-            <a:fillRect/>
-          </a:stretch>
-        </p:blipFill>
-        <p:spPr>
-          <a:xfrm>
-            <a:off x="9104207" y="2298262"/>
-            <a:ext cx="1013104" cy="1013104"/>
-          </a:xfrm>
-          <a:prstGeom prst="rect">
-            <a:avLst/>
-          </a:prstGeom>
-        </p:spPr>
-      </p:pic>
-      <p:pic>
-        <p:nvPicPr>
-          <p:cNvPr id="40" name="図 39">
-            <a:extLst>
-              <a:ext uri="{FF2B5EF4-FFF2-40B4-BE49-F238E27FC236}">
-                <a16:creationId xmlns:a16="http://schemas.microsoft.com/office/drawing/2014/main" id="{5AF27770-A7D3-7B50-6E8B-69004685AEC0}"/>
-              </a:ext>
-            </a:extLst>
-          </p:cNvPr>
-          <p:cNvPicPr>
-            <a:picLocks noChangeAspect="1"/>
-          </p:cNvPicPr>
-          <p:nvPr/>
-        </p:nvPicPr>
-        <p:blipFill>
-          <a:blip r:embed="rId7">
-            <a:extLst>
-              <a:ext uri="{28A0092B-C50C-407E-A947-70E740481C1C}">
-                <a14:useLocalDpi xmlns:a14="http://schemas.microsoft.com/office/drawing/2010/main" val="0"/>
-              </a:ext>
-            </a:extLst>
-          </a:blip>
-          <a:stretch>
-            <a:fillRect/>
-          </a:stretch>
-        </p:blipFill>
-        <p:spPr>
-          <a:xfrm>
-            <a:off x="9119458" y="3669901"/>
-            <a:ext cx="1023138" cy="1023138"/>
-          </a:xfrm>
-          <a:prstGeom prst="rect">
-            <a:avLst/>
-          </a:prstGeom>
-        </p:spPr>
-      </p:pic>
-      <p:sp>
-        <p:nvSpPr>
-          <p:cNvPr id="45" name="正方形/長方形 44">
-            <a:extLst>
-              <a:ext uri="{FF2B5EF4-FFF2-40B4-BE49-F238E27FC236}">
-                <a16:creationId xmlns:a16="http://schemas.microsoft.com/office/drawing/2014/main" id="{83845238-7D9A-0732-1A60-4D08122904F3}"/>
-              </a:ext>
-            </a:extLst>
-          </p:cNvPr>
-          <p:cNvSpPr/>
-          <p:nvPr/>
-        </p:nvSpPr>
-        <p:spPr>
-          <a:xfrm>
-            <a:off x="10004971" y="1591346"/>
-            <a:ext cx="697954" cy="45719"/>
-          </a:xfrm>
-          <a:prstGeom prst="rect">
-            <a:avLst/>
-          </a:prstGeom>
-          <a:solidFill>
-            <a:schemeClr val="tx1"/>
-          </a:solidFill>
-          <a:ln>
-            <a:noFill/>
-          </a:ln>
-        </p:spPr>
-        <p:style>
-          <a:lnRef idx="2">
-            <a:schemeClr val="accent1">
-              <a:shade val="50000"/>
-            </a:schemeClr>
-          </a:lnRef>
-          <a:fillRef idx="1">
-            <a:schemeClr val="accent1"/>
-          </a:fillRef>
-          <a:effectRef idx="0">
-            <a:schemeClr val="accent1"/>
-          </a:effectRef>
-          <a:fontRef idx="minor">
-            <a:schemeClr val="lt1"/>
-          </a:fontRef>
-        </p:style>
-        <p:txBody>
-          <a:bodyPr rtlCol="0" anchor="ctr"/>
-          <a:lstStyle/>
-          <a:p>
-            <a:pPr algn="ctr"/>
-            <a:endParaRPr kumimoji="1" lang="ja-JP" altLang="en-US">
-              <a:solidFill>
-                <a:schemeClr val="tx1"/>
-              </a:solidFill>
-            </a:endParaRPr>
-          </a:p>
-        </p:txBody>
-      </p:sp>
-      <p:sp>
-        <p:nvSpPr>
-          <p:cNvPr id="46" name="正方形/長方形 45">
-            <a:extLst>
-              <a:ext uri="{FF2B5EF4-FFF2-40B4-BE49-F238E27FC236}">
-                <a16:creationId xmlns:a16="http://schemas.microsoft.com/office/drawing/2014/main" id="{EA682699-6BCC-818A-E69A-2C66E6554825}"/>
-              </a:ext>
-            </a:extLst>
-          </p:cNvPr>
-          <p:cNvSpPr/>
-          <p:nvPr/>
-        </p:nvSpPr>
-        <p:spPr>
-          <a:xfrm>
-            <a:off x="10311324" y="2804814"/>
-            <a:ext cx="502445" cy="45719"/>
-          </a:xfrm>
-          <a:prstGeom prst="rect">
-            <a:avLst/>
-          </a:prstGeom>
-          <a:solidFill>
-            <a:schemeClr val="tx1"/>
-          </a:solidFill>
-          <a:ln>
-            <a:noFill/>
-          </a:ln>
-        </p:spPr>
-        <p:style>
-          <a:lnRef idx="2">
-            <a:schemeClr val="accent1">
-              <a:shade val="50000"/>
-            </a:schemeClr>
-          </a:lnRef>
-          <a:fillRef idx="1">
-            <a:schemeClr val="accent1"/>
-          </a:fillRef>
-          <a:effectRef idx="0">
-            <a:schemeClr val="accent1"/>
-          </a:effectRef>
-          <a:fontRef idx="minor">
-            <a:schemeClr val="lt1"/>
-          </a:fontRef>
-        </p:style>
-        <p:txBody>
-          <a:bodyPr rtlCol="0" anchor="ctr"/>
-          <a:lstStyle/>
-          <a:p>
-            <a:pPr algn="ctr"/>
-            <a:endParaRPr kumimoji="1" lang="ja-JP" altLang="en-US">
-              <a:solidFill>
-                <a:schemeClr val="tx1"/>
-              </a:solidFill>
-            </a:endParaRPr>
-          </a:p>
-        </p:txBody>
-      </p:sp>
-      <p:pic>
-        <p:nvPicPr>
-          <p:cNvPr id="32" name="図 31">
-            <a:extLst>
-              <a:ext uri="{FF2B5EF4-FFF2-40B4-BE49-F238E27FC236}">
-                <a16:creationId xmlns:a16="http://schemas.microsoft.com/office/drawing/2014/main" id="{72D423B8-1FCD-C066-8FAF-7C1EE40BD78E}"/>
-              </a:ext>
-            </a:extLst>
-          </p:cNvPr>
-          <p:cNvPicPr>
-            <a:picLocks noChangeAspect="1"/>
-          </p:cNvPicPr>
-          <p:nvPr/>
-        </p:nvPicPr>
-        <p:blipFill>
-          <a:blip r:embed="rId5">
-            <a:extLst>
-              <a:ext uri="{28A0092B-C50C-407E-A947-70E740481C1C}">
-                <a14:useLocalDpi xmlns:a14="http://schemas.microsoft.com/office/drawing/2010/main" val="0"/>
-              </a:ext>
-            </a:extLst>
-          </a:blip>
-          <a:stretch>
-            <a:fillRect/>
-          </a:stretch>
-        </p:blipFill>
-        <p:spPr>
-          <a:xfrm>
-            <a:off x="9058157" y="1046161"/>
-            <a:ext cx="1071442" cy="1071442"/>
-          </a:xfrm>
-          <a:prstGeom prst="rect">
-            <a:avLst/>
-          </a:prstGeom>
-        </p:spPr>
-      </p:pic>
-      <p:sp>
-        <p:nvSpPr>
-          <p:cNvPr id="47" name="正方形/長方形 46">
-            <a:extLst>
-              <a:ext uri="{FF2B5EF4-FFF2-40B4-BE49-F238E27FC236}">
-                <a16:creationId xmlns:a16="http://schemas.microsoft.com/office/drawing/2014/main" id="{3F4ED6C1-35AD-1EE6-25F7-AB89DAC10E2A}"/>
-              </a:ext>
-            </a:extLst>
-          </p:cNvPr>
-          <p:cNvSpPr/>
-          <p:nvPr/>
-        </p:nvSpPr>
-        <p:spPr>
-          <a:xfrm rot="16200000">
-            <a:off x="8998887" y="2882743"/>
-            <a:ext cx="2624882" cy="45719"/>
-          </a:xfrm>
-          <a:prstGeom prst="rect">
-            <a:avLst/>
-          </a:prstGeom>
-          <a:solidFill>
-            <a:schemeClr val="tx1"/>
-          </a:solidFill>
-          <a:ln>
-            <a:noFill/>
-          </a:ln>
-        </p:spPr>
-        <p:style>
-          <a:lnRef idx="2">
-            <a:schemeClr val="accent1">
-              <a:shade val="50000"/>
-            </a:schemeClr>
-          </a:lnRef>
-          <a:fillRef idx="1">
-            <a:schemeClr val="accent1"/>
-          </a:fillRef>
-          <a:effectRef idx="0">
-            <a:schemeClr val="accent1"/>
-          </a:effectRef>
-          <a:fontRef idx="minor">
-            <a:schemeClr val="lt1"/>
-          </a:fontRef>
-        </p:style>
-        <p:txBody>
-          <a:bodyPr rtlCol="0" anchor="ctr"/>
-          <a:lstStyle/>
-          <a:p>
-            <a:pPr algn="ctr"/>
-            <a:endParaRPr kumimoji="1" lang="ja-JP" altLang="en-US">
-              <a:solidFill>
-                <a:schemeClr val="tx1"/>
-              </a:solidFill>
-            </a:endParaRPr>
-          </a:p>
-        </p:txBody>
-      </p:sp>
-      <p:sp>
-        <p:nvSpPr>
-          <p:cNvPr id="48" name="正方形/長方形 47">
-            <a:extLst>
-              <a:ext uri="{FF2B5EF4-FFF2-40B4-BE49-F238E27FC236}">
-                <a16:creationId xmlns:a16="http://schemas.microsoft.com/office/drawing/2014/main" id="{42204B07-748A-CFBE-9BA5-FB8B821CF05B}"/>
-              </a:ext>
-            </a:extLst>
-          </p:cNvPr>
-          <p:cNvSpPr/>
-          <p:nvPr/>
-        </p:nvSpPr>
-        <p:spPr>
-          <a:xfrm>
-            <a:off x="10311324" y="4172326"/>
-            <a:ext cx="502445" cy="45719"/>
-          </a:xfrm>
-          <a:prstGeom prst="rect">
-            <a:avLst/>
-          </a:prstGeom>
-          <a:solidFill>
-            <a:schemeClr val="tx1"/>
-          </a:solidFill>
-          <a:ln>
-            <a:noFill/>
-          </a:ln>
-        </p:spPr>
-        <p:style>
-          <a:lnRef idx="2">
-            <a:schemeClr val="accent1">
-              <a:shade val="50000"/>
-            </a:schemeClr>
-          </a:lnRef>
-          <a:fillRef idx="1">
-            <a:schemeClr val="accent1"/>
-          </a:fillRef>
-          <a:effectRef idx="0">
-            <a:schemeClr val="accent1"/>
-          </a:effectRef>
-          <a:fontRef idx="minor">
-            <a:schemeClr val="lt1"/>
-          </a:fontRef>
-        </p:style>
-        <p:txBody>
-          <a:bodyPr rtlCol="0" anchor="ctr"/>
-          <a:lstStyle/>
-          <a:p>
-            <a:pPr algn="ctr"/>
-            <a:endParaRPr kumimoji="1" lang="ja-JP" altLang="en-US">
-              <a:solidFill>
-                <a:schemeClr val="tx1"/>
-              </a:solidFill>
-            </a:endParaRPr>
-          </a:p>
-        </p:txBody>
-      </p:sp>
-      <p:pic>
-        <p:nvPicPr>
-          <p:cNvPr id="43" name="図 42">
-            <a:extLst>
-              <a:ext uri="{FF2B5EF4-FFF2-40B4-BE49-F238E27FC236}">
-                <a16:creationId xmlns:a16="http://schemas.microsoft.com/office/drawing/2014/main" id="{E6726E46-843A-9EB3-9643-C9BED46CB049}"/>
-              </a:ext>
-            </a:extLst>
-          </p:cNvPr>
-          <p:cNvPicPr>
-            <a:picLocks noChangeAspect="1"/>
-          </p:cNvPicPr>
-          <p:nvPr/>
-        </p:nvPicPr>
-        <p:blipFill>
-          <a:blip r:embed="rId8">
-            <a:extLst>
-              <a:ext uri="{28A0092B-C50C-407E-A947-70E740481C1C}">
-                <a14:useLocalDpi xmlns:a14="http://schemas.microsoft.com/office/drawing/2010/main" val="0"/>
-              </a:ext>
-            </a:extLst>
-          </a:blip>
-          <a:stretch>
-            <a:fillRect/>
-          </a:stretch>
-        </p:blipFill>
-        <p:spPr>
-          <a:xfrm>
-            <a:off x="9165605" y="5026528"/>
-            <a:ext cx="1011858" cy="1011858"/>
-          </a:xfrm>
-          <a:prstGeom prst="rect">
-            <a:avLst/>
-          </a:prstGeom>
-        </p:spPr>
-      </p:pic>
-      <p:pic>
-        <p:nvPicPr>
-          <p:cNvPr id="49" name="図 48">
-            <a:extLst>
-              <a:ext uri="{FF2B5EF4-FFF2-40B4-BE49-F238E27FC236}">
-                <a16:creationId xmlns:a16="http://schemas.microsoft.com/office/drawing/2014/main" id="{A5ECE3BE-93AD-3944-32BF-2B1A4CBA60C6}"/>
-              </a:ext>
-            </a:extLst>
-          </p:cNvPr>
-          <p:cNvPicPr>
-            <a:picLocks noChangeAspect="1"/>
-          </p:cNvPicPr>
-          <p:nvPr/>
-        </p:nvPicPr>
-        <p:blipFill>
-          <a:blip r:embed="rId8">
-            <a:extLst>
-              <a:ext uri="{28A0092B-C50C-407E-A947-70E740481C1C}">
-                <a14:useLocalDpi xmlns:a14="http://schemas.microsoft.com/office/drawing/2010/main" val="0"/>
-              </a:ext>
-            </a:extLst>
-          </a:blip>
-          <a:stretch>
-            <a:fillRect/>
-          </a:stretch>
-        </p:blipFill>
-        <p:spPr>
-          <a:xfrm>
-            <a:off x="10408468" y="1085417"/>
-            <a:ext cx="1011858" cy="1011858"/>
-          </a:xfrm>
-          <a:prstGeom prst="rect">
-            <a:avLst/>
-          </a:prstGeom>
-        </p:spPr>
-      </p:pic>
-      <p:pic>
-        <p:nvPicPr>
-          <p:cNvPr id="50" name="図 49">
-            <a:extLst>
-              <a:ext uri="{FF2B5EF4-FFF2-40B4-BE49-F238E27FC236}">
-                <a16:creationId xmlns:a16="http://schemas.microsoft.com/office/drawing/2014/main" id="{473AB316-F82C-1274-AEE6-BEB0A74EF58E}"/>
-              </a:ext>
-            </a:extLst>
-          </p:cNvPr>
-          <p:cNvPicPr>
-            <a:picLocks noChangeAspect="1"/>
-          </p:cNvPicPr>
-          <p:nvPr/>
-        </p:nvPicPr>
-        <p:blipFill>
-          <a:blip r:embed="rId9">
-            <a:extLst>
-              <a:ext uri="{28A0092B-C50C-407E-A947-70E740481C1C}">
-                <a14:useLocalDpi xmlns:a14="http://schemas.microsoft.com/office/drawing/2010/main" val="0"/>
-              </a:ext>
-            </a:extLst>
-          </a:blip>
-          <a:stretch>
-            <a:fillRect/>
-          </a:stretch>
-        </p:blipFill>
-        <p:spPr>
-          <a:xfrm>
-            <a:off x="10396810" y="2304083"/>
-            <a:ext cx="1011858" cy="1011858"/>
-          </a:xfrm>
-          <a:prstGeom prst="rect">
-            <a:avLst/>
-          </a:prstGeom>
-        </p:spPr>
-      </p:pic>
-      <p:pic>
-        <p:nvPicPr>
-          <p:cNvPr id="51" name="図 50">
-            <a:extLst>
-              <a:ext uri="{FF2B5EF4-FFF2-40B4-BE49-F238E27FC236}">
-                <a16:creationId xmlns:a16="http://schemas.microsoft.com/office/drawing/2014/main" id="{03502DE5-1BE1-6AE7-BA6C-3449020F14B0}"/>
-              </a:ext>
-            </a:extLst>
-          </p:cNvPr>
-          <p:cNvPicPr>
-            <a:picLocks noChangeAspect="1"/>
-          </p:cNvPicPr>
-          <p:nvPr/>
-        </p:nvPicPr>
-        <p:blipFill>
-          <a:blip r:embed="rId10">
-            <a:extLst>
-              <a:ext uri="{28A0092B-C50C-407E-A947-70E740481C1C}">
-                <a14:useLocalDpi xmlns:a14="http://schemas.microsoft.com/office/drawing/2010/main" val="0"/>
-              </a:ext>
-            </a:extLst>
-          </a:blip>
-          <a:stretch>
-            <a:fillRect/>
-          </a:stretch>
-        </p:blipFill>
-        <p:spPr>
-          <a:xfrm>
-            <a:off x="10408468" y="3681585"/>
-            <a:ext cx="1011858" cy="1011858"/>
-          </a:xfrm>
-          <a:prstGeom prst="rect">
-            <a:avLst/>
-          </a:prstGeom>
-        </p:spPr>
-      </p:pic>
-      <p:sp>
-        <p:nvSpPr>
-          <p:cNvPr id="2" name="テキスト ボックス 1">
-            <a:extLst>
-              <a:ext uri="{FF2B5EF4-FFF2-40B4-BE49-F238E27FC236}">
-                <a16:creationId xmlns:a16="http://schemas.microsoft.com/office/drawing/2014/main" id="{C6D454EC-081B-C79D-395F-1967463A8B6D}"/>
-              </a:ext>
-            </a:extLst>
-          </p:cNvPr>
-          <p:cNvSpPr txBox="1"/>
-          <p:nvPr/>
-        </p:nvSpPr>
-        <p:spPr>
-          <a:xfrm>
-            <a:off x="6486239" y="1965694"/>
-            <a:ext cx="966524" cy="338554"/>
-          </a:xfrm>
-          <a:prstGeom prst="rect">
-            <a:avLst/>
-          </a:prstGeom>
-          <a:noFill/>
-        </p:spPr>
-        <p:txBody>
-          <a:bodyPr wrap="square" rtlCol="0">
-            <a:spAutoFit/>
-          </a:bodyPr>
-          <a:lstStyle/>
-          <a:p>
-            <a:pPr algn="ctr"/>
-            <a:r>
-              <a:rPr lang="en-US" altLang="ja-JP" sz="1600" dirty="0">
-                <a:latin typeface="マキナス 4 Flat" panose="02000600000000000000" pitchFamily="50" charset="-128"/>
-                <a:ea typeface="マキナス 4 Flat" panose="02000600000000000000" pitchFamily="50" charset="-128"/>
-              </a:rPr>
-              <a:t>Home</a:t>
-            </a:r>
-            <a:endParaRPr kumimoji="1" lang="ja-JP" altLang="en-US" sz="1600" dirty="0">
-              <a:latin typeface="マキナス 4 Flat" panose="02000600000000000000" pitchFamily="50" charset="-128"/>
-              <a:ea typeface="マキナス 4 Flat" panose="02000600000000000000" pitchFamily="50" charset="-128"/>
-            </a:endParaRPr>
-          </a:p>
-        </p:txBody>
-      </p:sp>
-      <p:sp>
-        <p:nvSpPr>
-          <p:cNvPr id="52" name="テキスト ボックス 51">
-            <a:extLst>
-              <a:ext uri="{FF2B5EF4-FFF2-40B4-BE49-F238E27FC236}">
-                <a16:creationId xmlns:a16="http://schemas.microsoft.com/office/drawing/2014/main" id="{27A52EEF-4572-A367-9A0E-1F3AD5575AF7}"/>
-              </a:ext>
-            </a:extLst>
-          </p:cNvPr>
-          <p:cNvSpPr txBox="1"/>
-          <p:nvPr/>
-        </p:nvSpPr>
-        <p:spPr>
-          <a:xfrm>
-            <a:off x="7708883" y="1972391"/>
-            <a:ext cx="1202706" cy="338554"/>
-          </a:xfrm>
-          <a:prstGeom prst="rect">
-            <a:avLst/>
-          </a:prstGeom>
-          <a:noFill/>
-        </p:spPr>
-        <p:txBody>
-          <a:bodyPr wrap="square" rtlCol="0">
-            <a:spAutoFit/>
-          </a:bodyPr>
-          <a:lstStyle/>
-          <a:p>
-            <a:pPr algn="ctr"/>
-            <a:r>
-              <a:rPr lang="en-US" altLang="ja-JP" sz="1600" dirty="0">
-                <a:latin typeface="マキナス 4 Flat" panose="02000600000000000000" pitchFamily="50" charset="-128"/>
-                <a:ea typeface="マキナス 4 Flat" panose="02000600000000000000" pitchFamily="50" charset="-128"/>
-              </a:rPr>
-              <a:t>School</a:t>
-            </a:r>
-            <a:endParaRPr kumimoji="1" lang="ja-JP" altLang="en-US" sz="1600" dirty="0">
-              <a:latin typeface="マキナス 4 Flat" panose="02000600000000000000" pitchFamily="50" charset="-128"/>
-              <a:ea typeface="マキナス 4 Flat" panose="02000600000000000000" pitchFamily="50" charset="-128"/>
-            </a:endParaRPr>
-          </a:p>
-        </p:txBody>
-      </p:sp>
-      <p:sp>
-        <p:nvSpPr>
-          <p:cNvPr id="54" name="テキスト ボックス 53">
-            <a:extLst>
-              <a:ext uri="{FF2B5EF4-FFF2-40B4-BE49-F238E27FC236}">
-                <a16:creationId xmlns:a16="http://schemas.microsoft.com/office/drawing/2014/main" id="{34F7CF51-59F2-EBAB-6F3E-E94704704508}"/>
-              </a:ext>
-            </a:extLst>
-          </p:cNvPr>
-          <p:cNvSpPr txBox="1"/>
-          <p:nvPr/>
-        </p:nvSpPr>
-        <p:spPr>
-          <a:xfrm>
-            <a:off x="7708883" y="5932428"/>
-            <a:ext cx="1202706" cy="338554"/>
-          </a:xfrm>
-          <a:prstGeom prst="rect">
-            <a:avLst/>
-          </a:prstGeom>
-          <a:noFill/>
-        </p:spPr>
-        <p:txBody>
-          <a:bodyPr wrap="square" rtlCol="0">
-            <a:spAutoFit/>
-          </a:bodyPr>
-          <a:lstStyle/>
-          <a:p>
-            <a:pPr algn="ctr"/>
-            <a:r>
-              <a:rPr lang="en-US" altLang="ja-JP" sz="1600" dirty="0" err="1">
-                <a:latin typeface="マキナス 4 Flat" panose="02000600000000000000" pitchFamily="50" charset="-128"/>
-                <a:ea typeface="マキナス 4 Flat" panose="02000600000000000000" pitchFamily="50" charset="-128"/>
-              </a:rPr>
-              <a:t>R</a:t>
-            </a:r>
-            <a:r>
-              <a:rPr kumimoji="1" lang="en-US" altLang="ja-JP" sz="1600" dirty="0" err="1">
-                <a:latin typeface="マキナス 4 Flat" panose="02000600000000000000" pitchFamily="50" charset="-128"/>
-                <a:ea typeface="マキナス 4 Flat" panose="02000600000000000000" pitchFamily="50" charset="-128"/>
-              </a:rPr>
-              <a:t>obocon</a:t>
-            </a:r>
-            <a:endParaRPr kumimoji="1" lang="ja-JP" altLang="en-US" sz="1600" dirty="0">
-              <a:latin typeface="マキナス 4 Flat" panose="02000600000000000000" pitchFamily="50" charset="-128"/>
-              <a:ea typeface="マキナス 4 Flat" panose="02000600000000000000" pitchFamily="50" charset="-128"/>
-            </a:endParaRPr>
-          </a:p>
-        </p:txBody>
-      </p:sp>
-      <p:sp>
-        <p:nvSpPr>
-          <p:cNvPr id="55" name="テキスト ボックス 54">
-            <a:extLst>
-              <a:ext uri="{FF2B5EF4-FFF2-40B4-BE49-F238E27FC236}">
-                <a16:creationId xmlns:a16="http://schemas.microsoft.com/office/drawing/2014/main" id="{1C1601E6-3416-5C42-0444-6F9F4F2FB286}"/>
-              </a:ext>
-            </a:extLst>
-          </p:cNvPr>
-          <p:cNvSpPr txBox="1"/>
-          <p:nvPr/>
-        </p:nvSpPr>
-        <p:spPr>
-          <a:xfrm>
-            <a:off x="9085760" y="6009366"/>
-            <a:ext cx="1202706" cy="338554"/>
-          </a:xfrm>
-          <a:prstGeom prst="rect">
-            <a:avLst/>
-          </a:prstGeom>
-          <a:noFill/>
-        </p:spPr>
-        <p:txBody>
-          <a:bodyPr wrap="square" rtlCol="0">
-            <a:spAutoFit/>
-          </a:bodyPr>
-          <a:lstStyle/>
-          <a:p>
-            <a:pPr algn="ctr"/>
-            <a:r>
-              <a:rPr lang="en-US" altLang="ja-JP" sz="1600" dirty="0">
-                <a:latin typeface="マキナス 4 Flat" panose="02000600000000000000" pitchFamily="50" charset="-128"/>
-                <a:ea typeface="マキナス 4 Flat" panose="02000600000000000000" pitchFamily="50" charset="-128"/>
-              </a:rPr>
-              <a:t>Idea.txt</a:t>
-            </a:r>
-            <a:endParaRPr kumimoji="1" lang="ja-JP" altLang="en-US" sz="1600" dirty="0">
-              <a:latin typeface="マキナス 4 Flat" panose="02000600000000000000" pitchFamily="50" charset="-128"/>
-              <a:ea typeface="マキナス 4 Flat" panose="02000600000000000000" pitchFamily="50" charset="-128"/>
-            </a:endParaRPr>
-          </a:p>
-        </p:txBody>
-      </p:sp>
-      <p:sp>
-        <p:nvSpPr>
-          <p:cNvPr id="56" name="テキスト ボックス 55">
-            <a:extLst>
-              <a:ext uri="{FF2B5EF4-FFF2-40B4-BE49-F238E27FC236}">
-                <a16:creationId xmlns:a16="http://schemas.microsoft.com/office/drawing/2014/main" id="{93E507DD-C346-AA6B-BDB1-926C0D241CAA}"/>
-              </a:ext>
-            </a:extLst>
-          </p:cNvPr>
-          <p:cNvSpPr txBox="1"/>
-          <p:nvPr/>
-        </p:nvSpPr>
-        <p:spPr>
-          <a:xfrm>
-            <a:off x="8900296" y="4593851"/>
-            <a:ext cx="1496514" cy="338554"/>
-          </a:xfrm>
-          <a:prstGeom prst="rect">
-            <a:avLst/>
-          </a:prstGeom>
-          <a:noFill/>
-        </p:spPr>
-        <p:txBody>
-          <a:bodyPr wrap="square" rtlCol="0">
-            <a:spAutoFit/>
-          </a:bodyPr>
-          <a:lstStyle/>
-          <a:p>
-            <a:pPr algn="ctr"/>
-            <a:r>
-              <a:rPr lang="en-US" altLang="ja-JP" sz="1600" dirty="0">
-                <a:latin typeface="マキナス 4 Flat" panose="02000600000000000000" pitchFamily="50" charset="-128"/>
-                <a:ea typeface="マキナス 4 Flat" panose="02000600000000000000" pitchFamily="50" charset="-128"/>
-              </a:rPr>
-              <a:t>Answer.pdf</a:t>
-            </a:r>
-            <a:endParaRPr kumimoji="1" lang="ja-JP" altLang="en-US" sz="1600" dirty="0">
-              <a:latin typeface="マキナス 4 Flat" panose="02000600000000000000" pitchFamily="50" charset="-128"/>
-              <a:ea typeface="マキナス 4 Flat" panose="02000600000000000000" pitchFamily="50" charset="-128"/>
-            </a:endParaRPr>
-          </a:p>
-        </p:txBody>
-      </p:sp>
-      <p:sp>
-        <p:nvSpPr>
-          <p:cNvPr id="57" name="テキスト ボックス 56">
-            <a:extLst>
-              <a:ext uri="{FF2B5EF4-FFF2-40B4-BE49-F238E27FC236}">
-                <a16:creationId xmlns:a16="http://schemas.microsoft.com/office/drawing/2014/main" id="{7F1606DC-0DD9-89DE-4943-8897FD0D214E}"/>
-              </a:ext>
-            </a:extLst>
-          </p:cNvPr>
-          <p:cNvSpPr txBox="1"/>
-          <p:nvPr/>
-        </p:nvSpPr>
-        <p:spPr>
-          <a:xfrm>
-            <a:off x="9047200" y="3222593"/>
-            <a:ext cx="1202706" cy="369332"/>
-          </a:xfrm>
-          <a:prstGeom prst="rect">
-            <a:avLst/>
-          </a:prstGeom>
-          <a:noFill/>
-        </p:spPr>
-        <p:txBody>
-          <a:bodyPr wrap="square" rtlCol="0">
-            <a:spAutoFit/>
-          </a:bodyPr>
-          <a:lstStyle/>
-          <a:p>
-            <a:pPr algn="ctr"/>
-            <a:r>
-              <a:rPr lang="en-US" altLang="ja-JP" dirty="0">
-                <a:latin typeface="マキナス 4 Flat" panose="02000600000000000000" pitchFamily="50" charset="-128"/>
-                <a:ea typeface="マキナス 4 Flat" panose="02000600000000000000" pitchFamily="50" charset="-128"/>
-              </a:rPr>
-              <a:t>Math.png</a:t>
-            </a:r>
-            <a:endParaRPr kumimoji="1" lang="ja-JP" altLang="en-US" dirty="0">
-              <a:latin typeface="マキナス 4 Flat" panose="02000600000000000000" pitchFamily="50" charset="-128"/>
-              <a:ea typeface="マキナス 4 Flat" panose="02000600000000000000" pitchFamily="50" charset="-128"/>
-            </a:endParaRPr>
-          </a:p>
-        </p:txBody>
-      </p:sp>
-      <p:sp>
-        <p:nvSpPr>
-          <p:cNvPr id="58" name="テキスト ボックス 57">
-            <a:extLst>
-              <a:ext uri="{FF2B5EF4-FFF2-40B4-BE49-F238E27FC236}">
-                <a16:creationId xmlns:a16="http://schemas.microsoft.com/office/drawing/2014/main" id="{8EAFCFB1-2A54-161E-63BA-85D2261A57B1}"/>
-              </a:ext>
-            </a:extLst>
-          </p:cNvPr>
-          <p:cNvSpPr txBox="1"/>
-          <p:nvPr/>
-        </p:nvSpPr>
-        <p:spPr>
-          <a:xfrm>
-            <a:off x="8933052" y="1967260"/>
-            <a:ext cx="1355414" cy="338554"/>
-          </a:xfrm>
-          <a:prstGeom prst="rect">
-            <a:avLst/>
-          </a:prstGeom>
-          <a:noFill/>
-        </p:spPr>
-        <p:txBody>
-          <a:bodyPr wrap="square" rtlCol="0">
-            <a:spAutoFit/>
-          </a:bodyPr>
-          <a:lstStyle/>
-          <a:p>
-            <a:pPr algn="ctr"/>
-            <a:r>
-              <a:rPr lang="en-US" altLang="ja-JP" sz="1600" dirty="0">
-                <a:latin typeface="マキナス 4 Flat" panose="02000600000000000000" pitchFamily="50" charset="-128"/>
-                <a:ea typeface="マキナス 4 Flat" panose="02000600000000000000" pitchFamily="50" charset="-128"/>
-              </a:rPr>
-              <a:t>R</a:t>
-            </a:r>
-            <a:r>
-              <a:rPr kumimoji="1" lang="en-US" altLang="ja-JP" sz="1600" dirty="0">
-                <a:latin typeface="マキナス 4 Flat" panose="02000600000000000000" pitchFamily="50" charset="-128"/>
-                <a:ea typeface="マキナス 4 Flat" panose="02000600000000000000" pitchFamily="50" charset="-128"/>
-              </a:rPr>
-              <a:t>eport</a:t>
-            </a:r>
-            <a:endParaRPr kumimoji="1" lang="ja-JP" altLang="en-US" sz="1600" dirty="0">
-              <a:latin typeface="マキナス 4 Flat" panose="02000600000000000000" pitchFamily="50" charset="-128"/>
-              <a:ea typeface="マキナス 4 Flat" panose="02000600000000000000" pitchFamily="50" charset="-128"/>
-            </a:endParaRPr>
-          </a:p>
-        </p:txBody>
-      </p:sp>
-      <p:sp>
-        <p:nvSpPr>
-          <p:cNvPr id="60" name="テキスト ボックス 59">
-            <a:extLst>
-              <a:ext uri="{FF2B5EF4-FFF2-40B4-BE49-F238E27FC236}">
-                <a16:creationId xmlns:a16="http://schemas.microsoft.com/office/drawing/2014/main" id="{B2501BE3-2D25-D59A-87E1-11044459261D}"/>
-              </a:ext>
-            </a:extLst>
-          </p:cNvPr>
-          <p:cNvSpPr txBox="1"/>
-          <p:nvPr/>
-        </p:nvSpPr>
-        <p:spPr>
-          <a:xfrm>
-            <a:off x="10203255" y="4593851"/>
-            <a:ext cx="1496514" cy="338554"/>
-          </a:xfrm>
-          <a:prstGeom prst="rect">
-            <a:avLst/>
-          </a:prstGeom>
-          <a:noFill/>
-        </p:spPr>
-        <p:txBody>
-          <a:bodyPr wrap="square" rtlCol="0">
-            <a:spAutoFit/>
-          </a:bodyPr>
-          <a:lstStyle/>
-          <a:p>
-            <a:pPr algn="ctr"/>
-            <a:r>
-              <a:rPr lang="en-US" altLang="ja-JP" sz="1600" dirty="0">
-                <a:latin typeface="マキナス 4 Flat" panose="02000600000000000000" pitchFamily="50" charset="-128"/>
-                <a:ea typeface="マキナス 4 Flat" panose="02000600000000000000" pitchFamily="50" charset="-128"/>
-              </a:rPr>
-              <a:t>Music.mp3</a:t>
-            </a:r>
-            <a:endParaRPr kumimoji="1" lang="ja-JP" altLang="en-US" sz="1600" dirty="0">
-              <a:latin typeface="マキナス 4 Flat" panose="02000600000000000000" pitchFamily="50" charset="-128"/>
-              <a:ea typeface="マキナス 4 Flat" panose="02000600000000000000" pitchFamily="50" charset="-128"/>
-            </a:endParaRPr>
-          </a:p>
-        </p:txBody>
-      </p:sp>
-      <p:sp>
-        <p:nvSpPr>
-          <p:cNvPr id="61" name="テキスト ボックス 60">
-            <a:extLst>
-              <a:ext uri="{FF2B5EF4-FFF2-40B4-BE49-F238E27FC236}">
-                <a16:creationId xmlns:a16="http://schemas.microsoft.com/office/drawing/2014/main" id="{6BA92879-FE25-E87A-26E1-185289FA663E}"/>
-              </a:ext>
-            </a:extLst>
-          </p:cNvPr>
-          <p:cNvSpPr txBox="1"/>
-          <p:nvPr/>
-        </p:nvSpPr>
-        <p:spPr>
-          <a:xfrm>
-            <a:off x="10203255" y="3235262"/>
-            <a:ext cx="1496514" cy="338554"/>
-          </a:xfrm>
-          <a:prstGeom prst="rect">
-            <a:avLst/>
-          </a:prstGeom>
-          <a:noFill/>
-        </p:spPr>
-        <p:txBody>
-          <a:bodyPr wrap="square" rtlCol="0">
-            <a:spAutoFit/>
-          </a:bodyPr>
-          <a:lstStyle/>
-          <a:p>
-            <a:pPr algn="ctr"/>
-            <a:r>
-              <a:rPr lang="en-US" altLang="ja-JP" sz="1600" dirty="0">
-                <a:latin typeface="マキナス 4 Flat" panose="02000600000000000000" pitchFamily="50" charset="-128"/>
-                <a:ea typeface="マキナス 4 Flat" panose="02000600000000000000" pitchFamily="50" charset="-128"/>
-              </a:rPr>
-              <a:t>Report.jpg</a:t>
-            </a:r>
-            <a:endParaRPr kumimoji="1" lang="ja-JP" altLang="en-US" sz="1600" dirty="0">
-              <a:latin typeface="マキナス 4 Flat" panose="02000600000000000000" pitchFamily="50" charset="-128"/>
-              <a:ea typeface="マキナス 4 Flat" panose="02000600000000000000" pitchFamily="50" charset="-128"/>
-            </a:endParaRPr>
-          </a:p>
-        </p:txBody>
-      </p:sp>
-      <p:sp>
-        <p:nvSpPr>
-          <p:cNvPr id="62" name="テキスト ボックス 61">
-            <a:extLst>
-              <a:ext uri="{FF2B5EF4-FFF2-40B4-BE49-F238E27FC236}">
-                <a16:creationId xmlns:a16="http://schemas.microsoft.com/office/drawing/2014/main" id="{1ECB1D45-4E78-DD1E-1CBC-160B941DE2D5}"/>
-              </a:ext>
-            </a:extLst>
-          </p:cNvPr>
-          <p:cNvSpPr txBox="1"/>
-          <p:nvPr/>
-        </p:nvSpPr>
-        <p:spPr>
-          <a:xfrm>
-            <a:off x="10203255" y="2040683"/>
-            <a:ext cx="1496514" cy="338554"/>
-          </a:xfrm>
-          <a:prstGeom prst="rect">
-            <a:avLst/>
-          </a:prstGeom>
-          <a:noFill/>
-        </p:spPr>
-        <p:txBody>
-          <a:bodyPr wrap="square" rtlCol="0">
-            <a:spAutoFit/>
-          </a:bodyPr>
-          <a:lstStyle/>
-          <a:p>
-            <a:pPr algn="ctr"/>
-            <a:r>
-              <a:rPr kumimoji="1" lang="en-US" altLang="ja-JP" sz="1600" u="sng" dirty="0">
-                <a:latin typeface="マキナス 4 Flat" panose="02000600000000000000" pitchFamily="50" charset="-128"/>
-                <a:ea typeface="マキナス 4 Flat" panose="02000600000000000000" pitchFamily="50" charset="-128"/>
-              </a:rPr>
-              <a:t>Memo.txt</a:t>
-            </a:r>
-            <a:endParaRPr kumimoji="1" lang="ja-JP" altLang="en-US" sz="1600" u="sng" dirty="0">
-              <a:latin typeface="マキナス 4 Flat" panose="02000600000000000000" pitchFamily="50" charset="-128"/>
-              <a:ea typeface="マキナス 4 Flat" panose="02000600000000000000" pitchFamily="50" charset="-128"/>
-            </a:endParaRPr>
-          </a:p>
-        </p:txBody>
-      </p:sp>
     </p:spTree>
     <p:extLst>
       <p:ext uri="{BB962C8B-B14F-4D97-AF65-F5344CB8AC3E}">
@@ -9577,7 +7989,7 @@
                 <a:latin typeface="コーポレート・ロゴ ver2 Bold" panose="02000600000000000000" pitchFamily="50" charset="-128"/>
                 <a:ea typeface="コーポレート・ロゴ ver2 Bold" panose="02000600000000000000" pitchFamily="50" charset="-128"/>
               </a:rPr>
-              <a:t>絶対パス</a:t>
+              <a:t>ショートカットの作成</a:t>
             </a:r>
             <a:endParaRPr kumimoji="1" lang="en-US" altLang="ja-JP" sz="3600" dirty="0">
               <a:latin typeface="コーポレート・ロゴ ver2 Bold" panose="02000600000000000000" pitchFamily="50" charset="-128"/>
@@ -9656,800 +8068,20 @@
       </p:sp>
       <p:sp>
         <p:nvSpPr>
-          <p:cNvPr id="14" name="正方形/長方形 13">
-            <a:extLst>
-              <a:ext uri="{FF2B5EF4-FFF2-40B4-BE49-F238E27FC236}">
-                <a16:creationId xmlns:a16="http://schemas.microsoft.com/office/drawing/2014/main" id="{6AD10150-2A11-D6EA-C474-3FABCFB04806}"/>
-              </a:ext>
-            </a:extLst>
-          </p:cNvPr>
-          <p:cNvSpPr/>
+          <p:cNvPr id="68" name="テキスト ボックス 67">
+            <a:extLst>
+              <a:ext uri="{FF2B5EF4-FFF2-40B4-BE49-F238E27FC236}">
+                <a16:creationId xmlns:a16="http://schemas.microsoft.com/office/drawing/2014/main" id="{832B415E-21ED-E49A-D228-5F6A38525382}"/>
+              </a:ext>
+            </a:extLst>
+          </p:cNvPr>
+          <p:cNvSpPr txBox="1"/>
           <p:nvPr/>
         </p:nvSpPr>
         <p:spPr>
           <a:xfrm>
-            <a:off x="6292199" y="1513988"/>
-            <a:ext cx="502445" cy="45719"/>
-          </a:xfrm>
-          <a:prstGeom prst="rect">
-            <a:avLst/>
-          </a:prstGeom>
-          <a:solidFill>
-            <a:schemeClr val="tx1"/>
-          </a:solidFill>
-          <a:ln>
-            <a:noFill/>
-          </a:ln>
-        </p:spPr>
-        <p:style>
-          <a:lnRef idx="2">
-            <a:schemeClr val="accent1">
-              <a:shade val="50000"/>
-            </a:schemeClr>
-          </a:lnRef>
-          <a:fillRef idx="1">
-            <a:schemeClr val="accent1"/>
-          </a:fillRef>
-          <a:effectRef idx="0">
-            <a:schemeClr val="accent1"/>
-          </a:effectRef>
-          <a:fontRef idx="minor">
-            <a:schemeClr val="lt1"/>
-          </a:fontRef>
-        </p:style>
-        <p:txBody>
-          <a:bodyPr rtlCol="0" anchor="ctr"/>
-          <a:lstStyle/>
-          <a:p>
-            <a:pPr algn="ctr"/>
-            <a:endParaRPr kumimoji="1" lang="ja-JP" altLang="en-US">
-              <a:solidFill>
-                <a:schemeClr val="tx1"/>
-              </a:solidFill>
-            </a:endParaRPr>
-          </a:p>
-        </p:txBody>
-      </p:sp>
-      <p:sp>
-        <p:nvSpPr>
-          <p:cNvPr id="19" name="正方形/長方形 18">
-            <a:extLst>
-              <a:ext uri="{FF2B5EF4-FFF2-40B4-BE49-F238E27FC236}">
-                <a16:creationId xmlns:a16="http://schemas.microsoft.com/office/drawing/2014/main" id="{5029C527-522F-B6FD-04E8-433443E1DFB8}"/>
-              </a:ext>
-            </a:extLst>
-          </p:cNvPr>
-          <p:cNvSpPr/>
-          <p:nvPr/>
-        </p:nvSpPr>
-        <p:spPr>
-          <a:xfrm>
-            <a:off x="7602126" y="1512464"/>
-            <a:ext cx="502445" cy="45719"/>
-          </a:xfrm>
-          <a:prstGeom prst="rect">
-            <a:avLst/>
-          </a:prstGeom>
-          <a:solidFill>
-            <a:schemeClr val="tx1"/>
-          </a:solidFill>
-          <a:ln>
-            <a:noFill/>
-          </a:ln>
-        </p:spPr>
-        <p:style>
-          <a:lnRef idx="2">
-            <a:schemeClr val="accent1">
-              <a:shade val="50000"/>
-            </a:schemeClr>
-          </a:lnRef>
-          <a:fillRef idx="1">
-            <a:schemeClr val="accent1"/>
-          </a:fillRef>
-          <a:effectRef idx="0">
-            <a:schemeClr val="accent1"/>
-          </a:effectRef>
-          <a:fontRef idx="minor">
-            <a:schemeClr val="lt1"/>
-          </a:fontRef>
-        </p:style>
-        <p:txBody>
-          <a:bodyPr rtlCol="0" anchor="ctr"/>
-          <a:lstStyle/>
-          <a:p>
-            <a:pPr algn="ctr"/>
-            <a:endParaRPr kumimoji="1" lang="ja-JP" altLang="en-US">
-              <a:solidFill>
-                <a:schemeClr val="tx1"/>
-              </a:solidFill>
-            </a:endParaRPr>
-          </a:p>
-        </p:txBody>
-      </p:sp>
-      <p:pic>
-        <p:nvPicPr>
-          <p:cNvPr id="22" name="図 21">
-            <a:extLst>
-              <a:ext uri="{FF2B5EF4-FFF2-40B4-BE49-F238E27FC236}">
-                <a16:creationId xmlns:a16="http://schemas.microsoft.com/office/drawing/2014/main" id="{6F54F616-19F4-6F62-392D-6E668AC66AB2}"/>
-              </a:ext>
-            </a:extLst>
-          </p:cNvPr>
-          <p:cNvPicPr>
-            <a:picLocks noChangeAspect="1"/>
-          </p:cNvPicPr>
-          <p:nvPr/>
-        </p:nvPicPr>
-        <p:blipFill>
-          <a:blip r:embed="rId4">
-            <a:extLst>
-              <a:ext uri="{28A0092B-C50C-407E-A947-70E740481C1C}">
-                <a14:useLocalDpi xmlns:a14="http://schemas.microsoft.com/office/drawing/2010/main" val="0"/>
-              </a:ext>
-            </a:extLst>
-          </a:blip>
-          <a:stretch>
-            <a:fillRect/>
-          </a:stretch>
-        </p:blipFill>
-        <p:spPr>
-          <a:xfrm>
-            <a:off x="6674094" y="967279"/>
-            <a:ext cx="1071442" cy="1071442"/>
-          </a:xfrm>
-          <a:prstGeom prst="rect">
-            <a:avLst/>
-          </a:prstGeom>
-        </p:spPr>
-      </p:pic>
-      <p:sp>
-        <p:nvSpPr>
-          <p:cNvPr id="23" name="正方形/長方形 22">
-            <a:extLst>
-              <a:ext uri="{FF2B5EF4-FFF2-40B4-BE49-F238E27FC236}">
-                <a16:creationId xmlns:a16="http://schemas.microsoft.com/office/drawing/2014/main" id="{1CDE4D2D-075B-A507-D818-F7E0A32EDFD9}"/>
-              </a:ext>
-            </a:extLst>
-          </p:cNvPr>
-          <p:cNvSpPr/>
-          <p:nvPr/>
-        </p:nvSpPr>
-        <p:spPr>
-          <a:xfrm>
-            <a:off x="6543421" y="5472595"/>
-            <a:ext cx="502445" cy="45719"/>
-          </a:xfrm>
-          <a:prstGeom prst="rect">
-            <a:avLst/>
-          </a:prstGeom>
-          <a:solidFill>
-            <a:schemeClr val="tx1"/>
-          </a:solidFill>
-          <a:ln>
-            <a:noFill/>
-          </a:ln>
-        </p:spPr>
-        <p:style>
-          <a:lnRef idx="2">
-            <a:schemeClr val="accent1">
-              <a:shade val="50000"/>
-            </a:schemeClr>
-          </a:lnRef>
-          <a:fillRef idx="1">
-            <a:schemeClr val="accent1"/>
-          </a:fillRef>
-          <a:effectRef idx="0">
-            <a:schemeClr val="accent1"/>
-          </a:effectRef>
-          <a:fontRef idx="minor">
-            <a:schemeClr val="lt1"/>
-          </a:fontRef>
-        </p:style>
-        <p:txBody>
-          <a:bodyPr rtlCol="0" anchor="ctr"/>
-          <a:lstStyle/>
-          <a:p>
-            <a:pPr algn="ctr"/>
-            <a:endParaRPr kumimoji="1" lang="ja-JP" altLang="en-US">
-              <a:solidFill>
-                <a:schemeClr val="tx1"/>
-              </a:solidFill>
-            </a:endParaRPr>
-          </a:p>
-        </p:txBody>
-      </p:sp>
-      <p:sp>
-        <p:nvSpPr>
-          <p:cNvPr id="24" name="正方形/長方形 23">
-            <a:extLst>
-              <a:ext uri="{FF2B5EF4-FFF2-40B4-BE49-F238E27FC236}">
-                <a16:creationId xmlns:a16="http://schemas.microsoft.com/office/drawing/2014/main" id="{B539A38A-08C2-BA8C-11F1-2B244264880C}"/>
-              </a:ext>
-            </a:extLst>
-          </p:cNvPr>
-          <p:cNvSpPr/>
-          <p:nvPr/>
-        </p:nvSpPr>
-        <p:spPr>
-          <a:xfrm>
-            <a:off x="7602126" y="5464333"/>
-            <a:ext cx="698482" cy="45720"/>
-          </a:xfrm>
-          <a:prstGeom prst="rect">
-            <a:avLst/>
-          </a:prstGeom>
-          <a:solidFill>
-            <a:schemeClr val="tx1"/>
-          </a:solidFill>
-          <a:ln>
-            <a:noFill/>
-          </a:ln>
-        </p:spPr>
-        <p:style>
-          <a:lnRef idx="2">
-            <a:schemeClr val="accent1">
-              <a:shade val="50000"/>
-            </a:schemeClr>
-          </a:lnRef>
-          <a:fillRef idx="1">
-            <a:schemeClr val="accent1"/>
-          </a:fillRef>
-          <a:effectRef idx="0">
-            <a:schemeClr val="accent1"/>
-          </a:effectRef>
-          <a:fontRef idx="minor">
-            <a:schemeClr val="lt1"/>
-          </a:fontRef>
-        </p:style>
-        <p:txBody>
-          <a:bodyPr rtlCol="0" anchor="ctr"/>
-          <a:lstStyle/>
-          <a:p>
-            <a:pPr algn="ctr"/>
-            <a:endParaRPr kumimoji="1" lang="ja-JP" altLang="en-US">
-              <a:solidFill>
-                <a:schemeClr val="tx1"/>
-              </a:solidFill>
-            </a:endParaRPr>
-          </a:p>
-        </p:txBody>
-      </p:sp>
-      <p:pic>
-        <p:nvPicPr>
-          <p:cNvPr id="25" name="図 24">
-            <a:extLst>
-              <a:ext uri="{FF2B5EF4-FFF2-40B4-BE49-F238E27FC236}">
-                <a16:creationId xmlns:a16="http://schemas.microsoft.com/office/drawing/2014/main" id="{9FCCEF3E-3257-5820-1819-A4B759A0835A}"/>
-              </a:ext>
-            </a:extLst>
-          </p:cNvPr>
-          <p:cNvPicPr>
-            <a:picLocks noChangeAspect="1"/>
-          </p:cNvPicPr>
-          <p:nvPr/>
-        </p:nvPicPr>
-        <p:blipFill>
-          <a:blip r:embed="rId4">
-            <a:extLst>
-              <a:ext uri="{28A0092B-C50C-407E-A947-70E740481C1C}">
-                <a14:useLocalDpi xmlns:a14="http://schemas.microsoft.com/office/drawing/2010/main" val="0"/>
-              </a:ext>
-            </a:extLst>
-          </a:blip>
-          <a:stretch>
-            <a:fillRect/>
-          </a:stretch>
-        </p:blipFill>
-        <p:spPr>
-          <a:xfrm>
-            <a:off x="6674094" y="4925886"/>
-            <a:ext cx="1071442" cy="1071442"/>
-          </a:xfrm>
-          <a:prstGeom prst="rect">
-            <a:avLst/>
-          </a:prstGeom>
-        </p:spPr>
-      </p:pic>
-      <p:sp>
-        <p:nvSpPr>
-          <p:cNvPr id="26" name="正方形/長方形 25">
-            <a:extLst>
-              <a:ext uri="{FF2B5EF4-FFF2-40B4-BE49-F238E27FC236}">
-                <a16:creationId xmlns:a16="http://schemas.microsoft.com/office/drawing/2014/main" id="{B2EFD37B-FF10-D1EE-01B8-42C2E22DD532}"/>
-              </a:ext>
-            </a:extLst>
-          </p:cNvPr>
-          <p:cNvSpPr/>
-          <p:nvPr/>
-        </p:nvSpPr>
-        <p:spPr>
-          <a:xfrm rot="16200000">
-            <a:off x="4143743" y="3916046"/>
-            <a:ext cx="4799361" cy="45719"/>
-          </a:xfrm>
-          <a:prstGeom prst="rect">
-            <a:avLst/>
-          </a:prstGeom>
-          <a:solidFill>
-            <a:schemeClr val="tx1"/>
-          </a:solidFill>
-          <a:ln>
-            <a:noFill/>
-          </a:ln>
-        </p:spPr>
-        <p:style>
-          <a:lnRef idx="2">
-            <a:schemeClr val="accent1">
-              <a:shade val="50000"/>
-            </a:schemeClr>
-          </a:lnRef>
-          <a:fillRef idx="1">
-            <a:schemeClr val="accent1"/>
-          </a:fillRef>
-          <a:effectRef idx="0">
-            <a:schemeClr val="accent1"/>
-          </a:effectRef>
-          <a:fontRef idx="minor">
-            <a:schemeClr val="lt1"/>
-          </a:fontRef>
-        </p:style>
-        <p:txBody>
-          <a:bodyPr rtlCol="0" anchor="ctr"/>
-          <a:lstStyle/>
-          <a:p>
-            <a:pPr algn="ctr"/>
-            <a:endParaRPr kumimoji="1" lang="ja-JP" altLang="en-US">
-              <a:solidFill>
-                <a:schemeClr val="tx1"/>
-              </a:solidFill>
-            </a:endParaRPr>
-          </a:p>
-        </p:txBody>
-      </p:sp>
-      <p:sp>
-        <p:nvSpPr>
-          <p:cNvPr id="27" name="正方形/長方形 26">
-            <a:extLst>
-              <a:ext uri="{FF2B5EF4-FFF2-40B4-BE49-F238E27FC236}">
-                <a16:creationId xmlns:a16="http://schemas.microsoft.com/office/drawing/2014/main" id="{C8E94FCA-84F4-2A2E-6898-18FE08754DDA}"/>
-              </a:ext>
-            </a:extLst>
-          </p:cNvPr>
-          <p:cNvSpPr/>
-          <p:nvPr/>
-        </p:nvSpPr>
-        <p:spPr>
-          <a:xfrm>
-            <a:off x="7869242" y="2652592"/>
-            <a:ext cx="502445" cy="45719"/>
-          </a:xfrm>
-          <a:prstGeom prst="rect">
-            <a:avLst/>
-          </a:prstGeom>
-          <a:solidFill>
-            <a:schemeClr val="tx1"/>
-          </a:solidFill>
-          <a:ln>
-            <a:noFill/>
-          </a:ln>
-        </p:spPr>
-        <p:style>
-          <a:lnRef idx="2">
-            <a:schemeClr val="accent1">
-              <a:shade val="50000"/>
-            </a:schemeClr>
-          </a:lnRef>
-          <a:fillRef idx="1">
-            <a:schemeClr val="accent1"/>
-          </a:fillRef>
-          <a:effectRef idx="0">
-            <a:schemeClr val="accent1"/>
-          </a:effectRef>
-          <a:fontRef idx="minor">
-            <a:schemeClr val="lt1"/>
-          </a:fontRef>
-        </p:style>
-        <p:txBody>
-          <a:bodyPr rtlCol="0" anchor="ctr"/>
-          <a:lstStyle/>
-          <a:p>
-            <a:pPr algn="ctr"/>
-            <a:endParaRPr kumimoji="1" lang="ja-JP" altLang="en-US">
-              <a:solidFill>
-                <a:schemeClr val="tx1"/>
-              </a:solidFill>
-            </a:endParaRPr>
-          </a:p>
-        </p:txBody>
-      </p:sp>
-      <p:sp>
-        <p:nvSpPr>
-          <p:cNvPr id="28" name="正方形/長方形 27">
-            <a:extLst>
-              <a:ext uri="{FF2B5EF4-FFF2-40B4-BE49-F238E27FC236}">
-                <a16:creationId xmlns:a16="http://schemas.microsoft.com/office/drawing/2014/main" id="{DF0FC357-CBFA-A2F7-9E32-C9D099B7ED7F}"/>
-              </a:ext>
-            </a:extLst>
-          </p:cNvPr>
-          <p:cNvSpPr/>
-          <p:nvPr/>
-        </p:nvSpPr>
-        <p:spPr>
-          <a:xfrm rot="16200000">
-            <a:off x="6243946" y="3116720"/>
-            <a:ext cx="3250600" cy="45719"/>
-          </a:xfrm>
-          <a:prstGeom prst="rect">
-            <a:avLst/>
-          </a:prstGeom>
-          <a:solidFill>
-            <a:schemeClr val="tx1"/>
-          </a:solidFill>
-          <a:ln>
-            <a:noFill/>
-          </a:ln>
-        </p:spPr>
-        <p:style>
-          <a:lnRef idx="2">
-            <a:schemeClr val="accent1">
-              <a:shade val="50000"/>
-            </a:schemeClr>
-          </a:lnRef>
-          <a:fillRef idx="1">
-            <a:schemeClr val="accent1"/>
-          </a:fillRef>
-          <a:effectRef idx="0">
-            <a:schemeClr val="accent1"/>
-          </a:effectRef>
-          <a:fontRef idx="minor">
-            <a:schemeClr val="lt1"/>
-          </a:fontRef>
-        </p:style>
-        <p:txBody>
-          <a:bodyPr rtlCol="0" anchor="ctr"/>
-          <a:lstStyle/>
-          <a:p>
-            <a:pPr algn="ctr"/>
-            <a:endParaRPr kumimoji="1" lang="ja-JP" altLang="en-US">
-              <a:solidFill>
-                <a:schemeClr val="tx1"/>
-              </a:solidFill>
-            </a:endParaRPr>
-          </a:p>
-        </p:txBody>
-      </p:sp>
-      <p:sp>
-        <p:nvSpPr>
-          <p:cNvPr id="29" name="正方形/長方形 28">
-            <a:extLst>
-              <a:ext uri="{FF2B5EF4-FFF2-40B4-BE49-F238E27FC236}">
-                <a16:creationId xmlns:a16="http://schemas.microsoft.com/office/drawing/2014/main" id="{1074A833-ACC0-36C5-DA78-969C7287DAFD}"/>
-              </a:ext>
-            </a:extLst>
-          </p:cNvPr>
-          <p:cNvSpPr/>
-          <p:nvPr/>
-        </p:nvSpPr>
-        <p:spPr>
-          <a:xfrm>
-            <a:off x="7869242" y="4020104"/>
-            <a:ext cx="502445" cy="45719"/>
-          </a:xfrm>
-          <a:prstGeom prst="rect">
-            <a:avLst/>
-          </a:prstGeom>
-          <a:solidFill>
-            <a:schemeClr val="tx1"/>
-          </a:solidFill>
-          <a:ln>
-            <a:noFill/>
-          </a:ln>
-        </p:spPr>
-        <p:style>
-          <a:lnRef idx="2">
-            <a:schemeClr val="accent1">
-              <a:shade val="50000"/>
-            </a:schemeClr>
-          </a:lnRef>
-          <a:fillRef idx="1">
-            <a:schemeClr val="accent1"/>
-          </a:fillRef>
-          <a:effectRef idx="0">
-            <a:schemeClr val="accent1"/>
-          </a:effectRef>
-          <a:fontRef idx="minor">
-            <a:schemeClr val="lt1"/>
-          </a:fontRef>
-        </p:style>
-        <p:txBody>
-          <a:bodyPr rtlCol="0" anchor="ctr"/>
-          <a:lstStyle/>
-          <a:p>
-            <a:pPr algn="ctr"/>
-            <a:endParaRPr kumimoji="1" lang="ja-JP" altLang="en-US">
-              <a:solidFill>
-                <a:schemeClr val="tx1"/>
-              </a:solidFill>
-            </a:endParaRPr>
-          </a:p>
-        </p:txBody>
-      </p:sp>
-      <p:sp>
-        <p:nvSpPr>
-          <p:cNvPr id="32" name="正方形/長方形 31">
-            <a:extLst>
-              <a:ext uri="{FF2B5EF4-FFF2-40B4-BE49-F238E27FC236}">
-                <a16:creationId xmlns:a16="http://schemas.microsoft.com/office/drawing/2014/main" id="{12A6CE95-D996-E038-8782-235ED4B1F0F0}"/>
-              </a:ext>
-            </a:extLst>
-          </p:cNvPr>
-          <p:cNvSpPr/>
-          <p:nvPr/>
-        </p:nvSpPr>
-        <p:spPr>
-          <a:xfrm>
-            <a:off x="8912498" y="1512464"/>
-            <a:ext cx="697954" cy="45719"/>
-          </a:xfrm>
-          <a:prstGeom prst="rect">
-            <a:avLst/>
-          </a:prstGeom>
-          <a:solidFill>
-            <a:schemeClr val="tx1"/>
-          </a:solidFill>
-          <a:ln>
-            <a:noFill/>
-          </a:ln>
-        </p:spPr>
-        <p:style>
-          <a:lnRef idx="2">
-            <a:schemeClr val="accent1">
-              <a:shade val="50000"/>
-            </a:schemeClr>
-          </a:lnRef>
-          <a:fillRef idx="1">
-            <a:schemeClr val="accent1"/>
-          </a:fillRef>
-          <a:effectRef idx="0">
-            <a:schemeClr val="accent1"/>
-          </a:effectRef>
-          <a:fontRef idx="minor">
-            <a:schemeClr val="lt1"/>
-          </a:fontRef>
-        </p:style>
-        <p:txBody>
-          <a:bodyPr rtlCol="0" anchor="ctr"/>
-          <a:lstStyle/>
-          <a:p>
-            <a:pPr algn="ctr"/>
-            <a:endParaRPr kumimoji="1" lang="ja-JP" altLang="en-US">
-              <a:solidFill>
-                <a:schemeClr val="tx1"/>
-              </a:solidFill>
-            </a:endParaRPr>
-          </a:p>
-        </p:txBody>
-      </p:sp>
-      <p:sp>
-        <p:nvSpPr>
-          <p:cNvPr id="33" name="正方形/長方形 32">
-            <a:extLst>
-              <a:ext uri="{FF2B5EF4-FFF2-40B4-BE49-F238E27FC236}">
-                <a16:creationId xmlns:a16="http://schemas.microsoft.com/office/drawing/2014/main" id="{027BD158-FAFD-A6EB-DD50-B61A1181A26C}"/>
-              </a:ext>
-            </a:extLst>
-          </p:cNvPr>
-          <p:cNvSpPr/>
-          <p:nvPr/>
-        </p:nvSpPr>
-        <p:spPr>
-          <a:xfrm>
-            <a:off x="9218851" y="2725932"/>
-            <a:ext cx="502445" cy="45719"/>
-          </a:xfrm>
-          <a:prstGeom prst="rect">
-            <a:avLst/>
-          </a:prstGeom>
-          <a:solidFill>
-            <a:schemeClr val="tx1"/>
-          </a:solidFill>
-          <a:ln>
-            <a:noFill/>
-          </a:ln>
-        </p:spPr>
-        <p:style>
-          <a:lnRef idx="2">
-            <a:schemeClr val="accent1">
-              <a:shade val="50000"/>
-            </a:schemeClr>
-          </a:lnRef>
-          <a:fillRef idx="1">
-            <a:schemeClr val="accent1"/>
-          </a:fillRef>
-          <a:effectRef idx="0">
-            <a:schemeClr val="accent1"/>
-          </a:effectRef>
-          <a:fontRef idx="minor">
-            <a:schemeClr val="lt1"/>
-          </a:fontRef>
-        </p:style>
-        <p:txBody>
-          <a:bodyPr rtlCol="0" anchor="ctr"/>
-          <a:lstStyle/>
-          <a:p>
-            <a:pPr algn="ctr"/>
-            <a:endParaRPr kumimoji="1" lang="ja-JP" altLang="en-US">
-              <a:solidFill>
-                <a:schemeClr val="tx1"/>
-              </a:solidFill>
-            </a:endParaRPr>
-          </a:p>
-        </p:txBody>
-      </p:sp>
-      <p:pic>
-        <p:nvPicPr>
-          <p:cNvPr id="34" name="図 33">
-            <a:extLst>
-              <a:ext uri="{FF2B5EF4-FFF2-40B4-BE49-F238E27FC236}">
-                <a16:creationId xmlns:a16="http://schemas.microsoft.com/office/drawing/2014/main" id="{40289E3B-7AD7-33D6-B843-5393C9F2146D}"/>
-              </a:ext>
-            </a:extLst>
-          </p:cNvPr>
-          <p:cNvPicPr>
-            <a:picLocks noChangeAspect="1"/>
-          </p:cNvPicPr>
-          <p:nvPr/>
-        </p:nvPicPr>
-        <p:blipFill>
-          <a:blip r:embed="rId4">
-            <a:extLst>
-              <a:ext uri="{28A0092B-C50C-407E-A947-70E740481C1C}">
-                <a14:useLocalDpi xmlns:a14="http://schemas.microsoft.com/office/drawing/2010/main" val="0"/>
-              </a:ext>
-            </a:extLst>
-          </a:blip>
-          <a:stretch>
-            <a:fillRect/>
-          </a:stretch>
-        </p:blipFill>
-        <p:spPr>
-          <a:xfrm>
-            <a:off x="7965684" y="967279"/>
-            <a:ext cx="1071442" cy="1071442"/>
-          </a:xfrm>
-          <a:prstGeom prst="rect">
-            <a:avLst/>
-          </a:prstGeom>
-        </p:spPr>
-      </p:pic>
-      <p:sp>
-        <p:nvSpPr>
-          <p:cNvPr id="35" name="正方形/長方形 34">
-            <a:extLst>
-              <a:ext uri="{FF2B5EF4-FFF2-40B4-BE49-F238E27FC236}">
-                <a16:creationId xmlns:a16="http://schemas.microsoft.com/office/drawing/2014/main" id="{95CA828D-133A-7A1E-268E-07C3CECA301D}"/>
-              </a:ext>
-            </a:extLst>
-          </p:cNvPr>
-          <p:cNvSpPr/>
-          <p:nvPr/>
-        </p:nvSpPr>
-        <p:spPr>
-          <a:xfrm rot="16200000">
-            <a:off x="7593556" y="3116720"/>
-            <a:ext cx="3250600" cy="45719"/>
-          </a:xfrm>
-          <a:prstGeom prst="rect">
-            <a:avLst/>
-          </a:prstGeom>
-          <a:solidFill>
-            <a:schemeClr val="tx1"/>
-          </a:solidFill>
-          <a:ln>
-            <a:noFill/>
-          </a:ln>
-        </p:spPr>
-        <p:style>
-          <a:lnRef idx="2">
-            <a:schemeClr val="accent1">
-              <a:shade val="50000"/>
-            </a:schemeClr>
-          </a:lnRef>
-          <a:fillRef idx="1">
-            <a:schemeClr val="accent1"/>
-          </a:fillRef>
-          <a:effectRef idx="0">
-            <a:schemeClr val="accent1"/>
-          </a:effectRef>
-          <a:fontRef idx="minor">
-            <a:schemeClr val="lt1"/>
-          </a:fontRef>
-        </p:style>
-        <p:txBody>
-          <a:bodyPr rtlCol="0" anchor="ctr"/>
-          <a:lstStyle/>
-          <a:p>
-            <a:pPr algn="ctr"/>
-            <a:endParaRPr kumimoji="1" lang="ja-JP" altLang="en-US">
-              <a:solidFill>
-                <a:schemeClr val="tx1"/>
-              </a:solidFill>
-            </a:endParaRPr>
-          </a:p>
-        </p:txBody>
-      </p:sp>
-      <p:sp>
-        <p:nvSpPr>
-          <p:cNvPr id="36" name="正方形/長方形 35">
-            <a:extLst>
-              <a:ext uri="{FF2B5EF4-FFF2-40B4-BE49-F238E27FC236}">
-                <a16:creationId xmlns:a16="http://schemas.microsoft.com/office/drawing/2014/main" id="{FACB32F1-4A02-C428-760D-646988DD1336}"/>
-              </a:ext>
-            </a:extLst>
-          </p:cNvPr>
-          <p:cNvSpPr/>
-          <p:nvPr/>
-        </p:nvSpPr>
-        <p:spPr>
-          <a:xfrm>
-            <a:off x="9218851" y="4093444"/>
-            <a:ext cx="502445" cy="45719"/>
-          </a:xfrm>
-          <a:prstGeom prst="rect">
-            <a:avLst/>
-          </a:prstGeom>
-          <a:solidFill>
-            <a:schemeClr val="tx1"/>
-          </a:solidFill>
-          <a:ln>
-            <a:noFill/>
-          </a:ln>
-        </p:spPr>
-        <p:style>
-          <a:lnRef idx="2">
-            <a:schemeClr val="accent1">
-              <a:shade val="50000"/>
-            </a:schemeClr>
-          </a:lnRef>
-          <a:fillRef idx="1">
-            <a:schemeClr val="accent1"/>
-          </a:fillRef>
-          <a:effectRef idx="0">
-            <a:schemeClr val="accent1"/>
-          </a:effectRef>
-          <a:fontRef idx="minor">
-            <a:schemeClr val="lt1"/>
-          </a:fontRef>
-        </p:style>
-        <p:txBody>
-          <a:bodyPr rtlCol="0" anchor="ctr"/>
-          <a:lstStyle/>
-          <a:p>
-            <a:pPr algn="ctr"/>
-            <a:endParaRPr kumimoji="1" lang="ja-JP" altLang="en-US">
-              <a:solidFill>
-                <a:schemeClr val="tx1"/>
-              </a:solidFill>
-            </a:endParaRPr>
-          </a:p>
-        </p:txBody>
-      </p:sp>
-      <p:sp>
-        <p:nvSpPr>
-          <p:cNvPr id="41" name="テキスト ボックス 40">
-            <a:extLst>
-              <a:ext uri="{FF2B5EF4-FFF2-40B4-BE49-F238E27FC236}">
-                <a16:creationId xmlns:a16="http://schemas.microsoft.com/office/drawing/2014/main" id="{6EC5BDBA-967C-79CD-7F25-C976DC7B63F6}"/>
-              </a:ext>
-            </a:extLst>
-          </p:cNvPr>
-          <p:cNvSpPr txBox="1"/>
-          <p:nvPr/>
-        </p:nvSpPr>
-        <p:spPr>
-          <a:xfrm>
-            <a:off x="5512289" y="1273713"/>
-            <a:ext cx="966524" cy="523220"/>
+            <a:off x="704449" y="1964362"/>
+            <a:ext cx="5752391" cy="3477875"/>
           </a:xfrm>
           <a:prstGeom prst="rect">
             <a:avLst/>
@@ -10462,1006 +8094,26 @@
           </a:bodyPr>
           <a:lstStyle/>
           <a:p>
-            <a:pPr algn="ctr"/>
-            <a:r>
-              <a:rPr kumimoji="1" lang="en-US" altLang="ja-JP" sz="2800" dirty="0">
-                <a:latin typeface="マキナス 4 Flat" panose="02000600000000000000" pitchFamily="50" charset="-128"/>
-                <a:ea typeface="マキナス 4 Flat" panose="02000600000000000000" pitchFamily="50" charset="-128"/>
-              </a:rPr>
-              <a:t>C:</a:t>
-            </a:r>
-            <a:endParaRPr kumimoji="1" lang="ja-JP" altLang="en-US" sz="2800" dirty="0">
-              <a:latin typeface="マキナス 4 Flat" panose="02000600000000000000" pitchFamily="50" charset="-128"/>
-              <a:ea typeface="マキナス 4 Flat" panose="02000600000000000000" pitchFamily="50" charset="-128"/>
-            </a:endParaRPr>
-          </a:p>
-        </p:txBody>
-      </p:sp>
-      <p:sp>
-        <p:nvSpPr>
-          <p:cNvPr id="42" name="テキスト ボックス 41">
-            <a:extLst>
-              <a:ext uri="{FF2B5EF4-FFF2-40B4-BE49-F238E27FC236}">
-                <a16:creationId xmlns:a16="http://schemas.microsoft.com/office/drawing/2014/main" id="{43F1A3E2-2553-6812-B6DF-662E348A33DD}"/>
-              </a:ext>
-            </a:extLst>
-          </p:cNvPr>
-          <p:cNvSpPr txBox="1"/>
-          <p:nvPr/>
-        </p:nvSpPr>
-        <p:spPr>
-          <a:xfrm>
-            <a:off x="6616410" y="1893509"/>
-            <a:ext cx="1202706" cy="338554"/>
-          </a:xfrm>
-          <a:prstGeom prst="rect">
-            <a:avLst/>
-          </a:prstGeom>
-          <a:noFill/>
-        </p:spPr>
-        <p:txBody>
-          <a:bodyPr wrap="square" rtlCol="0">
-            <a:spAutoFit/>
-          </a:bodyPr>
-          <a:lstStyle/>
-          <a:p>
-            <a:pPr algn="ctr"/>
-            <a:r>
-              <a:rPr lang="en-US" altLang="ja-JP" sz="1600" dirty="0">
-                <a:latin typeface="マキナス 4 Flat" panose="02000600000000000000" pitchFamily="50" charset="-128"/>
-                <a:ea typeface="マキナス 4 Flat" panose="02000600000000000000" pitchFamily="50" charset="-128"/>
-              </a:rPr>
-              <a:t>Users</a:t>
-            </a:r>
-            <a:endParaRPr kumimoji="1" lang="ja-JP" altLang="en-US" sz="1600" dirty="0">
-              <a:latin typeface="マキナス 4 Flat" panose="02000600000000000000" pitchFamily="50" charset="-128"/>
-              <a:ea typeface="マキナス 4 Flat" panose="02000600000000000000" pitchFamily="50" charset="-128"/>
-            </a:endParaRPr>
-          </a:p>
-        </p:txBody>
-      </p:sp>
-      <p:sp>
-        <p:nvSpPr>
-          <p:cNvPr id="43" name="テキスト ボックス 42">
-            <a:extLst>
-              <a:ext uri="{FF2B5EF4-FFF2-40B4-BE49-F238E27FC236}">
-                <a16:creationId xmlns:a16="http://schemas.microsoft.com/office/drawing/2014/main" id="{796B428D-72CC-7C74-09CC-7695D55C98E1}"/>
-              </a:ext>
-            </a:extLst>
-          </p:cNvPr>
-          <p:cNvSpPr txBox="1"/>
-          <p:nvPr/>
-        </p:nvSpPr>
-        <p:spPr>
-          <a:xfrm>
-            <a:off x="6616410" y="5853546"/>
-            <a:ext cx="1202706" cy="584775"/>
-          </a:xfrm>
-          <a:prstGeom prst="rect">
-            <a:avLst/>
-          </a:prstGeom>
-          <a:noFill/>
-        </p:spPr>
-        <p:txBody>
-          <a:bodyPr wrap="square" rtlCol="0">
-            <a:spAutoFit/>
-          </a:bodyPr>
-          <a:lstStyle/>
-          <a:p>
-            <a:pPr algn="ctr"/>
-            <a:r>
-              <a:rPr lang="en-US" altLang="ja-JP" sz="1600" dirty="0">
-                <a:latin typeface="マキナス 4 Flat" panose="02000600000000000000" pitchFamily="50" charset="-128"/>
-                <a:ea typeface="マキナス 4 Flat" panose="02000600000000000000" pitchFamily="50" charset="-128"/>
-              </a:rPr>
-              <a:t>Program</a:t>
-            </a:r>
-          </a:p>
-          <a:p>
-            <a:pPr algn="ctr"/>
-            <a:r>
-              <a:rPr kumimoji="1" lang="en-US" altLang="ja-JP" sz="1600" dirty="0">
-                <a:latin typeface="マキナス 4 Flat" panose="02000600000000000000" pitchFamily="50" charset="-128"/>
-                <a:ea typeface="マキナス 4 Flat" panose="02000600000000000000" pitchFamily="50" charset="-128"/>
-              </a:rPr>
-              <a:t>Files(x8</a:t>
-            </a:r>
-            <a:r>
-              <a:rPr lang="en-US" altLang="ja-JP" sz="1600" dirty="0">
-                <a:latin typeface="マキナス 4 Flat" panose="02000600000000000000" pitchFamily="50" charset="-128"/>
-                <a:ea typeface="マキナス 4 Flat" panose="02000600000000000000" pitchFamily="50" charset="-128"/>
-              </a:rPr>
-              <a:t>6)</a:t>
-            </a:r>
-            <a:endParaRPr kumimoji="1" lang="ja-JP" altLang="en-US" sz="1600" dirty="0">
-              <a:latin typeface="マキナス 4 Flat" panose="02000600000000000000" pitchFamily="50" charset="-128"/>
-              <a:ea typeface="マキナス 4 Flat" panose="02000600000000000000" pitchFamily="50" charset="-128"/>
-            </a:endParaRPr>
-          </a:p>
-        </p:txBody>
-      </p:sp>
-      <p:sp>
-        <p:nvSpPr>
-          <p:cNvPr id="44" name="テキスト ボックス 43">
-            <a:extLst>
-              <a:ext uri="{FF2B5EF4-FFF2-40B4-BE49-F238E27FC236}">
-                <a16:creationId xmlns:a16="http://schemas.microsoft.com/office/drawing/2014/main" id="{97BDF14C-057F-04B8-7AC6-1B9620E547E3}"/>
-              </a:ext>
-            </a:extLst>
-          </p:cNvPr>
-          <p:cNvSpPr txBox="1"/>
-          <p:nvPr/>
-        </p:nvSpPr>
-        <p:spPr>
-          <a:xfrm>
-            <a:off x="7873285" y="5853546"/>
-            <a:ext cx="1442710" cy="338554"/>
-          </a:xfrm>
-          <a:prstGeom prst="rect">
-            <a:avLst/>
-          </a:prstGeom>
-          <a:noFill/>
-        </p:spPr>
-        <p:txBody>
-          <a:bodyPr wrap="square" rtlCol="0">
-            <a:spAutoFit/>
-          </a:bodyPr>
-          <a:lstStyle/>
-          <a:p>
-            <a:pPr algn="ctr"/>
-            <a:r>
-              <a:rPr lang="en-US" altLang="ja-JP" sz="1600" dirty="0">
-                <a:latin typeface="マキナス 4 Flat" panose="02000600000000000000" pitchFamily="50" charset="-128"/>
-                <a:ea typeface="マキナス 4 Flat" panose="02000600000000000000" pitchFamily="50" charset="-128"/>
-              </a:rPr>
-              <a:t>Application</a:t>
-            </a:r>
-            <a:endParaRPr kumimoji="1" lang="ja-JP" altLang="en-US" sz="1600" dirty="0">
-              <a:latin typeface="マキナス 4 Flat" panose="02000600000000000000" pitchFamily="50" charset="-128"/>
-              <a:ea typeface="マキナス 4 Flat" panose="02000600000000000000" pitchFamily="50" charset="-128"/>
-            </a:endParaRPr>
-          </a:p>
-        </p:txBody>
-      </p:sp>
-      <p:sp>
-        <p:nvSpPr>
-          <p:cNvPr id="45" name="テキスト ボックス 44">
-            <a:extLst>
-              <a:ext uri="{FF2B5EF4-FFF2-40B4-BE49-F238E27FC236}">
-                <a16:creationId xmlns:a16="http://schemas.microsoft.com/office/drawing/2014/main" id="{3174C978-58EE-09C2-928E-C63C73FB9739}"/>
-              </a:ext>
-            </a:extLst>
-          </p:cNvPr>
-          <p:cNvSpPr txBox="1"/>
-          <p:nvPr/>
-        </p:nvSpPr>
-        <p:spPr>
-          <a:xfrm>
-            <a:off x="7772513" y="4514969"/>
-            <a:ext cx="1496514" cy="338554"/>
-          </a:xfrm>
-          <a:prstGeom prst="rect">
-            <a:avLst/>
-          </a:prstGeom>
-          <a:noFill/>
-        </p:spPr>
-        <p:txBody>
-          <a:bodyPr wrap="square" rtlCol="0">
-            <a:spAutoFit/>
-          </a:bodyPr>
-          <a:lstStyle/>
-          <a:p>
-            <a:pPr algn="ctr"/>
-            <a:r>
-              <a:rPr lang="en-US" altLang="ja-JP" sz="1600" dirty="0">
-                <a:latin typeface="マキナス 4 Flat" panose="02000600000000000000" pitchFamily="50" charset="-128"/>
-                <a:ea typeface="マキナス 4 Flat" panose="02000600000000000000" pitchFamily="50" charset="-128"/>
-              </a:rPr>
-              <a:t>Default</a:t>
-            </a:r>
-            <a:endParaRPr kumimoji="1" lang="ja-JP" altLang="en-US" sz="1600" dirty="0">
-              <a:latin typeface="マキナス 4 Flat" panose="02000600000000000000" pitchFamily="50" charset="-128"/>
-              <a:ea typeface="マキナス 4 Flat" panose="02000600000000000000" pitchFamily="50" charset="-128"/>
-            </a:endParaRPr>
-          </a:p>
-        </p:txBody>
-      </p:sp>
-      <p:sp>
-        <p:nvSpPr>
-          <p:cNvPr id="46" name="テキスト ボックス 45">
-            <a:extLst>
-              <a:ext uri="{FF2B5EF4-FFF2-40B4-BE49-F238E27FC236}">
-                <a16:creationId xmlns:a16="http://schemas.microsoft.com/office/drawing/2014/main" id="{D8F54B9B-85DC-8409-B90B-454366E53213}"/>
-              </a:ext>
-            </a:extLst>
-          </p:cNvPr>
-          <p:cNvSpPr txBox="1"/>
-          <p:nvPr/>
-        </p:nvSpPr>
-        <p:spPr>
-          <a:xfrm>
-            <a:off x="7919417" y="3143711"/>
-            <a:ext cx="1202706" cy="369332"/>
-          </a:xfrm>
-          <a:prstGeom prst="rect">
-            <a:avLst/>
-          </a:prstGeom>
-          <a:noFill/>
-        </p:spPr>
-        <p:txBody>
-          <a:bodyPr wrap="square" rtlCol="0">
-            <a:spAutoFit/>
-          </a:bodyPr>
-          <a:lstStyle/>
-          <a:p>
-            <a:pPr algn="ctr"/>
-            <a:r>
-              <a:rPr lang="en-US" altLang="ja-JP" dirty="0">
-                <a:latin typeface="マキナス 4 Flat" panose="02000600000000000000" pitchFamily="50" charset="-128"/>
-                <a:ea typeface="マキナス 4 Flat" panose="02000600000000000000" pitchFamily="50" charset="-128"/>
-              </a:rPr>
-              <a:t>Public</a:t>
-            </a:r>
-            <a:endParaRPr kumimoji="1" lang="ja-JP" altLang="en-US" dirty="0">
-              <a:latin typeface="マキナス 4 Flat" panose="02000600000000000000" pitchFamily="50" charset="-128"/>
-              <a:ea typeface="マキナス 4 Flat" panose="02000600000000000000" pitchFamily="50" charset="-128"/>
-            </a:endParaRPr>
-          </a:p>
-        </p:txBody>
-      </p:sp>
-      <p:sp>
-        <p:nvSpPr>
-          <p:cNvPr id="47" name="テキスト ボックス 46">
-            <a:extLst>
-              <a:ext uri="{FF2B5EF4-FFF2-40B4-BE49-F238E27FC236}">
-                <a16:creationId xmlns:a16="http://schemas.microsoft.com/office/drawing/2014/main" id="{F5FC466B-7F82-9814-5A42-D9FDC032777A}"/>
-              </a:ext>
-            </a:extLst>
-          </p:cNvPr>
-          <p:cNvSpPr txBox="1"/>
-          <p:nvPr/>
-        </p:nvSpPr>
-        <p:spPr>
-          <a:xfrm>
-            <a:off x="7805269" y="1888378"/>
-            <a:ext cx="1355414" cy="338554"/>
-          </a:xfrm>
-          <a:prstGeom prst="rect">
-            <a:avLst/>
-          </a:prstGeom>
-          <a:noFill/>
-        </p:spPr>
-        <p:txBody>
-          <a:bodyPr wrap="square" rtlCol="0">
-            <a:spAutoFit/>
-          </a:bodyPr>
-          <a:lstStyle/>
-          <a:p>
-            <a:pPr algn="ctr"/>
-            <a:r>
-              <a:rPr lang="en-US" altLang="ja-JP" sz="1600" dirty="0">
-                <a:latin typeface="マキナス 4 Flat" panose="02000600000000000000" pitchFamily="50" charset="-128"/>
-                <a:ea typeface="マキナス 4 Flat" panose="02000600000000000000" pitchFamily="50" charset="-128"/>
-              </a:rPr>
-              <a:t>User</a:t>
-            </a:r>
-            <a:endParaRPr kumimoji="1" lang="ja-JP" altLang="en-US" sz="1600" dirty="0">
-              <a:latin typeface="マキナス 4 Flat" panose="02000600000000000000" pitchFamily="50" charset="-128"/>
-              <a:ea typeface="マキナス 4 Flat" panose="02000600000000000000" pitchFamily="50" charset="-128"/>
-            </a:endParaRPr>
-          </a:p>
-        </p:txBody>
-      </p:sp>
-      <p:sp>
-        <p:nvSpPr>
-          <p:cNvPr id="48" name="テキスト ボックス 47">
-            <a:extLst>
-              <a:ext uri="{FF2B5EF4-FFF2-40B4-BE49-F238E27FC236}">
-                <a16:creationId xmlns:a16="http://schemas.microsoft.com/office/drawing/2014/main" id="{D8A47683-4FAE-6171-8B8A-24884751A22F}"/>
-              </a:ext>
-            </a:extLst>
-          </p:cNvPr>
-          <p:cNvSpPr txBox="1"/>
-          <p:nvPr/>
-        </p:nvSpPr>
-        <p:spPr>
-          <a:xfrm>
-            <a:off x="9195064" y="4514969"/>
-            <a:ext cx="1496514" cy="338554"/>
-          </a:xfrm>
-          <a:prstGeom prst="rect">
-            <a:avLst/>
-          </a:prstGeom>
-          <a:noFill/>
-        </p:spPr>
-        <p:txBody>
-          <a:bodyPr wrap="square" rtlCol="0">
-            <a:spAutoFit/>
-          </a:bodyPr>
-          <a:lstStyle/>
-          <a:p>
-            <a:pPr algn="ctr"/>
-            <a:r>
-              <a:rPr lang="en-US" altLang="ja-JP" sz="1600" dirty="0">
-                <a:latin typeface="マキナス 4 Flat" panose="02000600000000000000" pitchFamily="50" charset="-128"/>
-                <a:ea typeface="マキナス 4 Flat" panose="02000600000000000000" pitchFamily="50" charset="-128"/>
-              </a:rPr>
-              <a:t>Documents</a:t>
-            </a:r>
-            <a:endParaRPr kumimoji="1" lang="ja-JP" altLang="en-US" sz="1600" dirty="0">
-              <a:latin typeface="マキナス 4 Flat" panose="02000600000000000000" pitchFamily="50" charset="-128"/>
-              <a:ea typeface="マキナス 4 Flat" panose="02000600000000000000" pitchFamily="50" charset="-128"/>
-            </a:endParaRPr>
-          </a:p>
-        </p:txBody>
-      </p:sp>
-      <p:sp>
-        <p:nvSpPr>
-          <p:cNvPr id="49" name="テキスト ボックス 48">
-            <a:extLst>
-              <a:ext uri="{FF2B5EF4-FFF2-40B4-BE49-F238E27FC236}">
-                <a16:creationId xmlns:a16="http://schemas.microsoft.com/office/drawing/2014/main" id="{6E21D74D-6CF0-7037-9046-C651EE51178E}"/>
-              </a:ext>
-            </a:extLst>
-          </p:cNvPr>
-          <p:cNvSpPr txBox="1"/>
-          <p:nvPr/>
-        </p:nvSpPr>
-        <p:spPr>
-          <a:xfrm>
-            <a:off x="6122544" y="562562"/>
-            <a:ext cx="5744588" cy="461665"/>
-          </a:xfrm>
-          <a:prstGeom prst="rect">
-            <a:avLst/>
-          </a:prstGeom>
-          <a:noFill/>
-        </p:spPr>
-        <p:txBody>
-          <a:bodyPr wrap="square" rtlCol="0">
-            <a:spAutoFit/>
-          </a:bodyPr>
-          <a:lstStyle/>
-          <a:p>
-            <a:pPr algn="ctr"/>
-            <a:r>
-              <a:rPr lang="en-US" altLang="ja-JP" sz="2400" dirty="0">
-                <a:latin typeface="コーポレート・ロゴ ver2 Bold" panose="02000600000000000000" pitchFamily="50" charset="-128"/>
-                <a:ea typeface="コーポレート・ロゴ ver2 Bold" panose="02000600000000000000" pitchFamily="50" charset="-128"/>
-              </a:rPr>
-              <a:t>Tree</a:t>
-            </a:r>
-          </a:p>
-        </p:txBody>
-      </p:sp>
-      <p:sp>
-        <p:nvSpPr>
-          <p:cNvPr id="50" name="テキスト ボックス 49">
-            <a:extLst>
-              <a:ext uri="{FF2B5EF4-FFF2-40B4-BE49-F238E27FC236}">
-                <a16:creationId xmlns:a16="http://schemas.microsoft.com/office/drawing/2014/main" id="{F8FA2742-7E30-B80D-746C-EB1818252E3E}"/>
-              </a:ext>
-            </a:extLst>
-          </p:cNvPr>
-          <p:cNvSpPr txBox="1"/>
-          <p:nvPr/>
-        </p:nvSpPr>
-        <p:spPr>
-          <a:xfrm>
-            <a:off x="9195064" y="3156380"/>
-            <a:ext cx="1496514" cy="338554"/>
-          </a:xfrm>
-          <a:prstGeom prst="rect">
-            <a:avLst/>
-          </a:prstGeom>
-          <a:noFill/>
-        </p:spPr>
-        <p:txBody>
-          <a:bodyPr wrap="square" rtlCol="0">
-            <a:spAutoFit/>
-          </a:bodyPr>
-          <a:lstStyle/>
-          <a:p>
-            <a:pPr algn="ctr"/>
-            <a:r>
-              <a:rPr lang="en-US" altLang="ja-JP" sz="1600" dirty="0">
-                <a:latin typeface="マキナス 4 Flat" panose="02000600000000000000" pitchFamily="50" charset="-128"/>
-                <a:ea typeface="マキナス 4 Flat" panose="02000600000000000000" pitchFamily="50" charset="-128"/>
-              </a:rPr>
-              <a:t>Downloads</a:t>
-            </a:r>
-          </a:p>
-        </p:txBody>
-      </p:sp>
-      <p:sp>
-        <p:nvSpPr>
-          <p:cNvPr id="51" name="テキスト ボックス 50">
-            <a:extLst>
-              <a:ext uri="{FF2B5EF4-FFF2-40B4-BE49-F238E27FC236}">
-                <a16:creationId xmlns:a16="http://schemas.microsoft.com/office/drawing/2014/main" id="{C6D90036-6D87-038E-F01E-C398B989405B}"/>
-              </a:ext>
-            </a:extLst>
-          </p:cNvPr>
-          <p:cNvSpPr txBox="1"/>
-          <p:nvPr/>
-        </p:nvSpPr>
-        <p:spPr>
-          <a:xfrm>
-            <a:off x="9195064" y="1961801"/>
-            <a:ext cx="1496514" cy="338554"/>
-          </a:xfrm>
-          <a:prstGeom prst="rect">
-            <a:avLst/>
-          </a:prstGeom>
-          <a:noFill/>
-        </p:spPr>
-        <p:txBody>
-          <a:bodyPr wrap="square" rtlCol="0">
-            <a:spAutoFit/>
-          </a:bodyPr>
-          <a:lstStyle/>
-          <a:p>
-            <a:pPr algn="ctr"/>
-            <a:r>
-              <a:rPr kumimoji="1" lang="en-US" altLang="ja-JP" sz="1600" dirty="0">
-                <a:latin typeface="マキナス 4 Flat" panose="02000600000000000000" pitchFamily="50" charset="-128"/>
-                <a:ea typeface="マキナス 4 Flat" panose="02000600000000000000" pitchFamily="50" charset="-128"/>
-              </a:rPr>
-              <a:t>Desktop</a:t>
-            </a:r>
-            <a:endParaRPr kumimoji="1" lang="ja-JP" altLang="en-US" sz="1600" dirty="0">
-              <a:latin typeface="マキナス 4 Flat" panose="02000600000000000000" pitchFamily="50" charset="-128"/>
-              <a:ea typeface="マキナス 4 Flat" panose="02000600000000000000" pitchFamily="50" charset="-128"/>
-            </a:endParaRPr>
-          </a:p>
-        </p:txBody>
-      </p:sp>
-      <p:sp>
-        <p:nvSpPr>
-          <p:cNvPr id="52" name="正方形/長方形 51">
-            <a:extLst>
-              <a:ext uri="{FF2B5EF4-FFF2-40B4-BE49-F238E27FC236}">
-                <a16:creationId xmlns:a16="http://schemas.microsoft.com/office/drawing/2014/main" id="{C044C918-2D46-A1E4-F7AC-4FD1E4B3ABA5}"/>
-              </a:ext>
-            </a:extLst>
-          </p:cNvPr>
-          <p:cNvSpPr/>
-          <p:nvPr/>
-        </p:nvSpPr>
-        <p:spPr>
-          <a:xfrm rot="16200000">
-            <a:off x="7435772" y="5882251"/>
-            <a:ext cx="866950" cy="45719"/>
-          </a:xfrm>
-          <a:prstGeom prst="rect">
-            <a:avLst/>
-          </a:prstGeom>
-          <a:solidFill>
-            <a:schemeClr val="tx1"/>
-          </a:solidFill>
-          <a:ln>
-            <a:noFill/>
-          </a:ln>
-        </p:spPr>
-        <p:style>
-          <a:lnRef idx="2">
-            <a:schemeClr val="accent1">
-              <a:shade val="50000"/>
-            </a:schemeClr>
-          </a:lnRef>
-          <a:fillRef idx="1">
-            <a:schemeClr val="accent1"/>
-          </a:fillRef>
-          <a:effectRef idx="0">
-            <a:schemeClr val="accent1"/>
-          </a:effectRef>
-          <a:fontRef idx="minor">
-            <a:schemeClr val="lt1"/>
-          </a:fontRef>
-        </p:style>
-        <p:txBody>
-          <a:bodyPr rtlCol="0" anchor="ctr"/>
-          <a:lstStyle/>
-          <a:p>
-            <a:pPr algn="ctr"/>
-            <a:endParaRPr kumimoji="1" lang="ja-JP" altLang="en-US">
-              <a:solidFill>
-                <a:schemeClr val="tx1"/>
-              </a:solidFill>
-            </a:endParaRPr>
-          </a:p>
-        </p:txBody>
-      </p:sp>
-      <p:pic>
-        <p:nvPicPr>
-          <p:cNvPr id="53" name="図 52">
-            <a:extLst>
-              <a:ext uri="{FF2B5EF4-FFF2-40B4-BE49-F238E27FC236}">
-                <a16:creationId xmlns:a16="http://schemas.microsoft.com/office/drawing/2014/main" id="{C3B668FE-00BC-2650-CDDA-43B0627D2043}"/>
-              </a:ext>
-            </a:extLst>
-          </p:cNvPr>
-          <p:cNvPicPr>
-            <a:picLocks noChangeAspect="1"/>
-          </p:cNvPicPr>
-          <p:nvPr/>
-        </p:nvPicPr>
-        <p:blipFill>
-          <a:blip r:embed="rId4">
-            <a:extLst>
-              <a:ext uri="{28A0092B-C50C-407E-A947-70E740481C1C}">
-                <a14:useLocalDpi xmlns:a14="http://schemas.microsoft.com/office/drawing/2010/main" val="0"/>
-              </a:ext>
-            </a:extLst>
-          </a:blip>
-          <a:stretch>
-            <a:fillRect/>
-          </a:stretch>
-        </p:blipFill>
-        <p:spPr>
-          <a:xfrm>
-            <a:off x="7965684" y="2205336"/>
-            <a:ext cx="1071442" cy="1071442"/>
-          </a:xfrm>
-          <a:prstGeom prst="rect">
-            <a:avLst/>
-          </a:prstGeom>
-        </p:spPr>
-      </p:pic>
-      <p:pic>
-        <p:nvPicPr>
-          <p:cNvPr id="54" name="図 53">
-            <a:extLst>
-              <a:ext uri="{FF2B5EF4-FFF2-40B4-BE49-F238E27FC236}">
-                <a16:creationId xmlns:a16="http://schemas.microsoft.com/office/drawing/2014/main" id="{6D2EC7C6-54C1-2C9F-33AB-B6361FBFB29B}"/>
-              </a:ext>
-            </a:extLst>
-          </p:cNvPr>
-          <p:cNvPicPr>
-            <a:picLocks noChangeAspect="1"/>
-          </p:cNvPicPr>
-          <p:nvPr/>
-        </p:nvPicPr>
-        <p:blipFill>
-          <a:blip r:embed="rId4">
-            <a:extLst>
-              <a:ext uri="{28A0092B-C50C-407E-A947-70E740481C1C}">
-                <a14:useLocalDpi xmlns:a14="http://schemas.microsoft.com/office/drawing/2010/main" val="0"/>
-              </a:ext>
-            </a:extLst>
-          </a:blip>
-          <a:stretch>
-            <a:fillRect/>
-          </a:stretch>
-        </p:blipFill>
-        <p:spPr>
-          <a:xfrm>
-            <a:off x="7965684" y="3580582"/>
-            <a:ext cx="1071442" cy="1071442"/>
-          </a:xfrm>
-          <a:prstGeom prst="rect">
-            <a:avLst/>
-          </a:prstGeom>
-        </p:spPr>
-      </p:pic>
-      <p:pic>
-        <p:nvPicPr>
-          <p:cNvPr id="56" name="図 55">
-            <a:extLst>
-              <a:ext uri="{FF2B5EF4-FFF2-40B4-BE49-F238E27FC236}">
-                <a16:creationId xmlns:a16="http://schemas.microsoft.com/office/drawing/2014/main" id="{70C678A2-14A9-BFAE-D6DF-2B68939D9380}"/>
-              </a:ext>
-            </a:extLst>
-          </p:cNvPr>
-          <p:cNvPicPr>
-            <a:picLocks noChangeAspect="1"/>
-          </p:cNvPicPr>
-          <p:nvPr/>
-        </p:nvPicPr>
-        <p:blipFill>
-          <a:blip r:embed="rId4">
-            <a:extLst>
-              <a:ext uri="{28A0092B-C50C-407E-A947-70E740481C1C}">
-                <a14:useLocalDpi xmlns:a14="http://schemas.microsoft.com/office/drawing/2010/main" val="0"/>
-              </a:ext>
-            </a:extLst>
-          </a:blip>
-          <a:stretch>
-            <a:fillRect/>
-          </a:stretch>
-        </p:blipFill>
-        <p:spPr>
-          <a:xfrm>
-            <a:off x="9400584" y="967279"/>
-            <a:ext cx="1071442" cy="1071442"/>
-          </a:xfrm>
-          <a:prstGeom prst="rect">
-            <a:avLst/>
-          </a:prstGeom>
-        </p:spPr>
-      </p:pic>
-      <p:pic>
-        <p:nvPicPr>
-          <p:cNvPr id="57" name="図 56">
-            <a:extLst>
-              <a:ext uri="{FF2B5EF4-FFF2-40B4-BE49-F238E27FC236}">
-                <a16:creationId xmlns:a16="http://schemas.microsoft.com/office/drawing/2014/main" id="{0AAC6690-A8B0-D914-A0D1-C8EAA6935D96}"/>
-              </a:ext>
-            </a:extLst>
-          </p:cNvPr>
-          <p:cNvPicPr>
-            <a:picLocks noChangeAspect="1"/>
-          </p:cNvPicPr>
-          <p:nvPr/>
-        </p:nvPicPr>
-        <p:blipFill>
-          <a:blip r:embed="rId4">
-            <a:extLst>
-              <a:ext uri="{28A0092B-C50C-407E-A947-70E740481C1C}">
-                <a14:useLocalDpi xmlns:a14="http://schemas.microsoft.com/office/drawing/2010/main" val="0"/>
-              </a:ext>
-            </a:extLst>
-          </a:blip>
-          <a:stretch>
-            <a:fillRect/>
-          </a:stretch>
-        </p:blipFill>
-        <p:spPr>
-          <a:xfrm>
-            <a:off x="9400584" y="2205336"/>
-            <a:ext cx="1071442" cy="1071442"/>
-          </a:xfrm>
-          <a:prstGeom prst="rect">
-            <a:avLst/>
-          </a:prstGeom>
-        </p:spPr>
-      </p:pic>
-      <p:sp>
-        <p:nvSpPr>
-          <p:cNvPr id="59" name="正方形/長方形 58">
-            <a:extLst>
-              <a:ext uri="{FF2B5EF4-FFF2-40B4-BE49-F238E27FC236}">
-                <a16:creationId xmlns:a16="http://schemas.microsoft.com/office/drawing/2014/main" id="{B2D89052-786B-FD4E-253A-1DC60DAFFA35}"/>
-              </a:ext>
-            </a:extLst>
-          </p:cNvPr>
-          <p:cNvSpPr/>
-          <p:nvPr/>
-        </p:nvSpPr>
-        <p:spPr>
-          <a:xfrm>
-            <a:off x="10320086" y="4127889"/>
-            <a:ext cx="697954" cy="45719"/>
-          </a:xfrm>
-          <a:prstGeom prst="rect">
-            <a:avLst/>
-          </a:prstGeom>
-          <a:solidFill>
-            <a:schemeClr val="tx1"/>
-          </a:solidFill>
-          <a:ln>
-            <a:noFill/>
-          </a:ln>
-        </p:spPr>
-        <p:style>
-          <a:lnRef idx="2">
-            <a:schemeClr val="accent1">
-              <a:shade val="50000"/>
-            </a:schemeClr>
-          </a:lnRef>
-          <a:fillRef idx="1">
-            <a:schemeClr val="accent1"/>
-          </a:fillRef>
-          <a:effectRef idx="0">
-            <a:schemeClr val="accent1"/>
-          </a:effectRef>
-          <a:fontRef idx="minor">
-            <a:schemeClr val="lt1"/>
-          </a:fontRef>
-        </p:style>
-        <p:txBody>
-          <a:bodyPr rtlCol="0" anchor="ctr"/>
-          <a:lstStyle/>
-          <a:p>
-            <a:pPr algn="ctr"/>
-            <a:endParaRPr kumimoji="1" lang="ja-JP" altLang="en-US">
-              <a:solidFill>
-                <a:schemeClr val="tx1"/>
-              </a:solidFill>
-            </a:endParaRPr>
-          </a:p>
-        </p:txBody>
-      </p:sp>
-      <p:sp>
-        <p:nvSpPr>
-          <p:cNvPr id="60" name="正方形/長方形 59">
-            <a:extLst>
-              <a:ext uri="{FF2B5EF4-FFF2-40B4-BE49-F238E27FC236}">
-                <a16:creationId xmlns:a16="http://schemas.microsoft.com/office/drawing/2014/main" id="{408FF7FF-699C-BB07-B2BF-A14FC7C9F3FE}"/>
-              </a:ext>
-            </a:extLst>
-          </p:cNvPr>
-          <p:cNvSpPr/>
-          <p:nvPr/>
-        </p:nvSpPr>
-        <p:spPr>
-          <a:xfrm>
-            <a:off x="10626440" y="5463551"/>
-            <a:ext cx="446040" cy="54451"/>
-          </a:xfrm>
-          <a:prstGeom prst="rect">
-            <a:avLst/>
-          </a:prstGeom>
-          <a:solidFill>
-            <a:schemeClr val="tx1"/>
-          </a:solidFill>
-          <a:ln>
-            <a:noFill/>
-          </a:ln>
-        </p:spPr>
-        <p:style>
-          <a:lnRef idx="2">
-            <a:schemeClr val="accent1">
-              <a:shade val="50000"/>
-            </a:schemeClr>
-          </a:lnRef>
-          <a:fillRef idx="1">
-            <a:schemeClr val="accent1"/>
-          </a:fillRef>
-          <a:effectRef idx="0">
-            <a:schemeClr val="accent1"/>
-          </a:effectRef>
-          <a:fontRef idx="minor">
-            <a:schemeClr val="lt1"/>
-          </a:fontRef>
-        </p:style>
-        <p:txBody>
-          <a:bodyPr rtlCol="0" anchor="ctr"/>
-          <a:lstStyle/>
-          <a:p>
-            <a:pPr algn="ctr"/>
-            <a:endParaRPr kumimoji="1" lang="ja-JP" altLang="en-US">
-              <a:solidFill>
-                <a:schemeClr val="tx1"/>
-              </a:solidFill>
-            </a:endParaRPr>
-          </a:p>
-        </p:txBody>
-      </p:sp>
-      <p:sp>
-        <p:nvSpPr>
-          <p:cNvPr id="61" name="正方形/長方形 60">
-            <a:extLst>
-              <a:ext uri="{FF2B5EF4-FFF2-40B4-BE49-F238E27FC236}">
-                <a16:creationId xmlns:a16="http://schemas.microsoft.com/office/drawing/2014/main" id="{D7C7E22B-AA2B-7F4F-242C-862572F968D6}"/>
-              </a:ext>
-            </a:extLst>
-          </p:cNvPr>
-          <p:cNvSpPr/>
-          <p:nvPr/>
-        </p:nvSpPr>
-        <p:spPr>
-          <a:xfrm rot="16200000">
-            <a:off x="9522003" y="5211284"/>
-            <a:ext cx="2208882" cy="45719"/>
-          </a:xfrm>
-          <a:prstGeom prst="rect">
-            <a:avLst/>
-          </a:prstGeom>
-          <a:solidFill>
-            <a:schemeClr val="tx1"/>
-          </a:solidFill>
-          <a:ln>
-            <a:noFill/>
-          </a:ln>
-        </p:spPr>
-        <p:style>
-          <a:lnRef idx="2">
-            <a:schemeClr val="accent1">
-              <a:shade val="50000"/>
-            </a:schemeClr>
-          </a:lnRef>
-          <a:fillRef idx="1">
-            <a:schemeClr val="accent1"/>
-          </a:fillRef>
-          <a:effectRef idx="0">
-            <a:schemeClr val="accent1"/>
-          </a:effectRef>
-          <a:fontRef idx="minor">
-            <a:schemeClr val="lt1"/>
-          </a:fontRef>
-        </p:style>
-        <p:txBody>
-          <a:bodyPr rtlCol="0" anchor="ctr"/>
-          <a:lstStyle/>
-          <a:p>
-            <a:pPr algn="ctr"/>
-            <a:endParaRPr kumimoji="1" lang="ja-JP" altLang="en-US">
-              <a:solidFill>
-                <a:schemeClr val="tx1"/>
-              </a:solidFill>
-            </a:endParaRPr>
-          </a:p>
-        </p:txBody>
-      </p:sp>
-      <p:pic>
-        <p:nvPicPr>
-          <p:cNvPr id="58" name="図 57">
-            <a:extLst>
-              <a:ext uri="{FF2B5EF4-FFF2-40B4-BE49-F238E27FC236}">
-                <a16:creationId xmlns:a16="http://schemas.microsoft.com/office/drawing/2014/main" id="{3F6686E1-14E0-2EFA-E259-A5CAB83D0D67}"/>
-              </a:ext>
-            </a:extLst>
-          </p:cNvPr>
-          <p:cNvPicPr>
-            <a:picLocks noChangeAspect="1"/>
-          </p:cNvPicPr>
-          <p:nvPr/>
-        </p:nvPicPr>
-        <p:blipFill>
-          <a:blip r:embed="rId4">
-            <a:extLst>
-              <a:ext uri="{28A0092B-C50C-407E-A947-70E740481C1C}">
-                <a14:useLocalDpi xmlns:a14="http://schemas.microsoft.com/office/drawing/2010/main" val="0"/>
-              </a:ext>
-            </a:extLst>
-          </a:blip>
-          <a:stretch>
-            <a:fillRect/>
-          </a:stretch>
-        </p:blipFill>
-        <p:spPr>
-          <a:xfrm>
-            <a:off x="9400584" y="3580582"/>
-            <a:ext cx="1071442" cy="1071442"/>
-          </a:xfrm>
-          <a:prstGeom prst="rect">
-            <a:avLst/>
-          </a:prstGeom>
-        </p:spPr>
-      </p:pic>
-      <p:pic>
-        <p:nvPicPr>
-          <p:cNvPr id="63" name="図 62">
-            <a:extLst>
-              <a:ext uri="{FF2B5EF4-FFF2-40B4-BE49-F238E27FC236}">
-                <a16:creationId xmlns:a16="http://schemas.microsoft.com/office/drawing/2014/main" id="{1FC4E7F2-0923-3614-4D07-C19DF3EE1D02}"/>
-              </a:ext>
-            </a:extLst>
-          </p:cNvPr>
-          <p:cNvPicPr>
-            <a:picLocks noChangeAspect="1"/>
-          </p:cNvPicPr>
-          <p:nvPr/>
-        </p:nvPicPr>
-        <p:blipFill>
-          <a:blip r:embed="rId4">
-            <a:extLst>
-              <a:ext uri="{28A0092B-C50C-407E-A947-70E740481C1C}">
-                <a14:useLocalDpi xmlns:a14="http://schemas.microsoft.com/office/drawing/2010/main" val="0"/>
-              </a:ext>
-            </a:extLst>
-          </a:blip>
-          <a:stretch>
-            <a:fillRect/>
-          </a:stretch>
-        </p:blipFill>
-        <p:spPr>
-          <a:xfrm>
-            <a:off x="7985049" y="4925886"/>
-            <a:ext cx="1071442" cy="1071442"/>
-          </a:xfrm>
-          <a:prstGeom prst="rect">
-            <a:avLst/>
-          </a:prstGeom>
-        </p:spPr>
-      </p:pic>
-      <p:pic>
-        <p:nvPicPr>
-          <p:cNvPr id="64" name="図 63">
-            <a:extLst>
-              <a:ext uri="{FF2B5EF4-FFF2-40B4-BE49-F238E27FC236}">
-                <a16:creationId xmlns:a16="http://schemas.microsoft.com/office/drawing/2014/main" id="{FE7556DA-D9E9-67D4-BE1E-CA16818C1BF7}"/>
-              </a:ext>
-            </a:extLst>
-          </p:cNvPr>
-          <p:cNvPicPr>
-            <a:picLocks noChangeAspect="1"/>
-          </p:cNvPicPr>
-          <p:nvPr/>
-        </p:nvPicPr>
-        <p:blipFill>
-          <a:blip r:embed="rId5">
-            <a:extLst>
-              <a:ext uri="{28A0092B-C50C-407E-A947-70E740481C1C}">
-                <a14:useLocalDpi xmlns:a14="http://schemas.microsoft.com/office/drawing/2010/main" val="0"/>
-              </a:ext>
-            </a:extLst>
-          </a:blip>
-          <a:stretch>
-            <a:fillRect/>
-          </a:stretch>
-        </p:blipFill>
-        <p:spPr>
-          <a:xfrm>
-            <a:off x="10823135" y="3664721"/>
-            <a:ext cx="1017774" cy="1017774"/>
-          </a:xfrm>
-          <a:prstGeom prst="rect">
-            <a:avLst/>
-          </a:prstGeom>
-        </p:spPr>
-      </p:pic>
-      <p:pic>
-        <p:nvPicPr>
-          <p:cNvPr id="65" name="図 64">
-            <a:extLst>
-              <a:ext uri="{FF2B5EF4-FFF2-40B4-BE49-F238E27FC236}">
-                <a16:creationId xmlns:a16="http://schemas.microsoft.com/office/drawing/2014/main" id="{1AB25EAD-5545-7C48-1A14-314E2EE2CB17}"/>
-              </a:ext>
-            </a:extLst>
-          </p:cNvPr>
-          <p:cNvPicPr>
-            <a:picLocks noChangeAspect="1"/>
-          </p:cNvPicPr>
-          <p:nvPr/>
-        </p:nvPicPr>
-        <p:blipFill>
-          <a:blip r:embed="rId6">
-            <a:extLst>
-              <a:ext uri="{28A0092B-C50C-407E-A947-70E740481C1C}">
-                <a14:useLocalDpi xmlns:a14="http://schemas.microsoft.com/office/drawing/2010/main" val="0"/>
-              </a:ext>
-            </a:extLst>
-          </a:blip>
-          <a:stretch>
-            <a:fillRect/>
-          </a:stretch>
-        </p:blipFill>
-        <p:spPr>
-          <a:xfrm>
-            <a:off x="10823135" y="4984224"/>
-            <a:ext cx="1013104" cy="1013104"/>
-          </a:xfrm>
-          <a:prstGeom prst="rect">
-            <a:avLst/>
-          </a:prstGeom>
-        </p:spPr>
-      </p:pic>
-      <p:sp>
-        <p:nvSpPr>
-          <p:cNvPr id="68" name="テキスト ボックス 67">
-            <a:extLst>
-              <a:ext uri="{FF2B5EF4-FFF2-40B4-BE49-F238E27FC236}">
-                <a16:creationId xmlns:a16="http://schemas.microsoft.com/office/drawing/2014/main" id="{832B415E-21ED-E49A-D228-5F6A38525382}"/>
-              </a:ext>
-            </a:extLst>
-          </p:cNvPr>
-          <p:cNvSpPr txBox="1"/>
-          <p:nvPr/>
-        </p:nvSpPr>
-        <p:spPr>
-          <a:xfrm>
-            <a:off x="691001" y="1653398"/>
-            <a:ext cx="5752391" cy="4770537"/>
-          </a:xfrm>
-          <a:prstGeom prst="rect">
-            <a:avLst/>
-          </a:prstGeom>
-          <a:noFill/>
-        </p:spPr>
-        <p:txBody>
-          <a:bodyPr wrap="square" rtlCol="0">
-            <a:spAutoFit/>
-          </a:bodyPr>
-          <a:lstStyle/>
-          <a:p>
             <a:r>
               <a:rPr lang="ja-JP" altLang="en-US" sz="2000" dirty="0">
                 <a:latin typeface="コーポレート・ロゴ ver2 Medium" panose="02000600000000000000" pitchFamily="50" charset="-128"/>
                 <a:ea typeface="コーポレート・ロゴ ver2 Medium" panose="02000600000000000000" pitchFamily="50" charset="-128"/>
               </a:rPr>
-              <a:t>パスの書き方のうち、</a:t>
+              <a:t>わざわざ</a:t>
+            </a:r>
+            <a:r>
+              <a:rPr lang="en-US" altLang="ja-JP" sz="2000" dirty="0">
+                <a:latin typeface="コーポレート・ロゴ ver2 Medium" panose="02000600000000000000" pitchFamily="50" charset="-128"/>
+                <a:ea typeface="コーポレート・ロゴ ver2 Medium" panose="02000600000000000000" pitchFamily="50" charset="-128"/>
+              </a:rPr>
+              <a:t>URL</a:t>
+            </a:r>
+            <a:r>
+              <a:rPr lang="ja-JP" altLang="en-US" sz="2000" dirty="0">
+                <a:latin typeface="コーポレート・ロゴ ver2 Medium" panose="02000600000000000000" pitchFamily="50" charset="-128"/>
+                <a:ea typeface="コーポレート・ロゴ ver2 Medium" panose="02000600000000000000" pitchFamily="50" charset="-128"/>
+              </a:rPr>
+              <a:t>を入力するのは時間がかかるため、</a:t>
             </a:r>
             <a:endParaRPr lang="en-US" altLang="ja-JP" sz="2000" dirty="0">
               <a:latin typeface="コーポレート・ロゴ ver2 Medium" panose="02000600000000000000" pitchFamily="50" charset="-128"/>
@@ -11477,14 +8129,121 @@
                 <a:latin typeface="コーポレート・ロゴ ver2 Medium" panose="02000600000000000000" pitchFamily="50" charset="-128"/>
                 <a:ea typeface="コーポレート・ロゴ ver2 Medium" panose="02000600000000000000" pitchFamily="50" charset="-128"/>
               </a:rPr>
-              <a:t>最も上の階層</a:t>
-            </a:r>
+              <a:t>ショートカットリンク</a:t>
+            </a:r>
+            <a:r>
+              <a:rPr lang="ja-JP" altLang="en-US" sz="2000" dirty="0">
+                <a:latin typeface="コーポレート・ロゴ ver2 Medium" panose="02000600000000000000" pitchFamily="50" charset="-128"/>
+                <a:ea typeface="コーポレート・ロゴ ver2 Medium" panose="02000600000000000000" pitchFamily="50" charset="-128"/>
+              </a:rPr>
+              <a:t>をデスクトップ上に作成する。</a:t>
+            </a:r>
+            <a:endParaRPr lang="en-US" altLang="ja-JP" sz="2000" dirty="0">
+              <a:latin typeface="コーポレート・ロゴ ver2 Medium" panose="02000600000000000000" pitchFamily="50" charset="-128"/>
+              <a:ea typeface="コーポレート・ロゴ ver2 Medium" panose="02000600000000000000" pitchFamily="50" charset="-128"/>
+            </a:endParaRPr>
+          </a:p>
+          <a:p>
+            <a:endParaRPr lang="en-US" altLang="ja-JP" sz="2000" dirty="0">
+              <a:latin typeface="コーポレート・ロゴ ver2 Medium" panose="02000600000000000000" pitchFamily="50" charset="-128"/>
+              <a:ea typeface="コーポレート・ロゴ ver2 Medium" panose="02000600000000000000" pitchFamily="50" charset="-128"/>
+            </a:endParaRPr>
+          </a:p>
+          <a:p>
             <a:r>
               <a:rPr lang="en-US" altLang="ja-JP" sz="2000" dirty="0">
-                <a:latin typeface="コーポレート・ロゴ ver2 Medium" panose="02000600000000000000" pitchFamily="50" charset="-128"/>
-                <a:ea typeface="コーポレート・ロゴ ver2 Medium" panose="02000600000000000000" pitchFamily="50" charset="-128"/>
-              </a:rPr>
-              <a:t>(</a:t>
+                <a:solidFill>
+                  <a:srgbClr val="03BDBA"/>
+                </a:solidFill>
+                <a:latin typeface="コーポレート・ロゴ ver2 Medium" panose="02000600000000000000" pitchFamily="50" charset="-128"/>
+                <a:ea typeface="コーポレート・ロゴ ver2 Medium" panose="02000600000000000000" pitchFamily="50" charset="-128"/>
+                <a:hlinkClick r:id="rId4">
+                  <a:extLst>
+                    <a:ext uri="{A12FA001-AC4F-418D-AE19-62706E023703}">
+                      <ahyp:hlinkClr xmlns:ahyp="http://schemas.microsoft.com/office/drawing/2018/hyperlinkcolor" val="tx"/>
+                    </a:ext>
+                  </a:extLst>
+                </a:hlinkClick>
+              </a:rPr>
+              <a:t>https://github.com/elsy0111</a:t>
+            </a:r>
+            <a:endParaRPr lang="en-US" altLang="ja-JP" sz="2000" dirty="0">
+              <a:solidFill>
+                <a:srgbClr val="03BDBA"/>
+              </a:solidFill>
+              <a:latin typeface="コーポレート・ロゴ ver2 Medium" panose="02000600000000000000" pitchFamily="50" charset="-128"/>
+              <a:ea typeface="コーポレート・ロゴ ver2 Medium" panose="02000600000000000000" pitchFamily="50" charset="-128"/>
+            </a:endParaRPr>
+          </a:p>
+          <a:p>
+            <a:r>
+              <a:rPr lang="ja-JP" altLang="en-US" sz="2000" dirty="0">
+                <a:latin typeface="コーポレート・ロゴ ver2 Medium" panose="02000600000000000000" pitchFamily="50" charset="-128"/>
+                <a:ea typeface="コーポレート・ロゴ ver2 Medium" panose="02000600000000000000" pitchFamily="50" charset="-128"/>
+              </a:rPr>
+              <a:t>のリンクをデスクトップ上に作成し、</a:t>
+            </a:r>
+            <a:endParaRPr lang="en-US" altLang="ja-JP" sz="2000" dirty="0">
+              <a:latin typeface="コーポレート・ロゴ ver2 Medium" panose="02000600000000000000" pitchFamily="50" charset="-128"/>
+              <a:ea typeface="コーポレート・ロゴ ver2 Medium" panose="02000600000000000000" pitchFamily="50" charset="-128"/>
+            </a:endParaRPr>
+          </a:p>
+          <a:p>
+            <a:r>
+              <a:rPr lang="ja-JP" altLang="en-US" sz="2000" dirty="0">
+                <a:latin typeface="コーポレート・ロゴ ver2 Medium" panose="02000600000000000000" pitchFamily="50" charset="-128"/>
+                <a:ea typeface="コーポレート・ロゴ ver2 Medium" panose="02000600000000000000" pitchFamily="50" charset="-128"/>
+              </a:rPr>
+              <a:t>実際に開けるか確認する。</a:t>
+            </a:r>
+            <a:endParaRPr lang="en-US" altLang="ja-JP" sz="2000" dirty="0">
+              <a:latin typeface="コーポレート・ロゴ ver2 Medium" panose="02000600000000000000" pitchFamily="50" charset="-128"/>
+              <a:ea typeface="コーポレート・ロゴ ver2 Medium" panose="02000600000000000000" pitchFamily="50" charset="-128"/>
+            </a:endParaRPr>
+          </a:p>
+          <a:p>
+            <a:endParaRPr lang="en-US" altLang="ja-JP" sz="2000" dirty="0">
+              <a:latin typeface="コーポレート・ロゴ ver2 Medium" panose="02000600000000000000" pitchFamily="50" charset="-128"/>
+              <a:ea typeface="コーポレート・ロゴ ver2 Medium" panose="02000600000000000000" pitchFamily="50" charset="-128"/>
+            </a:endParaRPr>
+          </a:p>
+          <a:p>
+            <a:r>
+              <a:rPr lang="ja-JP" altLang="en-US" sz="2000" dirty="0">
+                <a:latin typeface="コーポレート・ロゴ ver2 Medium" panose="02000600000000000000" pitchFamily="50" charset="-128"/>
+                <a:ea typeface="コーポレート・ロゴ ver2 Medium" panose="02000600000000000000" pitchFamily="50" charset="-128"/>
+              </a:rPr>
+              <a:t>また、アカウント下の</a:t>
+            </a:r>
+            <a:r>
+              <a:rPr lang="en-US" altLang="ja-JP" sz="2000" dirty="0">
+                <a:solidFill>
+                  <a:srgbClr val="03BDBA"/>
+                </a:solidFill>
+                <a:latin typeface="コーポレート・ロゴ ver2 Medium" panose="02000600000000000000" pitchFamily="50" charset="-128"/>
+                <a:ea typeface="コーポレート・ロゴ ver2 Medium" panose="02000600000000000000" pitchFamily="50" charset="-128"/>
+              </a:rPr>
+              <a:t>“</a:t>
+            </a:r>
+            <a:r>
+              <a:rPr lang="en-US" altLang="ja-JP" sz="2000" dirty="0" err="1">
+                <a:solidFill>
+                  <a:srgbClr val="03BDBA"/>
+                </a:solidFill>
+                <a:latin typeface="コーポレート・ロゴ ver2 Medium" panose="02000600000000000000" pitchFamily="50" charset="-128"/>
+                <a:ea typeface="コーポレート・ロゴ ver2 Medium" panose="02000600000000000000" pitchFamily="50" charset="-128"/>
+              </a:rPr>
+              <a:t>Robocon</a:t>
+            </a:r>
+            <a:r>
+              <a:rPr lang="en-US" altLang="ja-JP" sz="2000" dirty="0">
+                <a:solidFill>
+                  <a:srgbClr val="03BDBA"/>
+                </a:solidFill>
+                <a:latin typeface="コーポレート・ロゴ ver2 Medium" panose="02000600000000000000" pitchFamily="50" charset="-128"/>
+                <a:ea typeface="コーポレート・ロゴ ver2 Medium" panose="02000600000000000000" pitchFamily="50" charset="-128"/>
+              </a:rPr>
+              <a:t>”</a:t>
             </a:r>
             <a:r>
               <a:rPr lang="ja-JP" altLang="en-US" sz="2000" dirty="0">
@@ -11494,21 +8253,14 @@
                 <a:latin typeface="コーポレート・ロゴ ver2 Medium" panose="02000600000000000000" pitchFamily="50" charset="-128"/>
                 <a:ea typeface="コーポレート・ロゴ ver2 Medium" panose="02000600000000000000" pitchFamily="50" charset="-128"/>
               </a:rPr>
-              <a:t>ルートディレクトリ</a:t>
-            </a:r>
-            <a:r>
-              <a:rPr lang="en-US" altLang="ja-JP" sz="2000" dirty="0">
-                <a:latin typeface="コーポレート・ロゴ ver2 Medium" panose="02000600000000000000" pitchFamily="50" charset="-128"/>
-                <a:ea typeface="コーポレート・ロゴ ver2 Medium" panose="02000600000000000000" pitchFamily="50" charset="-128"/>
-              </a:rPr>
-              <a:t>)</a:t>
+              <a:t>リポジトリ</a:t>
             </a:r>
             <a:r>
               <a:rPr lang="ja-JP" altLang="en-US" sz="2000" dirty="0">
                 <a:latin typeface="コーポレート・ロゴ ver2 Medium" panose="02000600000000000000" pitchFamily="50" charset="-128"/>
                 <a:ea typeface="コーポレート・ロゴ ver2 Medium" panose="02000600000000000000" pitchFamily="50" charset="-128"/>
               </a:rPr>
-              <a:t>から記述する方法。</a:t>
+              <a:t>を</a:t>
             </a:r>
             <a:endParaRPr lang="en-US" altLang="ja-JP" sz="2000" dirty="0">
               <a:latin typeface="コーポレート・ロゴ ver2 Medium" panose="02000600000000000000" pitchFamily="50" charset="-128"/>
@@ -11516,6 +8268,13 @@
             </a:endParaRPr>
           </a:p>
           <a:p>
+            <a:r>
+              <a:rPr lang="ja-JP" altLang="en-US" sz="2000" dirty="0">
+                <a:latin typeface="コーポレート・ロゴ ver2 Medium" panose="02000600000000000000" pitchFamily="50" charset="-128"/>
+                <a:ea typeface="コーポレート・ロゴ ver2 Medium" panose="02000600000000000000" pitchFamily="50" charset="-128"/>
+              </a:rPr>
+              <a:t>閲覧できるのか確認する。</a:t>
+            </a:r>
             <a:endParaRPr lang="en-US" altLang="ja-JP" sz="2000" dirty="0">
               <a:latin typeface="コーポレート・ロゴ ver2 Medium" panose="02000600000000000000" pitchFamily="50" charset="-128"/>
               <a:ea typeface="コーポレート・ロゴ ver2 Medium" panose="02000600000000000000" pitchFamily="50" charset="-128"/>
@@ -11527,31 +8286,22 @@
                 <a:latin typeface="コーポレート・ロゴ ver2 Medium" panose="02000600000000000000" pitchFamily="50" charset="-128"/>
                 <a:ea typeface="コーポレート・ロゴ ver2 Medium" panose="02000600000000000000" pitchFamily="50" charset="-128"/>
               </a:rPr>
-              <a:t>右図を参考に</a:t>
-            </a:r>
-            <a:r>
-              <a:rPr lang="en-US" altLang="ja-JP" sz="2000" u="sng" dirty="0">
-                <a:latin typeface="コーポレート・ロゴ ver2 Medium" panose="02000600000000000000" pitchFamily="50" charset="-128"/>
-                <a:ea typeface="コーポレート・ロゴ ver2 Medium" panose="02000600000000000000" pitchFamily="50" charset="-128"/>
-              </a:rPr>
-              <a:t>Idea.pdf</a:t>
+              <a:t>⇒</a:t>
+            </a:r>
+            <a:r>
+              <a:rPr lang="en-US" altLang="ja-JP" sz="2000" dirty="0">
+                <a:latin typeface="コーポレート・ロゴ ver2 Medium" panose="02000600000000000000" pitchFamily="50" charset="-128"/>
+                <a:ea typeface="コーポレート・ロゴ ver2 Medium" panose="02000600000000000000" pitchFamily="50" charset="-128"/>
+              </a:rPr>
+              <a:t>C++ Batch File,</a:t>
             </a:r>
             <a:r>
               <a:rPr lang="ja-JP" altLang="en-US" sz="2000" dirty="0">
                 <a:latin typeface="コーポレート・ロゴ ver2 Medium" panose="02000600000000000000" pitchFamily="50" charset="-128"/>
                 <a:ea typeface="コーポレート・ロゴ ver2 Medium" panose="02000600000000000000" pitchFamily="50" charset="-128"/>
               </a:rPr>
-              <a:t>のパス書くと</a:t>
-            </a:r>
-            <a:r>
-              <a:rPr lang="en-US" altLang="ja-JP" sz="2000" dirty="0">
-                <a:latin typeface="コーポレート・ロゴ ver2 Medium" panose="02000600000000000000" pitchFamily="50" charset="-128"/>
-                <a:ea typeface="コーポレート・ロゴ ver2 Medium" panose="02000600000000000000" pitchFamily="50" charset="-128"/>
-              </a:rPr>
-              <a:t>…</a:t>
-            </a:r>
-          </a:p>
-          <a:p>
+              <a:t>授業スライドなどが</a:t>
+            </a:r>
             <a:endParaRPr lang="en-US" altLang="ja-JP" sz="2000" dirty="0">
               <a:latin typeface="コーポレート・ロゴ ver2 Medium" panose="02000600000000000000" pitchFamily="50" charset="-128"/>
               <a:ea typeface="コーポレート・ロゴ ver2 Medium" panose="02000600000000000000" pitchFamily="50" charset="-128"/>
@@ -11559,172 +8309,26 @@
           </a:p>
           <a:p>
             <a:r>
-              <a:rPr lang="en-US" altLang="ja-JP" sz="2400" dirty="0">
-                <a:solidFill>
-                  <a:srgbClr val="03BDBA"/>
-                </a:solidFill>
-                <a:latin typeface="コーポレート・ロゴ ver2 Medium" panose="02000600000000000000" pitchFamily="50" charset="-128"/>
-                <a:ea typeface="コーポレート・ロゴ ver2 Medium" panose="02000600000000000000" pitchFamily="50" charset="-128"/>
-              </a:rPr>
-              <a:t>C:/Users/User/Documents/Idea.pdf</a:t>
-            </a:r>
-          </a:p>
-          <a:p>
-            <a:endParaRPr lang="en-US" altLang="ja-JP" sz="2000" dirty="0">
-              <a:latin typeface="コーポレート・ロゴ ver2 Medium" panose="02000600000000000000" pitchFamily="50" charset="-128"/>
-              <a:ea typeface="コーポレート・ロゴ ver2 Medium" panose="02000600000000000000" pitchFamily="50" charset="-128"/>
-            </a:endParaRPr>
-          </a:p>
-          <a:p>
+              <a:rPr lang="en-US" altLang="ja-JP" sz="2000" dirty="0">
+                <a:latin typeface="コーポレート・ロゴ ver2 Medium" panose="02000600000000000000" pitchFamily="50" charset="-128"/>
+                <a:ea typeface="コーポレート・ロゴ ver2 Medium" panose="02000600000000000000" pitchFamily="50" charset="-128"/>
+              </a:rPr>
+              <a:t>  </a:t>
+            </a:r>
             <a:r>
               <a:rPr lang="ja-JP" altLang="en-US" sz="2000" dirty="0">
                 <a:latin typeface="コーポレート・ロゴ ver2 Medium" panose="02000600000000000000" pitchFamily="50" charset="-128"/>
                 <a:ea typeface="コーポレート・ロゴ ver2 Medium" panose="02000600000000000000" pitchFamily="50" charset="-128"/>
               </a:rPr>
-              <a:t>目的のファイルの位置が変わらない限り、</a:t>
-            </a:r>
-            <a:endParaRPr lang="en-US" altLang="ja-JP" sz="2000" dirty="0">
-              <a:latin typeface="コーポレート・ロゴ ver2 Medium" panose="02000600000000000000" pitchFamily="50" charset="-128"/>
-              <a:ea typeface="コーポレート・ロゴ ver2 Medium" panose="02000600000000000000" pitchFamily="50" charset="-128"/>
-            </a:endParaRPr>
-          </a:p>
-          <a:p>
-            <a:r>
-              <a:rPr lang="ja-JP" altLang="en-US" sz="2000" dirty="0">
-                <a:latin typeface="コーポレート・ロゴ ver2 Medium" panose="02000600000000000000" pitchFamily="50" charset="-128"/>
-                <a:ea typeface="コーポレート・ロゴ ver2 Medium" panose="02000600000000000000" pitchFamily="50" charset="-128"/>
-              </a:rPr>
-              <a:t>有効である。</a:t>
-            </a:r>
-            <a:endParaRPr lang="en-US" altLang="ja-JP" sz="2000" dirty="0">
-              <a:latin typeface="コーポレート・ロゴ ver2 Medium" panose="02000600000000000000" pitchFamily="50" charset="-128"/>
-              <a:ea typeface="コーポレート・ロゴ ver2 Medium" panose="02000600000000000000" pitchFamily="50" charset="-128"/>
-            </a:endParaRPr>
-          </a:p>
-          <a:p>
-            <a:endParaRPr lang="en-US" altLang="ja-JP" sz="2000" dirty="0">
-              <a:latin typeface="コーポレート・ロゴ ver2 Medium" panose="02000600000000000000" pitchFamily="50" charset="-128"/>
-              <a:ea typeface="コーポレート・ロゴ ver2 Medium" panose="02000600000000000000" pitchFamily="50" charset="-128"/>
-            </a:endParaRPr>
-          </a:p>
-          <a:p>
-            <a:r>
-              <a:rPr lang="ja-JP" altLang="en-US" sz="2000" dirty="0">
-                <a:latin typeface="コーポレート・ロゴ ver2 Medium" panose="02000600000000000000" pitchFamily="50" charset="-128"/>
-                <a:ea typeface="コーポレート・ロゴ ver2 Medium" panose="02000600000000000000" pitchFamily="50" charset="-128"/>
-              </a:rPr>
-              <a:t> メリット： </a:t>
-            </a:r>
-            <a:r>
-              <a:rPr lang="ja-JP" altLang="en-US" sz="2000" dirty="0">
-                <a:solidFill>
-                  <a:srgbClr val="03BDBA"/>
-                </a:solidFill>
-                <a:latin typeface="コーポレート・ロゴ ver2 Medium" panose="02000600000000000000" pitchFamily="50" charset="-128"/>
-                <a:ea typeface="コーポレート・ロゴ ver2 Medium" panose="02000600000000000000" pitchFamily="50" charset="-128"/>
-              </a:rPr>
-              <a:t>どの階層からでも</a:t>
-            </a:r>
-            <a:r>
-              <a:rPr lang="ja-JP" altLang="en-US" sz="2000" dirty="0">
-                <a:latin typeface="コーポレート・ロゴ ver2 Medium" panose="02000600000000000000" pitchFamily="50" charset="-128"/>
-                <a:ea typeface="コーポレート・ロゴ ver2 Medium" panose="02000600000000000000" pitchFamily="50" charset="-128"/>
-              </a:rPr>
-              <a:t>アクセスできる</a:t>
-            </a:r>
-            <a:endParaRPr lang="en-US" altLang="ja-JP" sz="2000" dirty="0">
-              <a:latin typeface="コーポレート・ロゴ ver2 Medium" panose="02000600000000000000" pitchFamily="50" charset="-128"/>
-              <a:ea typeface="コーポレート・ロゴ ver2 Medium" panose="02000600000000000000" pitchFamily="50" charset="-128"/>
-            </a:endParaRPr>
-          </a:p>
-          <a:p>
+              <a:t>確認出来たら</a:t>
+            </a:r>
             <a:r>
               <a:rPr lang="en-US" altLang="ja-JP" sz="2000" dirty="0">
                 <a:latin typeface="コーポレート・ロゴ ver2 Medium" panose="02000600000000000000" pitchFamily="50" charset="-128"/>
                 <a:ea typeface="コーポレート・ロゴ ver2 Medium" panose="02000600000000000000" pitchFamily="50" charset="-128"/>
               </a:rPr>
-              <a:t>	  </a:t>
-            </a:r>
-            <a:r>
-              <a:rPr lang="ja-JP" altLang="en-US" sz="2000" dirty="0">
-                <a:latin typeface="コーポレート・ロゴ ver2 Medium" panose="02000600000000000000" pitchFamily="50" charset="-128"/>
-                <a:ea typeface="コーポレート・ロゴ ver2 Medium" panose="02000600000000000000" pitchFamily="50" charset="-128"/>
-              </a:rPr>
-              <a:t>見ただけでどこにあるのかが</a:t>
-            </a:r>
-            <a:r>
-              <a:rPr lang="ja-JP" altLang="en-US" sz="2000" dirty="0">
-                <a:solidFill>
-                  <a:srgbClr val="03BDBA"/>
-                </a:solidFill>
-                <a:latin typeface="コーポレート・ロゴ ver2 Medium" panose="02000600000000000000" pitchFamily="50" charset="-128"/>
-                <a:ea typeface="コーポレート・ロゴ ver2 Medium" panose="02000600000000000000" pitchFamily="50" charset="-128"/>
-              </a:rPr>
-              <a:t>わかりやすい</a:t>
-            </a:r>
-            <a:endParaRPr lang="en-US" altLang="ja-JP" sz="2000" dirty="0">
-              <a:latin typeface="コーポレート・ロゴ ver2 Medium" panose="02000600000000000000" pitchFamily="50" charset="-128"/>
-              <a:ea typeface="コーポレート・ロゴ ver2 Medium" panose="02000600000000000000" pitchFamily="50" charset="-128"/>
-            </a:endParaRPr>
-          </a:p>
-          <a:p>
-            <a:r>
-              <a:rPr lang="ja-JP" altLang="en-US" sz="2000" dirty="0">
-                <a:latin typeface="コーポレート・ロゴ ver2 Medium" panose="02000600000000000000" pitchFamily="50" charset="-128"/>
-                <a:ea typeface="コーポレート・ロゴ ver2 Medium" panose="02000600000000000000" pitchFamily="50" charset="-128"/>
-              </a:rPr>
-              <a:t>デメリット：長い</a:t>
-            </a:r>
-            <a:endParaRPr lang="en-US" altLang="ja-JP" sz="2000" dirty="0">
-              <a:latin typeface="コーポレート・ロゴ ver2 Medium" panose="02000600000000000000" pitchFamily="50" charset="-128"/>
-              <a:ea typeface="コーポレート・ロゴ ver2 Medium" panose="02000600000000000000" pitchFamily="50" charset="-128"/>
-            </a:endParaRPr>
-          </a:p>
-          <a:p>
-            <a:r>
-              <a:rPr lang="en-US" altLang="ja-JP" sz="2000" dirty="0">
-                <a:solidFill>
-                  <a:srgbClr val="03BDBA"/>
-                </a:solidFill>
-                <a:latin typeface="コーポレート・ロゴ ver2 Medium" panose="02000600000000000000" pitchFamily="50" charset="-128"/>
-                <a:ea typeface="コーポレート・ロゴ ver2 Medium" panose="02000600000000000000" pitchFamily="50" charset="-128"/>
-              </a:rPr>
-              <a:t>         </a:t>
-            </a:r>
-            <a:r>
-              <a:rPr lang="ja-JP" altLang="en-US" sz="2000" dirty="0">
-                <a:solidFill>
-                  <a:srgbClr val="03BDBA"/>
-                </a:solidFill>
-                <a:latin typeface="コーポレート・ロゴ ver2 Medium" panose="02000600000000000000" pitchFamily="50" charset="-128"/>
-                <a:ea typeface="コーポレート・ロゴ ver2 Medium" panose="02000600000000000000" pitchFamily="50" charset="-128"/>
-              </a:rPr>
-              <a:t>参照するディレクトリ</a:t>
-            </a:r>
-            <a:r>
-              <a:rPr lang="ja-JP" altLang="en-US" sz="2000" dirty="0">
-                <a:latin typeface="コーポレート・ロゴ ver2 Medium" panose="02000600000000000000" pitchFamily="50" charset="-128"/>
-                <a:ea typeface="コーポレート・ロゴ ver2 Medium" panose="02000600000000000000" pitchFamily="50" charset="-128"/>
-              </a:rPr>
-              <a:t>に変更があると</a:t>
-            </a:r>
-            <a:endParaRPr lang="en-US" altLang="ja-JP" sz="2000" dirty="0">
-              <a:latin typeface="コーポレート・ロゴ ver2 Medium" panose="02000600000000000000" pitchFamily="50" charset="-128"/>
-              <a:ea typeface="コーポレート・ロゴ ver2 Medium" panose="02000600000000000000" pitchFamily="50" charset="-128"/>
-            </a:endParaRPr>
-          </a:p>
-          <a:p>
-            <a:r>
-              <a:rPr lang="ja-JP" altLang="en-US" sz="2000" dirty="0">
-                <a:latin typeface="コーポレート・ロゴ ver2 Medium" panose="02000600000000000000" pitchFamily="50" charset="-128"/>
-                <a:ea typeface="コーポレート・ロゴ ver2 Medium" panose="02000600000000000000" pitchFamily="50" charset="-128"/>
-              </a:rPr>
-              <a:t>         効かなくなる</a:t>
-            </a:r>
-            <a:endParaRPr lang="en-US" altLang="ja-JP" sz="2000" dirty="0">
-              <a:latin typeface="コーポレート・ロゴ ver2 Medium" panose="02000600000000000000" pitchFamily="50" charset="-128"/>
-              <a:ea typeface="コーポレート・ロゴ ver2 Medium" panose="02000600000000000000" pitchFamily="50" charset="-128"/>
-            </a:endParaRPr>
+              <a:t>OK!</a:t>
+            </a:r>
           </a:p>
         </p:txBody>
       </p:sp>
@@ -11742,8 +8346,8 @@
         </p:nvSpPr>
         <p:spPr>
           <a:xfrm>
-            <a:off x="441665" y="1166789"/>
-            <a:ext cx="1265090" cy="461665"/>
+            <a:off x="434941" y="1288227"/>
+            <a:ext cx="1731564" cy="461665"/>
           </a:xfrm>
           <a:prstGeom prst="rect">
             <a:avLst/>
@@ -11767,11 +8371,11 @@
           <a:lstStyle/>
           <a:p>
             <a:r>
-              <a:rPr kumimoji="1" lang="ja-JP" altLang="en-US" sz="2400" dirty="0">
-                <a:latin typeface="コーポレート・ロゴ ver2 Medium" panose="02000600000000000000" pitchFamily="50" charset="-128"/>
-                <a:ea typeface="コーポレート・ロゴ ver2 Medium" panose="02000600000000000000" pitchFamily="50" charset="-128"/>
-              </a:rPr>
-              <a:t>絶対パス</a:t>
+              <a:rPr lang="ja-JP" altLang="en-US" sz="2400" dirty="0">
+                <a:latin typeface="コーポレート・ロゴ ver2 Medium" panose="02000600000000000000" pitchFamily="50" charset="-128"/>
+                <a:ea typeface="コーポレート・ロゴ ver2 Medium" panose="02000600000000000000" pitchFamily="50" charset="-128"/>
+              </a:rPr>
+              <a:t>ショートカット</a:t>
             </a:r>
             <a:endParaRPr kumimoji="1" lang="en-US" altLang="ja-JP" sz="2400" dirty="0">
               <a:latin typeface="コーポレート・ロゴ ver2 Medium" panose="02000600000000000000" pitchFamily="50" charset="-128"/>
@@ -11780,92 +8384,94 @@
           </a:p>
         </p:txBody>
       </p:sp>
-      <p:sp>
-        <p:nvSpPr>
-          <p:cNvPr id="70" name="テキスト ボックス 69">
-            <a:extLst>
-              <a:ext uri="{FF2B5EF4-FFF2-40B4-BE49-F238E27FC236}">
-                <a16:creationId xmlns:a16="http://schemas.microsoft.com/office/drawing/2014/main" id="{1BBCEC57-5355-8E36-1A9E-56F235122842}"/>
-              </a:ext>
-            </a:extLst>
-          </p:cNvPr>
-          <p:cNvSpPr txBox="1"/>
+      <p:pic>
+        <p:nvPicPr>
+          <p:cNvPr id="3" name="図 2">
+            <a:extLst>
+              <a:ext uri="{FF2B5EF4-FFF2-40B4-BE49-F238E27FC236}">
+                <a16:creationId xmlns:a16="http://schemas.microsoft.com/office/drawing/2014/main" id="{6441F822-CCA4-EE7E-BE4A-ED4AD3C81582}"/>
+              </a:ext>
+            </a:extLst>
+          </p:cNvPr>
+          <p:cNvPicPr>
+            <a:picLocks noChangeAspect="1"/>
+          </p:cNvPicPr>
           <p:nvPr/>
-        </p:nvSpPr>
+        </p:nvPicPr>
+        <p:blipFill rotWithShape="1">
+          <a:blip r:embed="rId5"/>
+          <a:srcRect l="4469" t="31779" b="37860"/>
+          <a:stretch/>
+        </p:blipFill>
         <p:spPr>
           <a:xfrm>
-            <a:off x="10603250" y="4594614"/>
-            <a:ext cx="1496514" cy="338554"/>
+            <a:off x="6551727" y="805345"/>
+            <a:ext cx="4803546" cy="1184551"/>
           </a:xfrm>
           <a:prstGeom prst="rect">
             <a:avLst/>
           </a:prstGeom>
-          <a:noFill/>
         </p:spPr>
-        <p:txBody>
-          <a:bodyPr wrap="square" rtlCol="0">
-            <a:spAutoFit/>
-          </a:bodyPr>
-          <a:lstStyle/>
-          <a:p>
-            <a:pPr algn="ctr"/>
-            <a:r>
-              <a:rPr kumimoji="1" lang="en-US" altLang="ja-JP" sz="1600" u="sng" dirty="0">
-                <a:latin typeface="マキナス 4 Flat" panose="02000600000000000000" pitchFamily="50" charset="-128"/>
-                <a:ea typeface="マキナス 4 Flat" panose="02000600000000000000" pitchFamily="50" charset="-128"/>
-              </a:rPr>
-              <a:t>Idea.pdf</a:t>
-            </a:r>
-            <a:endParaRPr kumimoji="1" lang="ja-JP" altLang="en-US" sz="1600" u="sng" dirty="0">
-              <a:latin typeface="マキナス 4 Flat" panose="02000600000000000000" pitchFamily="50" charset="-128"/>
-              <a:ea typeface="マキナス 4 Flat" panose="02000600000000000000" pitchFamily="50" charset="-128"/>
-            </a:endParaRPr>
-          </a:p>
-        </p:txBody>
-      </p:sp>
-      <p:sp>
-        <p:nvSpPr>
-          <p:cNvPr id="71" name="テキスト ボックス 70">
-            <a:extLst>
-              <a:ext uri="{FF2B5EF4-FFF2-40B4-BE49-F238E27FC236}">
-                <a16:creationId xmlns:a16="http://schemas.microsoft.com/office/drawing/2014/main" id="{73EE05CB-736A-C836-3653-CC1333EFA89D}"/>
-              </a:ext>
-            </a:extLst>
-          </p:cNvPr>
-          <p:cNvSpPr txBox="1"/>
+      </p:pic>
+      <p:pic>
+        <p:nvPicPr>
+          <p:cNvPr id="7" name="図 6">
+            <a:extLst>
+              <a:ext uri="{FF2B5EF4-FFF2-40B4-BE49-F238E27FC236}">
+                <a16:creationId xmlns:a16="http://schemas.microsoft.com/office/drawing/2014/main" id="{0CBE9F05-60F0-2A74-AD14-B6B3918E2A85}"/>
+              </a:ext>
+            </a:extLst>
+          </p:cNvPr>
+          <p:cNvPicPr>
+            <a:picLocks noChangeAspect="1"/>
+          </p:cNvPicPr>
           <p:nvPr/>
-        </p:nvSpPr>
+        </p:nvPicPr>
+        <p:blipFill rotWithShape="1">
+          <a:blip r:embed="rId6"/>
+          <a:srcRect t="18906" r="7438"/>
+          <a:stretch/>
+        </p:blipFill>
         <p:spPr>
           <a:xfrm>
-            <a:off x="10603250" y="5906385"/>
-            <a:ext cx="1496514" cy="338554"/>
+            <a:off x="6261025" y="2294063"/>
+            <a:ext cx="5384950" cy="752946"/>
           </a:xfrm>
           <a:prstGeom prst="rect">
             <a:avLst/>
           </a:prstGeom>
-          <a:noFill/>
         </p:spPr>
-        <p:txBody>
-          <a:bodyPr wrap="square" rtlCol="0">
-            <a:spAutoFit/>
-          </a:bodyPr>
-          <a:lstStyle/>
-          <a:p>
-            <a:pPr algn="ctr"/>
-            <a:r>
-              <a:rPr lang="en-US" altLang="ja-JP" sz="1600" dirty="0">
-                <a:latin typeface="マキナス 4 Flat" panose="02000600000000000000" pitchFamily="50" charset="-128"/>
-                <a:ea typeface="マキナス 4 Flat" panose="02000600000000000000" pitchFamily="50" charset="-128"/>
-              </a:rPr>
-              <a:t>220519.png</a:t>
-            </a:r>
-            <a:endParaRPr kumimoji="1" lang="ja-JP" altLang="en-US" sz="1600" dirty="0">
-              <a:latin typeface="マキナス 4 Flat" panose="02000600000000000000" pitchFamily="50" charset="-128"/>
-              <a:ea typeface="マキナス 4 Flat" panose="02000600000000000000" pitchFamily="50" charset="-128"/>
-            </a:endParaRPr>
-          </a:p>
-        </p:txBody>
-      </p:sp>
+      </p:pic>
+      <p:pic>
+        <p:nvPicPr>
+          <p:cNvPr id="9" name="図 8">
+            <a:extLst>
+              <a:ext uri="{FF2B5EF4-FFF2-40B4-BE49-F238E27FC236}">
+                <a16:creationId xmlns:a16="http://schemas.microsoft.com/office/drawing/2014/main" id="{26AB0FCB-3DE2-6A42-BB31-DD9CA8A4A79F}"/>
+              </a:ext>
+            </a:extLst>
+          </p:cNvPr>
+          <p:cNvPicPr>
+            <a:picLocks noChangeAspect="1"/>
+          </p:cNvPicPr>
+          <p:nvPr/>
+        </p:nvPicPr>
+        <p:blipFill>
+          <a:blip r:embed="rId7"/>
+          <a:stretch>
+            <a:fillRect/>
+          </a:stretch>
+        </p:blipFill>
+        <p:spPr>
+          <a:xfrm>
+            <a:off x="6551727" y="3275175"/>
+            <a:ext cx="4888725" cy="2582144"/>
+          </a:xfrm>
+          <a:prstGeom prst="rect">
+            <a:avLst/>
+          </a:prstGeom>
+        </p:spPr>
+      </p:pic>
     </p:spTree>
     <p:extLst>
       <p:ext uri="{BB962C8B-B14F-4D97-AF65-F5344CB8AC3E}">
@@ -11941,7 +8547,7 @@
         <p:spPr>
           <a:xfrm>
             <a:off x="505949" y="320948"/>
-            <a:ext cx="4500391" cy="646331"/>
+            <a:ext cx="5616595" cy="646331"/>
           </a:xfrm>
           <a:prstGeom prst="rect">
             <a:avLst/>
@@ -11955,11 +8561,18 @@
           <a:lstStyle/>
           <a:p>
             <a:r>
+              <a:rPr lang="en-US" altLang="ja-JP" sz="3600" dirty="0">
+                <a:latin typeface="コーポレート・ロゴ ver2 Bold" panose="02000600000000000000" pitchFamily="50" charset="-128"/>
+                <a:ea typeface="コーポレート・ロゴ ver2 Bold" panose="02000600000000000000" pitchFamily="50" charset="-128"/>
+              </a:rPr>
+              <a:t>C++</a:t>
+            </a:r>
+            <a:r>
               <a:rPr lang="ja-JP" altLang="en-US" sz="3600" dirty="0">
                 <a:latin typeface="コーポレート・ロゴ ver2 Bold" panose="02000600000000000000" pitchFamily="50" charset="-128"/>
                 <a:ea typeface="コーポレート・ロゴ ver2 Bold" panose="02000600000000000000" pitchFamily="50" charset="-128"/>
               </a:rPr>
-              <a:t>相対パス</a:t>
+              <a:t>バッチファイルについて</a:t>
             </a:r>
             <a:endParaRPr kumimoji="1" lang="en-US" altLang="ja-JP" sz="3600" dirty="0">
               <a:latin typeface="コーポレート・ロゴ ver2 Bold" panose="02000600000000000000" pitchFamily="50" charset="-128"/>
@@ -12038,1793 +8651,19 @@
       </p:sp>
       <p:sp>
         <p:nvSpPr>
-          <p:cNvPr id="14" name="正方形/長方形 13">
-            <a:extLst>
-              <a:ext uri="{FF2B5EF4-FFF2-40B4-BE49-F238E27FC236}">
-                <a16:creationId xmlns:a16="http://schemas.microsoft.com/office/drawing/2014/main" id="{6AD10150-2A11-D6EA-C474-3FABCFB04806}"/>
-              </a:ext>
-            </a:extLst>
-          </p:cNvPr>
-          <p:cNvSpPr/>
+          <p:cNvPr id="68" name="テキスト ボックス 67">
+            <a:extLst>
+              <a:ext uri="{FF2B5EF4-FFF2-40B4-BE49-F238E27FC236}">
+                <a16:creationId xmlns:a16="http://schemas.microsoft.com/office/drawing/2014/main" id="{832B415E-21ED-E49A-D228-5F6A38525382}"/>
+              </a:ext>
+            </a:extLst>
+          </p:cNvPr>
+          <p:cNvSpPr txBox="1"/>
           <p:nvPr/>
         </p:nvSpPr>
         <p:spPr>
           <a:xfrm>
-            <a:off x="6292199" y="1513988"/>
-            <a:ext cx="502445" cy="45719"/>
-          </a:xfrm>
-          <a:prstGeom prst="rect">
-            <a:avLst/>
-          </a:prstGeom>
-          <a:solidFill>
-            <a:schemeClr val="tx1"/>
-          </a:solidFill>
-          <a:ln>
-            <a:noFill/>
-          </a:ln>
-        </p:spPr>
-        <p:style>
-          <a:lnRef idx="2">
-            <a:schemeClr val="accent1">
-              <a:shade val="50000"/>
-            </a:schemeClr>
-          </a:lnRef>
-          <a:fillRef idx="1">
-            <a:schemeClr val="accent1"/>
-          </a:fillRef>
-          <a:effectRef idx="0">
-            <a:schemeClr val="accent1"/>
-          </a:effectRef>
-          <a:fontRef idx="minor">
-            <a:schemeClr val="lt1"/>
-          </a:fontRef>
-        </p:style>
-        <p:txBody>
-          <a:bodyPr rtlCol="0" anchor="ctr"/>
-          <a:lstStyle/>
-          <a:p>
-            <a:pPr algn="ctr"/>
-            <a:endParaRPr kumimoji="1" lang="ja-JP" altLang="en-US">
-              <a:solidFill>
-                <a:schemeClr val="tx1"/>
-              </a:solidFill>
-            </a:endParaRPr>
-          </a:p>
-        </p:txBody>
-      </p:sp>
-      <p:sp>
-        <p:nvSpPr>
-          <p:cNvPr id="19" name="正方形/長方形 18">
-            <a:extLst>
-              <a:ext uri="{FF2B5EF4-FFF2-40B4-BE49-F238E27FC236}">
-                <a16:creationId xmlns:a16="http://schemas.microsoft.com/office/drawing/2014/main" id="{5029C527-522F-B6FD-04E8-433443E1DFB8}"/>
-              </a:ext>
-            </a:extLst>
-          </p:cNvPr>
-          <p:cNvSpPr/>
-          <p:nvPr/>
-        </p:nvSpPr>
-        <p:spPr>
-          <a:xfrm>
-            <a:off x="7602126" y="1512464"/>
-            <a:ext cx="502445" cy="45719"/>
-          </a:xfrm>
-          <a:prstGeom prst="rect">
-            <a:avLst/>
-          </a:prstGeom>
-          <a:solidFill>
-            <a:schemeClr val="tx1"/>
-          </a:solidFill>
-          <a:ln>
-            <a:noFill/>
-          </a:ln>
-        </p:spPr>
-        <p:style>
-          <a:lnRef idx="2">
-            <a:schemeClr val="accent1">
-              <a:shade val="50000"/>
-            </a:schemeClr>
-          </a:lnRef>
-          <a:fillRef idx="1">
-            <a:schemeClr val="accent1"/>
-          </a:fillRef>
-          <a:effectRef idx="0">
-            <a:schemeClr val="accent1"/>
-          </a:effectRef>
-          <a:fontRef idx="minor">
-            <a:schemeClr val="lt1"/>
-          </a:fontRef>
-        </p:style>
-        <p:txBody>
-          <a:bodyPr rtlCol="0" anchor="ctr"/>
-          <a:lstStyle/>
-          <a:p>
-            <a:pPr algn="ctr"/>
-            <a:endParaRPr kumimoji="1" lang="ja-JP" altLang="en-US">
-              <a:solidFill>
-                <a:schemeClr val="tx1"/>
-              </a:solidFill>
-            </a:endParaRPr>
-          </a:p>
-        </p:txBody>
-      </p:sp>
-      <p:pic>
-        <p:nvPicPr>
-          <p:cNvPr id="22" name="図 21">
-            <a:extLst>
-              <a:ext uri="{FF2B5EF4-FFF2-40B4-BE49-F238E27FC236}">
-                <a16:creationId xmlns:a16="http://schemas.microsoft.com/office/drawing/2014/main" id="{6F54F616-19F4-6F62-392D-6E668AC66AB2}"/>
-              </a:ext>
-            </a:extLst>
-          </p:cNvPr>
-          <p:cNvPicPr>
-            <a:picLocks noChangeAspect="1"/>
-          </p:cNvPicPr>
-          <p:nvPr/>
-        </p:nvPicPr>
-        <p:blipFill>
-          <a:blip r:embed="rId4">
-            <a:extLst>
-              <a:ext uri="{28A0092B-C50C-407E-A947-70E740481C1C}">
-                <a14:useLocalDpi xmlns:a14="http://schemas.microsoft.com/office/drawing/2010/main" val="0"/>
-              </a:ext>
-            </a:extLst>
-          </a:blip>
-          <a:stretch>
-            <a:fillRect/>
-          </a:stretch>
-        </p:blipFill>
-        <p:spPr>
-          <a:xfrm>
-            <a:off x="6674094" y="967279"/>
-            <a:ext cx="1071442" cy="1071442"/>
-          </a:xfrm>
-          <a:prstGeom prst="rect">
-            <a:avLst/>
-          </a:prstGeom>
-        </p:spPr>
-      </p:pic>
-      <p:sp>
-        <p:nvSpPr>
-          <p:cNvPr id="23" name="正方形/長方形 22">
-            <a:extLst>
-              <a:ext uri="{FF2B5EF4-FFF2-40B4-BE49-F238E27FC236}">
-                <a16:creationId xmlns:a16="http://schemas.microsoft.com/office/drawing/2014/main" id="{1CDE4D2D-075B-A507-D818-F7E0A32EDFD9}"/>
-              </a:ext>
-            </a:extLst>
-          </p:cNvPr>
-          <p:cNvSpPr/>
-          <p:nvPr/>
-        </p:nvSpPr>
-        <p:spPr>
-          <a:xfrm>
-            <a:off x="6543421" y="5472595"/>
-            <a:ext cx="502445" cy="45719"/>
-          </a:xfrm>
-          <a:prstGeom prst="rect">
-            <a:avLst/>
-          </a:prstGeom>
-          <a:solidFill>
-            <a:schemeClr val="tx1"/>
-          </a:solidFill>
-          <a:ln>
-            <a:noFill/>
-          </a:ln>
-        </p:spPr>
-        <p:style>
-          <a:lnRef idx="2">
-            <a:schemeClr val="accent1">
-              <a:shade val="50000"/>
-            </a:schemeClr>
-          </a:lnRef>
-          <a:fillRef idx="1">
-            <a:schemeClr val="accent1"/>
-          </a:fillRef>
-          <a:effectRef idx="0">
-            <a:schemeClr val="accent1"/>
-          </a:effectRef>
-          <a:fontRef idx="minor">
-            <a:schemeClr val="lt1"/>
-          </a:fontRef>
-        </p:style>
-        <p:txBody>
-          <a:bodyPr rtlCol="0" anchor="ctr"/>
-          <a:lstStyle/>
-          <a:p>
-            <a:pPr algn="ctr"/>
-            <a:endParaRPr kumimoji="1" lang="ja-JP" altLang="en-US">
-              <a:solidFill>
-                <a:schemeClr val="tx1"/>
-              </a:solidFill>
-            </a:endParaRPr>
-          </a:p>
-        </p:txBody>
-      </p:sp>
-      <p:sp>
-        <p:nvSpPr>
-          <p:cNvPr id="24" name="正方形/長方形 23">
-            <a:extLst>
-              <a:ext uri="{FF2B5EF4-FFF2-40B4-BE49-F238E27FC236}">
-                <a16:creationId xmlns:a16="http://schemas.microsoft.com/office/drawing/2014/main" id="{B539A38A-08C2-BA8C-11F1-2B244264880C}"/>
-              </a:ext>
-            </a:extLst>
-          </p:cNvPr>
-          <p:cNvSpPr/>
-          <p:nvPr/>
-        </p:nvSpPr>
-        <p:spPr>
-          <a:xfrm>
-            <a:off x="7602126" y="5464333"/>
-            <a:ext cx="698482" cy="45720"/>
-          </a:xfrm>
-          <a:prstGeom prst="rect">
-            <a:avLst/>
-          </a:prstGeom>
-          <a:solidFill>
-            <a:schemeClr val="tx1"/>
-          </a:solidFill>
-          <a:ln>
-            <a:noFill/>
-          </a:ln>
-        </p:spPr>
-        <p:style>
-          <a:lnRef idx="2">
-            <a:schemeClr val="accent1">
-              <a:shade val="50000"/>
-            </a:schemeClr>
-          </a:lnRef>
-          <a:fillRef idx="1">
-            <a:schemeClr val="accent1"/>
-          </a:fillRef>
-          <a:effectRef idx="0">
-            <a:schemeClr val="accent1"/>
-          </a:effectRef>
-          <a:fontRef idx="minor">
-            <a:schemeClr val="lt1"/>
-          </a:fontRef>
-        </p:style>
-        <p:txBody>
-          <a:bodyPr rtlCol="0" anchor="ctr"/>
-          <a:lstStyle/>
-          <a:p>
-            <a:pPr algn="ctr"/>
-            <a:endParaRPr kumimoji="1" lang="ja-JP" altLang="en-US">
-              <a:solidFill>
-                <a:schemeClr val="tx1"/>
-              </a:solidFill>
-            </a:endParaRPr>
-          </a:p>
-        </p:txBody>
-      </p:sp>
-      <p:pic>
-        <p:nvPicPr>
-          <p:cNvPr id="25" name="図 24">
-            <a:extLst>
-              <a:ext uri="{FF2B5EF4-FFF2-40B4-BE49-F238E27FC236}">
-                <a16:creationId xmlns:a16="http://schemas.microsoft.com/office/drawing/2014/main" id="{9FCCEF3E-3257-5820-1819-A4B759A0835A}"/>
-              </a:ext>
-            </a:extLst>
-          </p:cNvPr>
-          <p:cNvPicPr>
-            <a:picLocks noChangeAspect="1"/>
-          </p:cNvPicPr>
-          <p:nvPr/>
-        </p:nvPicPr>
-        <p:blipFill>
-          <a:blip r:embed="rId4">
-            <a:extLst>
-              <a:ext uri="{28A0092B-C50C-407E-A947-70E740481C1C}">
-                <a14:useLocalDpi xmlns:a14="http://schemas.microsoft.com/office/drawing/2010/main" val="0"/>
-              </a:ext>
-            </a:extLst>
-          </a:blip>
-          <a:stretch>
-            <a:fillRect/>
-          </a:stretch>
-        </p:blipFill>
-        <p:spPr>
-          <a:xfrm>
-            <a:off x="6674094" y="4925886"/>
-            <a:ext cx="1071442" cy="1071442"/>
-          </a:xfrm>
-          <a:prstGeom prst="rect">
-            <a:avLst/>
-          </a:prstGeom>
-        </p:spPr>
-      </p:pic>
-      <p:sp>
-        <p:nvSpPr>
-          <p:cNvPr id="26" name="正方形/長方形 25">
-            <a:extLst>
-              <a:ext uri="{FF2B5EF4-FFF2-40B4-BE49-F238E27FC236}">
-                <a16:creationId xmlns:a16="http://schemas.microsoft.com/office/drawing/2014/main" id="{B2EFD37B-FF10-D1EE-01B8-42C2E22DD532}"/>
-              </a:ext>
-            </a:extLst>
-          </p:cNvPr>
-          <p:cNvSpPr/>
-          <p:nvPr/>
-        </p:nvSpPr>
-        <p:spPr>
-          <a:xfrm rot="16200000">
-            <a:off x="4143743" y="3916046"/>
-            <a:ext cx="4799361" cy="45719"/>
-          </a:xfrm>
-          <a:prstGeom prst="rect">
-            <a:avLst/>
-          </a:prstGeom>
-          <a:solidFill>
-            <a:schemeClr val="tx1"/>
-          </a:solidFill>
-          <a:ln>
-            <a:noFill/>
-          </a:ln>
-        </p:spPr>
-        <p:style>
-          <a:lnRef idx="2">
-            <a:schemeClr val="accent1">
-              <a:shade val="50000"/>
-            </a:schemeClr>
-          </a:lnRef>
-          <a:fillRef idx="1">
-            <a:schemeClr val="accent1"/>
-          </a:fillRef>
-          <a:effectRef idx="0">
-            <a:schemeClr val="accent1"/>
-          </a:effectRef>
-          <a:fontRef idx="minor">
-            <a:schemeClr val="lt1"/>
-          </a:fontRef>
-        </p:style>
-        <p:txBody>
-          <a:bodyPr rtlCol="0" anchor="ctr"/>
-          <a:lstStyle/>
-          <a:p>
-            <a:pPr algn="ctr"/>
-            <a:endParaRPr kumimoji="1" lang="ja-JP" altLang="en-US">
-              <a:solidFill>
-                <a:schemeClr val="tx1"/>
-              </a:solidFill>
-            </a:endParaRPr>
-          </a:p>
-        </p:txBody>
-      </p:sp>
-      <p:sp>
-        <p:nvSpPr>
-          <p:cNvPr id="27" name="正方形/長方形 26">
-            <a:extLst>
-              <a:ext uri="{FF2B5EF4-FFF2-40B4-BE49-F238E27FC236}">
-                <a16:creationId xmlns:a16="http://schemas.microsoft.com/office/drawing/2014/main" id="{C8E94FCA-84F4-2A2E-6898-18FE08754DDA}"/>
-              </a:ext>
-            </a:extLst>
-          </p:cNvPr>
-          <p:cNvSpPr/>
-          <p:nvPr/>
-        </p:nvSpPr>
-        <p:spPr>
-          <a:xfrm>
-            <a:off x="7869242" y="2652592"/>
-            <a:ext cx="502445" cy="45719"/>
-          </a:xfrm>
-          <a:prstGeom prst="rect">
-            <a:avLst/>
-          </a:prstGeom>
-          <a:solidFill>
-            <a:schemeClr val="tx1"/>
-          </a:solidFill>
-          <a:ln>
-            <a:noFill/>
-          </a:ln>
-        </p:spPr>
-        <p:style>
-          <a:lnRef idx="2">
-            <a:schemeClr val="accent1">
-              <a:shade val="50000"/>
-            </a:schemeClr>
-          </a:lnRef>
-          <a:fillRef idx="1">
-            <a:schemeClr val="accent1"/>
-          </a:fillRef>
-          <a:effectRef idx="0">
-            <a:schemeClr val="accent1"/>
-          </a:effectRef>
-          <a:fontRef idx="minor">
-            <a:schemeClr val="lt1"/>
-          </a:fontRef>
-        </p:style>
-        <p:txBody>
-          <a:bodyPr rtlCol="0" anchor="ctr"/>
-          <a:lstStyle/>
-          <a:p>
-            <a:pPr algn="ctr"/>
-            <a:endParaRPr kumimoji="1" lang="ja-JP" altLang="en-US">
-              <a:solidFill>
-                <a:schemeClr val="tx1"/>
-              </a:solidFill>
-            </a:endParaRPr>
-          </a:p>
-        </p:txBody>
-      </p:sp>
-      <p:sp>
-        <p:nvSpPr>
-          <p:cNvPr id="28" name="正方形/長方形 27">
-            <a:extLst>
-              <a:ext uri="{FF2B5EF4-FFF2-40B4-BE49-F238E27FC236}">
-                <a16:creationId xmlns:a16="http://schemas.microsoft.com/office/drawing/2014/main" id="{DF0FC357-CBFA-A2F7-9E32-C9D099B7ED7F}"/>
-              </a:ext>
-            </a:extLst>
-          </p:cNvPr>
-          <p:cNvSpPr/>
-          <p:nvPr/>
-        </p:nvSpPr>
-        <p:spPr>
-          <a:xfrm rot="16200000">
-            <a:off x="6243946" y="3116720"/>
-            <a:ext cx="3250600" cy="45719"/>
-          </a:xfrm>
-          <a:prstGeom prst="rect">
-            <a:avLst/>
-          </a:prstGeom>
-          <a:solidFill>
-            <a:schemeClr val="tx1"/>
-          </a:solidFill>
-          <a:ln>
-            <a:noFill/>
-          </a:ln>
-        </p:spPr>
-        <p:style>
-          <a:lnRef idx="2">
-            <a:schemeClr val="accent1">
-              <a:shade val="50000"/>
-            </a:schemeClr>
-          </a:lnRef>
-          <a:fillRef idx="1">
-            <a:schemeClr val="accent1"/>
-          </a:fillRef>
-          <a:effectRef idx="0">
-            <a:schemeClr val="accent1"/>
-          </a:effectRef>
-          <a:fontRef idx="minor">
-            <a:schemeClr val="lt1"/>
-          </a:fontRef>
-        </p:style>
-        <p:txBody>
-          <a:bodyPr rtlCol="0" anchor="ctr"/>
-          <a:lstStyle/>
-          <a:p>
-            <a:pPr algn="ctr"/>
-            <a:endParaRPr kumimoji="1" lang="ja-JP" altLang="en-US">
-              <a:solidFill>
-                <a:schemeClr val="tx1"/>
-              </a:solidFill>
-            </a:endParaRPr>
-          </a:p>
-        </p:txBody>
-      </p:sp>
-      <p:sp>
-        <p:nvSpPr>
-          <p:cNvPr id="29" name="正方形/長方形 28">
-            <a:extLst>
-              <a:ext uri="{FF2B5EF4-FFF2-40B4-BE49-F238E27FC236}">
-                <a16:creationId xmlns:a16="http://schemas.microsoft.com/office/drawing/2014/main" id="{1074A833-ACC0-36C5-DA78-969C7287DAFD}"/>
-              </a:ext>
-            </a:extLst>
-          </p:cNvPr>
-          <p:cNvSpPr/>
-          <p:nvPr/>
-        </p:nvSpPr>
-        <p:spPr>
-          <a:xfrm>
-            <a:off x="7869242" y="4020104"/>
-            <a:ext cx="502445" cy="45719"/>
-          </a:xfrm>
-          <a:prstGeom prst="rect">
-            <a:avLst/>
-          </a:prstGeom>
-          <a:solidFill>
-            <a:schemeClr val="tx1"/>
-          </a:solidFill>
-          <a:ln>
-            <a:noFill/>
-          </a:ln>
-        </p:spPr>
-        <p:style>
-          <a:lnRef idx="2">
-            <a:schemeClr val="accent1">
-              <a:shade val="50000"/>
-            </a:schemeClr>
-          </a:lnRef>
-          <a:fillRef idx="1">
-            <a:schemeClr val="accent1"/>
-          </a:fillRef>
-          <a:effectRef idx="0">
-            <a:schemeClr val="accent1"/>
-          </a:effectRef>
-          <a:fontRef idx="minor">
-            <a:schemeClr val="lt1"/>
-          </a:fontRef>
-        </p:style>
-        <p:txBody>
-          <a:bodyPr rtlCol="0" anchor="ctr"/>
-          <a:lstStyle/>
-          <a:p>
-            <a:pPr algn="ctr"/>
-            <a:endParaRPr kumimoji="1" lang="ja-JP" altLang="en-US">
-              <a:solidFill>
-                <a:schemeClr val="tx1"/>
-              </a:solidFill>
-            </a:endParaRPr>
-          </a:p>
-        </p:txBody>
-      </p:sp>
-      <p:sp>
-        <p:nvSpPr>
-          <p:cNvPr id="32" name="正方形/長方形 31">
-            <a:extLst>
-              <a:ext uri="{FF2B5EF4-FFF2-40B4-BE49-F238E27FC236}">
-                <a16:creationId xmlns:a16="http://schemas.microsoft.com/office/drawing/2014/main" id="{12A6CE95-D996-E038-8782-235ED4B1F0F0}"/>
-              </a:ext>
-            </a:extLst>
-          </p:cNvPr>
-          <p:cNvSpPr/>
-          <p:nvPr/>
-        </p:nvSpPr>
-        <p:spPr>
-          <a:xfrm>
-            <a:off x="8912498" y="1512464"/>
-            <a:ext cx="697954" cy="45719"/>
-          </a:xfrm>
-          <a:prstGeom prst="rect">
-            <a:avLst/>
-          </a:prstGeom>
-          <a:solidFill>
-            <a:schemeClr val="tx1"/>
-          </a:solidFill>
-          <a:ln>
-            <a:noFill/>
-          </a:ln>
-        </p:spPr>
-        <p:style>
-          <a:lnRef idx="2">
-            <a:schemeClr val="accent1">
-              <a:shade val="50000"/>
-            </a:schemeClr>
-          </a:lnRef>
-          <a:fillRef idx="1">
-            <a:schemeClr val="accent1"/>
-          </a:fillRef>
-          <a:effectRef idx="0">
-            <a:schemeClr val="accent1"/>
-          </a:effectRef>
-          <a:fontRef idx="minor">
-            <a:schemeClr val="lt1"/>
-          </a:fontRef>
-        </p:style>
-        <p:txBody>
-          <a:bodyPr rtlCol="0" anchor="ctr"/>
-          <a:lstStyle/>
-          <a:p>
-            <a:pPr algn="ctr"/>
-            <a:endParaRPr kumimoji="1" lang="ja-JP" altLang="en-US">
-              <a:solidFill>
-                <a:schemeClr val="tx1"/>
-              </a:solidFill>
-            </a:endParaRPr>
-          </a:p>
-        </p:txBody>
-      </p:sp>
-      <p:sp>
-        <p:nvSpPr>
-          <p:cNvPr id="33" name="正方形/長方形 32">
-            <a:extLst>
-              <a:ext uri="{FF2B5EF4-FFF2-40B4-BE49-F238E27FC236}">
-                <a16:creationId xmlns:a16="http://schemas.microsoft.com/office/drawing/2014/main" id="{027BD158-FAFD-A6EB-DD50-B61A1181A26C}"/>
-              </a:ext>
-            </a:extLst>
-          </p:cNvPr>
-          <p:cNvSpPr/>
-          <p:nvPr/>
-        </p:nvSpPr>
-        <p:spPr>
-          <a:xfrm>
-            <a:off x="9218851" y="2725932"/>
-            <a:ext cx="502445" cy="45719"/>
-          </a:xfrm>
-          <a:prstGeom prst="rect">
-            <a:avLst/>
-          </a:prstGeom>
-          <a:solidFill>
-            <a:schemeClr val="tx1"/>
-          </a:solidFill>
-          <a:ln>
-            <a:noFill/>
-          </a:ln>
-        </p:spPr>
-        <p:style>
-          <a:lnRef idx="2">
-            <a:schemeClr val="accent1">
-              <a:shade val="50000"/>
-            </a:schemeClr>
-          </a:lnRef>
-          <a:fillRef idx="1">
-            <a:schemeClr val="accent1"/>
-          </a:fillRef>
-          <a:effectRef idx="0">
-            <a:schemeClr val="accent1"/>
-          </a:effectRef>
-          <a:fontRef idx="minor">
-            <a:schemeClr val="lt1"/>
-          </a:fontRef>
-        </p:style>
-        <p:txBody>
-          <a:bodyPr rtlCol="0" anchor="ctr"/>
-          <a:lstStyle/>
-          <a:p>
-            <a:pPr algn="ctr"/>
-            <a:endParaRPr kumimoji="1" lang="ja-JP" altLang="en-US">
-              <a:solidFill>
-                <a:schemeClr val="tx1"/>
-              </a:solidFill>
-            </a:endParaRPr>
-          </a:p>
-        </p:txBody>
-      </p:sp>
-      <p:pic>
-        <p:nvPicPr>
-          <p:cNvPr id="34" name="図 33">
-            <a:extLst>
-              <a:ext uri="{FF2B5EF4-FFF2-40B4-BE49-F238E27FC236}">
-                <a16:creationId xmlns:a16="http://schemas.microsoft.com/office/drawing/2014/main" id="{40289E3B-7AD7-33D6-B843-5393C9F2146D}"/>
-              </a:ext>
-            </a:extLst>
-          </p:cNvPr>
-          <p:cNvPicPr>
-            <a:picLocks noChangeAspect="1"/>
-          </p:cNvPicPr>
-          <p:nvPr/>
-        </p:nvPicPr>
-        <p:blipFill>
-          <a:blip r:embed="rId4">
-            <a:extLst>
-              <a:ext uri="{28A0092B-C50C-407E-A947-70E740481C1C}">
-                <a14:useLocalDpi xmlns:a14="http://schemas.microsoft.com/office/drawing/2010/main" val="0"/>
-              </a:ext>
-            </a:extLst>
-          </a:blip>
-          <a:stretch>
-            <a:fillRect/>
-          </a:stretch>
-        </p:blipFill>
-        <p:spPr>
-          <a:xfrm>
-            <a:off x="7965684" y="967279"/>
-            <a:ext cx="1071442" cy="1071442"/>
-          </a:xfrm>
-          <a:prstGeom prst="rect">
-            <a:avLst/>
-          </a:prstGeom>
-        </p:spPr>
-      </p:pic>
-      <p:sp>
-        <p:nvSpPr>
-          <p:cNvPr id="35" name="正方形/長方形 34">
-            <a:extLst>
-              <a:ext uri="{FF2B5EF4-FFF2-40B4-BE49-F238E27FC236}">
-                <a16:creationId xmlns:a16="http://schemas.microsoft.com/office/drawing/2014/main" id="{95CA828D-133A-7A1E-268E-07C3CECA301D}"/>
-              </a:ext>
-            </a:extLst>
-          </p:cNvPr>
-          <p:cNvSpPr/>
-          <p:nvPr/>
-        </p:nvSpPr>
-        <p:spPr>
-          <a:xfrm rot="16200000">
-            <a:off x="7593556" y="3116720"/>
-            <a:ext cx="3250600" cy="45719"/>
-          </a:xfrm>
-          <a:prstGeom prst="rect">
-            <a:avLst/>
-          </a:prstGeom>
-          <a:solidFill>
-            <a:schemeClr val="tx1"/>
-          </a:solidFill>
-          <a:ln>
-            <a:noFill/>
-          </a:ln>
-        </p:spPr>
-        <p:style>
-          <a:lnRef idx="2">
-            <a:schemeClr val="accent1">
-              <a:shade val="50000"/>
-            </a:schemeClr>
-          </a:lnRef>
-          <a:fillRef idx="1">
-            <a:schemeClr val="accent1"/>
-          </a:fillRef>
-          <a:effectRef idx="0">
-            <a:schemeClr val="accent1"/>
-          </a:effectRef>
-          <a:fontRef idx="minor">
-            <a:schemeClr val="lt1"/>
-          </a:fontRef>
-        </p:style>
-        <p:txBody>
-          <a:bodyPr rtlCol="0" anchor="ctr"/>
-          <a:lstStyle/>
-          <a:p>
-            <a:pPr algn="ctr"/>
-            <a:endParaRPr kumimoji="1" lang="ja-JP" altLang="en-US">
-              <a:solidFill>
-                <a:schemeClr val="tx1"/>
-              </a:solidFill>
-            </a:endParaRPr>
-          </a:p>
-        </p:txBody>
-      </p:sp>
-      <p:sp>
-        <p:nvSpPr>
-          <p:cNvPr id="36" name="正方形/長方形 35">
-            <a:extLst>
-              <a:ext uri="{FF2B5EF4-FFF2-40B4-BE49-F238E27FC236}">
-                <a16:creationId xmlns:a16="http://schemas.microsoft.com/office/drawing/2014/main" id="{FACB32F1-4A02-C428-760D-646988DD1336}"/>
-              </a:ext>
-            </a:extLst>
-          </p:cNvPr>
-          <p:cNvSpPr/>
-          <p:nvPr/>
-        </p:nvSpPr>
-        <p:spPr>
-          <a:xfrm>
-            <a:off x="9218851" y="4093444"/>
-            <a:ext cx="502445" cy="45719"/>
-          </a:xfrm>
-          <a:prstGeom prst="rect">
-            <a:avLst/>
-          </a:prstGeom>
-          <a:solidFill>
-            <a:schemeClr val="tx1"/>
-          </a:solidFill>
-          <a:ln>
-            <a:noFill/>
-          </a:ln>
-        </p:spPr>
-        <p:style>
-          <a:lnRef idx="2">
-            <a:schemeClr val="accent1">
-              <a:shade val="50000"/>
-            </a:schemeClr>
-          </a:lnRef>
-          <a:fillRef idx="1">
-            <a:schemeClr val="accent1"/>
-          </a:fillRef>
-          <a:effectRef idx="0">
-            <a:schemeClr val="accent1"/>
-          </a:effectRef>
-          <a:fontRef idx="minor">
-            <a:schemeClr val="lt1"/>
-          </a:fontRef>
-        </p:style>
-        <p:txBody>
-          <a:bodyPr rtlCol="0" anchor="ctr"/>
-          <a:lstStyle/>
-          <a:p>
-            <a:pPr algn="ctr"/>
-            <a:endParaRPr kumimoji="1" lang="ja-JP" altLang="en-US">
-              <a:solidFill>
-                <a:schemeClr val="tx1"/>
-              </a:solidFill>
-            </a:endParaRPr>
-          </a:p>
-        </p:txBody>
-      </p:sp>
-      <p:sp>
-        <p:nvSpPr>
-          <p:cNvPr id="41" name="テキスト ボックス 40">
-            <a:extLst>
-              <a:ext uri="{FF2B5EF4-FFF2-40B4-BE49-F238E27FC236}">
-                <a16:creationId xmlns:a16="http://schemas.microsoft.com/office/drawing/2014/main" id="{6EC5BDBA-967C-79CD-7F25-C976DC7B63F6}"/>
-              </a:ext>
-            </a:extLst>
-          </p:cNvPr>
-          <p:cNvSpPr txBox="1"/>
-          <p:nvPr/>
-        </p:nvSpPr>
-        <p:spPr>
-          <a:xfrm>
-            <a:off x="5512289" y="1273713"/>
-            <a:ext cx="966524" cy="523220"/>
-          </a:xfrm>
-          <a:prstGeom prst="rect">
-            <a:avLst/>
-          </a:prstGeom>
-          <a:noFill/>
-        </p:spPr>
-        <p:txBody>
-          <a:bodyPr wrap="square" rtlCol="0">
-            <a:spAutoFit/>
-          </a:bodyPr>
-          <a:lstStyle/>
-          <a:p>
-            <a:pPr algn="ctr"/>
-            <a:r>
-              <a:rPr kumimoji="1" lang="en-US" altLang="ja-JP" sz="2800" dirty="0">
-                <a:latin typeface="マキナス 4 Flat" panose="02000600000000000000" pitchFamily="50" charset="-128"/>
-                <a:ea typeface="マキナス 4 Flat" panose="02000600000000000000" pitchFamily="50" charset="-128"/>
-              </a:rPr>
-              <a:t>C:</a:t>
-            </a:r>
-            <a:endParaRPr kumimoji="1" lang="ja-JP" altLang="en-US" sz="2800" dirty="0">
-              <a:latin typeface="マキナス 4 Flat" panose="02000600000000000000" pitchFamily="50" charset="-128"/>
-              <a:ea typeface="マキナス 4 Flat" panose="02000600000000000000" pitchFamily="50" charset="-128"/>
-            </a:endParaRPr>
-          </a:p>
-        </p:txBody>
-      </p:sp>
-      <p:sp>
-        <p:nvSpPr>
-          <p:cNvPr id="42" name="テキスト ボックス 41">
-            <a:extLst>
-              <a:ext uri="{FF2B5EF4-FFF2-40B4-BE49-F238E27FC236}">
-                <a16:creationId xmlns:a16="http://schemas.microsoft.com/office/drawing/2014/main" id="{43F1A3E2-2553-6812-B6DF-662E348A33DD}"/>
-              </a:ext>
-            </a:extLst>
-          </p:cNvPr>
-          <p:cNvSpPr txBox="1"/>
-          <p:nvPr/>
-        </p:nvSpPr>
-        <p:spPr>
-          <a:xfrm>
-            <a:off x="6616410" y="1893509"/>
-            <a:ext cx="1202706" cy="338554"/>
-          </a:xfrm>
-          <a:prstGeom prst="rect">
-            <a:avLst/>
-          </a:prstGeom>
-          <a:noFill/>
-        </p:spPr>
-        <p:txBody>
-          <a:bodyPr wrap="square" rtlCol="0">
-            <a:spAutoFit/>
-          </a:bodyPr>
-          <a:lstStyle/>
-          <a:p>
-            <a:pPr algn="ctr"/>
-            <a:r>
-              <a:rPr lang="en-US" altLang="ja-JP" sz="1600" dirty="0">
-                <a:latin typeface="マキナス 4 Flat" panose="02000600000000000000" pitchFamily="50" charset="-128"/>
-                <a:ea typeface="マキナス 4 Flat" panose="02000600000000000000" pitchFamily="50" charset="-128"/>
-              </a:rPr>
-              <a:t>Users</a:t>
-            </a:r>
-            <a:endParaRPr kumimoji="1" lang="ja-JP" altLang="en-US" sz="1600" dirty="0">
-              <a:latin typeface="マキナス 4 Flat" panose="02000600000000000000" pitchFamily="50" charset="-128"/>
-              <a:ea typeface="マキナス 4 Flat" panose="02000600000000000000" pitchFamily="50" charset="-128"/>
-            </a:endParaRPr>
-          </a:p>
-        </p:txBody>
-      </p:sp>
-      <p:sp>
-        <p:nvSpPr>
-          <p:cNvPr id="43" name="テキスト ボックス 42">
-            <a:extLst>
-              <a:ext uri="{FF2B5EF4-FFF2-40B4-BE49-F238E27FC236}">
-                <a16:creationId xmlns:a16="http://schemas.microsoft.com/office/drawing/2014/main" id="{796B428D-72CC-7C74-09CC-7695D55C98E1}"/>
-              </a:ext>
-            </a:extLst>
-          </p:cNvPr>
-          <p:cNvSpPr txBox="1"/>
-          <p:nvPr/>
-        </p:nvSpPr>
-        <p:spPr>
-          <a:xfrm>
-            <a:off x="6616410" y="5853546"/>
-            <a:ext cx="1202706" cy="584775"/>
-          </a:xfrm>
-          <a:prstGeom prst="rect">
-            <a:avLst/>
-          </a:prstGeom>
-          <a:noFill/>
-        </p:spPr>
-        <p:txBody>
-          <a:bodyPr wrap="square" rtlCol="0">
-            <a:spAutoFit/>
-          </a:bodyPr>
-          <a:lstStyle/>
-          <a:p>
-            <a:pPr algn="ctr"/>
-            <a:r>
-              <a:rPr lang="en-US" altLang="ja-JP" sz="1600" dirty="0">
-                <a:latin typeface="マキナス 4 Flat" panose="02000600000000000000" pitchFamily="50" charset="-128"/>
-                <a:ea typeface="マキナス 4 Flat" panose="02000600000000000000" pitchFamily="50" charset="-128"/>
-              </a:rPr>
-              <a:t>Program</a:t>
-            </a:r>
-          </a:p>
-          <a:p>
-            <a:pPr algn="ctr"/>
-            <a:r>
-              <a:rPr kumimoji="1" lang="en-US" altLang="ja-JP" sz="1600" dirty="0">
-                <a:latin typeface="マキナス 4 Flat" panose="02000600000000000000" pitchFamily="50" charset="-128"/>
-                <a:ea typeface="マキナス 4 Flat" panose="02000600000000000000" pitchFamily="50" charset="-128"/>
-              </a:rPr>
-              <a:t>Files(x8</a:t>
-            </a:r>
-            <a:r>
-              <a:rPr lang="en-US" altLang="ja-JP" sz="1600" dirty="0">
-                <a:latin typeface="マキナス 4 Flat" panose="02000600000000000000" pitchFamily="50" charset="-128"/>
-                <a:ea typeface="マキナス 4 Flat" panose="02000600000000000000" pitchFamily="50" charset="-128"/>
-              </a:rPr>
-              <a:t>6)</a:t>
-            </a:r>
-            <a:endParaRPr kumimoji="1" lang="ja-JP" altLang="en-US" sz="1600" dirty="0">
-              <a:latin typeface="マキナス 4 Flat" panose="02000600000000000000" pitchFamily="50" charset="-128"/>
-              <a:ea typeface="マキナス 4 Flat" panose="02000600000000000000" pitchFamily="50" charset="-128"/>
-            </a:endParaRPr>
-          </a:p>
-        </p:txBody>
-      </p:sp>
-      <p:sp>
-        <p:nvSpPr>
-          <p:cNvPr id="44" name="テキスト ボックス 43">
-            <a:extLst>
-              <a:ext uri="{FF2B5EF4-FFF2-40B4-BE49-F238E27FC236}">
-                <a16:creationId xmlns:a16="http://schemas.microsoft.com/office/drawing/2014/main" id="{97BDF14C-057F-04B8-7AC6-1B9620E547E3}"/>
-              </a:ext>
-            </a:extLst>
-          </p:cNvPr>
-          <p:cNvSpPr txBox="1"/>
-          <p:nvPr/>
-        </p:nvSpPr>
-        <p:spPr>
-          <a:xfrm>
-            <a:off x="7873285" y="5853546"/>
-            <a:ext cx="1442710" cy="338554"/>
-          </a:xfrm>
-          <a:prstGeom prst="rect">
-            <a:avLst/>
-          </a:prstGeom>
-          <a:noFill/>
-        </p:spPr>
-        <p:txBody>
-          <a:bodyPr wrap="square" rtlCol="0">
-            <a:spAutoFit/>
-          </a:bodyPr>
-          <a:lstStyle/>
-          <a:p>
-            <a:pPr algn="ctr"/>
-            <a:r>
-              <a:rPr lang="en-US" altLang="ja-JP" sz="1600" dirty="0">
-                <a:latin typeface="マキナス 4 Flat" panose="02000600000000000000" pitchFamily="50" charset="-128"/>
-                <a:ea typeface="マキナス 4 Flat" panose="02000600000000000000" pitchFamily="50" charset="-128"/>
-              </a:rPr>
-              <a:t>Application</a:t>
-            </a:r>
-            <a:endParaRPr kumimoji="1" lang="ja-JP" altLang="en-US" sz="1600" dirty="0">
-              <a:latin typeface="マキナス 4 Flat" panose="02000600000000000000" pitchFamily="50" charset="-128"/>
-              <a:ea typeface="マキナス 4 Flat" panose="02000600000000000000" pitchFamily="50" charset="-128"/>
-            </a:endParaRPr>
-          </a:p>
-        </p:txBody>
-      </p:sp>
-      <p:sp>
-        <p:nvSpPr>
-          <p:cNvPr id="45" name="テキスト ボックス 44">
-            <a:extLst>
-              <a:ext uri="{FF2B5EF4-FFF2-40B4-BE49-F238E27FC236}">
-                <a16:creationId xmlns:a16="http://schemas.microsoft.com/office/drawing/2014/main" id="{3174C978-58EE-09C2-928E-C63C73FB9739}"/>
-              </a:ext>
-            </a:extLst>
-          </p:cNvPr>
-          <p:cNvSpPr txBox="1"/>
-          <p:nvPr/>
-        </p:nvSpPr>
-        <p:spPr>
-          <a:xfrm>
-            <a:off x="7772513" y="4514969"/>
-            <a:ext cx="1496514" cy="338554"/>
-          </a:xfrm>
-          <a:prstGeom prst="rect">
-            <a:avLst/>
-          </a:prstGeom>
-          <a:noFill/>
-        </p:spPr>
-        <p:txBody>
-          <a:bodyPr wrap="square" rtlCol="0">
-            <a:spAutoFit/>
-          </a:bodyPr>
-          <a:lstStyle/>
-          <a:p>
-            <a:pPr algn="ctr"/>
-            <a:r>
-              <a:rPr lang="en-US" altLang="ja-JP" sz="1600" dirty="0">
-                <a:latin typeface="マキナス 4 Flat" panose="02000600000000000000" pitchFamily="50" charset="-128"/>
-                <a:ea typeface="マキナス 4 Flat" panose="02000600000000000000" pitchFamily="50" charset="-128"/>
-              </a:rPr>
-              <a:t>Default</a:t>
-            </a:r>
-            <a:endParaRPr kumimoji="1" lang="ja-JP" altLang="en-US" sz="1600" dirty="0">
-              <a:latin typeface="マキナス 4 Flat" panose="02000600000000000000" pitchFamily="50" charset="-128"/>
-              <a:ea typeface="マキナス 4 Flat" panose="02000600000000000000" pitchFamily="50" charset="-128"/>
-            </a:endParaRPr>
-          </a:p>
-        </p:txBody>
-      </p:sp>
-      <p:sp>
-        <p:nvSpPr>
-          <p:cNvPr id="46" name="テキスト ボックス 45">
-            <a:extLst>
-              <a:ext uri="{FF2B5EF4-FFF2-40B4-BE49-F238E27FC236}">
-                <a16:creationId xmlns:a16="http://schemas.microsoft.com/office/drawing/2014/main" id="{D8F54B9B-85DC-8409-B90B-454366E53213}"/>
-              </a:ext>
-            </a:extLst>
-          </p:cNvPr>
-          <p:cNvSpPr txBox="1"/>
-          <p:nvPr/>
-        </p:nvSpPr>
-        <p:spPr>
-          <a:xfrm>
-            <a:off x="7919417" y="3143711"/>
-            <a:ext cx="1202706" cy="369332"/>
-          </a:xfrm>
-          <a:prstGeom prst="rect">
-            <a:avLst/>
-          </a:prstGeom>
-          <a:noFill/>
-        </p:spPr>
-        <p:txBody>
-          <a:bodyPr wrap="square" rtlCol="0">
-            <a:spAutoFit/>
-          </a:bodyPr>
-          <a:lstStyle/>
-          <a:p>
-            <a:pPr algn="ctr"/>
-            <a:r>
-              <a:rPr lang="en-US" altLang="ja-JP" dirty="0">
-                <a:latin typeface="マキナス 4 Flat" panose="02000600000000000000" pitchFamily="50" charset="-128"/>
-                <a:ea typeface="マキナス 4 Flat" panose="02000600000000000000" pitchFamily="50" charset="-128"/>
-              </a:rPr>
-              <a:t>Public</a:t>
-            </a:r>
-            <a:endParaRPr kumimoji="1" lang="ja-JP" altLang="en-US" dirty="0">
-              <a:latin typeface="マキナス 4 Flat" panose="02000600000000000000" pitchFamily="50" charset="-128"/>
-              <a:ea typeface="マキナス 4 Flat" panose="02000600000000000000" pitchFamily="50" charset="-128"/>
-            </a:endParaRPr>
-          </a:p>
-        </p:txBody>
-      </p:sp>
-      <p:sp>
-        <p:nvSpPr>
-          <p:cNvPr id="47" name="テキスト ボックス 46">
-            <a:extLst>
-              <a:ext uri="{FF2B5EF4-FFF2-40B4-BE49-F238E27FC236}">
-                <a16:creationId xmlns:a16="http://schemas.microsoft.com/office/drawing/2014/main" id="{F5FC466B-7F82-9814-5A42-D9FDC032777A}"/>
-              </a:ext>
-            </a:extLst>
-          </p:cNvPr>
-          <p:cNvSpPr txBox="1"/>
-          <p:nvPr/>
-        </p:nvSpPr>
-        <p:spPr>
-          <a:xfrm>
-            <a:off x="7805269" y="1888378"/>
-            <a:ext cx="1355414" cy="338554"/>
-          </a:xfrm>
-          <a:prstGeom prst="rect">
-            <a:avLst/>
-          </a:prstGeom>
-          <a:noFill/>
-        </p:spPr>
-        <p:txBody>
-          <a:bodyPr wrap="square" rtlCol="0">
-            <a:spAutoFit/>
-          </a:bodyPr>
-          <a:lstStyle/>
-          <a:p>
-            <a:pPr algn="ctr"/>
-            <a:r>
-              <a:rPr lang="en-US" altLang="ja-JP" sz="1600" dirty="0">
-                <a:latin typeface="マキナス 4 Flat" panose="02000600000000000000" pitchFamily="50" charset="-128"/>
-                <a:ea typeface="マキナス 4 Flat" panose="02000600000000000000" pitchFamily="50" charset="-128"/>
-              </a:rPr>
-              <a:t>User</a:t>
-            </a:r>
-            <a:endParaRPr kumimoji="1" lang="ja-JP" altLang="en-US" sz="1600" dirty="0">
-              <a:latin typeface="マキナス 4 Flat" panose="02000600000000000000" pitchFamily="50" charset="-128"/>
-              <a:ea typeface="マキナス 4 Flat" panose="02000600000000000000" pitchFamily="50" charset="-128"/>
-            </a:endParaRPr>
-          </a:p>
-        </p:txBody>
-      </p:sp>
-      <p:sp>
-        <p:nvSpPr>
-          <p:cNvPr id="48" name="テキスト ボックス 47">
-            <a:extLst>
-              <a:ext uri="{FF2B5EF4-FFF2-40B4-BE49-F238E27FC236}">
-                <a16:creationId xmlns:a16="http://schemas.microsoft.com/office/drawing/2014/main" id="{D8A47683-4FAE-6171-8B8A-24884751A22F}"/>
-              </a:ext>
-            </a:extLst>
-          </p:cNvPr>
-          <p:cNvSpPr txBox="1"/>
-          <p:nvPr/>
-        </p:nvSpPr>
-        <p:spPr>
-          <a:xfrm>
-            <a:off x="9195064" y="4514969"/>
-            <a:ext cx="1496514" cy="338554"/>
-          </a:xfrm>
-          <a:prstGeom prst="rect">
-            <a:avLst/>
-          </a:prstGeom>
-          <a:noFill/>
-        </p:spPr>
-        <p:txBody>
-          <a:bodyPr wrap="square" rtlCol="0">
-            <a:spAutoFit/>
-          </a:bodyPr>
-          <a:lstStyle/>
-          <a:p>
-            <a:pPr algn="ctr"/>
-            <a:r>
-              <a:rPr lang="en-US" altLang="ja-JP" sz="1600" dirty="0">
-                <a:latin typeface="マキナス 4 Flat" panose="02000600000000000000" pitchFamily="50" charset="-128"/>
-                <a:ea typeface="マキナス 4 Flat" panose="02000600000000000000" pitchFamily="50" charset="-128"/>
-              </a:rPr>
-              <a:t>Documents</a:t>
-            </a:r>
-            <a:endParaRPr kumimoji="1" lang="ja-JP" altLang="en-US" sz="1600" dirty="0">
-              <a:latin typeface="マキナス 4 Flat" panose="02000600000000000000" pitchFamily="50" charset="-128"/>
-              <a:ea typeface="マキナス 4 Flat" panose="02000600000000000000" pitchFamily="50" charset="-128"/>
-            </a:endParaRPr>
-          </a:p>
-        </p:txBody>
-      </p:sp>
-      <p:sp>
-        <p:nvSpPr>
-          <p:cNvPr id="49" name="テキスト ボックス 48">
-            <a:extLst>
-              <a:ext uri="{FF2B5EF4-FFF2-40B4-BE49-F238E27FC236}">
-                <a16:creationId xmlns:a16="http://schemas.microsoft.com/office/drawing/2014/main" id="{6E21D74D-6CF0-7037-9046-C651EE51178E}"/>
-              </a:ext>
-            </a:extLst>
-          </p:cNvPr>
-          <p:cNvSpPr txBox="1"/>
-          <p:nvPr/>
-        </p:nvSpPr>
-        <p:spPr>
-          <a:xfrm>
-            <a:off x="6122544" y="562562"/>
-            <a:ext cx="5744588" cy="461665"/>
-          </a:xfrm>
-          <a:prstGeom prst="rect">
-            <a:avLst/>
-          </a:prstGeom>
-          <a:noFill/>
-        </p:spPr>
-        <p:txBody>
-          <a:bodyPr wrap="square" rtlCol="0">
-            <a:spAutoFit/>
-          </a:bodyPr>
-          <a:lstStyle/>
-          <a:p>
-            <a:pPr algn="ctr"/>
-            <a:r>
-              <a:rPr lang="en-US" altLang="ja-JP" sz="2400" dirty="0">
-                <a:latin typeface="コーポレート・ロゴ ver2 Bold" panose="02000600000000000000" pitchFamily="50" charset="-128"/>
-                <a:ea typeface="コーポレート・ロゴ ver2 Bold" panose="02000600000000000000" pitchFamily="50" charset="-128"/>
-              </a:rPr>
-              <a:t>Tree</a:t>
-            </a:r>
-          </a:p>
-        </p:txBody>
-      </p:sp>
-      <p:sp>
-        <p:nvSpPr>
-          <p:cNvPr id="50" name="テキスト ボックス 49">
-            <a:extLst>
-              <a:ext uri="{FF2B5EF4-FFF2-40B4-BE49-F238E27FC236}">
-                <a16:creationId xmlns:a16="http://schemas.microsoft.com/office/drawing/2014/main" id="{F8FA2742-7E30-B80D-746C-EB1818252E3E}"/>
-              </a:ext>
-            </a:extLst>
-          </p:cNvPr>
-          <p:cNvSpPr txBox="1"/>
-          <p:nvPr/>
-        </p:nvSpPr>
-        <p:spPr>
-          <a:xfrm>
-            <a:off x="9195064" y="3156380"/>
-            <a:ext cx="1496514" cy="338554"/>
-          </a:xfrm>
-          <a:prstGeom prst="rect">
-            <a:avLst/>
-          </a:prstGeom>
-          <a:noFill/>
-        </p:spPr>
-        <p:txBody>
-          <a:bodyPr wrap="square" rtlCol="0">
-            <a:spAutoFit/>
-          </a:bodyPr>
-          <a:lstStyle/>
-          <a:p>
-            <a:pPr algn="ctr"/>
-            <a:r>
-              <a:rPr lang="en-US" altLang="ja-JP" sz="1600" dirty="0">
-                <a:latin typeface="マキナス 4 Flat" panose="02000600000000000000" pitchFamily="50" charset="-128"/>
-                <a:ea typeface="マキナス 4 Flat" panose="02000600000000000000" pitchFamily="50" charset="-128"/>
-              </a:rPr>
-              <a:t>Downloads</a:t>
-            </a:r>
-          </a:p>
-        </p:txBody>
-      </p:sp>
-      <p:sp>
-        <p:nvSpPr>
-          <p:cNvPr id="51" name="テキスト ボックス 50">
-            <a:extLst>
-              <a:ext uri="{FF2B5EF4-FFF2-40B4-BE49-F238E27FC236}">
-                <a16:creationId xmlns:a16="http://schemas.microsoft.com/office/drawing/2014/main" id="{C6D90036-6D87-038E-F01E-C398B989405B}"/>
-              </a:ext>
-            </a:extLst>
-          </p:cNvPr>
-          <p:cNvSpPr txBox="1"/>
-          <p:nvPr/>
-        </p:nvSpPr>
-        <p:spPr>
-          <a:xfrm>
-            <a:off x="9195064" y="1961801"/>
-            <a:ext cx="1496514" cy="338554"/>
-          </a:xfrm>
-          <a:prstGeom prst="rect">
-            <a:avLst/>
-          </a:prstGeom>
-          <a:noFill/>
-        </p:spPr>
-        <p:txBody>
-          <a:bodyPr wrap="square" rtlCol="0">
-            <a:spAutoFit/>
-          </a:bodyPr>
-          <a:lstStyle/>
-          <a:p>
-            <a:pPr algn="ctr"/>
-            <a:r>
-              <a:rPr kumimoji="1" lang="en-US" altLang="ja-JP" sz="1600" dirty="0">
-                <a:latin typeface="マキナス 4 Flat" panose="02000600000000000000" pitchFamily="50" charset="-128"/>
-                <a:ea typeface="マキナス 4 Flat" panose="02000600000000000000" pitchFamily="50" charset="-128"/>
-              </a:rPr>
-              <a:t>Desktop</a:t>
-            </a:r>
-            <a:endParaRPr kumimoji="1" lang="ja-JP" altLang="en-US" sz="1600" dirty="0">
-              <a:latin typeface="マキナス 4 Flat" panose="02000600000000000000" pitchFamily="50" charset="-128"/>
-              <a:ea typeface="マキナス 4 Flat" panose="02000600000000000000" pitchFamily="50" charset="-128"/>
-            </a:endParaRPr>
-          </a:p>
-        </p:txBody>
-      </p:sp>
-      <p:sp>
-        <p:nvSpPr>
-          <p:cNvPr id="52" name="正方形/長方形 51">
-            <a:extLst>
-              <a:ext uri="{FF2B5EF4-FFF2-40B4-BE49-F238E27FC236}">
-                <a16:creationId xmlns:a16="http://schemas.microsoft.com/office/drawing/2014/main" id="{C044C918-2D46-A1E4-F7AC-4FD1E4B3ABA5}"/>
-              </a:ext>
-            </a:extLst>
-          </p:cNvPr>
-          <p:cNvSpPr/>
-          <p:nvPr/>
-        </p:nvSpPr>
-        <p:spPr>
-          <a:xfrm rot="16200000">
-            <a:off x="7435772" y="5882251"/>
-            <a:ext cx="866950" cy="45719"/>
-          </a:xfrm>
-          <a:prstGeom prst="rect">
-            <a:avLst/>
-          </a:prstGeom>
-          <a:solidFill>
-            <a:schemeClr val="tx1"/>
-          </a:solidFill>
-          <a:ln>
-            <a:noFill/>
-          </a:ln>
-        </p:spPr>
-        <p:style>
-          <a:lnRef idx="2">
-            <a:schemeClr val="accent1">
-              <a:shade val="50000"/>
-            </a:schemeClr>
-          </a:lnRef>
-          <a:fillRef idx="1">
-            <a:schemeClr val="accent1"/>
-          </a:fillRef>
-          <a:effectRef idx="0">
-            <a:schemeClr val="accent1"/>
-          </a:effectRef>
-          <a:fontRef idx="minor">
-            <a:schemeClr val="lt1"/>
-          </a:fontRef>
-        </p:style>
-        <p:txBody>
-          <a:bodyPr rtlCol="0" anchor="ctr"/>
-          <a:lstStyle/>
-          <a:p>
-            <a:pPr algn="ctr"/>
-            <a:endParaRPr kumimoji="1" lang="ja-JP" altLang="en-US">
-              <a:solidFill>
-                <a:schemeClr val="tx1"/>
-              </a:solidFill>
-            </a:endParaRPr>
-          </a:p>
-        </p:txBody>
-      </p:sp>
-      <p:pic>
-        <p:nvPicPr>
-          <p:cNvPr id="53" name="図 52">
-            <a:extLst>
-              <a:ext uri="{FF2B5EF4-FFF2-40B4-BE49-F238E27FC236}">
-                <a16:creationId xmlns:a16="http://schemas.microsoft.com/office/drawing/2014/main" id="{C3B668FE-00BC-2650-CDDA-43B0627D2043}"/>
-              </a:ext>
-            </a:extLst>
-          </p:cNvPr>
-          <p:cNvPicPr>
-            <a:picLocks noChangeAspect="1"/>
-          </p:cNvPicPr>
-          <p:nvPr/>
-        </p:nvPicPr>
-        <p:blipFill>
-          <a:blip r:embed="rId4">
-            <a:extLst>
-              <a:ext uri="{28A0092B-C50C-407E-A947-70E740481C1C}">
-                <a14:useLocalDpi xmlns:a14="http://schemas.microsoft.com/office/drawing/2010/main" val="0"/>
-              </a:ext>
-            </a:extLst>
-          </a:blip>
-          <a:stretch>
-            <a:fillRect/>
-          </a:stretch>
-        </p:blipFill>
-        <p:spPr>
-          <a:xfrm>
-            <a:off x="7965684" y="2205336"/>
-            <a:ext cx="1071442" cy="1071442"/>
-          </a:xfrm>
-          <a:prstGeom prst="rect">
-            <a:avLst/>
-          </a:prstGeom>
-        </p:spPr>
-      </p:pic>
-      <p:pic>
-        <p:nvPicPr>
-          <p:cNvPr id="54" name="図 53">
-            <a:extLst>
-              <a:ext uri="{FF2B5EF4-FFF2-40B4-BE49-F238E27FC236}">
-                <a16:creationId xmlns:a16="http://schemas.microsoft.com/office/drawing/2014/main" id="{6D2EC7C6-54C1-2C9F-33AB-B6361FBFB29B}"/>
-              </a:ext>
-            </a:extLst>
-          </p:cNvPr>
-          <p:cNvPicPr>
-            <a:picLocks noChangeAspect="1"/>
-          </p:cNvPicPr>
-          <p:nvPr/>
-        </p:nvPicPr>
-        <p:blipFill>
-          <a:blip r:embed="rId4">
-            <a:extLst>
-              <a:ext uri="{28A0092B-C50C-407E-A947-70E740481C1C}">
-                <a14:useLocalDpi xmlns:a14="http://schemas.microsoft.com/office/drawing/2010/main" val="0"/>
-              </a:ext>
-            </a:extLst>
-          </a:blip>
-          <a:stretch>
-            <a:fillRect/>
-          </a:stretch>
-        </p:blipFill>
-        <p:spPr>
-          <a:xfrm>
-            <a:off x="7965684" y="3580582"/>
-            <a:ext cx="1071442" cy="1071442"/>
-          </a:xfrm>
-          <a:prstGeom prst="rect">
-            <a:avLst/>
-          </a:prstGeom>
-        </p:spPr>
-      </p:pic>
-      <p:pic>
-        <p:nvPicPr>
-          <p:cNvPr id="56" name="図 55">
-            <a:extLst>
-              <a:ext uri="{FF2B5EF4-FFF2-40B4-BE49-F238E27FC236}">
-                <a16:creationId xmlns:a16="http://schemas.microsoft.com/office/drawing/2014/main" id="{70C678A2-14A9-BFAE-D6DF-2B68939D9380}"/>
-              </a:ext>
-            </a:extLst>
-          </p:cNvPr>
-          <p:cNvPicPr>
-            <a:picLocks noChangeAspect="1"/>
-          </p:cNvPicPr>
-          <p:nvPr/>
-        </p:nvPicPr>
-        <p:blipFill>
-          <a:blip r:embed="rId4">
-            <a:extLst>
-              <a:ext uri="{28A0092B-C50C-407E-A947-70E740481C1C}">
-                <a14:useLocalDpi xmlns:a14="http://schemas.microsoft.com/office/drawing/2010/main" val="0"/>
-              </a:ext>
-            </a:extLst>
-          </a:blip>
-          <a:stretch>
-            <a:fillRect/>
-          </a:stretch>
-        </p:blipFill>
-        <p:spPr>
-          <a:xfrm>
-            <a:off x="9400584" y="967279"/>
-            <a:ext cx="1071442" cy="1071442"/>
-          </a:xfrm>
-          <a:prstGeom prst="rect">
-            <a:avLst/>
-          </a:prstGeom>
-        </p:spPr>
-      </p:pic>
-      <p:pic>
-        <p:nvPicPr>
-          <p:cNvPr id="57" name="図 56">
-            <a:extLst>
-              <a:ext uri="{FF2B5EF4-FFF2-40B4-BE49-F238E27FC236}">
-                <a16:creationId xmlns:a16="http://schemas.microsoft.com/office/drawing/2014/main" id="{0AAC6690-A8B0-D914-A0D1-C8EAA6935D96}"/>
-              </a:ext>
-            </a:extLst>
-          </p:cNvPr>
-          <p:cNvPicPr>
-            <a:picLocks noChangeAspect="1"/>
-          </p:cNvPicPr>
-          <p:nvPr/>
-        </p:nvPicPr>
-        <p:blipFill>
-          <a:blip r:embed="rId4">
-            <a:extLst>
-              <a:ext uri="{28A0092B-C50C-407E-A947-70E740481C1C}">
-                <a14:useLocalDpi xmlns:a14="http://schemas.microsoft.com/office/drawing/2010/main" val="0"/>
-              </a:ext>
-            </a:extLst>
-          </a:blip>
-          <a:stretch>
-            <a:fillRect/>
-          </a:stretch>
-        </p:blipFill>
-        <p:spPr>
-          <a:xfrm>
-            <a:off x="9400584" y="2205336"/>
-            <a:ext cx="1071442" cy="1071442"/>
-          </a:xfrm>
-          <a:prstGeom prst="rect">
-            <a:avLst/>
-          </a:prstGeom>
-        </p:spPr>
-      </p:pic>
-      <p:sp>
-        <p:nvSpPr>
-          <p:cNvPr id="59" name="正方形/長方形 58">
-            <a:extLst>
-              <a:ext uri="{FF2B5EF4-FFF2-40B4-BE49-F238E27FC236}">
-                <a16:creationId xmlns:a16="http://schemas.microsoft.com/office/drawing/2014/main" id="{B2D89052-786B-FD4E-253A-1DC60DAFFA35}"/>
-              </a:ext>
-            </a:extLst>
-          </p:cNvPr>
-          <p:cNvSpPr/>
-          <p:nvPr/>
-        </p:nvSpPr>
-        <p:spPr>
-          <a:xfrm>
-            <a:off x="10320086" y="4127889"/>
-            <a:ext cx="697954" cy="45719"/>
-          </a:xfrm>
-          <a:prstGeom prst="rect">
-            <a:avLst/>
-          </a:prstGeom>
-          <a:solidFill>
-            <a:schemeClr val="tx1"/>
-          </a:solidFill>
-          <a:ln>
-            <a:noFill/>
-          </a:ln>
-        </p:spPr>
-        <p:style>
-          <a:lnRef idx="2">
-            <a:schemeClr val="accent1">
-              <a:shade val="50000"/>
-            </a:schemeClr>
-          </a:lnRef>
-          <a:fillRef idx="1">
-            <a:schemeClr val="accent1"/>
-          </a:fillRef>
-          <a:effectRef idx="0">
-            <a:schemeClr val="accent1"/>
-          </a:effectRef>
-          <a:fontRef idx="minor">
-            <a:schemeClr val="lt1"/>
-          </a:fontRef>
-        </p:style>
-        <p:txBody>
-          <a:bodyPr rtlCol="0" anchor="ctr"/>
-          <a:lstStyle/>
-          <a:p>
-            <a:pPr algn="ctr"/>
-            <a:endParaRPr kumimoji="1" lang="ja-JP" altLang="en-US">
-              <a:solidFill>
-                <a:schemeClr val="tx1"/>
-              </a:solidFill>
-            </a:endParaRPr>
-          </a:p>
-        </p:txBody>
-      </p:sp>
-      <p:sp>
-        <p:nvSpPr>
-          <p:cNvPr id="60" name="正方形/長方形 59">
-            <a:extLst>
-              <a:ext uri="{FF2B5EF4-FFF2-40B4-BE49-F238E27FC236}">
-                <a16:creationId xmlns:a16="http://schemas.microsoft.com/office/drawing/2014/main" id="{408FF7FF-699C-BB07-B2BF-A14FC7C9F3FE}"/>
-              </a:ext>
-            </a:extLst>
-          </p:cNvPr>
-          <p:cNvSpPr/>
-          <p:nvPr/>
-        </p:nvSpPr>
-        <p:spPr>
-          <a:xfrm>
-            <a:off x="10626440" y="5463551"/>
-            <a:ext cx="446040" cy="54451"/>
-          </a:xfrm>
-          <a:prstGeom prst="rect">
-            <a:avLst/>
-          </a:prstGeom>
-          <a:solidFill>
-            <a:schemeClr val="tx1"/>
-          </a:solidFill>
-          <a:ln>
-            <a:noFill/>
-          </a:ln>
-        </p:spPr>
-        <p:style>
-          <a:lnRef idx="2">
-            <a:schemeClr val="accent1">
-              <a:shade val="50000"/>
-            </a:schemeClr>
-          </a:lnRef>
-          <a:fillRef idx="1">
-            <a:schemeClr val="accent1"/>
-          </a:fillRef>
-          <a:effectRef idx="0">
-            <a:schemeClr val="accent1"/>
-          </a:effectRef>
-          <a:fontRef idx="minor">
-            <a:schemeClr val="lt1"/>
-          </a:fontRef>
-        </p:style>
-        <p:txBody>
-          <a:bodyPr rtlCol="0" anchor="ctr"/>
-          <a:lstStyle/>
-          <a:p>
-            <a:pPr algn="ctr"/>
-            <a:endParaRPr kumimoji="1" lang="ja-JP" altLang="en-US">
-              <a:solidFill>
-                <a:schemeClr val="tx1"/>
-              </a:solidFill>
-            </a:endParaRPr>
-          </a:p>
-        </p:txBody>
-      </p:sp>
-      <p:sp>
-        <p:nvSpPr>
-          <p:cNvPr id="61" name="正方形/長方形 60">
-            <a:extLst>
-              <a:ext uri="{FF2B5EF4-FFF2-40B4-BE49-F238E27FC236}">
-                <a16:creationId xmlns:a16="http://schemas.microsoft.com/office/drawing/2014/main" id="{D7C7E22B-AA2B-7F4F-242C-862572F968D6}"/>
-              </a:ext>
-            </a:extLst>
-          </p:cNvPr>
-          <p:cNvSpPr/>
-          <p:nvPr/>
-        </p:nvSpPr>
-        <p:spPr>
-          <a:xfrm rot="16200000">
-            <a:off x="9522003" y="5211284"/>
-            <a:ext cx="2208882" cy="45719"/>
-          </a:xfrm>
-          <a:prstGeom prst="rect">
-            <a:avLst/>
-          </a:prstGeom>
-          <a:solidFill>
-            <a:schemeClr val="tx1"/>
-          </a:solidFill>
-          <a:ln>
-            <a:noFill/>
-          </a:ln>
-        </p:spPr>
-        <p:style>
-          <a:lnRef idx="2">
-            <a:schemeClr val="accent1">
-              <a:shade val="50000"/>
-            </a:schemeClr>
-          </a:lnRef>
-          <a:fillRef idx="1">
-            <a:schemeClr val="accent1"/>
-          </a:fillRef>
-          <a:effectRef idx="0">
-            <a:schemeClr val="accent1"/>
-          </a:effectRef>
-          <a:fontRef idx="minor">
-            <a:schemeClr val="lt1"/>
-          </a:fontRef>
-        </p:style>
-        <p:txBody>
-          <a:bodyPr rtlCol="0" anchor="ctr"/>
-          <a:lstStyle/>
-          <a:p>
-            <a:pPr algn="ctr"/>
-            <a:endParaRPr kumimoji="1" lang="ja-JP" altLang="en-US">
-              <a:solidFill>
-                <a:schemeClr val="tx1"/>
-              </a:solidFill>
-            </a:endParaRPr>
-          </a:p>
-        </p:txBody>
-      </p:sp>
-      <p:pic>
-        <p:nvPicPr>
-          <p:cNvPr id="58" name="図 57">
-            <a:extLst>
-              <a:ext uri="{FF2B5EF4-FFF2-40B4-BE49-F238E27FC236}">
-                <a16:creationId xmlns:a16="http://schemas.microsoft.com/office/drawing/2014/main" id="{3F6686E1-14E0-2EFA-E259-A5CAB83D0D67}"/>
-              </a:ext>
-            </a:extLst>
-          </p:cNvPr>
-          <p:cNvPicPr>
-            <a:picLocks noChangeAspect="1"/>
-          </p:cNvPicPr>
-          <p:nvPr/>
-        </p:nvPicPr>
-        <p:blipFill>
-          <a:blip r:embed="rId4">
-            <a:extLst>
-              <a:ext uri="{28A0092B-C50C-407E-A947-70E740481C1C}">
-                <a14:useLocalDpi xmlns:a14="http://schemas.microsoft.com/office/drawing/2010/main" val="0"/>
-              </a:ext>
-            </a:extLst>
-          </a:blip>
-          <a:stretch>
-            <a:fillRect/>
-          </a:stretch>
-        </p:blipFill>
-        <p:spPr>
-          <a:xfrm>
-            <a:off x="9400584" y="3580582"/>
-            <a:ext cx="1071442" cy="1071442"/>
-          </a:xfrm>
-          <a:prstGeom prst="rect">
-            <a:avLst/>
-          </a:prstGeom>
-        </p:spPr>
-      </p:pic>
-      <p:pic>
-        <p:nvPicPr>
-          <p:cNvPr id="63" name="図 62">
-            <a:extLst>
-              <a:ext uri="{FF2B5EF4-FFF2-40B4-BE49-F238E27FC236}">
-                <a16:creationId xmlns:a16="http://schemas.microsoft.com/office/drawing/2014/main" id="{1FC4E7F2-0923-3614-4D07-C19DF3EE1D02}"/>
-              </a:ext>
-            </a:extLst>
-          </p:cNvPr>
-          <p:cNvPicPr>
-            <a:picLocks noChangeAspect="1"/>
-          </p:cNvPicPr>
-          <p:nvPr/>
-        </p:nvPicPr>
-        <p:blipFill>
-          <a:blip r:embed="rId4">
-            <a:extLst>
-              <a:ext uri="{28A0092B-C50C-407E-A947-70E740481C1C}">
-                <a14:useLocalDpi xmlns:a14="http://schemas.microsoft.com/office/drawing/2010/main" val="0"/>
-              </a:ext>
-            </a:extLst>
-          </a:blip>
-          <a:stretch>
-            <a:fillRect/>
-          </a:stretch>
-        </p:blipFill>
-        <p:spPr>
-          <a:xfrm>
-            <a:off x="7985049" y="4925886"/>
-            <a:ext cx="1071442" cy="1071442"/>
-          </a:xfrm>
-          <a:prstGeom prst="rect">
-            <a:avLst/>
-          </a:prstGeom>
-        </p:spPr>
-      </p:pic>
-      <p:pic>
-        <p:nvPicPr>
-          <p:cNvPr id="64" name="図 63">
-            <a:extLst>
-              <a:ext uri="{FF2B5EF4-FFF2-40B4-BE49-F238E27FC236}">
-                <a16:creationId xmlns:a16="http://schemas.microsoft.com/office/drawing/2014/main" id="{FE7556DA-D9E9-67D4-BE1E-CA16818C1BF7}"/>
-              </a:ext>
-            </a:extLst>
-          </p:cNvPr>
-          <p:cNvPicPr>
-            <a:picLocks noChangeAspect="1"/>
-          </p:cNvPicPr>
-          <p:nvPr/>
-        </p:nvPicPr>
-        <p:blipFill>
-          <a:blip r:embed="rId5">
-            <a:extLst>
-              <a:ext uri="{28A0092B-C50C-407E-A947-70E740481C1C}">
-                <a14:useLocalDpi xmlns:a14="http://schemas.microsoft.com/office/drawing/2010/main" val="0"/>
-              </a:ext>
-            </a:extLst>
-          </a:blip>
-          <a:stretch>
-            <a:fillRect/>
-          </a:stretch>
-        </p:blipFill>
-        <p:spPr>
-          <a:xfrm>
-            <a:off x="10823135" y="3664721"/>
-            <a:ext cx="1017774" cy="1017774"/>
-          </a:xfrm>
-          <a:prstGeom prst="rect">
-            <a:avLst/>
-          </a:prstGeom>
-        </p:spPr>
-      </p:pic>
-      <p:pic>
-        <p:nvPicPr>
-          <p:cNvPr id="65" name="図 64">
-            <a:extLst>
-              <a:ext uri="{FF2B5EF4-FFF2-40B4-BE49-F238E27FC236}">
-                <a16:creationId xmlns:a16="http://schemas.microsoft.com/office/drawing/2014/main" id="{1AB25EAD-5545-7C48-1A14-314E2EE2CB17}"/>
-              </a:ext>
-            </a:extLst>
-          </p:cNvPr>
-          <p:cNvPicPr>
-            <a:picLocks noChangeAspect="1"/>
-          </p:cNvPicPr>
-          <p:nvPr/>
-        </p:nvPicPr>
-        <p:blipFill>
-          <a:blip r:embed="rId6">
-            <a:extLst>
-              <a:ext uri="{28A0092B-C50C-407E-A947-70E740481C1C}">
-                <a14:useLocalDpi xmlns:a14="http://schemas.microsoft.com/office/drawing/2010/main" val="0"/>
-              </a:ext>
-            </a:extLst>
-          </a:blip>
-          <a:stretch>
-            <a:fillRect/>
-          </a:stretch>
-        </p:blipFill>
-        <p:spPr>
-          <a:xfrm>
-            <a:off x="10823135" y="4984224"/>
-            <a:ext cx="1013104" cy="1013104"/>
-          </a:xfrm>
-          <a:prstGeom prst="rect">
-            <a:avLst/>
-          </a:prstGeom>
-        </p:spPr>
-      </p:pic>
-      <p:sp>
-        <p:nvSpPr>
-          <p:cNvPr id="68" name="テキスト ボックス 67">
-            <a:extLst>
-              <a:ext uri="{FF2B5EF4-FFF2-40B4-BE49-F238E27FC236}">
-                <a16:creationId xmlns:a16="http://schemas.microsoft.com/office/drawing/2014/main" id="{832B415E-21ED-E49A-D228-5F6A38525382}"/>
-              </a:ext>
-            </a:extLst>
-          </p:cNvPr>
-          <p:cNvSpPr txBox="1"/>
-          <p:nvPr/>
-        </p:nvSpPr>
-        <p:spPr>
-          <a:xfrm>
-            <a:off x="691001" y="1653398"/>
+            <a:off x="691001" y="1680292"/>
             <a:ext cx="5752391" cy="4770537"/>
           </a:xfrm>
           <a:prstGeom prst="rect">
@@ -14219,92 +9058,6 @@
             <a:endParaRPr kumimoji="1" lang="en-US" altLang="ja-JP" sz="2400" dirty="0">
               <a:latin typeface="コーポレート・ロゴ ver2 Medium" panose="02000600000000000000" pitchFamily="50" charset="-128"/>
               <a:ea typeface="コーポレート・ロゴ ver2 Medium" panose="02000600000000000000" pitchFamily="50" charset="-128"/>
-            </a:endParaRPr>
-          </a:p>
-        </p:txBody>
-      </p:sp>
-      <p:sp>
-        <p:nvSpPr>
-          <p:cNvPr id="70" name="テキスト ボックス 69">
-            <a:extLst>
-              <a:ext uri="{FF2B5EF4-FFF2-40B4-BE49-F238E27FC236}">
-                <a16:creationId xmlns:a16="http://schemas.microsoft.com/office/drawing/2014/main" id="{1BBCEC57-5355-8E36-1A9E-56F235122842}"/>
-              </a:ext>
-            </a:extLst>
-          </p:cNvPr>
-          <p:cNvSpPr txBox="1"/>
-          <p:nvPr/>
-        </p:nvSpPr>
-        <p:spPr>
-          <a:xfrm>
-            <a:off x="10603250" y="4594614"/>
-            <a:ext cx="1496514" cy="338554"/>
-          </a:xfrm>
-          <a:prstGeom prst="rect">
-            <a:avLst/>
-          </a:prstGeom>
-          <a:noFill/>
-        </p:spPr>
-        <p:txBody>
-          <a:bodyPr wrap="square" rtlCol="0">
-            <a:spAutoFit/>
-          </a:bodyPr>
-          <a:lstStyle/>
-          <a:p>
-            <a:pPr algn="ctr"/>
-            <a:r>
-              <a:rPr kumimoji="1" lang="en-US" altLang="ja-JP" sz="1600" u="sng" dirty="0">
-                <a:latin typeface="マキナス 4 Flat" panose="02000600000000000000" pitchFamily="50" charset="-128"/>
-                <a:ea typeface="マキナス 4 Flat" panose="02000600000000000000" pitchFamily="50" charset="-128"/>
-              </a:rPr>
-              <a:t>Idea.pdf</a:t>
-            </a:r>
-            <a:endParaRPr kumimoji="1" lang="ja-JP" altLang="en-US" sz="1600" u="sng" dirty="0">
-              <a:latin typeface="マキナス 4 Flat" panose="02000600000000000000" pitchFamily="50" charset="-128"/>
-              <a:ea typeface="マキナス 4 Flat" panose="02000600000000000000" pitchFamily="50" charset="-128"/>
-            </a:endParaRPr>
-          </a:p>
-        </p:txBody>
-      </p:sp>
-      <p:sp>
-        <p:nvSpPr>
-          <p:cNvPr id="71" name="テキスト ボックス 70">
-            <a:extLst>
-              <a:ext uri="{FF2B5EF4-FFF2-40B4-BE49-F238E27FC236}">
-                <a16:creationId xmlns:a16="http://schemas.microsoft.com/office/drawing/2014/main" id="{73EE05CB-736A-C836-3653-CC1333EFA89D}"/>
-              </a:ext>
-            </a:extLst>
-          </p:cNvPr>
-          <p:cNvSpPr txBox="1"/>
-          <p:nvPr/>
-        </p:nvSpPr>
-        <p:spPr>
-          <a:xfrm>
-            <a:off x="10603250" y="5906385"/>
-            <a:ext cx="1496514" cy="338554"/>
-          </a:xfrm>
-          <a:prstGeom prst="rect">
-            <a:avLst/>
-          </a:prstGeom>
-          <a:noFill/>
-        </p:spPr>
-        <p:txBody>
-          <a:bodyPr wrap="square" rtlCol="0">
-            <a:spAutoFit/>
-          </a:bodyPr>
-          <a:lstStyle/>
-          <a:p>
-            <a:pPr algn="ctr"/>
-            <a:r>
-              <a:rPr lang="en-US" altLang="ja-JP" sz="1600" dirty="0">
-                <a:latin typeface="マキナス 4 Flat" panose="02000600000000000000" pitchFamily="50" charset="-128"/>
-                <a:ea typeface="マキナス 4 Flat" panose="02000600000000000000" pitchFamily="50" charset="-128"/>
-              </a:rPr>
-              <a:t>220519.png</a:t>
-            </a:r>
-            <a:endParaRPr kumimoji="1" lang="ja-JP" altLang="en-US" sz="1600" dirty="0">
-              <a:latin typeface="マキナス 4 Flat" panose="02000600000000000000" pitchFamily="50" charset="-128"/>
-              <a:ea typeface="マキナス 4 Flat" panose="02000600000000000000" pitchFamily="50" charset="-128"/>
             </a:endParaRPr>
           </a:p>
         </p:txBody>

--- a/授業スライド/制御授業資料0_授業に当たって.pptx
+++ b/授業スライド/制御授業資料0_授業に当たって.pptx
@@ -8645,419 +8645,6 @@
               </a:solidFill>
               <a:latin typeface="マキナス 4 Flat" panose="02000600000000000000" pitchFamily="50" charset="-128"/>
               <a:ea typeface="マキナス 4 Flat" panose="02000600000000000000" pitchFamily="50" charset="-128"/>
-            </a:endParaRPr>
-          </a:p>
-        </p:txBody>
-      </p:sp>
-      <p:sp>
-        <p:nvSpPr>
-          <p:cNvPr id="68" name="テキスト ボックス 67">
-            <a:extLst>
-              <a:ext uri="{FF2B5EF4-FFF2-40B4-BE49-F238E27FC236}">
-                <a16:creationId xmlns:a16="http://schemas.microsoft.com/office/drawing/2014/main" id="{832B415E-21ED-E49A-D228-5F6A38525382}"/>
-              </a:ext>
-            </a:extLst>
-          </p:cNvPr>
-          <p:cNvSpPr txBox="1"/>
-          <p:nvPr/>
-        </p:nvSpPr>
-        <p:spPr>
-          <a:xfrm>
-            <a:off x="691001" y="1680292"/>
-            <a:ext cx="5752391" cy="4770537"/>
-          </a:xfrm>
-          <a:prstGeom prst="rect">
-            <a:avLst/>
-          </a:prstGeom>
-          <a:noFill/>
-        </p:spPr>
-        <p:txBody>
-          <a:bodyPr wrap="square" rtlCol="0">
-            <a:spAutoFit/>
-          </a:bodyPr>
-          <a:lstStyle/>
-          <a:p>
-            <a:r>
-              <a:rPr lang="ja-JP" altLang="en-US" sz="2000" dirty="0">
-                <a:latin typeface="コーポレート・ロゴ ver2 Medium" panose="02000600000000000000" pitchFamily="50" charset="-128"/>
-                <a:ea typeface="コーポレート・ロゴ ver2 Medium" panose="02000600000000000000" pitchFamily="50" charset="-128"/>
-              </a:rPr>
-              <a:t>パスの書き方のうち、</a:t>
-            </a:r>
-            <a:endParaRPr lang="en-US" altLang="ja-JP" sz="2000" dirty="0">
-              <a:latin typeface="コーポレート・ロゴ ver2 Medium" panose="02000600000000000000" pitchFamily="50" charset="-128"/>
-              <a:ea typeface="コーポレート・ロゴ ver2 Medium" panose="02000600000000000000" pitchFamily="50" charset="-128"/>
-            </a:endParaRPr>
-          </a:p>
-          <a:p>
-            <a:r>
-              <a:rPr lang="ja-JP" altLang="en-US" sz="2000" dirty="0">
-                <a:solidFill>
-                  <a:srgbClr val="03BDBA"/>
-                </a:solidFill>
-                <a:latin typeface="コーポレート・ロゴ ver2 Medium" panose="02000600000000000000" pitchFamily="50" charset="-128"/>
-                <a:ea typeface="コーポレート・ロゴ ver2 Medium" panose="02000600000000000000" pitchFamily="50" charset="-128"/>
-              </a:rPr>
-              <a:t>現在の階層</a:t>
-            </a:r>
-            <a:r>
-              <a:rPr lang="en-US" altLang="ja-JP" sz="2000" dirty="0">
-                <a:latin typeface="コーポレート・ロゴ ver2 Medium" panose="02000600000000000000" pitchFamily="50" charset="-128"/>
-                <a:ea typeface="コーポレート・ロゴ ver2 Medium" panose="02000600000000000000" pitchFamily="50" charset="-128"/>
-              </a:rPr>
-              <a:t>(</a:t>
-            </a:r>
-            <a:r>
-              <a:rPr lang="ja-JP" altLang="en-US" sz="2000" dirty="0">
-                <a:solidFill>
-                  <a:srgbClr val="03BDBA"/>
-                </a:solidFill>
-                <a:latin typeface="コーポレート・ロゴ ver2 Medium" panose="02000600000000000000" pitchFamily="50" charset="-128"/>
-                <a:ea typeface="コーポレート・ロゴ ver2 Medium" panose="02000600000000000000" pitchFamily="50" charset="-128"/>
-              </a:rPr>
-              <a:t>カレントディレクトリ</a:t>
-            </a:r>
-            <a:r>
-              <a:rPr lang="en-US" altLang="ja-JP" sz="2000" dirty="0">
-                <a:latin typeface="コーポレート・ロゴ ver2 Medium" panose="02000600000000000000" pitchFamily="50" charset="-128"/>
-                <a:ea typeface="コーポレート・ロゴ ver2 Medium" panose="02000600000000000000" pitchFamily="50" charset="-128"/>
-              </a:rPr>
-              <a:t>)</a:t>
-            </a:r>
-            <a:r>
-              <a:rPr lang="ja-JP" altLang="en-US" sz="2000" dirty="0">
-                <a:latin typeface="コーポレート・ロゴ ver2 Medium" panose="02000600000000000000" pitchFamily="50" charset="-128"/>
-                <a:ea typeface="コーポレート・ロゴ ver2 Medium" panose="02000600000000000000" pitchFamily="50" charset="-128"/>
-              </a:rPr>
-              <a:t>から記述する方法。</a:t>
-            </a:r>
-            <a:endParaRPr lang="en-US" altLang="ja-JP" sz="2000" dirty="0">
-              <a:latin typeface="コーポレート・ロゴ ver2 Medium" panose="02000600000000000000" pitchFamily="50" charset="-128"/>
-              <a:ea typeface="コーポレート・ロゴ ver2 Medium" panose="02000600000000000000" pitchFamily="50" charset="-128"/>
-            </a:endParaRPr>
-          </a:p>
-          <a:p>
-            <a:endParaRPr lang="en-US" altLang="ja-JP" sz="2000" dirty="0">
-              <a:latin typeface="コーポレート・ロゴ ver2 Medium" panose="02000600000000000000" pitchFamily="50" charset="-128"/>
-              <a:ea typeface="コーポレート・ロゴ ver2 Medium" panose="02000600000000000000" pitchFamily="50" charset="-128"/>
-            </a:endParaRPr>
-          </a:p>
-          <a:p>
-            <a:r>
-              <a:rPr lang="ja-JP" altLang="en-US" sz="2000" dirty="0">
-                <a:latin typeface="コーポレート・ロゴ ver2 Medium" panose="02000600000000000000" pitchFamily="50" charset="-128"/>
-                <a:ea typeface="コーポレート・ロゴ ver2 Medium" panose="02000600000000000000" pitchFamily="50" charset="-128"/>
-              </a:rPr>
-              <a:t>カレントディレクトリを</a:t>
-            </a:r>
-            <a:r>
-              <a:rPr lang="en-US" altLang="ja-JP" sz="2000" dirty="0">
-                <a:latin typeface="コーポレート・ロゴ ver2 Medium" panose="02000600000000000000" pitchFamily="50" charset="-128"/>
-                <a:ea typeface="コーポレート・ロゴ ver2 Medium" panose="02000600000000000000" pitchFamily="50" charset="-128"/>
-              </a:rPr>
-              <a:t>Downloads</a:t>
-            </a:r>
-            <a:r>
-              <a:rPr lang="ja-JP" altLang="en-US" sz="2000" dirty="0">
-                <a:latin typeface="コーポレート・ロゴ ver2 Medium" panose="02000600000000000000" pitchFamily="50" charset="-128"/>
-                <a:ea typeface="コーポレート・ロゴ ver2 Medium" panose="02000600000000000000" pitchFamily="50" charset="-128"/>
-              </a:rPr>
-              <a:t>として、</a:t>
-            </a:r>
-            <a:endParaRPr lang="en-US" altLang="ja-JP" sz="2000" dirty="0">
-              <a:latin typeface="コーポレート・ロゴ ver2 Medium" panose="02000600000000000000" pitchFamily="50" charset="-128"/>
-              <a:ea typeface="コーポレート・ロゴ ver2 Medium" panose="02000600000000000000" pitchFamily="50" charset="-128"/>
-            </a:endParaRPr>
-          </a:p>
-          <a:p>
-            <a:r>
-              <a:rPr lang="ja-JP" altLang="en-US" sz="2000" dirty="0">
-                <a:latin typeface="コーポレート・ロゴ ver2 Medium" panose="02000600000000000000" pitchFamily="50" charset="-128"/>
-                <a:ea typeface="コーポレート・ロゴ ver2 Medium" panose="02000600000000000000" pitchFamily="50" charset="-128"/>
-              </a:rPr>
-              <a:t>右図を参考に</a:t>
-            </a:r>
-            <a:r>
-              <a:rPr lang="en-US" altLang="ja-JP" sz="2000" u="sng" dirty="0">
-                <a:latin typeface="コーポレート・ロゴ ver2 Medium" panose="02000600000000000000" pitchFamily="50" charset="-128"/>
-                <a:ea typeface="コーポレート・ロゴ ver2 Medium" panose="02000600000000000000" pitchFamily="50" charset="-128"/>
-              </a:rPr>
-              <a:t>Idea.pdf</a:t>
-            </a:r>
-            <a:r>
-              <a:rPr lang="ja-JP" altLang="en-US" sz="2000" dirty="0">
-                <a:latin typeface="コーポレート・ロゴ ver2 Medium" panose="02000600000000000000" pitchFamily="50" charset="-128"/>
-                <a:ea typeface="コーポレート・ロゴ ver2 Medium" panose="02000600000000000000" pitchFamily="50" charset="-128"/>
-              </a:rPr>
-              <a:t>のパス書くと</a:t>
-            </a:r>
-            <a:r>
-              <a:rPr lang="en-US" altLang="ja-JP" sz="2000" dirty="0">
-                <a:latin typeface="コーポレート・ロゴ ver2 Medium" panose="02000600000000000000" pitchFamily="50" charset="-128"/>
-                <a:ea typeface="コーポレート・ロゴ ver2 Medium" panose="02000600000000000000" pitchFamily="50" charset="-128"/>
-              </a:rPr>
-              <a:t>…</a:t>
-            </a:r>
-          </a:p>
-          <a:p>
-            <a:endParaRPr lang="en-US" altLang="ja-JP" sz="2000" dirty="0">
-              <a:latin typeface="コーポレート・ロゴ ver2 Medium" panose="02000600000000000000" pitchFamily="50" charset="-128"/>
-              <a:ea typeface="コーポレート・ロゴ ver2 Medium" panose="02000600000000000000" pitchFamily="50" charset="-128"/>
-            </a:endParaRPr>
-          </a:p>
-          <a:p>
-            <a:r>
-              <a:rPr lang="en-US" altLang="ja-JP" sz="2400" dirty="0">
-                <a:solidFill>
-                  <a:srgbClr val="03BDBA"/>
-                </a:solidFill>
-                <a:latin typeface="コーポレート・ロゴ ver2 Medium" panose="02000600000000000000" pitchFamily="50" charset="-128"/>
-                <a:ea typeface="コーポレート・ロゴ ver2 Medium" panose="02000600000000000000" pitchFamily="50" charset="-128"/>
-              </a:rPr>
-              <a:t>../Documents/Idea.pdf</a:t>
-            </a:r>
-          </a:p>
-          <a:p>
-            <a:endParaRPr lang="en-US" altLang="ja-JP" sz="2000" dirty="0">
-              <a:latin typeface="コーポレート・ロゴ ver2 Medium" panose="02000600000000000000" pitchFamily="50" charset="-128"/>
-              <a:ea typeface="コーポレート・ロゴ ver2 Medium" panose="02000600000000000000" pitchFamily="50" charset="-128"/>
-            </a:endParaRPr>
-          </a:p>
-          <a:p>
-            <a:r>
-              <a:rPr lang="ja-JP" altLang="en-US" sz="2000" dirty="0">
-                <a:latin typeface="コーポレート・ロゴ ver2 Medium" panose="02000600000000000000" pitchFamily="50" charset="-128"/>
-                <a:ea typeface="コーポレート・ロゴ ver2 Medium" panose="02000600000000000000" pitchFamily="50" charset="-128"/>
-              </a:rPr>
-              <a:t>というように、</a:t>
-            </a:r>
-            <a:r>
-              <a:rPr lang="ja-JP" altLang="en-US" sz="2000" dirty="0">
-                <a:solidFill>
-                  <a:srgbClr val="03BDBA"/>
-                </a:solidFill>
-                <a:latin typeface="コーポレート・ロゴ ver2 Medium" panose="02000600000000000000" pitchFamily="50" charset="-128"/>
-                <a:ea typeface="コーポレート・ロゴ ver2 Medium" panose="02000600000000000000" pitchFamily="50" charset="-128"/>
-              </a:rPr>
-              <a:t>カウントディレクトリ内から見た</a:t>
-            </a:r>
-            <a:endParaRPr lang="en-US" altLang="ja-JP" sz="2000" dirty="0">
-              <a:solidFill>
-                <a:srgbClr val="03BDBA"/>
-              </a:solidFill>
-              <a:latin typeface="コーポレート・ロゴ ver2 Medium" panose="02000600000000000000" pitchFamily="50" charset="-128"/>
-              <a:ea typeface="コーポレート・ロゴ ver2 Medium" panose="02000600000000000000" pitchFamily="50" charset="-128"/>
-            </a:endParaRPr>
-          </a:p>
-          <a:p>
-            <a:r>
-              <a:rPr lang="ja-JP" altLang="en-US" sz="2000" dirty="0">
-                <a:latin typeface="コーポレート・ロゴ ver2 Medium" panose="02000600000000000000" pitchFamily="50" charset="-128"/>
-                <a:ea typeface="コーポレート・ロゴ ver2 Medium" panose="02000600000000000000" pitchFamily="50" charset="-128"/>
-              </a:rPr>
-              <a:t>目的のファイルを記述する方法。</a:t>
-            </a:r>
-            <a:endParaRPr lang="en-US" altLang="ja-JP" sz="2000" dirty="0">
-              <a:latin typeface="コーポレート・ロゴ ver2 Medium" panose="02000600000000000000" pitchFamily="50" charset="-128"/>
-              <a:ea typeface="コーポレート・ロゴ ver2 Medium" panose="02000600000000000000" pitchFamily="50" charset="-128"/>
-            </a:endParaRPr>
-          </a:p>
-          <a:p>
-            <a:endParaRPr lang="en-US" altLang="ja-JP" sz="2000" dirty="0">
-              <a:latin typeface="コーポレート・ロゴ ver2 Medium" panose="02000600000000000000" pitchFamily="50" charset="-128"/>
-              <a:ea typeface="コーポレート・ロゴ ver2 Medium" panose="02000600000000000000" pitchFamily="50" charset="-128"/>
-            </a:endParaRPr>
-          </a:p>
-          <a:p>
-            <a:r>
-              <a:rPr lang="ja-JP" altLang="en-US" sz="2000" dirty="0">
-                <a:latin typeface="コーポレート・ロゴ ver2 Medium" panose="02000600000000000000" pitchFamily="50" charset="-128"/>
-                <a:ea typeface="コーポレート・ロゴ ver2 Medium" panose="02000600000000000000" pitchFamily="50" charset="-128"/>
-              </a:rPr>
-              <a:t> メリット： 短い</a:t>
-            </a:r>
-            <a:endParaRPr lang="en-US" altLang="ja-JP" sz="2000" dirty="0">
-              <a:latin typeface="コーポレート・ロゴ ver2 Medium" panose="02000600000000000000" pitchFamily="50" charset="-128"/>
-              <a:ea typeface="コーポレート・ロゴ ver2 Medium" panose="02000600000000000000" pitchFamily="50" charset="-128"/>
-            </a:endParaRPr>
-          </a:p>
-          <a:p>
-            <a:r>
-              <a:rPr lang="en-US" altLang="ja-JP" sz="2000" dirty="0">
-                <a:latin typeface="コーポレート・ロゴ ver2 Medium" panose="02000600000000000000" pitchFamily="50" charset="-128"/>
-                <a:ea typeface="コーポレート・ロゴ ver2 Medium" panose="02000600000000000000" pitchFamily="50" charset="-128"/>
-              </a:rPr>
-              <a:t>	  </a:t>
-            </a:r>
-            <a:r>
-              <a:rPr lang="ja-JP" altLang="en-US" sz="2000" dirty="0">
-                <a:solidFill>
-                  <a:srgbClr val="03BDBA"/>
-                </a:solidFill>
-                <a:latin typeface="コーポレート・ロゴ ver2 Medium" panose="02000600000000000000" pitchFamily="50" charset="-128"/>
-                <a:ea typeface="コーポレート・ロゴ ver2 Medium" panose="02000600000000000000" pitchFamily="50" charset="-128"/>
-              </a:rPr>
-              <a:t>相手にファイルを渡すとき</a:t>
-            </a:r>
-            <a:r>
-              <a:rPr lang="ja-JP" altLang="en-US" sz="2000" dirty="0">
-                <a:latin typeface="コーポレート・ロゴ ver2 Medium" panose="02000600000000000000" pitchFamily="50" charset="-128"/>
-                <a:ea typeface="コーポレート・ロゴ ver2 Medium" panose="02000600000000000000" pitchFamily="50" charset="-128"/>
-              </a:rPr>
-              <a:t>に有効である</a:t>
-            </a:r>
-            <a:endParaRPr lang="en-US" altLang="ja-JP" sz="2000" dirty="0">
-              <a:latin typeface="コーポレート・ロゴ ver2 Medium" panose="02000600000000000000" pitchFamily="50" charset="-128"/>
-              <a:ea typeface="コーポレート・ロゴ ver2 Medium" panose="02000600000000000000" pitchFamily="50" charset="-128"/>
-            </a:endParaRPr>
-          </a:p>
-          <a:p>
-            <a:r>
-              <a:rPr lang="ja-JP" altLang="en-US" sz="2000" dirty="0">
-                <a:latin typeface="コーポレート・ロゴ ver2 Medium" panose="02000600000000000000" pitchFamily="50" charset="-128"/>
-                <a:ea typeface="コーポレート・ロゴ ver2 Medium" panose="02000600000000000000" pitchFamily="50" charset="-128"/>
-              </a:rPr>
-              <a:t>デメリット</a:t>
-            </a:r>
-            <a:r>
-              <a:rPr lang="ja-JP" altLang="en-US" sz="2000" spc="300" dirty="0">
-                <a:latin typeface="コーポレート・ロゴ ver2 Medium" panose="02000600000000000000" pitchFamily="50" charset="-128"/>
-                <a:ea typeface="コーポレート・ロゴ ver2 Medium" panose="02000600000000000000" pitchFamily="50" charset="-128"/>
-              </a:rPr>
-              <a:t>：</a:t>
-            </a:r>
-            <a:r>
-              <a:rPr lang="ja-JP" altLang="en-US" sz="2000" dirty="0">
-                <a:latin typeface="コーポレート・ロゴ ver2 Medium" panose="02000600000000000000" pitchFamily="50" charset="-128"/>
-                <a:ea typeface="コーポレート・ロゴ ver2 Medium" panose="02000600000000000000" pitchFamily="50" charset="-128"/>
-              </a:rPr>
-              <a:t>カウントディレクトリが</a:t>
-            </a:r>
-            <a:r>
-              <a:rPr lang="ja-JP" altLang="en-US" sz="2000" dirty="0">
-                <a:solidFill>
-                  <a:srgbClr val="03BDBA"/>
-                </a:solidFill>
-                <a:latin typeface="コーポレート・ロゴ ver2 Medium" panose="02000600000000000000" pitchFamily="50" charset="-128"/>
-                <a:ea typeface="コーポレート・ロゴ ver2 Medium" panose="02000600000000000000" pitchFamily="50" charset="-128"/>
-              </a:rPr>
-              <a:t>変わる</a:t>
-            </a:r>
-            <a:r>
-              <a:rPr lang="ja-JP" altLang="en-US" sz="2000" dirty="0">
-                <a:latin typeface="コーポレート・ロゴ ver2 Medium" panose="02000600000000000000" pitchFamily="50" charset="-128"/>
-                <a:ea typeface="コーポレート・ロゴ ver2 Medium" panose="02000600000000000000" pitchFamily="50" charset="-128"/>
-              </a:rPr>
-              <a:t>と</a:t>
-            </a:r>
-            <a:r>
-              <a:rPr lang="ja-JP" altLang="en-US" sz="2000" dirty="0">
-                <a:solidFill>
-                  <a:srgbClr val="03BDBA"/>
-                </a:solidFill>
-                <a:latin typeface="コーポレート・ロゴ ver2 Medium" panose="02000600000000000000" pitchFamily="50" charset="-128"/>
-                <a:ea typeface="コーポレート・ロゴ ver2 Medium" panose="02000600000000000000" pitchFamily="50" charset="-128"/>
-              </a:rPr>
-              <a:t>効かない</a:t>
-            </a:r>
-            <a:endParaRPr lang="en-US" altLang="ja-JP" sz="2000" dirty="0">
-              <a:solidFill>
-                <a:srgbClr val="03BDBA"/>
-              </a:solidFill>
-              <a:latin typeface="コーポレート・ロゴ ver2 Medium" panose="02000600000000000000" pitchFamily="50" charset="-128"/>
-              <a:ea typeface="コーポレート・ロゴ ver2 Medium" panose="02000600000000000000" pitchFamily="50" charset="-128"/>
-            </a:endParaRPr>
-          </a:p>
-          <a:p>
-            <a:r>
-              <a:rPr lang="en-US" altLang="ja-JP" sz="2000" dirty="0">
-                <a:latin typeface="コーポレート・ロゴ ver2 Medium" panose="02000600000000000000" pitchFamily="50" charset="-128"/>
-                <a:ea typeface="コーポレート・ロゴ ver2 Medium" panose="02000600000000000000" pitchFamily="50" charset="-128"/>
-              </a:rPr>
-              <a:t>         </a:t>
-            </a:r>
-            <a:r>
-              <a:rPr lang="ja-JP" altLang="en-US" sz="2000" dirty="0">
-                <a:latin typeface="コーポレート・ロゴ ver2 Medium" panose="02000600000000000000" pitchFamily="50" charset="-128"/>
-                <a:ea typeface="コーポレート・ロゴ ver2 Medium" panose="02000600000000000000" pitchFamily="50" charset="-128"/>
-              </a:rPr>
-              <a:t>⇒どの階層からでも</a:t>
-            </a:r>
-            <a:r>
-              <a:rPr lang="ja-JP" altLang="en-US" sz="2000" dirty="0">
-                <a:solidFill>
-                  <a:srgbClr val="03BDBA"/>
-                </a:solidFill>
-                <a:latin typeface="コーポレート・ロゴ ver2 Medium" panose="02000600000000000000" pitchFamily="50" charset="-128"/>
-                <a:ea typeface="コーポレート・ロゴ ver2 Medium" panose="02000600000000000000" pitchFamily="50" charset="-128"/>
-              </a:rPr>
-              <a:t>アクセスできない</a:t>
-            </a:r>
-            <a:endParaRPr lang="en-US" altLang="ja-JP" sz="2000" dirty="0">
-              <a:solidFill>
-                <a:srgbClr val="03BDBA"/>
-              </a:solidFill>
-              <a:latin typeface="コーポレート・ロゴ ver2 Medium" panose="02000600000000000000" pitchFamily="50" charset="-128"/>
-              <a:ea typeface="コーポレート・ロゴ ver2 Medium" panose="02000600000000000000" pitchFamily="50" charset="-128"/>
-            </a:endParaRPr>
-          </a:p>
-        </p:txBody>
-      </p:sp>
-      <p:sp>
-        <p:nvSpPr>
-          <p:cNvPr id="69" name="テキスト ボックス 68">
-            <a:extLst>
-              <a:ext uri="{FF2B5EF4-FFF2-40B4-BE49-F238E27FC236}">
-                <a16:creationId xmlns:a16="http://schemas.microsoft.com/office/drawing/2014/main" id="{91239564-BDCD-F8E9-425D-99ED813F9AEC}"/>
-              </a:ext>
-            </a:extLst>
-          </p:cNvPr>
-          <p:cNvSpPr txBox="1"/>
-          <p:nvPr/>
-        </p:nvSpPr>
-        <p:spPr>
-          <a:xfrm>
-            <a:off x="441665" y="1166789"/>
-            <a:ext cx="1265090" cy="461665"/>
-          </a:xfrm>
-          <a:prstGeom prst="rect">
-            <a:avLst/>
-          </a:prstGeom>
-          <a:solidFill>
-            <a:srgbClr val="04E6E1"/>
-          </a:solidFill>
-          <a:scene3d>
-            <a:camera prst="orthographicFront">
-              <a:rot lat="4800000" lon="0" rev="0"/>
-            </a:camera>
-            <a:lightRig rig="flat" dir="t"/>
-          </a:scene3d>
-          <a:sp3d z="127000" prstMaterial="matte"/>
-        </p:spPr>
-        <p:txBody>
-          <a:bodyPr wrap="none" rtlCol="0">
-            <a:spAutoFit/>
-            <a:flatTx/>
-          </a:bodyPr>
-          <a:lstStyle/>
-          <a:p>
-            <a:r>
-              <a:rPr lang="ja-JP" altLang="en-US" sz="2400" dirty="0">
-                <a:latin typeface="コーポレート・ロゴ ver2 Medium" panose="02000600000000000000" pitchFamily="50" charset="-128"/>
-                <a:ea typeface="コーポレート・ロゴ ver2 Medium" panose="02000600000000000000" pitchFamily="50" charset="-128"/>
-              </a:rPr>
-              <a:t>相対</a:t>
-            </a:r>
-            <a:r>
-              <a:rPr kumimoji="1" lang="ja-JP" altLang="en-US" sz="2400" dirty="0">
-                <a:latin typeface="コーポレート・ロゴ ver2 Medium" panose="02000600000000000000" pitchFamily="50" charset="-128"/>
-                <a:ea typeface="コーポレート・ロゴ ver2 Medium" panose="02000600000000000000" pitchFamily="50" charset="-128"/>
-              </a:rPr>
-              <a:t>パス</a:t>
-            </a:r>
-            <a:endParaRPr kumimoji="1" lang="en-US" altLang="ja-JP" sz="2400" dirty="0">
-              <a:latin typeface="コーポレート・ロゴ ver2 Medium" panose="02000600000000000000" pitchFamily="50" charset="-128"/>
-              <a:ea typeface="コーポレート・ロゴ ver2 Medium" panose="02000600000000000000" pitchFamily="50" charset="-128"/>
             </a:endParaRPr>
           </a:p>
         </p:txBody>
